--- a/PPT/Space Hunter.pptx
+++ b/PPT/Space Hunter.pptx
@@ -7,6 +7,13 @@
   <p:sldIdLst>
     <p:sldId id="256" r:id="rId2"/>
     <p:sldId id="257" r:id="rId3"/>
+    <p:sldId id="259" r:id="rId4"/>
+    <p:sldId id="261" r:id="rId5"/>
+    <p:sldId id="265" r:id="rId6"/>
+    <p:sldId id="264" r:id="rId7"/>
+    <p:sldId id="263" r:id="rId8"/>
+    <p:sldId id="260" r:id="rId9"/>
+    <p:sldId id="262" r:id="rId10"/>
   </p:sldIdLst>
   <p:sldSz cx="12192000" cy="6858000"/>
   <p:notesSz cx="6858000" cy="9144000"/>
@@ -105,6 +112,11 @@
       </a:defRPr>
     </a:lvl9pPr>
   </p:defaultTextStyle>
+  <p:extLst>
+    <p:ext uri="{EFAFB233-063F-42B5-8137-9DF3F51BA10A}">
+      <p15:sldGuideLst xmlns:p15="http://schemas.microsoft.com/office/powerpoint/2012/main"/>
+    </p:ext>
+  </p:extLst>
 </p:presentation>
 </file>
 
@@ -3312,7 +3324,7 @@
       <p:bgPr>
         <a:blipFill dpi="0" rotWithShape="1">
           <a:blip r:embed="rId2">
-            <a:alphaModFix amt="97000"/>
+            <a:alphaModFix amt="99000"/>
             <a:lum/>
           </a:blip>
           <a:srcRect/>
@@ -3484,6 +3496,42 @@
           </a:p>
         </p:txBody>
       </p:sp>
+      <p:pic>
+        <p:nvPicPr>
+          <p:cNvPr id="5" name="Kép 4">
+            <a:extLst>
+              <a:ext uri="{FF2B5EF4-FFF2-40B4-BE49-F238E27FC236}">
+                <a16:creationId xmlns:a16="http://schemas.microsoft.com/office/drawing/2014/main" id="{8B08EB6C-30E4-4A3C-81BB-05E3706E57FA}"/>
+              </a:ext>
+            </a:extLst>
+          </p:cNvPr>
+          <p:cNvPicPr>
+            <a:picLocks noChangeAspect="1"/>
+          </p:cNvPicPr>
+          <p:nvPr/>
+        </p:nvPicPr>
+        <p:blipFill>
+          <a:blip r:embed="rId3">
+            <a:extLst>
+              <a:ext uri="{28A0092B-C50C-407E-A947-70E740481C1C}">
+                <a14:useLocalDpi xmlns:a14="http://schemas.microsoft.com/office/drawing/2010/main" val="0"/>
+              </a:ext>
+            </a:extLst>
+          </a:blip>
+          <a:stretch>
+            <a:fillRect/>
+          </a:stretch>
+        </p:blipFill>
+        <p:spPr>
+          <a:xfrm rot="2799870">
+            <a:off x="189092" y="491423"/>
+            <a:ext cx="2185514" cy="1934083"/>
+          </a:xfrm>
+          <a:prstGeom prst="rect">
+            <a:avLst/>
+          </a:prstGeom>
+        </p:spPr>
+      </p:pic>
     </p:spTree>
     <p:extLst>
       <p:ext uri="{BB962C8B-B14F-4D97-AF65-F5344CB8AC3E}">
@@ -3502,16 +3550,34 @@
   <p:cSld>
     <p:bg>
       <p:bgPr>
-        <a:blipFill dpi="0" rotWithShape="1">
-          <a:blip r:embed="rId2">
-            <a:alphaModFix amt="97000"/>
-            <a:lum/>
-          </a:blip>
-          <a:srcRect/>
-          <a:stretch>
-            <a:fillRect/>
-          </a:stretch>
-        </a:blipFill>
+        <a:gradFill>
+          <a:gsLst>
+            <a:gs pos="0">
+              <a:schemeClr val="tx1">
+                <a:lumMod val="100000"/>
+              </a:schemeClr>
+            </a:gs>
+            <a:gs pos="50000">
+              <a:schemeClr val="tx1">
+                <a:lumMod val="97000"/>
+                <a:lumOff val="3000"/>
+              </a:schemeClr>
+            </a:gs>
+            <a:gs pos="75000">
+              <a:schemeClr val="tx1">
+                <a:lumMod val="92000"/>
+                <a:lumOff val="8000"/>
+              </a:schemeClr>
+            </a:gs>
+            <a:gs pos="100000">
+              <a:schemeClr val="tx1">
+                <a:lumMod val="77000"/>
+                <a:lumOff val="23000"/>
+              </a:schemeClr>
+            </a:gs>
+          </a:gsLst>
+          <a:lin ang="5400000" scaled="1"/>
+        </a:gradFill>
         <a:effectLst/>
       </p:bgPr>
     </p:bg>
@@ -3545,44 +3611,1498 @@
             <p:ph type="title"/>
           </p:nvPr>
         </p:nvSpPr>
+        <p:spPr>
+          <a:xfrm>
+            <a:off x="838200" y="365125"/>
+            <a:ext cx="10515600" cy="1325563"/>
+          </a:xfrm>
+        </p:spPr>
+        <p:txBody>
+          <a:bodyPr/>
+          <a:lstStyle/>
+          <a:p>
+            <a:r>
+              <a:rPr lang="hu-HU" dirty="0" err="1">
+                <a:solidFill>
+                  <a:schemeClr val="bg1"/>
+                </a:solidFill>
+              </a:rPr>
+              <a:t>Player</a:t>
+            </a:r>
+            <a:endParaRPr lang="hu-HU" dirty="0">
+              <a:solidFill>
+                <a:schemeClr val="bg1"/>
+              </a:solidFill>
+            </a:endParaRPr>
+          </a:p>
+        </p:txBody>
+      </p:sp>
+      <p:pic>
+        <p:nvPicPr>
+          <p:cNvPr id="39" name="Tartalom helye 36">
+            <a:extLst>
+              <a:ext uri="{FF2B5EF4-FFF2-40B4-BE49-F238E27FC236}">
+                <a16:creationId xmlns:a16="http://schemas.microsoft.com/office/drawing/2014/main" id="{0D6BD7CB-E60E-4812-B587-E8F447BF5AEA}"/>
+              </a:ext>
+            </a:extLst>
+          </p:cNvPr>
+          <p:cNvPicPr>
+            <a:picLocks noChangeAspect="1"/>
+          </p:cNvPicPr>
+          <p:nvPr/>
+        </p:nvPicPr>
+        <p:blipFill>
+          <a:blip r:embed="rId2">
+            <a:extLst>
+              <a:ext uri="{28A0092B-C50C-407E-A947-70E740481C1C}">
+                <a14:useLocalDpi xmlns:a14="http://schemas.microsoft.com/office/drawing/2010/main" val="0"/>
+              </a:ext>
+            </a:extLst>
+          </a:blip>
+          <a:stretch>
+            <a:fillRect/>
+          </a:stretch>
+        </p:blipFill>
+        <p:spPr>
+          <a:xfrm>
+            <a:off x="6852658" y="2141537"/>
+            <a:ext cx="4375755" cy="4351338"/>
+          </a:xfrm>
+          <a:prstGeom prst="rect">
+            <a:avLst/>
+          </a:prstGeom>
+        </p:spPr>
+      </p:pic>
+      <p:pic>
+        <p:nvPicPr>
+          <p:cNvPr id="29" name="Kép 28">
+            <a:extLst>
+              <a:ext uri="{FF2B5EF4-FFF2-40B4-BE49-F238E27FC236}">
+                <a16:creationId xmlns:a16="http://schemas.microsoft.com/office/drawing/2014/main" id="{005AEF49-5F64-4299-8070-ECB74364154E}"/>
+              </a:ext>
+            </a:extLst>
+          </p:cNvPr>
+          <p:cNvPicPr>
+            <a:picLocks noChangeAspect="1"/>
+          </p:cNvPicPr>
+          <p:nvPr/>
+        </p:nvPicPr>
+        <p:blipFill>
+          <a:blip r:embed="rId3">
+            <a:extLst>
+              <a:ext uri="{28A0092B-C50C-407E-A947-70E740481C1C}">
+                <a14:useLocalDpi xmlns:a14="http://schemas.microsoft.com/office/drawing/2010/main" val="0"/>
+              </a:ext>
+            </a:extLst>
+          </a:blip>
+          <a:stretch>
+            <a:fillRect/>
+          </a:stretch>
+        </p:blipFill>
+        <p:spPr>
+          <a:xfrm>
+            <a:off x="1782461" y="3847671"/>
+            <a:ext cx="4418363" cy="2645204"/>
+          </a:xfrm>
+          <a:prstGeom prst="rect">
+            <a:avLst/>
+          </a:prstGeom>
+        </p:spPr>
+      </p:pic>
+      <p:sp>
+        <p:nvSpPr>
+          <p:cNvPr id="45" name="Tartalom helye 44">
+            <a:extLst>
+              <a:ext uri="{FF2B5EF4-FFF2-40B4-BE49-F238E27FC236}">
+                <a16:creationId xmlns:a16="http://schemas.microsoft.com/office/drawing/2014/main" id="{96288605-7411-4FDE-8537-BBA85FF86938}"/>
+              </a:ext>
+            </a:extLst>
+          </p:cNvPr>
+          <p:cNvSpPr>
+            <a:spLocks noGrp="1"/>
+          </p:cNvSpPr>
+          <p:nvPr>
+            <p:ph idx="1"/>
+          </p:nvPr>
+        </p:nvSpPr>
         <p:spPr/>
         <p:txBody>
           <a:bodyPr/>
           <a:lstStyle/>
           <a:p>
-            <a:endParaRPr lang="hu-HU" dirty="0"/>
-          </a:p>
-        </p:txBody>
-      </p:sp>
-      <p:sp>
-        <p:nvSpPr>
-          <p:cNvPr id="5" name="Tartalom helye 4">
-            <a:extLst>
-              <a:ext uri="{FF2B5EF4-FFF2-40B4-BE49-F238E27FC236}">
-                <a16:creationId xmlns:a16="http://schemas.microsoft.com/office/drawing/2014/main" id="{E2EC4DCB-9364-44EB-B240-F5A7E105F110}"/>
-              </a:ext>
-            </a:extLst>
-          </p:cNvPr>
-          <p:cNvSpPr>
-            <a:spLocks noGrp="1"/>
-          </p:cNvSpPr>
-          <p:nvPr>
-            <p:ph idx="1"/>
-          </p:nvPr>
-        </p:nvSpPr>
-        <p:spPr/>
-        <p:txBody>
-          <a:bodyPr/>
-          <a:lstStyle/>
-          <a:p>
             <a:endParaRPr lang="hu-HU"/>
           </a:p>
         </p:txBody>
       </p:sp>
+      <p:pic>
+        <p:nvPicPr>
+          <p:cNvPr id="46" name="Tartalom helye 43">
+            <a:extLst>
+              <a:ext uri="{FF2B5EF4-FFF2-40B4-BE49-F238E27FC236}">
+                <a16:creationId xmlns:a16="http://schemas.microsoft.com/office/drawing/2014/main" id="{335BD61A-C5B5-40D1-A25F-C9F2181D8B03}"/>
+              </a:ext>
+            </a:extLst>
+          </p:cNvPr>
+          <p:cNvPicPr>
+            <a:picLocks noChangeAspect="1"/>
+          </p:cNvPicPr>
+          <p:nvPr/>
+        </p:nvPicPr>
+        <p:blipFill>
+          <a:blip r:embed="rId4">
+            <a:extLst>
+              <a:ext uri="{28A0092B-C50C-407E-A947-70E740481C1C}">
+                <a14:useLocalDpi xmlns:a14="http://schemas.microsoft.com/office/drawing/2010/main" val="0"/>
+              </a:ext>
+            </a:extLst>
+          </a:blip>
+          <a:stretch>
+            <a:fillRect/>
+          </a:stretch>
+        </p:blipFill>
+        <p:spPr>
+          <a:xfrm rot="5400000">
+            <a:off x="2709131" y="483399"/>
+            <a:ext cx="1086002" cy="962159"/>
+          </a:xfrm>
+          <a:prstGeom prst="rect">
+            <a:avLst/>
+          </a:prstGeom>
+        </p:spPr>
+      </p:pic>
     </p:spTree>
     <p:extLst>
       <p:ext uri="{BB962C8B-B14F-4D97-AF65-F5344CB8AC3E}">
         <p14:creationId xmlns:p14="http://schemas.microsoft.com/office/powerpoint/2010/main" val="3156071512"/>
+      </p:ext>
+    </p:extLst>
+  </p:cSld>
+  <p:clrMapOvr>
+    <a:masterClrMapping/>
+  </p:clrMapOvr>
+</p:sld>
+</file>
+
+<file path=ppt/slides/slide3.xml><?xml version="1.0" encoding="utf-8"?>
+<p:sld xmlns:a="http://schemas.openxmlformats.org/drawingml/2006/main" xmlns:r="http://schemas.openxmlformats.org/officeDocument/2006/relationships" xmlns:p="http://schemas.openxmlformats.org/presentationml/2006/main">
+  <p:cSld>
+    <p:bg>
+      <p:bgPr>
+        <a:gradFill>
+          <a:gsLst>
+            <a:gs pos="0">
+              <a:schemeClr val="tx1">
+                <a:lumMod val="100000"/>
+              </a:schemeClr>
+            </a:gs>
+            <a:gs pos="50000">
+              <a:schemeClr val="tx1">
+                <a:lumMod val="97000"/>
+                <a:lumOff val="3000"/>
+              </a:schemeClr>
+            </a:gs>
+            <a:gs pos="75000">
+              <a:schemeClr val="tx1">
+                <a:lumMod val="92000"/>
+                <a:lumOff val="8000"/>
+              </a:schemeClr>
+            </a:gs>
+            <a:gs pos="100000">
+              <a:schemeClr val="tx1">
+                <a:lumMod val="77000"/>
+                <a:lumOff val="23000"/>
+              </a:schemeClr>
+            </a:gs>
+          </a:gsLst>
+          <a:lin ang="5400000" scaled="1"/>
+        </a:gradFill>
+        <a:effectLst/>
+      </p:bgPr>
+    </p:bg>
+    <p:spTree>
+      <p:nvGrpSpPr>
+        <p:cNvPr id="1" name=""/>
+        <p:cNvGrpSpPr/>
+        <p:nvPr/>
+      </p:nvGrpSpPr>
+      <p:grpSpPr>
+        <a:xfrm>
+          <a:off x="0" y="0"/>
+          <a:ext cx="0" cy="0"/>
+          <a:chOff x="0" y="0"/>
+          <a:chExt cx="0" cy="0"/>
+        </a:xfrm>
+      </p:grpSpPr>
+      <p:sp>
+        <p:nvSpPr>
+          <p:cNvPr id="4" name="Cím 3">
+            <a:extLst>
+              <a:ext uri="{FF2B5EF4-FFF2-40B4-BE49-F238E27FC236}">
+                <a16:creationId xmlns:a16="http://schemas.microsoft.com/office/drawing/2014/main" id="{453596F3-FBA1-41AF-9C15-80D5B1DE01AC}"/>
+              </a:ext>
+            </a:extLst>
+          </p:cNvPr>
+          <p:cNvSpPr>
+            <a:spLocks noGrp="1"/>
+          </p:cNvSpPr>
+          <p:nvPr>
+            <p:ph type="title"/>
+          </p:nvPr>
+        </p:nvSpPr>
+        <p:spPr>
+          <a:xfrm>
+            <a:off x="838200" y="365125"/>
+            <a:ext cx="10515600" cy="1325563"/>
+          </a:xfrm>
+        </p:spPr>
+        <p:txBody>
+          <a:bodyPr/>
+          <a:lstStyle/>
+          <a:p>
+            <a:r>
+              <a:rPr lang="hu-HU" dirty="0" err="1">
+                <a:solidFill>
+                  <a:schemeClr val="bg1"/>
+                </a:solidFill>
+              </a:rPr>
+              <a:t>Asteriod</a:t>
+            </a:r>
+            <a:r>
+              <a:rPr lang="hu-HU" dirty="0">
+                <a:solidFill>
+                  <a:schemeClr val="bg1"/>
+                </a:solidFill>
+              </a:rPr>
+              <a:t>(még nincs kép)</a:t>
+            </a:r>
+          </a:p>
+        </p:txBody>
+      </p:sp>
+      <p:sp>
+        <p:nvSpPr>
+          <p:cNvPr id="24" name="Tartalom helye 23">
+            <a:extLst>
+              <a:ext uri="{FF2B5EF4-FFF2-40B4-BE49-F238E27FC236}">
+                <a16:creationId xmlns:a16="http://schemas.microsoft.com/office/drawing/2014/main" id="{9DA10C76-7C11-477A-86EA-040764257E6D}"/>
+              </a:ext>
+            </a:extLst>
+          </p:cNvPr>
+          <p:cNvSpPr>
+            <a:spLocks noGrp="1"/>
+          </p:cNvSpPr>
+          <p:nvPr>
+            <p:ph idx="1"/>
+          </p:nvPr>
+        </p:nvSpPr>
+        <p:spPr>
+          <a:xfrm>
+            <a:off x="838200" y="1690688"/>
+            <a:ext cx="10515600" cy="4486275"/>
+          </a:xfrm>
+        </p:spPr>
+        <p:txBody>
+          <a:bodyPr/>
+          <a:lstStyle/>
+          <a:p>
+            <a:endParaRPr lang="hu-HU" dirty="0"/>
+          </a:p>
+        </p:txBody>
+      </p:sp>
+      <p:pic>
+        <p:nvPicPr>
+          <p:cNvPr id="32" name="Tartalom helye 40">
+            <a:extLst>
+              <a:ext uri="{FF2B5EF4-FFF2-40B4-BE49-F238E27FC236}">
+                <a16:creationId xmlns:a16="http://schemas.microsoft.com/office/drawing/2014/main" id="{94E79D0C-3D58-4F68-833D-3A1669753B83}"/>
+              </a:ext>
+            </a:extLst>
+          </p:cNvPr>
+          <p:cNvPicPr>
+            <a:picLocks noChangeAspect="1"/>
+          </p:cNvPicPr>
+          <p:nvPr/>
+        </p:nvPicPr>
+        <p:blipFill>
+          <a:blip r:embed="rId2">
+            <a:extLst>
+              <a:ext uri="{28A0092B-C50C-407E-A947-70E740481C1C}">
+                <a14:useLocalDpi xmlns:a14="http://schemas.microsoft.com/office/drawing/2010/main" val="0"/>
+              </a:ext>
+            </a:extLst>
+          </a:blip>
+          <a:stretch>
+            <a:fillRect/>
+          </a:stretch>
+        </p:blipFill>
+        <p:spPr>
+          <a:xfrm>
+            <a:off x="3733006" y="1450975"/>
+            <a:ext cx="4725988" cy="4725988"/>
+          </a:xfrm>
+          <a:prstGeom prst="rect">
+            <a:avLst/>
+          </a:prstGeom>
+        </p:spPr>
+      </p:pic>
+    </p:spTree>
+    <p:extLst>
+      <p:ext uri="{BB962C8B-B14F-4D97-AF65-F5344CB8AC3E}">
+        <p14:creationId xmlns:p14="http://schemas.microsoft.com/office/powerpoint/2010/main" val="501682490"/>
+      </p:ext>
+    </p:extLst>
+  </p:cSld>
+  <p:clrMapOvr>
+    <a:masterClrMapping/>
+  </p:clrMapOvr>
+</p:sld>
+</file>
+
+<file path=ppt/slides/slide4.xml><?xml version="1.0" encoding="utf-8"?>
+<p:sld xmlns:a="http://schemas.openxmlformats.org/drawingml/2006/main" xmlns:r="http://schemas.openxmlformats.org/officeDocument/2006/relationships" xmlns:p="http://schemas.openxmlformats.org/presentationml/2006/main">
+  <p:cSld>
+    <p:bg>
+      <p:bgPr>
+        <a:gradFill>
+          <a:gsLst>
+            <a:gs pos="0">
+              <a:schemeClr val="tx1">
+                <a:lumMod val="100000"/>
+              </a:schemeClr>
+            </a:gs>
+            <a:gs pos="50000">
+              <a:schemeClr val="tx1">
+                <a:lumMod val="97000"/>
+                <a:lumOff val="3000"/>
+              </a:schemeClr>
+            </a:gs>
+            <a:gs pos="75000">
+              <a:schemeClr val="tx1">
+                <a:lumMod val="92000"/>
+                <a:lumOff val="8000"/>
+              </a:schemeClr>
+            </a:gs>
+            <a:gs pos="100000">
+              <a:schemeClr val="tx1">
+                <a:lumMod val="77000"/>
+                <a:lumOff val="23000"/>
+              </a:schemeClr>
+            </a:gs>
+          </a:gsLst>
+          <a:lin ang="5400000" scaled="1"/>
+        </a:gradFill>
+        <a:effectLst/>
+      </p:bgPr>
+    </p:bg>
+    <p:spTree>
+      <p:nvGrpSpPr>
+        <p:cNvPr id="1" name=""/>
+        <p:cNvGrpSpPr/>
+        <p:nvPr/>
+      </p:nvGrpSpPr>
+      <p:grpSpPr>
+        <a:xfrm>
+          <a:off x="0" y="0"/>
+          <a:ext cx="0" cy="0"/>
+          <a:chOff x="0" y="0"/>
+          <a:chExt cx="0" cy="0"/>
+        </a:xfrm>
+      </p:grpSpPr>
+      <p:sp>
+        <p:nvSpPr>
+          <p:cNvPr id="4" name="Cím 3">
+            <a:extLst>
+              <a:ext uri="{FF2B5EF4-FFF2-40B4-BE49-F238E27FC236}">
+                <a16:creationId xmlns:a16="http://schemas.microsoft.com/office/drawing/2014/main" id="{453596F3-FBA1-41AF-9C15-80D5B1DE01AC}"/>
+              </a:ext>
+            </a:extLst>
+          </p:cNvPr>
+          <p:cNvSpPr>
+            <a:spLocks noGrp="1"/>
+          </p:cNvSpPr>
+          <p:nvPr>
+            <p:ph type="title"/>
+          </p:nvPr>
+        </p:nvSpPr>
+        <p:spPr>
+          <a:xfrm>
+            <a:off x="838200" y="365125"/>
+            <a:ext cx="10515600" cy="1325563"/>
+          </a:xfrm>
+        </p:spPr>
+        <p:txBody>
+          <a:bodyPr/>
+          <a:lstStyle/>
+          <a:p>
+            <a:r>
+              <a:rPr lang="hu-HU" dirty="0" err="1">
+                <a:solidFill>
+                  <a:schemeClr val="bg1"/>
+                </a:solidFill>
+              </a:rPr>
+              <a:t>Bullets</a:t>
+            </a:r>
+            <a:endParaRPr lang="hu-HU" dirty="0">
+              <a:solidFill>
+                <a:schemeClr val="bg1"/>
+              </a:solidFill>
+            </a:endParaRPr>
+          </a:p>
+        </p:txBody>
+      </p:sp>
+      <p:pic>
+        <p:nvPicPr>
+          <p:cNvPr id="7" name="Tartalom helye 2">
+            <a:extLst>
+              <a:ext uri="{FF2B5EF4-FFF2-40B4-BE49-F238E27FC236}">
+                <a16:creationId xmlns:a16="http://schemas.microsoft.com/office/drawing/2014/main" id="{944662CF-6F2F-4933-8F2A-CAC27D1D0F9E}"/>
+              </a:ext>
+            </a:extLst>
+          </p:cNvPr>
+          <p:cNvPicPr>
+            <a:picLocks noChangeAspect="1"/>
+          </p:cNvPicPr>
+          <p:nvPr/>
+        </p:nvPicPr>
+        <p:blipFill>
+          <a:blip r:embed="rId2">
+            <a:extLst>
+              <a:ext uri="{28A0092B-C50C-407E-A947-70E740481C1C}">
+                <a14:useLocalDpi xmlns:a14="http://schemas.microsoft.com/office/drawing/2010/main" val="0"/>
+              </a:ext>
+            </a:extLst>
+          </a:blip>
+          <a:stretch>
+            <a:fillRect/>
+          </a:stretch>
+        </p:blipFill>
+        <p:spPr>
+          <a:xfrm>
+            <a:off x="3685366" y="1690688"/>
+            <a:ext cx="4821267" cy="4486275"/>
+          </a:xfrm>
+          <a:prstGeom prst="rect">
+            <a:avLst/>
+          </a:prstGeom>
+        </p:spPr>
+      </p:pic>
+      <p:sp>
+        <p:nvSpPr>
+          <p:cNvPr id="11" name="Tartalom helye 10">
+            <a:extLst>
+              <a:ext uri="{FF2B5EF4-FFF2-40B4-BE49-F238E27FC236}">
+                <a16:creationId xmlns:a16="http://schemas.microsoft.com/office/drawing/2014/main" id="{947E80FE-B3D4-4B7F-93D9-FDD49AF72B33}"/>
+              </a:ext>
+            </a:extLst>
+          </p:cNvPr>
+          <p:cNvSpPr>
+            <a:spLocks noGrp="1"/>
+          </p:cNvSpPr>
+          <p:nvPr>
+            <p:ph idx="1"/>
+          </p:nvPr>
+        </p:nvSpPr>
+        <p:spPr/>
+        <p:txBody>
+          <a:bodyPr/>
+          <a:lstStyle/>
+          <a:p>
+            <a:endParaRPr lang="hu-HU" dirty="0">
+              <a:solidFill>
+                <a:schemeClr val="bg1"/>
+              </a:solidFill>
+            </a:endParaRPr>
+          </a:p>
+        </p:txBody>
+      </p:sp>
+      <p:pic>
+        <p:nvPicPr>
+          <p:cNvPr id="13" name="Tartalom helye 7">
+            <a:extLst>
+              <a:ext uri="{FF2B5EF4-FFF2-40B4-BE49-F238E27FC236}">
+                <a16:creationId xmlns:a16="http://schemas.microsoft.com/office/drawing/2014/main" id="{83F8892C-906D-4FFF-903A-170338DAB96A}"/>
+              </a:ext>
+            </a:extLst>
+          </p:cNvPr>
+          <p:cNvPicPr>
+            <a:picLocks noChangeAspect="1"/>
+          </p:cNvPicPr>
+          <p:nvPr/>
+        </p:nvPicPr>
+        <p:blipFill>
+          <a:blip r:embed="rId3">
+            <a:extLst>
+              <a:ext uri="{28A0092B-C50C-407E-A947-70E740481C1C}">
+                <a14:useLocalDpi xmlns:a14="http://schemas.microsoft.com/office/drawing/2010/main" val="0"/>
+              </a:ext>
+            </a:extLst>
+          </a:blip>
+          <a:stretch>
+            <a:fillRect/>
+          </a:stretch>
+        </p:blipFill>
+        <p:spPr>
+          <a:xfrm>
+            <a:off x="2745560" y="4585290"/>
+            <a:ext cx="476250" cy="476250"/>
+          </a:xfrm>
+          <a:prstGeom prst="rect">
+            <a:avLst/>
+          </a:prstGeom>
+        </p:spPr>
+      </p:pic>
+      <p:pic>
+        <p:nvPicPr>
+          <p:cNvPr id="14" name="Kép 13">
+            <a:extLst>
+              <a:ext uri="{FF2B5EF4-FFF2-40B4-BE49-F238E27FC236}">
+                <a16:creationId xmlns:a16="http://schemas.microsoft.com/office/drawing/2014/main" id="{B7376CB5-2382-4F91-8853-C498D51C3D57}"/>
+              </a:ext>
+            </a:extLst>
+          </p:cNvPr>
+          <p:cNvPicPr>
+            <a:picLocks noChangeAspect="1"/>
+          </p:cNvPicPr>
+          <p:nvPr/>
+        </p:nvPicPr>
+        <p:blipFill>
+          <a:blip r:embed="rId4">
+            <a:extLst>
+              <a:ext uri="{28A0092B-C50C-407E-A947-70E740481C1C}">
+                <a14:useLocalDpi xmlns:a14="http://schemas.microsoft.com/office/drawing/2010/main" val="0"/>
+              </a:ext>
+            </a:extLst>
+          </a:blip>
+          <a:stretch>
+            <a:fillRect/>
+          </a:stretch>
+        </p:blipFill>
+        <p:spPr>
+          <a:xfrm>
+            <a:off x="3071729" y="3290541"/>
+            <a:ext cx="476250" cy="476250"/>
+          </a:xfrm>
+          <a:prstGeom prst="rect">
+            <a:avLst/>
+          </a:prstGeom>
+        </p:spPr>
+      </p:pic>
+    </p:spTree>
+    <p:extLst>
+      <p:ext uri="{BB962C8B-B14F-4D97-AF65-F5344CB8AC3E}">
+        <p14:creationId xmlns:p14="http://schemas.microsoft.com/office/powerpoint/2010/main" val="905483556"/>
+      </p:ext>
+    </p:extLst>
+  </p:cSld>
+  <p:clrMapOvr>
+    <a:masterClrMapping/>
+  </p:clrMapOvr>
+</p:sld>
+</file>
+
+<file path=ppt/slides/slide5.xml><?xml version="1.0" encoding="utf-8"?>
+<p:sld xmlns:a="http://schemas.openxmlformats.org/drawingml/2006/main" xmlns:r="http://schemas.openxmlformats.org/officeDocument/2006/relationships" xmlns:p="http://schemas.openxmlformats.org/presentationml/2006/main">
+  <p:cSld>
+    <p:bg>
+      <p:bgPr>
+        <a:gradFill>
+          <a:gsLst>
+            <a:gs pos="0">
+              <a:schemeClr val="tx1">
+                <a:lumMod val="100000"/>
+              </a:schemeClr>
+            </a:gs>
+            <a:gs pos="50000">
+              <a:schemeClr val="tx1">
+                <a:lumMod val="97000"/>
+                <a:lumOff val="3000"/>
+              </a:schemeClr>
+            </a:gs>
+            <a:gs pos="75000">
+              <a:schemeClr val="tx1">
+                <a:lumMod val="92000"/>
+                <a:lumOff val="8000"/>
+              </a:schemeClr>
+            </a:gs>
+            <a:gs pos="100000">
+              <a:schemeClr val="tx1">
+                <a:lumMod val="77000"/>
+                <a:lumOff val="23000"/>
+              </a:schemeClr>
+            </a:gs>
+          </a:gsLst>
+          <a:lin ang="5400000" scaled="1"/>
+        </a:gradFill>
+        <a:effectLst/>
+      </p:bgPr>
+    </p:bg>
+    <p:spTree>
+      <p:nvGrpSpPr>
+        <p:cNvPr id="1" name=""/>
+        <p:cNvGrpSpPr/>
+        <p:nvPr/>
+      </p:nvGrpSpPr>
+      <p:grpSpPr>
+        <a:xfrm>
+          <a:off x="0" y="0"/>
+          <a:ext cx="0" cy="0"/>
+          <a:chOff x="0" y="0"/>
+          <a:chExt cx="0" cy="0"/>
+        </a:xfrm>
+      </p:grpSpPr>
+      <p:sp>
+        <p:nvSpPr>
+          <p:cNvPr id="4" name="Cím 3">
+            <a:extLst>
+              <a:ext uri="{FF2B5EF4-FFF2-40B4-BE49-F238E27FC236}">
+                <a16:creationId xmlns:a16="http://schemas.microsoft.com/office/drawing/2014/main" id="{453596F3-FBA1-41AF-9C15-80D5B1DE01AC}"/>
+              </a:ext>
+            </a:extLst>
+          </p:cNvPr>
+          <p:cNvSpPr>
+            <a:spLocks noGrp="1"/>
+          </p:cNvSpPr>
+          <p:nvPr>
+            <p:ph type="title"/>
+          </p:nvPr>
+        </p:nvSpPr>
+        <p:spPr>
+          <a:xfrm>
+            <a:off x="838200" y="365125"/>
+            <a:ext cx="10515600" cy="1325563"/>
+          </a:xfrm>
+        </p:spPr>
+        <p:txBody>
+          <a:bodyPr/>
+          <a:lstStyle/>
+          <a:p>
+            <a:r>
+              <a:rPr lang="hu-HU" dirty="0" err="1">
+                <a:solidFill>
+                  <a:schemeClr val="bg1"/>
+                </a:solidFill>
+              </a:rPr>
+              <a:t>Főmenü</a:t>
+            </a:r>
+            <a:r>
+              <a:rPr lang="hu-HU" dirty="0">
+                <a:solidFill>
+                  <a:schemeClr val="bg1"/>
+                </a:solidFill>
+              </a:rPr>
+              <a:t>:</a:t>
+            </a:r>
+          </a:p>
+        </p:txBody>
+      </p:sp>
+      <p:sp>
+        <p:nvSpPr>
+          <p:cNvPr id="15" name="Tartalom helye 14">
+            <a:extLst>
+              <a:ext uri="{FF2B5EF4-FFF2-40B4-BE49-F238E27FC236}">
+                <a16:creationId xmlns:a16="http://schemas.microsoft.com/office/drawing/2014/main" id="{EEDCF497-0F76-4D86-A425-DDC2D870D5BA}"/>
+              </a:ext>
+            </a:extLst>
+          </p:cNvPr>
+          <p:cNvSpPr>
+            <a:spLocks noGrp="1"/>
+          </p:cNvSpPr>
+          <p:nvPr>
+            <p:ph idx="1"/>
+          </p:nvPr>
+        </p:nvSpPr>
+        <p:spPr>
+          <a:xfrm>
+            <a:off x="838200" y="1551963"/>
+            <a:ext cx="10515600" cy="4624999"/>
+          </a:xfrm>
+        </p:spPr>
+        <p:txBody>
+          <a:bodyPr/>
+          <a:lstStyle/>
+          <a:p>
+            <a:endParaRPr lang="hu-HU" dirty="0"/>
+          </a:p>
+        </p:txBody>
+      </p:sp>
+      <p:pic>
+        <p:nvPicPr>
+          <p:cNvPr id="9" name="Tartalom helye 2">
+            <a:extLst>
+              <a:ext uri="{FF2B5EF4-FFF2-40B4-BE49-F238E27FC236}">
+                <a16:creationId xmlns:a16="http://schemas.microsoft.com/office/drawing/2014/main" id="{CBC22FEA-5F08-4168-9119-16B09AAE02A1}"/>
+              </a:ext>
+            </a:extLst>
+          </p:cNvPr>
+          <p:cNvPicPr>
+            <a:picLocks noChangeAspect="1"/>
+          </p:cNvPicPr>
+          <p:nvPr/>
+        </p:nvPicPr>
+        <p:blipFill>
+          <a:blip r:embed="rId2">
+            <a:extLst>
+              <a:ext uri="{28A0092B-C50C-407E-A947-70E740481C1C}">
+                <a14:useLocalDpi xmlns:a14="http://schemas.microsoft.com/office/drawing/2010/main" val="0"/>
+              </a:ext>
+            </a:extLst>
+          </a:blip>
+          <a:stretch>
+            <a:fillRect/>
+          </a:stretch>
+        </p:blipFill>
+        <p:spPr>
+          <a:xfrm>
+            <a:off x="6861847" y="1027906"/>
+            <a:ext cx="3451367" cy="4486275"/>
+          </a:xfrm>
+          <a:prstGeom prst="rect">
+            <a:avLst/>
+          </a:prstGeom>
+        </p:spPr>
+      </p:pic>
+      <p:pic>
+        <p:nvPicPr>
+          <p:cNvPr id="10" name="Kép 9">
+            <a:extLst>
+              <a:ext uri="{FF2B5EF4-FFF2-40B4-BE49-F238E27FC236}">
+                <a16:creationId xmlns:a16="http://schemas.microsoft.com/office/drawing/2014/main" id="{0CB4FFA5-8D87-4925-81CC-06B431A039A1}"/>
+              </a:ext>
+            </a:extLst>
+          </p:cNvPr>
+          <p:cNvPicPr>
+            <a:picLocks noChangeAspect="1"/>
+          </p:cNvPicPr>
+          <p:nvPr/>
+        </p:nvPicPr>
+        <p:blipFill>
+          <a:blip r:embed="rId3">
+            <a:extLst>
+              <a:ext uri="{28A0092B-C50C-407E-A947-70E740481C1C}">
+                <a14:useLocalDpi xmlns:a14="http://schemas.microsoft.com/office/drawing/2010/main" val="0"/>
+              </a:ext>
+            </a:extLst>
+          </a:blip>
+          <a:stretch>
+            <a:fillRect/>
+          </a:stretch>
+        </p:blipFill>
+        <p:spPr>
+          <a:xfrm>
+            <a:off x="1757484" y="2008654"/>
+            <a:ext cx="3748839" cy="3711616"/>
+          </a:xfrm>
+          <a:prstGeom prst="rect">
+            <a:avLst/>
+          </a:prstGeom>
+        </p:spPr>
+      </p:pic>
+      <p:pic>
+        <p:nvPicPr>
+          <p:cNvPr id="20" name="Tartalom helye 7">
+            <a:extLst>
+              <a:ext uri="{FF2B5EF4-FFF2-40B4-BE49-F238E27FC236}">
+                <a16:creationId xmlns:a16="http://schemas.microsoft.com/office/drawing/2014/main" id="{A027C928-F5B3-4964-945B-1166A10B60F5}"/>
+              </a:ext>
+            </a:extLst>
+          </p:cNvPr>
+          <p:cNvPicPr>
+            <a:picLocks noChangeAspect="1"/>
+          </p:cNvPicPr>
+          <p:nvPr/>
+        </p:nvPicPr>
+        <p:blipFill>
+          <a:blip r:embed="rId4">
+            <a:extLst>
+              <a:ext uri="{28A0092B-C50C-407E-A947-70E740481C1C}">
+                <a14:useLocalDpi xmlns:a14="http://schemas.microsoft.com/office/drawing/2010/main" val="0"/>
+              </a:ext>
+            </a:extLst>
+          </a:blip>
+          <a:stretch>
+            <a:fillRect/>
+          </a:stretch>
+        </p:blipFill>
+        <p:spPr>
+          <a:xfrm>
+            <a:off x="718224" y="744543"/>
+            <a:ext cx="3765287" cy="1961529"/>
+          </a:xfrm>
+          <a:prstGeom prst="rect">
+            <a:avLst/>
+          </a:prstGeom>
+        </p:spPr>
+      </p:pic>
+    </p:spTree>
+    <p:extLst>
+      <p:ext uri="{BB962C8B-B14F-4D97-AF65-F5344CB8AC3E}">
+        <p14:creationId xmlns:p14="http://schemas.microsoft.com/office/powerpoint/2010/main" val="1900979083"/>
+      </p:ext>
+    </p:extLst>
+  </p:cSld>
+  <p:clrMapOvr>
+    <a:masterClrMapping/>
+  </p:clrMapOvr>
+</p:sld>
+</file>
+
+<file path=ppt/slides/slide6.xml><?xml version="1.0" encoding="utf-8"?>
+<p:sld xmlns:a="http://schemas.openxmlformats.org/drawingml/2006/main" xmlns:r="http://schemas.openxmlformats.org/officeDocument/2006/relationships" xmlns:p="http://schemas.openxmlformats.org/presentationml/2006/main">
+  <p:cSld>
+    <p:bg>
+      <p:bgPr>
+        <a:gradFill>
+          <a:gsLst>
+            <a:gs pos="0">
+              <a:schemeClr val="tx1">
+                <a:lumMod val="100000"/>
+              </a:schemeClr>
+            </a:gs>
+            <a:gs pos="50000">
+              <a:schemeClr val="tx1">
+                <a:lumMod val="97000"/>
+                <a:lumOff val="3000"/>
+              </a:schemeClr>
+            </a:gs>
+            <a:gs pos="75000">
+              <a:schemeClr val="tx1">
+                <a:lumMod val="92000"/>
+                <a:lumOff val="8000"/>
+              </a:schemeClr>
+            </a:gs>
+            <a:gs pos="100000">
+              <a:schemeClr val="tx1">
+                <a:lumMod val="77000"/>
+                <a:lumOff val="23000"/>
+              </a:schemeClr>
+            </a:gs>
+          </a:gsLst>
+          <a:lin ang="5400000" scaled="1"/>
+        </a:gradFill>
+        <a:effectLst/>
+      </p:bgPr>
+    </p:bg>
+    <p:spTree>
+      <p:nvGrpSpPr>
+        <p:cNvPr id="1" name=""/>
+        <p:cNvGrpSpPr/>
+        <p:nvPr/>
+      </p:nvGrpSpPr>
+      <p:grpSpPr>
+        <a:xfrm>
+          <a:off x="0" y="0"/>
+          <a:ext cx="0" cy="0"/>
+          <a:chOff x="0" y="0"/>
+          <a:chExt cx="0" cy="0"/>
+        </a:xfrm>
+      </p:grpSpPr>
+      <p:sp>
+        <p:nvSpPr>
+          <p:cNvPr id="4" name="Cím 3">
+            <a:extLst>
+              <a:ext uri="{FF2B5EF4-FFF2-40B4-BE49-F238E27FC236}">
+                <a16:creationId xmlns:a16="http://schemas.microsoft.com/office/drawing/2014/main" id="{453596F3-FBA1-41AF-9C15-80D5B1DE01AC}"/>
+              </a:ext>
+            </a:extLst>
+          </p:cNvPr>
+          <p:cNvSpPr>
+            <a:spLocks noGrp="1"/>
+          </p:cNvSpPr>
+          <p:nvPr>
+            <p:ph type="title"/>
+          </p:nvPr>
+        </p:nvSpPr>
+        <p:spPr>
+          <a:xfrm>
+            <a:off x="838200" y="365125"/>
+            <a:ext cx="10515600" cy="1325563"/>
+          </a:xfrm>
+        </p:spPr>
+        <p:txBody>
+          <a:bodyPr/>
+          <a:lstStyle/>
+          <a:p>
+            <a:r>
+              <a:rPr lang="hu-HU" dirty="0">
+                <a:solidFill>
+                  <a:schemeClr val="bg1"/>
+                </a:solidFill>
+              </a:rPr>
+              <a:t>Egyéb menük:</a:t>
+            </a:r>
+          </a:p>
+        </p:txBody>
+      </p:sp>
+      <p:sp>
+        <p:nvSpPr>
+          <p:cNvPr id="24" name="Tartalom helye 23">
+            <a:extLst>
+              <a:ext uri="{FF2B5EF4-FFF2-40B4-BE49-F238E27FC236}">
+                <a16:creationId xmlns:a16="http://schemas.microsoft.com/office/drawing/2014/main" id="{9DA10C76-7C11-477A-86EA-040764257E6D}"/>
+              </a:ext>
+            </a:extLst>
+          </p:cNvPr>
+          <p:cNvSpPr>
+            <a:spLocks noGrp="1"/>
+          </p:cNvSpPr>
+          <p:nvPr>
+            <p:ph idx="1"/>
+          </p:nvPr>
+        </p:nvSpPr>
+        <p:spPr>
+          <a:xfrm>
+            <a:off x="838200" y="1690688"/>
+            <a:ext cx="10515600" cy="4486275"/>
+          </a:xfrm>
+        </p:spPr>
+        <p:txBody>
+          <a:bodyPr/>
+          <a:lstStyle/>
+          <a:p>
+            <a:endParaRPr lang="hu-HU" dirty="0"/>
+          </a:p>
+        </p:txBody>
+      </p:sp>
+      <p:pic>
+        <p:nvPicPr>
+          <p:cNvPr id="5" name="Kép 4">
+            <a:extLst>
+              <a:ext uri="{FF2B5EF4-FFF2-40B4-BE49-F238E27FC236}">
+                <a16:creationId xmlns:a16="http://schemas.microsoft.com/office/drawing/2014/main" id="{0F097653-9877-45FC-8A55-A3C2AA3891B0}"/>
+              </a:ext>
+            </a:extLst>
+          </p:cNvPr>
+          <p:cNvPicPr>
+            <a:picLocks noChangeAspect="1"/>
+          </p:cNvPicPr>
+          <p:nvPr/>
+        </p:nvPicPr>
+        <p:blipFill>
+          <a:blip r:embed="rId2">
+            <a:extLst>
+              <a:ext uri="{28A0092B-C50C-407E-A947-70E740481C1C}">
+                <a14:useLocalDpi xmlns:a14="http://schemas.microsoft.com/office/drawing/2010/main" val="0"/>
+              </a:ext>
+            </a:extLst>
+          </a:blip>
+          <a:stretch>
+            <a:fillRect/>
+          </a:stretch>
+        </p:blipFill>
+        <p:spPr>
+          <a:xfrm>
+            <a:off x="6643078" y="1884042"/>
+            <a:ext cx="5487402" cy="2760913"/>
+          </a:xfrm>
+          <a:prstGeom prst="rect">
+            <a:avLst/>
+          </a:prstGeom>
+        </p:spPr>
+      </p:pic>
+      <p:pic>
+        <p:nvPicPr>
+          <p:cNvPr id="6" name="Tartalom helye 10">
+            <a:extLst>
+              <a:ext uri="{FF2B5EF4-FFF2-40B4-BE49-F238E27FC236}">
+                <a16:creationId xmlns:a16="http://schemas.microsoft.com/office/drawing/2014/main" id="{4B72CFFB-8066-42A0-A357-04871A71BA3F}"/>
+              </a:ext>
+            </a:extLst>
+          </p:cNvPr>
+          <p:cNvPicPr>
+            <a:picLocks noChangeAspect="1"/>
+          </p:cNvPicPr>
+          <p:nvPr/>
+        </p:nvPicPr>
+        <p:blipFill>
+          <a:blip r:embed="rId3">
+            <a:extLst>
+              <a:ext uri="{28A0092B-C50C-407E-A947-70E740481C1C}">
+                <a14:useLocalDpi xmlns:a14="http://schemas.microsoft.com/office/drawing/2010/main" val="0"/>
+              </a:ext>
+            </a:extLst>
+          </a:blip>
+          <a:stretch>
+            <a:fillRect/>
+          </a:stretch>
+        </p:blipFill>
+        <p:spPr>
+          <a:xfrm>
+            <a:off x="1725601" y="4218503"/>
+            <a:ext cx="3934077" cy="1958459"/>
+          </a:xfrm>
+          <a:prstGeom prst="rect">
+            <a:avLst/>
+          </a:prstGeom>
+        </p:spPr>
+      </p:pic>
+    </p:spTree>
+    <p:extLst>
+      <p:ext uri="{BB962C8B-B14F-4D97-AF65-F5344CB8AC3E}">
+        <p14:creationId xmlns:p14="http://schemas.microsoft.com/office/powerpoint/2010/main" val="2206768129"/>
+      </p:ext>
+    </p:extLst>
+  </p:cSld>
+  <p:clrMapOvr>
+    <a:masterClrMapping/>
+  </p:clrMapOvr>
+</p:sld>
+</file>
+
+<file path=ppt/slides/slide7.xml><?xml version="1.0" encoding="utf-8"?>
+<p:sld xmlns:a="http://schemas.openxmlformats.org/drawingml/2006/main" xmlns:r="http://schemas.openxmlformats.org/officeDocument/2006/relationships" xmlns:p="http://schemas.openxmlformats.org/presentationml/2006/main">
+  <p:cSld>
+    <p:bg>
+      <p:bgPr>
+        <a:gradFill>
+          <a:gsLst>
+            <a:gs pos="0">
+              <a:schemeClr val="tx1">
+                <a:lumMod val="100000"/>
+              </a:schemeClr>
+            </a:gs>
+            <a:gs pos="50000">
+              <a:schemeClr val="tx1">
+                <a:lumMod val="97000"/>
+                <a:lumOff val="3000"/>
+              </a:schemeClr>
+            </a:gs>
+            <a:gs pos="75000">
+              <a:schemeClr val="tx1">
+                <a:lumMod val="92000"/>
+                <a:lumOff val="8000"/>
+              </a:schemeClr>
+            </a:gs>
+            <a:gs pos="100000">
+              <a:schemeClr val="tx1">
+                <a:lumMod val="77000"/>
+                <a:lumOff val="23000"/>
+              </a:schemeClr>
+            </a:gs>
+          </a:gsLst>
+          <a:lin ang="5400000" scaled="1"/>
+        </a:gradFill>
+        <a:effectLst/>
+      </p:bgPr>
+    </p:bg>
+    <p:spTree>
+      <p:nvGrpSpPr>
+        <p:cNvPr id="1" name=""/>
+        <p:cNvGrpSpPr/>
+        <p:nvPr/>
+      </p:nvGrpSpPr>
+      <p:grpSpPr>
+        <a:xfrm>
+          <a:off x="0" y="0"/>
+          <a:ext cx="0" cy="0"/>
+          <a:chOff x="0" y="0"/>
+          <a:chExt cx="0" cy="0"/>
+        </a:xfrm>
+      </p:grpSpPr>
+      <p:sp>
+        <p:nvSpPr>
+          <p:cNvPr id="4" name="Cím 3">
+            <a:extLst>
+              <a:ext uri="{FF2B5EF4-FFF2-40B4-BE49-F238E27FC236}">
+                <a16:creationId xmlns:a16="http://schemas.microsoft.com/office/drawing/2014/main" id="{453596F3-FBA1-41AF-9C15-80D5B1DE01AC}"/>
+              </a:ext>
+            </a:extLst>
+          </p:cNvPr>
+          <p:cNvSpPr>
+            <a:spLocks noGrp="1"/>
+          </p:cNvSpPr>
+          <p:nvPr>
+            <p:ph type="title"/>
+          </p:nvPr>
+        </p:nvSpPr>
+        <p:spPr>
+          <a:xfrm>
+            <a:off x="838200" y="365125"/>
+            <a:ext cx="10515600" cy="1325563"/>
+          </a:xfrm>
+        </p:spPr>
+        <p:txBody>
+          <a:bodyPr/>
+          <a:lstStyle/>
+          <a:p>
+            <a:r>
+              <a:rPr lang="hu-HU" dirty="0">
+                <a:solidFill>
+                  <a:schemeClr val="bg1"/>
+                </a:solidFill>
+              </a:rPr>
+              <a:t>IDK</a:t>
+            </a:r>
+          </a:p>
+        </p:txBody>
+      </p:sp>
+      <p:sp>
+        <p:nvSpPr>
+          <p:cNvPr id="24" name="Tartalom helye 23">
+            <a:extLst>
+              <a:ext uri="{FF2B5EF4-FFF2-40B4-BE49-F238E27FC236}">
+                <a16:creationId xmlns:a16="http://schemas.microsoft.com/office/drawing/2014/main" id="{9DA10C76-7C11-477A-86EA-040764257E6D}"/>
+              </a:ext>
+            </a:extLst>
+          </p:cNvPr>
+          <p:cNvSpPr>
+            <a:spLocks noGrp="1"/>
+          </p:cNvSpPr>
+          <p:nvPr>
+            <p:ph idx="1"/>
+          </p:nvPr>
+        </p:nvSpPr>
+        <p:spPr>
+          <a:xfrm>
+            <a:off x="838200" y="1690688"/>
+            <a:ext cx="10515600" cy="4486275"/>
+          </a:xfrm>
+        </p:spPr>
+        <p:txBody>
+          <a:bodyPr/>
+          <a:lstStyle/>
+          <a:p>
+            <a:endParaRPr lang="hu-HU" dirty="0"/>
+          </a:p>
+        </p:txBody>
+      </p:sp>
+    </p:spTree>
+    <p:extLst>
+      <p:ext uri="{BB962C8B-B14F-4D97-AF65-F5344CB8AC3E}">
+        <p14:creationId xmlns:p14="http://schemas.microsoft.com/office/powerpoint/2010/main" val="1282672501"/>
+      </p:ext>
+    </p:extLst>
+  </p:cSld>
+  <p:clrMapOvr>
+    <a:masterClrMapping/>
+  </p:clrMapOvr>
+</p:sld>
+</file>
+
+<file path=ppt/slides/slide8.xml><?xml version="1.0" encoding="utf-8"?>
+<p:sld xmlns:a="http://schemas.openxmlformats.org/drawingml/2006/main" xmlns:r="http://schemas.openxmlformats.org/officeDocument/2006/relationships" xmlns:p="http://schemas.openxmlformats.org/presentationml/2006/main">
+  <p:cSld>
+    <p:bg>
+      <p:bgPr>
+        <a:gradFill>
+          <a:gsLst>
+            <a:gs pos="0">
+              <a:schemeClr val="tx1">
+                <a:lumMod val="100000"/>
+              </a:schemeClr>
+            </a:gs>
+            <a:gs pos="50000">
+              <a:schemeClr val="tx1">
+                <a:lumMod val="97000"/>
+                <a:lumOff val="3000"/>
+              </a:schemeClr>
+            </a:gs>
+            <a:gs pos="75000">
+              <a:schemeClr val="tx1">
+                <a:lumMod val="92000"/>
+                <a:lumOff val="8000"/>
+              </a:schemeClr>
+            </a:gs>
+            <a:gs pos="100000">
+              <a:schemeClr val="tx1">
+                <a:lumMod val="77000"/>
+                <a:lumOff val="23000"/>
+              </a:schemeClr>
+            </a:gs>
+          </a:gsLst>
+          <a:lin ang="5400000" scaled="1"/>
+        </a:gradFill>
+        <a:effectLst/>
+      </p:bgPr>
+    </p:bg>
+    <p:spTree>
+      <p:nvGrpSpPr>
+        <p:cNvPr id="1" name=""/>
+        <p:cNvGrpSpPr/>
+        <p:nvPr/>
+      </p:nvGrpSpPr>
+      <p:grpSpPr>
+        <a:xfrm>
+          <a:off x="0" y="0"/>
+          <a:ext cx="0" cy="0"/>
+          <a:chOff x="0" y="0"/>
+          <a:chExt cx="0" cy="0"/>
+        </a:xfrm>
+      </p:grpSpPr>
+      <p:sp>
+        <p:nvSpPr>
+          <p:cNvPr id="4" name="Cím 3">
+            <a:extLst>
+              <a:ext uri="{FF2B5EF4-FFF2-40B4-BE49-F238E27FC236}">
+                <a16:creationId xmlns:a16="http://schemas.microsoft.com/office/drawing/2014/main" id="{453596F3-FBA1-41AF-9C15-80D5B1DE01AC}"/>
+              </a:ext>
+            </a:extLst>
+          </p:cNvPr>
+          <p:cNvSpPr>
+            <a:spLocks noGrp="1"/>
+          </p:cNvSpPr>
+          <p:nvPr>
+            <p:ph type="title"/>
+          </p:nvPr>
+        </p:nvSpPr>
+        <p:spPr>
+          <a:xfrm>
+            <a:off x="838200" y="365125"/>
+            <a:ext cx="10515600" cy="1325563"/>
+          </a:xfrm>
+        </p:spPr>
+        <p:txBody>
+          <a:bodyPr/>
+          <a:lstStyle/>
+          <a:p>
+            <a:r>
+              <a:rPr lang="hu-HU" dirty="0">
+                <a:solidFill>
+                  <a:schemeClr val="bg1"/>
+                </a:solidFill>
+              </a:rPr>
+              <a:t>IDK</a:t>
+            </a:r>
+          </a:p>
+        </p:txBody>
+      </p:sp>
+      <p:sp>
+        <p:nvSpPr>
+          <p:cNvPr id="3" name="Tartalom helye 2">
+            <a:extLst>
+              <a:ext uri="{FF2B5EF4-FFF2-40B4-BE49-F238E27FC236}">
+                <a16:creationId xmlns:a16="http://schemas.microsoft.com/office/drawing/2014/main" id="{18F49F4E-7BCC-4515-8541-AF4CA5D1DA31}"/>
+              </a:ext>
+            </a:extLst>
+          </p:cNvPr>
+          <p:cNvSpPr>
+            <a:spLocks noGrp="1"/>
+          </p:cNvSpPr>
+          <p:nvPr>
+            <p:ph idx="1"/>
+          </p:nvPr>
+        </p:nvSpPr>
+        <p:spPr>
+          <a:xfrm>
+            <a:off x="838200" y="1619075"/>
+            <a:ext cx="10515600" cy="4557887"/>
+          </a:xfrm>
+        </p:spPr>
+        <p:txBody>
+          <a:bodyPr/>
+          <a:lstStyle/>
+          <a:p>
+            <a:pPr marL="0" indent="0">
+              <a:buNone/>
+            </a:pPr>
+            <a:endParaRPr lang="hu-HU" dirty="0"/>
+          </a:p>
+        </p:txBody>
+      </p:sp>
+      <p:pic>
+        <p:nvPicPr>
+          <p:cNvPr id="11" name="Kép 10">
+            <a:extLst>
+              <a:ext uri="{FF2B5EF4-FFF2-40B4-BE49-F238E27FC236}">
+                <a16:creationId xmlns:a16="http://schemas.microsoft.com/office/drawing/2014/main" id="{1BF9EB4B-92EC-49F9-AEF3-5DA188D9E40F}"/>
+              </a:ext>
+            </a:extLst>
+          </p:cNvPr>
+          <p:cNvPicPr>
+            <a:picLocks noChangeAspect="1"/>
+          </p:cNvPicPr>
+          <p:nvPr/>
+        </p:nvPicPr>
+        <p:blipFill>
+          <a:blip r:embed="rId2">
+            <a:extLst>
+              <a:ext uri="{28A0092B-C50C-407E-A947-70E740481C1C}">
+                <a14:useLocalDpi xmlns:a14="http://schemas.microsoft.com/office/drawing/2010/main" val="0"/>
+              </a:ext>
+            </a:extLst>
+          </a:blip>
+          <a:stretch>
+            <a:fillRect/>
+          </a:stretch>
+        </p:blipFill>
+        <p:spPr>
+          <a:xfrm>
+            <a:off x="2993868" y="2128998"/>
+            <a:ext cx="5496000" cy="2547679"/>
+          </a:xfrm>
+          <a:prstGeom prst="rect">
+            <a:avLst/>
+          </a:prstGeom>
+        </p:spPr>
+      </p:pic>
+      <p:pic>
+        <p:nvPicPr>
+          <p:cNvPr id="14" name="Kép 13">
+            <a:extLst>
+              <a:ext uri="{FF2B5EF4-FFF2-40B4-BE49-F238E27FC236}">
+                <a16:creationId xmlns:a16="http://schemas.microsoft.com/office/drawing/2014/main" id="{F87D6FD8-41E1-4433-9C23-F9DB566DC239}"/>
+              </a:ext>
+            </a:extLst>
+          </p:cNvPr>
+          <p:cNvPicPr>
+            <a:picLocks noChangeAspect="1"/>
+          </p:cNvPicPr>
+          <p:nvPr/>
+        </p:nvPicPr>
+        <p:blipFill>
+          <a:blip r:embed="rId3">
+            <a:extLst>
+              <a:ext uri="{28A0092B-C50C-407E-A947-70E740481C1C}">
+                <a14:useLocalDpi xmlns:a14="http://schemas.microsoft.com/office/drawing/2010/main" val="0"/>
+              </a:ext>
+            </a:extLst>
+          </a:blip>
+          <a:stretch>
+            <a:fillRect/>
+          </a:stretch>
+        </p:blipFill>
+        <p:spPr>
+          <a:xfrm>
+            <a:off x="245868" y="3752436"/>
+            <a:ext cx="5496000" cy="2734260"/>
+          </a:xfrm>
+          <a:prstGeom prst="rect">
+            <a:avLst/>
+          </a:prstGeom>
+        </p:spPr>
+      </p:pic>
+    </p:spTree>
+    <p:extLst>
+      <p:ext uri="{BB962C8B-B14F-4D97-AF65-F5344CB8AC3E}">
+        <p14:creationId xmlns:p14="http://schemas.microsoft.com/office/powerpoint/2010/main" val="4107988708"/>
+      </p:ext>
+    </p:extLst>
+  </p:cSld>
+  <p:clrMapOvr>
+    <a:masterClrMapping/>
+  </p:clrMapOvr>
+</p:sld>
+</file>
+
+<file path=ppt/slides/slide9.xml><?xml version="1.0" encoding="utf-8"?>
+<p:sld xmlns:a="http://schemas.openxmlformats.org/drawingml/2006/main" xmlns:r="http://schemas.openxmlformats.org/officeDocument/2006/relationships" xmlns:p="http://schemas.openxmlformats.org/presentationml/2006/main">
+  <p:cSld>
+    <p:bg>
+      <p:bgPr>
+        <a:gradFill>
+          <a:gsLst>
+            <a:gs pos="0">
+              <a:schemeClr val="tx1">
+                <a:lumMod val="100000"/>
+              </a:schemeClr>
+            </a:gs>
+            <a:gs pos="50000">
+              <a:schemeClr val="tx1">
+                <a:lumMod val="97000"/>
+                <a:lumOff val="3000"/>
+              </a:schemeClr>
+            </a:gs>
+            <a:gs pos="75000">
+              <a:schemeClr val="tx1">
+                <a:lumMod val="92000"/>
+                <a:lumOff val="8000"/>
+              </a:schemeClr>
+            </a:gs>
+            <a:gs pos="100000">
+              <a:schemeClr val="tx1">
+                <a:lumMod val="77000"/>
+                <a:lumOff val="23000"/>
+              </a:schemeClr>
+            </a:gs>
+          </a:gsLst>
+          <a:lin ang="5400000" scaled="1"/>
+        </a:gradFill>
+        <a:effectLst/>
+      </p:bgPr>
+    </p:bg>
+    <p:spTree>
+      <p:nvGrpSpPr>
+        <p:cNvPr id="1" name=""/>
+        <p:cNvGrpSpPr/>
+        <p:nvPr/>
+      </p:nvGrpSpPr>
+      <p:grpSpPr>
+        <a:xfrm>
+          <a:off x="0" y="0"/>
+          <a:ext cx="0" cy="0"/>
+          <a:chOff x="0" y="0"/>
+          <a:chExt cx="0" cy="0"/>
+        </a:xfrm>
+      </p:grpSpPr>
+      <p:sp>
+        <p:nvSpPr>
+          <p:cNvPr id="4" name="Cím 3">
+            <a:extLst>
+              <a:ext uri="{FF2B5EF4-FFF2-40B4-BE49-F238E27FC236}">
+                <a16:creationId xmlns:a16="http://schemas.microsoft.com/office/drawing/2014/main" id="{453596F3-FBA1-41AF-9C15-80D5B1DE01AC}"/>
+              </a:ext>
+            </a:extLst>
+          </p:cNvPr>
+          <p:cNvSpPr>
+            <a:spLocks noGrp="1"/>
+          </p:cNvSpPr>
+          <p:nvPr>
+            <p:ph type="title"/>
+          </p:nvPr>
+        </p:nvSpPr>
+        <p:spPr>
+          <a:xfrm>
+            <a:off x="838200" y="365125"/>
+            <a:ext cx="10515600" cy="1325563"/>
+          </a:xfrm>
+        </p:spPr>
+        <p:txBody>
+          <a:bodyPr/>
+          <a:lstStyle/>
+          <a:p>
+            <a:r>
+              <a:rPr lang="hu-HU" dirty="0">
+                <a:solidFill>
+                  <a:schemeClr val="bg1"/>
+                </a:solidFill>
+              </a:rPr>
+              <a:t>Köszönjük a figyelmet!</a:t>
+            </a:r>
+          </a:p>
+        </p:txBody>
+      </p:sp>
+      <p:sp>
+        <p:nvSpPr>
+          <p:cNvPr id="24" name="Tartalom helye 23">
+            <a:extLst>
+              <a:ext uri="{FF2B5EF4-FFF2-40B4-BE49-F238E27FC236}">
+                <a16:creationId xmlns:a16="http://schemas.microsoft.com/office/drawing/2014/main" id="{9DA10C76-7C11-477A-86EA-040764257E6D}"/>
+              </a:ext>
+            </a:extLst>
+          </p:cNvPr>
+          <p:cNvSpPr>
+            <a:spLocks noGrp="1"/>
+          </p:cNvSpPr>
+          <p:nvPr>
+            <p:ph idx="1"/>
+          </p:nvPr>
+        </p:nvSpPr>
+        <p:spPr>
+          <a:xfrm>
+            <a:off x="838200" y="1690688"/>
+            <a:ext cx="10515600" cy="4486275"/>
+          </a:xfrm>
+        </p:spPr>
+        <p:txBody>
+          <a:bodyPr/>
+          <a:lstStyle/>
+          <a:p>
+            <a:endParaRPr lang="hu-HU" dirty="0"/>
+          </a:p>
+        </p:txBody>
+      </p:sp>
+    </p:spTree>
+    <p:extLst>
+      <p:ext uri="{BB962C8B-B14F-4D97-AF65-F5344CB8AC3E}">
+        <p14:creationId xmlns:p14="http://schemas.microsoft.com/office/powerpoint/2010/main" val="3058460541"/>
       </p:ext>
     </p:extLst>
   </p:cSld>

--- a/PPT/Space Hunter.pptx
+++ b/PPT/Space Hunter.pptx
@@ -11,9 +11,10 @@
     <p:sldId id="261" r:id="rId5"/>
     <p:sldId id="265" r:id="rId6"/>
     <p:sldId id="264" r:id="rId7"/>
-    <p:sldId id="263" r:id="rId8"/>
-    <p:sldId id="260" r:id="rId9"/>
-    <p:sldId id="262" r:id="rId10"/>
+    <p:sldId id="260" r:id="rId8"/>
+    <p:sldId id="263" r:id="rId9"/>
+    <p:sldId id="266" r:id="rId10"/>
+    <p:sldId id="262" r:id="rId11"/>
   </p:sldIdLst>
   <p:sldSz cx="12192000" cy="6858000"/>
   <p:notesSz cx="6858000" cy="9144000"/>
@@ -267,7 +268,7 @@
           <a:p>
             <a:fld id="{DA484DFB-0D73-4626-BA94-E457E798A3D2}" type="datetimeFigureOut">
               <a:rPr lang="hu-HU" smtClean="0"/>
-              <a:t>2024.04.05</a:t>
+              <a:t>2024. 04. 06.</a:t>
             </a:fld>
             <a:endParaRPr lang="hu-HU"/>
           </a:p>
@@ -465,7 +466,7 @@
           <a:p>
             <a:fld id="{DA484DFB-0D73-4626-BA94-E457E798A3D2}" type="datetimeFigureOut">
               <a:rPr lang="hu-HU" smtClean="0"/>
-              <a:t>2024.04.05</a:t>
+              <a:t>2024. 04. 06.</a:t>
             </a:fld>
             <a:endParaRPr lang="hu-HU"/>
           </a:p>
@@ -673,7 +674,7 @@
           <a:p>
             <a:fld id="{DA484DFB-0D73-4626-BA94-E457E798A3D2}" type="datetimeFigureOut">
               <a:rPr lang="hu-HU" smtClean="0"/>
-              <a:t>2024.04.05</a:t>
+              <a:t>2024. 04. 06.</a:t>
             </a:fld>
             <a:endParaRPr lang="hu-HU"/>
           </a:p>
@@ -871,7 +872,7 @@
           <a:p>
             <a:fld id="{DA484DFB-0D73-4626-BA94-E457E798A3D2}" type="datetimeFigureOut">
               <a:rPr lang="hu-HU" smtClean="0"/>
-              <a:t>2024.04.05</a:t>
+              <a:t>2024. 04. 06.</a:t>
             </a:fld>
             <a:endParaRPr lang="hu-HU"/>
           </a:p>
@@ -1146,7 +1147,7 @@
           <a:p>
             <a:fld id="{DA484DFB-0D73-4626-BA94-E457E798A3D2}" type="datetimeFigureOut">
               <a:rPr lang="hu-HU" smtClean="0"/>
-              <a:t>2024.04.05</a:t>
+              <a:t>2024. 04. 06.</a:t>
             </a:fld>
             <a:endParaRPr lang="hu-HU"/>
           </a:p>
@@ -1411,7 +1412,7 @@
           <a:p>
             <a:fld id="{DA484DFB-0D73-4626-BA94-E457E798A3D2}" type="datetimeFigureOut">
               <a:rPr lang="hu-HU" smtClean="0"/>
-              <a:t>2024.04.05</a:t>
+              <a:t>2024. 04. 06.</a:t>
             </a:fld>
             <a:endParaRPr lang="hu-HU"/>
           </a:p>
@@ -1823,7 +1824,7 @@
           <a:p>
             <a:fld id="{DA484DFB-0D73-4626-BA94-E457E798A3D2}" type="datetimeFigureOut">
               <a:rPr lang="hu-HU" smtClean="0"/>
-              <a:t>2024.04.05</a:t>
+              <a:t>2024. 04. 06.</a:t>
             </a:fld>
             <a:endParaRPr lang="hu-HU"/>
           </a:p>
@@ -1964,7 +1965,7 @@
           <a:p>
             <a:fld id="{DA484DFB-0D73-4626-BA94-E457E798A3D2}" type="datetimeFigureOut">
               <a:rPr lang="hu-HU" smtClean="0"/>
-              <a:t>2024.04.05</a:t>
+              <a:t>2024. 04. 06.</a:t>
             </a:fld>
             <a:endParaRPr lang="hu-HU"/>
           </a:p>
@@ -2077,7 +2078,7 @@
           <a:p>
             <a:fld id="{DA484DFB-0D73-4626-BA94-E457E798A3D2}" type="datetimeFigureOut">
               <a:rPr lang="hu-HU" smtClean="0"/>
-              <a:t>2024.04.05</a:t>
+              <a:t>2024. 04. 06.</a:t>
             </a:fld>
             <a:endParaRPr lang="hu-HU"/>
           </a:p>
@@ -2388,7 +2389,7 @@
           <a:p>
             <a:fld id="{DA484DFB-0D73-4626-BA94-E457E798A3D2}" type="datetimeFigureOut">
               <a:rPr lang="hu-HU" smtClean="0"/>
-              <a:t>2024.04.05</a:t>
+              <a:t>2024. 04. 06.</a:t>
             </a:fld>
             <a:endParaRPr lang="hu-HU"/>
           </a:p>
@@ -2676,7 +2677,7 @@
           <a:p>
             <a:fld id="{DA484DFB-0D73-4626-BA94-E457E798A3D2}" type="datetimeFigureOut">
               <a:rPr lang="hu-HU" smtClean="0"/>
-              <a:t>2024.04.05</a:t>
+              <a:t>2024. 04. 06.</a:t>
             </a:fld>
             <a:endParaRPr lang="hu-HU"/>
           </a:p>
@@ -2917,7 +2918,7 @@
           <a:p>
             <a:fld id="{DA484DFB-0D73-4626-BA94-E457E798A3D2}" type="datetimeFigureOut">
               <a:rPr lang="hu-HU" smtClean="0"/>
-              <a:t>2024.04.05</a:t>
+              <a:t>2024. 04. 06.</a:t>
             </a:fld>
             <a:endParaRPr lang="hu-HU"/>
           </a:p>
@@ -3545,6 +3546,136 @@
 </p:sld>
 </file>
 
+<file path=ppt/slides/slide10.xml><?xml version="1.0" encoding="utf-8"?>
+<p:sld xmlns:a="http://schemas.openxmlformats.org/drawingml/2006/main" xmlns:r="http://schemas.openxmlformats.org/officeDocument/2006/relationships" xmlns:p="http://schemas.openxmlformats.org/presentationml/2006/main">
+  <p:cSld>
+    <p:bg>
+      <p:bgPr>
+        <a:gradFill>
+          <a:gsLst>
+            <a:gs pos="0">
+              <a:schemeClr val="tx1">
+                <a:lumMod val="100000"/>
+              </a:schemeClr>
+            </a:gs>
+            <a:gs pos="50000">
+              <a:schemeClr val="tx1">
+                <a:lumMod val="97000"/>
+                <a:lumOff val="3000"/>
+              </a:schemeClr>
+            </a:gs>
+            <a:gs pos="75000">
+              <a:schemeClr val="tx1">
+                <a:lumMod val="92000"/>
+                <a:lumOff val="8000"/>
+              </a:schemeClr>
+            </a:gs>
+            <a:gs pos="100000">
+              <a:schemeClr val="tx1">
+                <a:lumMod val="77000"/>
+                <a:lumOff val="23000"/>
+              </a:schemeClr>
+            </a:gs>
+          </a:gsLst>
+          <a:lin ang="5400000" scaled="1"/>
+        </a:gradFill>
+        <a:effectLst/>
+      </p:bgPr>
+    </p:bg>
+    <p:spTree>
+      <p:nvGrpSpPr>
+        <p:cNvPr id="1" name=""/>
+        <p:cNvGrpSpPr/>
+        <p:nvPr/>
+      </p:nvGrpSpPr>
+      <p:grpSpPr>
+        <a:xfrm>
+          <a:off x="0" y="0"/>
+          <a:ext cx="0" cy="0"/>
+          <a:chOff x="0" y="0"/>
+          <a:chExt cx="0" cy="0"/>
+        </a:xfrm>
+      </p:grpSpPr>
+      <p:sp>
+        <p:nvSpPr>
+          <p:cNvPr id="4" name="Cím 3">
+            <a:extLst>
+              <a:ext uri="{FF2B5EF4-FFF2-40B4-BE49-F238E27FC236}">
+                <a16:creationId xmlns:a16="http://schemas.microsoft.com/office/drawing/2014/main" id="{453596F3-FBA1-41AF-9C15-80D5B1DE01AC}"/>
+              </a:ext>
+            </a:extLst>
+          </p:cNvPr>
+          <p:cNvSpPr>
+            <a:spLocks noGrp="1"/>
+          </p:cNvSpPr>
+          <p:nvPr>
+            <p:ph type="title"/>
+          </p:nvPr>
+        </p:nvSpPr>
+        <p:spPr>
+          <a:xfrm>
+            <a:off x="838200" y="365125"/>
+            <a:ext cx="10515600" cy="1325563"/>
+          </a:xfrm>
+        </p:spPr>
+        <p:txBody>
+          <a:bodyPr/>
+          <a:lstStyle/>
+          <a:p>
+            <a:r>
+              <a:rPr lang="hu-HU" dirty="0">
+                <a:solidFill>
+                  <a:schemeClr val="bg1"/>
+                </a:solidFill>
+              </a:rPr>
+              <a:t>Köszönjük a figyelmet!</a:t>
+            </a:r>
+          </a:p>
+        </p:txBody>
+      </p:sp>
+      <p:sp>
+        <p:nvSpPr>
+          <p:cNvPr id="24" name="Tartalom helye 23">
+            <a:extLst>
+              <a:ext uri="{FF2B5EF4-FFF2-40B4-BE49-F238E27FC236}">
+                <a16:creationId xmlns:a16="http://schemas.microsoft.com/office/drawing/2014/main" id="{9DA10C76-7C11-477A-86EA-040764257E6D}"/>
+              </a:ext>
+            </a:extLst>
+          </p:cNvPr>
+          <p:cNvSpPr>
+            <a:spLocks noGrp="1"/>
+          </p:cNvSpPr>
+          <p:nvPr>
+            <p:ph idx="1"/>
+          </p:nvPr>
+        </p:nvSpPr>
+        <p:spPr>
+          <a:xfrm>
+            <a:off x="838200" y="1690688"/>
+            <a:ext cx="10515600" cy="4486275"/>
+          </a:xfrm>
+        </p:spPr>
+        <p:txBody>
+          <a:bodyPr/>
+          <a:lstStyle/>
+          <a:p>
+            <a:endParaRPr lang="hu-HU" dirty="0"/>
+          </a:p>
+        </p:txBody>
+      </p:sp>
+    </p:spTree>
+    <p:extLst>
+      <p:ext uri="{BB962C8B-B14F-4D97-AF65-F5344CB8AC3E}">
+        <p14:creationId xmlns:p14="http://schemas.microsoft.com/office/powerpoint/2010/main" val="3058460541"/>
+      </p:ext>
+    </p:extLst>
+  </p:cSld>
+  <p:clrMapOvr>
+    <a:masterClrMapping/>
+  </p:clrMapOvr>
+</p:sld>
+</file>
+
 <file path=ppt/slides/slide2.xml><?xml version="1.0" encoding="utf-8"?>
 <p:sld xmlns:a="http://schemas.openxmlformats.org/drawingml/2006/main" xmlns:r="http://schemas.openxmlformats.org/officeDocument/2006/relationships" xmlns:p="http://schemas.openxmlformats.org/presentationml/2006/main">
   <p:cSld>
@@ -3637,12 +3768,37 @@
           </a:p>
         </p:txBody>
       </p:sp>
+      <p:sp>
+        <p:nvSpPr>
+          <p:cNvPr id="45" name="Tartalom helye 44">
+            <a:extLst>
+              <a:ext uri="{FF2B5EF4-FFF2-40B4-BE49-F238E27FC236}">
+                <a16:creationId xmlns:a16="http://schemas.microsoft.com/office/drawing/2014/main" id="{96288605-7411-4FDE-8537-BBA85FF86938}"/>
+              </a:ext>
+            </a:extLst>
+          </p:cNvPr>
+          <p:cNvSpPr>
+            <a:spLocks noGrp="1"/>
+          </p:cNvSpPr>
+          <p:nvPr>
+            <p:ph idx="1"/>
+          </p:nvPr>
+        </p:nvSpPr>
+        <p:spPr/>
+        <p:txBody>
+          <a:bodyPr/>
+          <a:lstStyle/>
+          <a:p>
+            <a:endParaRPr lang="hu-HU"/>
+          </a:p>
+        </p:txBody>
+      </p:sp>
       <p:pic>
         <p:nvPicPr>
-          <p:cNvPr id="39" name="Tartalom helye 36">
-            <a:extLst>
-              <a:ext uri="{FF2B5EF4-FFF2-40B4-BE49-F238E27FC236}">
-                <a16:creationId xmlns:a16="http://schemas.microsoft.com/office/drawing/2014/main" id="{0D6BD7CB-E60E-4812-B587-E8F447BF5AEA}"/>
+          <p:cNvPr id="46" name="Tartalom helye 43">
+            <a:extLst>
+              <a:ext uri="{FF2B5EF4-FFF2-40B4-BE49-F238E27FC236}">
+                <a16:creationId xmlns:a16="http://schemas.microsoft.com/office/drawing/2014/main" id="{335BD61A-C5B5-40D1-A25F-C9F2181D8B03}"/>
               </a:ext>
             </a:extLst>
           </p:cNvPr>
@@ -3664,9 +3820,45 @@
           </a:stretch>
         </p:blipFill>
         <p:spPr>
+          <a:xfrm rot="5400000">
+            <a:off x="2709131" y="483399"/>
+            <a:ext cx="1086002" cy="962159"/>
+          </a:xfrm>
+          <a:prstGeom prst="rect">
+            <a:avLst/>
+          </a:prstGeom>
+        </p:spPr>
+      </p:pic>
+      <p:pic>
+        <p:nvPicPr>
+          <p:cNvPr id="39" name="Tartalom helye 36">
+            <a:extLst>
+              <a:ext uri="{FF2B5EF4-FFF2-40B4-BE49-F238E27FC236}">
+                <a16:creationId xmlns:a16="http://schemas.microsoft.com/office/drawing/2014/main" id="{0D6BD7CB-E60E-4812-B587-E8F447BF5AEA}"/>
+              </a:ext>
+            </a:extLst>
+          </p:cNvPr>
+          <p:cNvPicPr>
+            <a:picLocks noChangeAspect="1"/>
+          </p:cNvPicPr>
+          <p:nvPr/>
+        </p:nvPicPr>
+        <p:blipFill>
+          <a:blip r:embed="rId3">
+            <a:extLst>
+              <a:ext uri="{28A0092B-C50C-407E-A947-70E740481C1C}">
+                <a14:useLocalDpi xmlns:a14="http://schemas.microsoft.com/office/drawing/2010/main" val="0"/>
+              </a:ext>
+            </a:extLst>
+          </a:blip>
+          <a:stretch>
+            <a:fillRect/>
+          </a:stretch>
+        </p:blipFill>
+        <p:spPr>
           <a:xfrm>
-            <a:off x="6852658" y="2141537"/>
-            <a:ext cx="4375755" cy="4351338"/>
+            <a:off x="6852658" y="1452827"/>
+            <a:ext cx="5068330" cy="5040048"/>
           </a:xfrm>
           <a:prstGeom prst="rect">
             <a:avLst/>
@@ -3688,7 +3880,7 @@
           <p:nvPr/>
         </p:nvPicPr>
         <p:blipFill>
-          <a:blip r:embed="rId3">
+          <a:blip r:embed="rId4">
             <a:extLst>
               <a:ext uri="{28A0092B-C50C-407E-A947-70E740481C1C}">
                 <a14:useLocalDpi xmlns:a14="http://schemas.microsoft.com/office/drawing/2010/main" val="0"/>
@@ -3701,69 +3893,8 @@
         </p:blipFill>
         <p:spPr>
           <a:xfrm>
-            <a:off x="1782461" y="3847671"/>
-            <a:ext cx="4418363" cy="2645204"/>
-          </a:xfrm>
-          <a:prstGeom prst="rect">
-            <a:avLst/>
-          </a:prstGeom>
-        </p:spPr>
-      </p:pic>
-      <p:sp>
-        <p:nvSpPr>
-          <p:cNvPr id="45" name="Tartalom helye 44">
-            <a:extLst>
-              <a:ext uri="{FF2B5EF4-FFF2-40B4-BE49-F238E27FC236}">
-                <a16:creationId xmlns:a16="http://schemas.microsoft.com/office/drawing/2014/main" id="{96288605-7411-4FDE-8537-BBA85FF86938}"/>
-              </a:ext>
-            </a:extLst>
-          </p:cNvPr>
-          <p:cNvSpPr>
-            <a:spLocks noGrp="1"/>
-          </p:cNvSpPr>
-          <p:nvPr>
-            <p:ph idx="1"/>
-          </p:nvPr>
-        </p:nvSpPr>
-        <p:spPr/>
-        <p:txBody>
-          <a:bodyPr/>
-          <a:lstStyle/>
-          <a:p>
-            <a:endParaRPr lang="hu-HU"/>
-          </a:p>
-        </p:txBody>
-      </p:sp>
-      <p:pic>
-        <p:nvPicPr>
-          <p:cNvPr id="46" name="Tartalom helye 43">
-            <a:extLst>
-              <a:ext uri="{FF2B5EF4-FFF2-40B4-BE49-F238E27FC236}">
-                <a16:creationId xmlns:a16="http://schemas.microsoft.com/office/drawing/2014/main" id="{335BD61A-C5B5-40D1-A25F-C9F2181D8B03}"/>
-              </a:ext>
-            </a:extLst>
-          </p:cNvPr>
-          <p:cNvPicPr>
-            <a:picLocks noChangeAspect="1"/>
-          </p:cNvPicPr>
-          <p:nvPr/>
-        </p:nvPicPr>
-        <p:blipFill>
-          <a:blip r:embed="rId4">
-            <a:extLst>
-              <a:ext uri="{28A0092B-C50C-407E-A947-70E740481C1C}">
-                <a14:useLocalDpi xmlns:a14="http://schemas.microsoft.com/office/drawing/2010/main" val="0"/>
-              </a:ext>
-            </a:extLst>
-          </a:blip>
-          <a:stretch>
-            <a:fillRect/>
-          </a:stretch>
-        </p:blipFill>
-        <p:spPr>
-          <a:xfrm rot="5400000">
-            <a:off x="2709131" y="483399"/>
-            <a:ext cx="1086002" cy="962159"/>
+            <a:off x="1782461" y="3429000"/>
+            <a:ext cx="5117682" cy="3063875"/>
           </a:xfrm>
           <a:prstGeom prst="rect">
             <a:avLst/>
@@ -3873,7 +4004,7 @@
                   <a:schemeClr val="bg1"/>
                 </a:solidFill>
               </a:rPr>
-              <a:t>(még nincs kép)</a:t>
+              <a:t>(még nincs kép a kódról)</a:t>
             </a:r>
           </a:p>
         </p:txBody>
@@ -4009,43 +4140,67 @@
       </p:grpSpPr>
       <p:sp>
         <p:nvSpPr>
-          <p:cNvPr id="4" name="Cím 3">
-            <a:extLst>
-              <a:ext uri="{FF2B5EF4-FFF2-40B4-BE49-F238E27FC236}">
-                <a16:creationId xmlns:a16="http://schemas.microsoft.com/office/drawing/2014/main" id="{453596F3-FBA1-41AF-9C15-80D5B1DE01AC}"/>
-              </a:ext>
-            </a:extLst>
-          </p:cNvPr>
-          <p:cNvSpPr>
-            <a:spLocks noGrp="1"/>
-          </p:cNvSpPr>
-          <p:nvPr>
-            <p:ph type="title"/>
-          </p:nvPr>
-        </p:nvSpPr>
-        <p:spPr>
-          <a:xfrm>
-            <a:off x="838200" y="365125"/>
-            <a:ext cx="10515600" cy="1325563"/>
-          </a:xfrm>
-        </p:spPr>
-        <p:txBody>
-          <a:bodyPr/>
-          <a:lstStyle/>
-          <a:p>
-            <a:r>
-              <a:rPr lang="hu-HU" dirty="0" err="1">
-                <a:solidFill>
-                  <a:schemeClr val="bg1"/>
-                </a:solidFill>
-              </a:rPr>
-              <a:t>Bullets</a:t>
-            </a:r>
+          <p:cNvPr id="11" name="Tartalom helye 10">
+            <a:extLst>
+              <a:ext uri="{FF2B5EF4-FFF2-40B4-BE49-F238E27FC236}">
+                <a16:creationId xmlns:a16="http://schemas.microsoft.com/office/drawing/2014/main" id="{947E80FE-B3D4-4B7F-93D9-FDD49AF72B33}"/>
+              </a:ext>
+            </a:extLst>
+          </p:cNvPr>
+          <p:cNvSpPr>
+            <a:spLocks noGrp="1"/>
+          </p:cNvSpPr>
+          <p:nvPr>
+            <p:ph idx="1"/>
+          </p:nvPr>
+        </p:nvSpPr>
+        <p:spPr/>
+        <p:txBody>
+          <a:bodyPr/>
+          <a:lstStyle/>
+          <a:p>
             <a:endParaRPr lang="hu-HU" dirty="0">
               <a:solidFill>
                 <a:schemeClr val="bg1"/>
               </a:solidFill>
             </a:endParaRPr>
+          </a:p>
+        </p:txBody>
+      </p:sp>
+      <p:sp>
+        <p:nvSpPr>
+          <p:cNvPr id="4" name="Cím 3">
+            <a:extLst>
+              <a:ext uri="{FF2B5EF4-FFF2-40B4-BE49-F238E27FC236}">
+                <a16:creationId xmlns:a16="http://schemas.microsoft.com/office/drawing/2014/main" id="{453596F3-FBA1-41AF-9C15-80D5B1DE01AC}"/>
+              </a:ext>
+            </a:extLst>
+          </p:cNvPr>
+          <p:cNvSpPr>
+            <a:spLocks noGrp="1"/>
+          </p:cNvSpPr>
+          <p:nvPr>
+            <p:ph type="title"/>
+          </p:nvPr>
+        </p:nvSpPr>
+        <p:spPr>
+          <a:xfrm>
+            <a:off x="1310426" y="365125"/>
+            <a:ext cx="10043373" cy="1325563"/>
+          </a:xfrm>
+        </p:spPr>
+        <p:txBody>
+          <a:bodyPr/>
+          <a:lstStyle/>
+          <a:p>
+            <a:r>
+              <a:rPr lang="hu-HU" dirty="0">
+                <a:solidFill>
+                  <a:schemeClr val="bg1"/>
+                </a:solidFill>
+              </a:rPr>
+              <a:t>Lövedék:</a:t>
+            </a:r>
           </a:p>
         </p:txBody>
       </p:sp>
@@ -4077,43 +4232,14 @@
         </p:blipFill>
         <p:spPr>
           <a:xfrm>
-            <a:off x="3685366" y="1690688"/>
-            <a:ext cx="4821267" cy="4486275"/>
+            <a:off x="3045471" y="815732"/>
+            <a:ext cx="6101058" cy="5677143"/>
           </a:xfrm>
           <a:prstGeom prst="rect">
             <a:avLst/>
           </a:prstGeom>
         </p:spPr>
       </p:pic>
-      <p:sp>
-        <p:nvSpPr>
-          <p:cNvPr id="11" name="Tartalom helye 10">
-            <a:extLst>
-              <a:ext uri="{FF2B5EF4-FFF2-40B4-BE49-F238E27FC236}">
-                <a16:creationId xmlns:a16="http://schemas.microsoft.com/office/drawing/2014/main" id="{947E80FE-B3D4-4B7F-93D9-FDD49AF72B33}"/>
-              </a:ext>
-            </a:extLst>
-          </p:cNvPr>
-          <p:cNvSpPr>
-            <a:spLocks noGrp="1"/>
-          </p:cNvSpPr>
-          <p:nvPr>
-            <p:ph idx="1"/>
-          </p:nvPr>
-        </p:nvSpPr>
-        <p:spPr/>
-        <p:txBody>
-          <a:bodyPr/>
-          <a:lstStyle/>
-          <a:p>
-            <a:endParaRPr lang="hu-HU" dirty="0">
-              <a:solidFill>
-                <a:schemeClr val="bg1"/>
-              </a:solidFill>
-            </a:endParaRPr>
-          </a:p>
-        </p:txBody>
-      </p:sp>
       <p:pic>
         <p:nvPicPr>
           <p:cNvPr id="13" name="Tartalom helye 7">
@@ -4142,8 +4268,8 @@
         </p:blipFill>
         <p:spPr>
           <a:xfrm>
-            <a:off x="2745560" y="4585290"/>
-            <a:ext cx="476250" cy="476250"/>
+            <a:off x="189338" y="388767"/>
+            <a:ext cx="1121089" cy="1121089"/>
           </a:xfrm>
           <a:prstGeom prst="rect">
             <a:avLst/>
@@ -4178,8 +4304,80 @@
         </p:blipFill>
         <p:spPr>
           <a:xfrm>
-            <a:off x="3071729" y="3290541"/>
-            <a:ext cx="476250" cy="476250"/>
+            <a:off x="10881573" y="173139"/>
+            <a:ext cx="1121089" cy="1121089"/>
+          </a:xfrm>
+          <a:prstGeom prst="rect">
+            <a:avLst/>
+          </a:prstGeom>
+        </p:spPr>
+      </p:pic>
+      <p:pic>
+        <p:nvPicPr>
+          <p:cNvPr id="2" name="Tartalom helye 7">
+            <a:extLst>
+              <a:ext uri="{FF2B5EF4-FFF2-40B4-BE49-F238E27FC236}">
+                <a16:creationId xmlns:a16="http://schemas.microsoft.com/office/drawing/2014/main" id="{B7664C09-B5DF-126F-9801-3B3240DE4C5F}"/>
+              </a:ext>
+            </a:extLst>
+          </p:cNvPr>
+          <p:cNvPicPr>
+            <a:picLocks noChangeAspect="1"/>
+          </p:cNvPicPr>
+          <p:nvPr/>
+        </p:nvPicPr>
+        <p:blipFill>
+          <a:blip r:embed="rId3">
+            <a:extLst>
+              <a:ext uri="{28A0092B-C50C-407E-A947-70E740481C1C}">
+                <a14:useLocalDpi xmlns:a14="http://schemas.microsoft.com/office/drawing/2010/main" val="0"/>
+              </a:ext>
+            </a:extLst>
+          </a:blip>
+          <a:stretch>
+            <a:fillRect/>
+          </a:stretch>
+        </p:blipFill>
+        <p:spPr>
+          <a:xfrm>
+            <a:off x="10881573" y="5563772"/>
+            <a:ext cx="1121089" cy="1121089"/>
+          </a:xfrm>
+          <a:prstGeom prst="rect">
+            <a:avLst/>
+          </a:prstGeom>
+        </p:spPr>
+      </p:pic>
+      <p:pic>
+        <p:nvPicPr>
+          <p:cNvPr id="3" name="Kép 2">
+            <a:extLst>
+              <a:ext uri="{FF2B5EF4-FFF2-40B4-BE49-F238E27FC236}">
+                <a16:creationId xmlns:a16="http://schemas.microsoft.com/office/drawing/2014/main" id="{732062A3-2908-F57A-633C-0BECA75EA6D5}"/>
+              </a:ext>
+            </a:extLst>
+          </p:cNvPr>
+          <p:cNvPicPr>
+            <a:picLocks noChangeAspect="1"/>
+          </p:cNvPicPr>
+          <p:nvPr/>
+        </p:nvPicPr>
+        <p:blipFill>
+          <a:blip r:embed="rId4">
+            <a:extLst>
+              <a:ext uri="{28A0092B-C50C-407E-A947-70E740481C1C}">
+                <a14:useLocalDpi xmlns:a14="http://schemas.microsoft.com/office/drawing/2010/main" val="0"/>
+              </a:ext>
+            </a:extLst>
+          </a:blip>
+          <a:stretch>
+            <a:fillRect/>
+          </a:stretch>
+        </p:blipFill>
+        <p:spPr>
+          <a:xfrm>
+            <a:off x="0" y="5736911"/>
+            <a:ext cx="1121089" cy="1121089"/>
           </a:xfrm>
           <a:prstGeom prst="rect">
             <a:avLst/>
@@ -4326,10 +4524,10 @@
       </p:sp>
       <p:pic>
         <p:nvPicPr>
-          <p:cNvPr id="9" name="Tartalom helye 2">
-            <a:extLst>
-              <a:ext uri="{FF2B5EF4-FFF2-40B4-BE49-F238E27FC236}">
-                <a16:creationId xmlns:a16="http://schemas.microsoft.com/office/drawing/2014/main" id="{CBC22FEA-5F08-4168-9119-16B09AAE02A1}"/>
+          <p:cNvPr id="10" name="Kép 9">
+            <a:extLst>
+              <a:ext uri="{FF2B5EF4-FFF2-40B4-BE49-F238E27FC236}">
+                <a16:creationId xmlns:a16="http://schemas.microsoft.com/office/drawing/2014/main" id="{0CB4FFA5-8D87-4925-81CC-06B431A039A1}"/>
               </a:ext>
             </a:extLst>
           </p:cNvPr>
@@ -4340,42 +4538,6 @@
         </p:nvPicPr>
         <p:blipFill>
           <a:blip r:embed="rId2">
-            <a:extLst>
-              <a:ext uri="{28A0092B-C50C-407E-A947-70E740481C1C}">
-                <a14:useLocalDpi xmlns:a14="http://schemas.microsoft.com/office/drawing/2010/main" val="0"/>
-              </a:ext>
-            </a:extLst>
-          </a:blip>
-          <a:stretch>
-            <a:fillRect/>
-          </a:stretch>
-        </p:blipFill>
-        <p:spPr>
-          <a:xfrm>
-            <a:off x="6861847" y="1027906"/>
-            <a:ext cx="3451367" cy="4486275"/>
-          </a:xfrm>
-          <a:prstGeom prst="rect">
-            <a:avLst/>
-          </a:prstGeom>
-        </p:spPr>
-      </p:pic>
-      <p:pic>
-        <p:nvPicPr>
-          <p:cNvPr id="10" name="Kép 9">
-            <a:extLst>
-              <a:ext uri="{FF2B5EF4-FFF2-40B4-BE49-F238E27FC236}">
-                <a16:creationId xmlns:a16="http://schemas.microsoft.com/office/drawing/2014/main" id="{0CB4FFA5-8D87-4925-81CC-06B431A039A1}"/>
-              </a:ext>
-            </a:extLst>
-          </p:cNvPr>
-          <p:cNvPicPr>
-            <a:picLocks noChangeAspect="1"/>
-          </p:cNvPicPr>
-          <p:nvPr/>
-        </p:nvPicPr>
-        <p:blipFill>
-          <a:blip r:embed="rId3">
             <a:extLst>
               <a:ext uri="{28A0092B-C50C-407E-A947-70E740481C1C}">
                 <a14:useLocalDpi xmlns:a14="http://schemas.microsoft.com/office/drawing/2010/main" val="0"/>
@@ -4410,6 +4572,41 @@
           </p:cNvPicPr>
           <p:nvPr/>
         </p:nvPicPr>
+        <p:blipFill rotWithShape="1">
+          <a:blip r:embed="rId3">
+            <a:extLst>
+              <a:ext uri="{28A0092B-C50C-407E-A947-70E740481C1C}">
+                <a14:useLocalDpi xmlns:a14="http://schemas.microsoft.com/office/drawing/2010/main" val="0"/>
+              </a:ext>
+            </a:extLst>
+          </a:blip>
+          <a:srcRect t="6699"/>
+          <a:stretch/>
+        </p:blipFill>
+        <p:spPr>
+          <a:xfrm>
+            <a:off x="1323135" y="2008654"/>
+            <a:ext cx="9111381" cy="4428615"/>
+          </a:xfrm>
+          <a:prstGeom prst="rect">
+            <a:avLst/>
+          </a:prstGeom>
+        </p:spPr>
+      </p:pic>
+      <p:pic>
+        <p:nvPicPr>
+          <p:cNvPr id="11" name="Kép 10">
+            <a:extLst>
+              <a:ext uri="{FF2B5EF4-FFF2-40B4-BE49-F238E27FC236}">
+                <a16:creationId xmlns:a16="http://schemas.microsoft.com/office/drawing/2014/main" id="{1BF9EB4B-92EC-49F9-AEF3-5DA188D9E40F}"/>
+              </a:ext>
+            </a:extLst>
+          </p:cNvPr>
+          <p:cNvPicPr>
+            <a:picLocks noChangeAspect="1"/>
+          </p:cNvPicPr>
+          <p:nvPr/>
+        </p:nvPicPr>
         <p:blipFill>
           <a:blip r:embed="rId4">
             <a:extLst>
@@ -4424,8 +4621,80 @@
         </p:blipFill>
         <p:spPr>
           <a:xfrm>
-            <a:off x="718224" y="744543"/>
-            <a:ext cx="3765287" cy="1961529"/>
+            <a:off x="649704" y="2028905"/>
+            <a:ext cx="5496000" cy="2547679"/>
+          </a:xfrm>
+          <a:prstGeom prst="rect">
+            <a:avLst/>
+          </a:prstGeom>
+        </p:spPr>
+      </p:pic>
+      <p:pic>
+        <p:nvPicPr>
+          <p:cNvPr id="9" name="Tartalom helye 2">
+            <a:extLst>
+              <a:ext uri="{FF2B5EF4-FFF2-40B4-BE49-F238E27FC236}">
+                <a16:creationId xmlns:a16="http://schemas.microsoft.com/office/drawing/2014/main" id="{CBC22FEA-5F08-4168-9119-16B09AAE02A1}"/>
+              </a:ext>
+            </a:extLst>
+          </p:cNvPr>
+          <p:cNvPicPr>
+            <a:picLocks noChangeAspect="1"/>
+          </p:cNvPicPr>
+          <p:nvPr/>
+        </p:nvPicPr>
+        <p:blipFill>
+          <a:blip r:embed="rId5">
+            <a:extLst>
+              <a:ext uri="{28A0092B-C50C-407E-A947-70E740481C1C}">
+                <a14:useLocalDpi xmlns:a14="http://schemas.microsoft.com/office/drawing/2010/main" val="0"/>
+              </a:ext>
+            </a:extLst>
+          </a:blip>
+          <a:stretch>
+            <a:fillRect/>
+          </a:stretch>
+        </p:blipFill>
+        <p:spPr>
+          <a:xfrm>
+            <a:off x="6597787" y="303465"/>
+            <a:ext cx="4809053" cy="6251069"/>
+          </a:xfrm>
+          <a:prstGeom prst="rect">
+            <a:avLst/>
+          </a:prstGeom>
+        </p:spPr>
+      </p:pic>
+      <p:pic>
+        <p:nvPicPr>
+          <p:cNvPr id="2" name="Kép 1" descr="A képen szöveg, képernyőkép, szoftver, képernyő látható&#10;&#10;Automatikusan generált leírás">
+            <a:extLst>
+              <a:ext uri="{FF2B5EF4-FFF2-40B4-BE49-F238E27FC236}">
+                <a16:creationId xmlns:a16="http://schemas.microsoft.com/office/drawing/2014/main" id="{890F495C-610D-73A2-DAC9-7279DF995549}"/>
+              </a:ext>
+            </a:extLst>
+          </p:cNvPr>
+          <p:cNvPicPr>
+            <a:picLocks noChangeAspect="1"/>
+          </p:cNvPicPr>
+          <p:nvPr/>
+        </p:nvPicPr>
+        <p:blipFill>
+          <a:blip r:embed="rId6">
+            <a:extLst>
+              <a:ext uri="{28A0092B-C50C-407E-A947-70E740481C1C}">
+                <a14:useLocalDpi xmlns:a14="http://schemas.microsoft.com/office/drawing/2010/main" val="0"/>
+              </a:ext>
+            </a:extLst>
+          </a:blip>
+          <a:stretch>
+            <a:fillRect/>
+          </a:stretch>
+        </p:blipFill>
+        <p:spPr>
+          <a:xfrm>
+            <a:off x="1674907" y="525610"/>
+            <a:ext cx="7744906" cy="5439534"/>
           </a:xfrm>
           <a:prstGeom prst="rect">
             <a:avLst/>
@@ -4497,6 +4766,31 @@
       </p:grpSpPr>
       <p:sp>
         <p:nvSpPr>
+          <p:cNvPr id="13" name="Tartalom helye 12">
+            <a:extLst>
+              <a:ext uri="{FF2B5EF4-FFF2-40B4-BE49-F238E27FC236}">
+                <a16:creationId xmlns:a16="http://schemas.microsoft.com/office/drawing/2014/main" id="{16D2667F-7C0B-2723-219C-FB140BB6501C}"/>
+              </a:ext>
+            </a:extLst>
+          </p:cNvPr>
+          <p:cNvSpPr>
+            <a:spLocks noGrp="1"/>
+          </p:cNvSpPr>
+          <p:nvPr>
+            <p:ph idx="1"/>
+          </p:nvPr>
+        </p:nvSpPr>
+        <p:spPr/>
+        <p:txBody>
+          <a:bodyPr/>
+          <a:lstStyle/>
+          <a:p>
+            <a:endParaRPr lang="hu-HU"/>
+          </a:p>
+        </p:txBody>
+      </p:sp>
+      <p:sp>
+        <p:nvSpPr>
           <p:cNvPr id="4" name="Cím 3">
             <a:extLst>
               <a:ext uri="{FF2B5EF4-FFF2-40B4-BE49-F238E27FC236}">
@@ -4532,42 +4826,12 @@
           </a:p>
         </p:txBody>
       </p:sp>
-      <p:sp>
-        <p:nvSpPr>
-          <p:cNvPr id="24" name="Tartalom helye 23">
-            <a:extLst>
-              <a:ext uri="{FF2B5EF4-FFF2-40B4-BE49-F238E27FC236}">
-                <a16:creationId xmlns:a16="http://schemas.microsoft.com/office/drawing/2014/main" id="{9DA10C76-7C11-477A-86EA-040764257E6D}"/>
-              </a:ext>
-            </a:extLst>
-          </p:cNvPr>
-          <p:cNvSpPr>
-            <a:spLocks noGrp="1"/>
-          </p:cNvSpPr>
-          <p:nvPr>
-            <p:ph idx="1"/>
-          </p:nvPr>
-        </p:nvSpPr>
-        <p:spPr>
-          <a:xfrm>
-            <a:off x="838200" y="1690688"/>
-            <a:ext cx="10515600" cy="4486275"/>
-          </a:xfrm>
-        </p:spPr>
-        <p:txBody>
-          <a:bodyPr/>
-          <a:lstStyle/>
-          <a:p>
-            <a:endParaRPr lang="hu-HU" dirty="0"/>
-          </a:p>
-        </p:txBody>
-      </p:sp>
       <p:pic>
         <p:nvPicPr>
-          <p:cNvPr id="5" name="Kép 4">
-            <a:extLst>
-              <a:ext uri="{FF2B5EF4-FFF2-40B4-BE49-F238E27FC236}">
-                <a16:creationId xmlns:a16="http://schemas.microsoft.com/office/drawing/2014/main" id="{0F097653-9877-45FC-8A55-A3C2AA3891B0}"/>
+          <p:cNvPr id="6" name="Tartalom helye 10">
+            <a:extLst>
+              <a:ext uri="{FF2B5EF4-FFF2-40B4-BE49-F238E27FC236}">
+                <a16:creationId xmlns:a16="http://schemas.microsoft.com/office/drawing/2014/main" id="{4B72CFFB-8066-42A0-A357-04871A71BA3F}"/>
               </a:ext>
             </a:extLst>
           </p:cNvPr>
@@ -4576,7 +4840,7 @@
           </p:cNvPicPr>
           <p:nvPr/>
         </p:nvPicPr>
-        <p:blipFill>
+        <p:blipFill rotWithShape="1">
           <a:blip r:embed="rId2">
             <a:extLst>
               <a:ext uri="{28A0092B-C50C-407E-A947-70E740481C1C}">
@@ -4584,14 +4848,13 @@
               </a:ext>
             </a:extLst>
           </a:blip>
-          <a:stretch>
-            <a:fillRect/>
-          </a:stretch>
+          <a:srcRect t="1947"/>
+          <a:stretch/>
         </p:blipFill>
         <p:spPr>
           <a:xfrm>
-            <a:off x="6643078" y="1884042"/>
-            <a:ext cx="5487402" cy="2760913"/>
+            <a:off x="351691" y="1697151"/>
+            <a:ext cx="7370395" cy="3597674"/>
           </a:xfrm>
           <a:prstGeom prst="rect">
             <a:avLst/>
@@ -4600,10 +4863,10 @@
       </p:pic>
       <p:pic>
         <p:nvPicPr>
-          <p:cNvPr id="6" name="Tartalom helye 10">
-            <a:extLst>
-              <a:ext uri="{FF2B5EF4-FFF2-40B4-BE49-F238E27FC236}">
-                <a16:creationId xmlns:a16="http://schemas.microsoft.com/office/drawing/2014/main" id="{4B72CFFB-8066-42A0-A357-04871A71BA3F}"/>
+          <p:cNvPr id="9" name="Tartalom helye 2" descr="A képen szöveg, képernyőkép, Betűtípus, Grafikus tervezés látható&#10;&#10;Automatikusan generált leírás">
+            <a:extLst>
+              <a:ext uri="{FF2B5EF4-FFF2-40B4-BE49-F238E27FC236}">
+                <a16:creationId xmlns:a16="http://schemas.microsoft.com/office/drawing/2014/main" id="{9D26B949-AAD0-382C-82D7-6352F2E64ED1}"/>
               </a:ext>
             </a:extLst>
           </p:cNvPr>
@@ -4626,8 +4889,44 @@
         </p:blipFill>
         <p:spPr>
           <a:xfrm>
-            <a:off x="1725601" y="4218503"/>
-            <a:ext cx="3934077" cy="1958459"/>
+            <a:off x="4212506" y="869809"/>
+            <a:ext cx="7979494" cy="4486275"/>
+          </a:xfrm>
+          <a:prstGeom prst="rect">
+            <a:avLst/>
+          </a:prstGeom>
+        </p:spPr>
+      </p:pic>
+      <p:pic>
+        <p:nvPicPr>
+          <p:cNvPr id="15" name="Tartalom helye 2" descr="A képen szöveg, képernyőkép, képernyő, szoftver látható&#10;&#10;Automatikusan generált leírás">
+            <a:extLst>
+              <a:ext uri="{FF2B5EF4-FFF2-40B4-BE49-F238E27FC236}">
+                <a16:creationId xmlns:a16="http://schemas.microsoft.com/office/drawing/2014/main" id="{C54906F7-87B0-19BA-2971-B6FC54C1A14F}"/>
+              </a:ext>
+            </a:extLst>
+          </p:cNvPr>
+          <p:cNvPicPr>
+            <a:picLocks noChangeAspect="1"/>
+          </p:cNvPicPr>
+          <p:nvPr/>
+        </p:nvPicPr>
+        <p:blipFill>
+          <a:blip r:embed="rId4">
+            <a:extLst>
+              <a:ext uri="{28A0092B-C50C-407E-A947-70E740481C1C}">
+                <a14:useLocalDpi xmlns:a14="http://schemas.microsoft.com/office/drawing/2010/main" val="0"/>
+              </a:ext>
+            </a:extLst>
+          </a:blip>
+          <a:stretch>
+            <a:fillRect/>
+          </a:stretch>
+        </p:blipFill>
+        <p:spPr>
+          <a:xfrm>
+            <a:off x="2871490" y="2195372"/>
+            <a:ext cx="6449020" cy="4486275"/>
           </a:xfrm>
           <a:prstGeom prst="rect">
             <a:avLst/>
@@ -4729,17 +5028,17 @@
                   <a:schemeClr val="bg1"/>
                 </a:solidFill>
               </a:rPr>
-              <a:t>IDK</a:t>
-            </a:r>
-          </a:p>
-        </p:txBody>
-      </p:sp>
-      <p:sp>
-        <p:nvSpPr>
-          <p:cNvPr id="24" name="Tartalom helye 23">
-            <a:extLst>
-              <a:ext uri="{FF2B5EF4-FFF2-40B4-BE49-F238E27FC236}">
-                <a16:creationId xmlns:a16="http://schemas.microsoft.com/office/drawing/2014/main" id="{9DA10C76-7C11-477A-86EA-040764257E6D}"/>
+              <a:t>Képek a játékból</a:t>
+            </a:r>
+          </a:p>
+        </p:txBody>
+      </p:sp>
+      <p:sp>
+        <p:nvSpPr>
+          <p:cNvPr id="3" name="Tartalom helye 2">
+            <a:extLst>
+              <a:ext uri="{FF2B5EF4-FFF2-40B4-BE49-F238E27FC236}">
+                <a16:creationId xmlns:a16="http://schemas.microsoft.com/office/drawing/2014/main" id="{18F49F4E-7BCC-4515-8541-AF4CA5D1DA31}"/>
               </a:ext>
             </a:extLst>
           </p:cNvPr>
@@ -4752,22 +5051,61 @@
         </p:nvSpPr>
         <p:spPr>
           <a:xfrm>
-            <a:off x="838200" y="1690688"/>
-            <a:ext cx="10515600" cy="4486275"/>
+            <a:off x="838200" y="1619075"/>
+            <a:ext cx="10515600" cy="4557887"/>
           </a:xfrm>
         </p:spPr>
         <p:txBody>
           <a:bodyPr/>
           <a:lstStyle/>
           <a:p>
+            <a:pPr marL="0" indent="0">
+              <a:buNone/>
+            </a:pPr>
             <a:endParaRPr lang="hu-HU" dirty="0"/>
           </a:p>
         </p:txBody>
       </p:sp>
+      <p:pic>
+        <p:nvPicPr>
+          <p:cNvPr id="14" name="Kép 13">
+            <a:extLst>
+              <a:ext uri="{FF2B5EF4-FFF2-40B4-BE49-F238E27FC236}">
+                <a16:creationId xmlns:a16="http://schemas.microsoft.com/office/drawing/2014/main" id="{F87D6FD8-41E1-4433-9C23-F9DB566DC239}"/>
+              </a:ext>
+            </a:extLst>
+          </p:cNvPr>
+          <p:cNvPicPr>
+            <a:picLocks noChangeAspect="1"/>
+          </p:cNvPicPr>
+          <p:nvPr/>
+        </p:nvPicPr>
+        <p:blipFill>
+          <a:blip r:embed="rId2">
+            <a:extLst>
+              <a:ext uri="{28A0092B-C50C-407E-A947-70E740481C1C}">
+                <a14:useLocalDpi xmlns:a14="http://schemas.microsoft.com/office/drawing/2010/main" val="0"/>
+              </a:ext>
+            </a:extLst>
+          </a:blip>
+          <a:stretch>
+            <a:fillRect/>
+          </a:stretch>
+        </p:blipFill>
+        <p:spPr>
+          <a:xfrm>
+            <a:off x="330273" y="2519350"/>
+            <a:ext cx="8720905" cy="4338650"/>
+          </a:xfrm>
+          <a:prstGeom prst="rect">
+            <a:avLst/>
+          </a:prstGeom>
+        </p:spPr>
+      </p:pic>
     </p:spTree>
     <p:extLst>
       <p:ext uri="{BB962C8B-B14F-4D97-AF65-F5344CB8AC3E}">
-        <p14:creationId xmlns:p14="http://schemas.microsoft.com/office/powerpoint/2010/main" val="1282672501"/>
+        <p14:creationId xmlns:p14="http://schemas.microsoft.com/office/powerpoint/2010/main" val="4107988708"/>
       </p:ext>
     </p:extLst>
   </p:cSld>
@@ -4778,7 +5116,7 @@
 </file>
 
 <file path=ppt/slides/slide8.xml><?xml version="1.0" encoding="utf-8"?>
-<p:sld xmlns:a="http://schemas.openxmlformats.org/drawingml/2006/main" xmlns:r="http://schemas.openxmlformats.org/officeDocument/2006/relationships" xmlns:p="http://schemas.openxmlformats.org/presentationml/2006/main">
+<p:sld xmlns:a="http://schemas.openxmlformats.org/drawingml/2006/main" xmlns:r="http://schemas.openxmlformats.org/officeDocument/2006/relationships" xmlns:p="http://schemas.openxmlformats.org/presentationml/2006/main" show="0">
   <p:cSld>
     <p:bg>
       <p:bgPr>
@@ -4854,22 +5192,30 @@
           <a:lstStyle/>
           <a:p>
             <a:r>
+              <a:rPr lang="hu-HU" dirty="0" err="1">
+                <a:solidFill>
+                  <a:schemeClr val="bg1"/>
+                </a:solidFill>
+              </a:rPr>
+              <a:t>Github</a:t>
+            </a:r>
+            <a:r>
               <a:rPr lang="hu-HU" dirty="0">
                 <a:solidFill>
                   <a:schemeClr val="bg1"/>
                 </a:solidFill>
               </a:rPr>
-              <a:t>IDK</a:t>
-            </a:r>
-          </a:p>
-        </p:txBody>
-      </p:sp>
-      <p:sp>
-        <p:nvSpPr>
-          <p:cNvPr id="3" name="Tartalom helye 2">
-            <a:extLst>
-              <a:ext uri="{FF2B5EF4-FFF2-40B4-BE49-F238E27FC236}">
-                <a16:creationId xmlns:a16="http://schemas.microsoft.com/office/drawing/2014/main" id="{18F49F4E-7BCC-4515-8541-AF4CA5D1DA31}"/>
+              <a:t>(kell ez egyáltalán???)</a:t>
+            </a:r>
+          </a:p>
+        </p:txBody>
+      </p:sp>
+      <p:sp>
+        <p:nvSpPr>
+          <p:cNvPr id="8" name="Tartalom helye 7">
+            <a:extLst>
+              <a:ext uri="{FF2B5EF4-FFF2-40B4-BE49-F238E27FC236}">
+                <a16:creationId xmlns:a16="http://schemas.microsoft.com/office/drawing/2014/main" id="{D69C8F04-735B-0E32-5E3E-0B4F9A8FC62A}"/>
               </a:ext>
             </a:extLst>
           </p:cNvPr>
@@ -4880,99 +5226,19 @@
             <p:ph idx="1"/>
           </p:nvPr>
         </p:nvSpPr>
-        <p:spPr>
-          <a:xfrm>
-            <a:off x="838200" y="1619075"/>
-            <a:ext cx="10515600" cy="4557887"/>
-          </a:xfrm>
-        </p:spPr>
-        <p:txBody>
-          <a:bodyPr/>
-          <a:lstStyle/>
-          <a:p>
-            <a:pPr marL="0" indent="0">
-              <a:buNone/>
-            </a:pPr>
-            <a:endParaRPr lang="hu-HU" dirty="0"/>
-          </a:p>
-        </p:txBody>
-      </p:sp>
-      <p:pic>
-        <p:nvPicPr>
-          <p:cNvPr id="11" name="Kép 10">
-            <a:extLst>
-              <a:ext uri="{FF2B5EF4-FFF2-40B4-BE49-F238E27FC236}">
-                <a16:creationId xmlns:a16="http://schemas.microsoft.com/office/drawing/2014/main" id="{1BF9EB4B-92EC-49F9-AEF3-5DA188D9E40F}"/>
-              </a:ext>
-            </a:extLst>
-          </p:cNvPr>
-          <p:cNvPicPr>
-            <a:picLocks noChangeAspect="1"/>
-          </p:cNvPicPr>
-          <p:nvPr/>
-        </p:nvPicPr>
-        <p:blipFill>
-          <a:blip r:embed="rId2">
-            <a:extLst>
-              <a:ext uri="{28A0092B-C50C-407E-A947-70E740481C1C}">
-                <a14:useLocalDpi xmlns:a14="http://schemas.microsoft.com/office/drawing/2010/main" val="0"/>
-              </a:ext>
-            </a:extLst>
-          </a:blip>
-          <a:stretch>
-            <a:fillRect/>
-          </a:stretch>
-        </p:blipFill>
-        <p:spPr>
-          <a:xfrm>
-            <a:off x="2993868" y="2128998"/>
-            <a:ext cx="5496000" cy="2547679"/>
-          </a:xfrm>
-          <a:prstGeom prst="rect">
-            <a:avLst/>
-          </a:prstGeom>
-        </p:spPr>
-      </p:pic>
-      <p:pic>
-        <p:nvPicPr>
-          <p:cNvPr id="14" name="Kép 13">
-            <a:extLst>
-              <a:ext uri="{FF2B5EF4-FFF2-40B4-BE49-F238E27FC236}">
-                <a16:creationId xmlns:a16="http://schemas.microsoft.com/office/drawing/2014/main" id="{F87D6FD8-41E1-4433-9C23-F9DB566DC239}"/>
-              </a:ext>
-            </a:extLst>
-          </p:cNvPr>
-          <p:cNvPicPr>
-            <a:picLocks noChangeAspect="1"/>
-          </p:cNvPicPr>
-          <p:nvPr/>
-        </p:nvPicPr>
-        <p:blipFill>
-          <a:blip r:embed="rId3">
-            <a:extLst>
-              <a:ext uri="{28A0092B-C50C-407E-A947-70E740481C1C}">
-                <a14:useLocalDpi xmlns:a14="http://schemas.microsoft.com/office/drawing/2010/main" val="0"/>
-              </a:ext>
-            </a:extLst>
-          </a:blip>
-          <a:stretch>
-            <a:fillRect/>
-          </a:stretch>
-        </p:blipFill>
-        <p:spPr>
-          <a:xfrm>
-            <a:off x="245868" y="3752436"/>
-            <a:ext cx="5496000" cy="2734260"/>
-          </a:xfrm>
-          <a:prstGeom prst="rect">
-            <a:avLst/>
-          </a:prstGeom>
-        </p:spPr>
-      </p:pic>
+        <p:spPr/>
+        <p:txBody>
+          <a:bodyPr/>
+          <a:lstStyle/>
+          <a:p>
+            <a:endParaRPr lang="hu-HU"/>
+          </a:p>
+        </p:txBody>
+      </p:sp>
     </p:spTree>
     <p:extLst>
       <p:ext uri="{BB962C8B-B14F-4D97-AF65-F5344CB8AC3E}">
-        <p14:creationId xmlns:p14="http://schemas.microsoft.com/office/powerpoint/2010/main" val="4107988708"/>
+        <p14:creationId xmlns:p14="http://schemas.microsoft.com/office/powerpoint/2010/main" val="1282672501"/>
       </p:ext>
     </p:extLst>
   </p:cSld>
@@ -5064,17 +5330,17 @@
                   <a:schemeClr val="bg1"/>
                 </a:solidFill>
               </a:rPr>
-              <a:t>Köszönjük a figyelmet!</a:t>
-            </a:r>
-          </a:p>
-        </p:txBody>
-      </p:sp>
-      <p:sp>
-        <p:nvSpPr>
-          <p:cNvPr id="24" name="Tartalom helye 23">
-            <a:extLst>
-              <a:ext uri="{FF2B5EF4-FFF2-40B4-BE49-F238E27FC236}">
-                <a16:creationId xmlns:a16="http://schemas.microsoft.com/office/drawing/2014/main" id="{9DA10C76-7C11-477A-86EA-040764257E6D}"/>
+              <a:t>Készítette:</a:t>
+            </a:r>
+          </a:p>
+        </p:txBody>
+      </p:sp>
+      <p:sp>
+        <p:nvSpPr>
+          <p:cNvPr id="8" name="Tartalom helye 7">
+            <a:extLst>
+              <a:ext uri="{FF2B5EF4-FFF2-40B4-BE49-F238E27FC236}">
+                <a16:creationId xmlns:a16="http://schemas.microsoft.com/office/drawing/2014/main" id="{D69C8F04-735B-0E32-5E3E-0B4F9A8FC62A}"/>
               </a:ext>
             </a:extLst>
           </p:cNvPr>
@@ -5085,24 +5351,19 @@
             <p:ph idx="1"/>
           </p:nvPr>
         </p:nvSpPr>
-        <p:spPr>
-          <a:xfrm>
-            <a:off x="838200" y="1690688"/>
-            <a:ext cx="10515600" cy="4486275"/>
-          </a:xfrm>
-        </p:spPr>
-        <p:txBody>
-          <a:bodyPr/>
-          <a:lstStyle/>
-          <a:p>
-            <a:endParaRPr lang="hu-HU" dirty="0"/>
+        <p:spPr/>
+        <p:txBody>
+          <a:bodyPr/>
+          <a:lstStyle/>
+          <a:p>
+            <a:endParaRPr lang="hu-HU"/>
           </a:p>
         </p:txBody>
       </p:sp>
     </p:spTree>
     <p:extLst>
       <p:ext uri="{BB962C8B-B14F-4D97-AF65-F5344CB8AC3E}">
-        <p14:creationId xmlns:p14="http://schemas.microsoft.com/office/powerpoint/2010/main" val="3058460541"/>
+        <p14:creationId xmlns:p14="http://schemas.microsoft.com/office/powerpoint/2010/main" val="224809985"/>
       </p:ext>
     </p:extLst>
   </p:cSld>

--- a/PPT/Space Hunter.pptx
+++ b/PPT/Space Hunter.pptx
@@ -3673,6 +3673,18 @@
   <p:clrMapOvr>
     <a:masterClrMapping/>
   </p:clrMapOvr>
+  <mc:AlternateContent xmlns:mc="http://schemas.openxmlformats.org/markup-compatibility/2006">
+    <mc:Choice xmlns:p15="http://schemas.microsoft.com/office/powerpoint/2012/main" Requires="p15">
+      <p:transition xmlns:p14="http://schemas.microsoft.com/office/powerpoint/2010/main" spd="slow" p14:dur="6000">
+        <p15:prstTrans prst="curtains"/>
+      </p:transition>
+    </mc:Choice>
+    <mc:Fallback>
+      <p:transition spd="slow">
+        <p:fade/>
+      </p:transition>
+    </mc:Fallback>
+  </mc:AlternateContent>
 </p:sld>
 </file>
 
@@ -3744,7 +3756,7 @@
         </p:nvSpPr>
         <p:spPr>
           <a:xfrm>
-            <a:off x="838200" y="365125"/>
+            <a:off x="1079026" y="355888"/>
             <a:ext cx="10515600" cy="1325563"/>
           </a:xfrm>
         </p:spPr>
@@ -3753,18 +3765,13 @@
           <a:lstStyle/>
           <a:p>
             <a:r>
-              <a:rPr lang="hu-HU" dirty="0" err="1">
+              <a:rPr lang="hu-HU" b="1" dirty="0">
                 <a:solidFill>
                   <a:schemeClr val="bg1"/>
                 </a:solidFill>
               </a:rPr>
-              <a:t>Player</a:t>
-            </a:r>
-            <a:endParaRPr lang="hu-HU" dirty="0">
-              <a:solidFill>
-                <a:schemeClr val="bg1"/>
-              </a:solidFill>
-            </a:endParaRPr>
+              <a:t>A játékos</a:t>
+            </a:r>
           </a:p>
         </p:txBody>
       </p:sp>
@@ -3795,10 +3802,10 @@
       </p:sp>
       <p:pic>
         <p:nvPicPr>
-          <p:cNvPr id="46" name="Tartalom helye 43">
-            <a:extLst>
-              <a:ext uri="{FF2B5EF4-FFF2-40B4-BE49-F238E27FC236}">
-                <a16:creationId xmlns:a16="http://schemas.microsoft.com/office/drawing/2014/main" id="{335BD61A-C5B5-40D1-A25F-C9F2181D8B03}"/>
+          <p:cNvPr id="29" name="Kép 28">
+            <a:extLst>
+              <a:ext uri="{FF2B5EF4-FFF2-40B4-BE49-F238E27FC236}">
+                <a16:creationId xmlns:a16="http://schemas.microsoft.com/office/drawing/2014/main" id="{005AEF49-5F64-4299-8070-ECB74364154E}"/>
               </a:ext>
             </a:extLst>
           </p:cNvPr>
@@ -3820,8 +3827,44 @@
           </a:stretch>
         </p:blipFill>
         <p:spPr>
+          <a:xfrm>
+            <a:off x="1079026" y="1452827"/>
+            <a:ext cx="8782426" cy="5257900"/>
+          </a:xfrm>
+          <a:prstGeom prst="rect">
+            <a:avLst/>
+          </a:prstGeom>
+        </p:spPr>
+      </p:pic>
+      <p:pic>
+        <p:nvPicPr>
+          <p:cNvPr id="46" name="Tartalom helye 43">
+            <a:extLst>
+              <a:ext uri="{FF2B5EF4-FFF2-40B4-BE49-F238E27FC236}">
+                <a16:creationId xmlns:a16="http://schemas.microsoft.com/office/drawing/2014/main" id="{335BD61A-C5B5-40D1-A25F-C9F2181D8B03}"/>
+              </a:ext>
+            </a:extLst>
+          </p:cNvPr>
+          <p:cNvPicPr>
+            <a:picLocks noChangeAspect="1"/>
+          </p:cNvPicPr>
+          <p:nvPr/>
+        </p:nvPicPr>
+        <p:blipFill>
+          <a:blip r:embed="rId3">
+            <a:extLst>
+              <a:ext uri="{28A0092B-C50C-407E-A947-70E740481C1C}">
+                <a14:useLocalDpi xmlns:a14="http://schemas.microsoft.com/office/drawing/2010/main" val="0"/>
+              </a:ext>
+            </a:extLst>
+          </a:blip>
+          <a:stretch>
+            <a:fillRect/>
+          </a:stretch>
+        </p:blipFill>
+        <p:spPr>
           <a:xfrm rot="5400000">
-            <a:off x="2709131" y="483399"/>
+            <a:off x="54945" y="390488"/>
             <a:ext cx="1086002" cy="962159"/>
           </a:xfrm>
           <a:prstGeom prst="rect">
@@ -3844,7 +3887,7 @@
           <p:nvPr/>
         </p:nvPicPr>
         <p:blipFill>
-          <a:blip r:embed="rId3">
+          <a:blip r:embed="rId4">
             <a:extLst>
               <a:ext uri="{28A0092B-C50C-407E-A947-70E740481C1C}">
                 <a14:useLocalDpi xmlns:a14="http://schemas.microsoft.com/office/drawing/2010/main" val="0"/>
@@ -3857,44 +3900,8 @@
         </p:blipFill>
         <p:spPr>
           <a:xfrm>
-            <a:off x="6852658" y="1452827"/>
-            <a:ext cx="5068330" cy="5040048"/>
-          </a:xfrm>
-          <a:prstGeom prst="rect">
-            <a:avLst/>
-          </a:prstGeom>
-        </p:spPr>
-      </p:pic>
-      <p:pic>
-        <p:nvPicPr>
-          <p:cNvPr id="29" name="Kép 28">
-            <a:extLst>
-              <a:ext uri="{FF2B5EF4-FFF2-40B4-BE49-F238E27FC236}">
-                <a16:creationId xmlns:a16="http://schemas.microsoft.com/office/drawing/2014/main" id="{005AEF49-5F64-4299-8070-ECB74364154E}"/>
-              </a:ext>
-            </a:extLst>
-          </p:cNvPr>
-          <p:cNvPicPr>
-            <a:picLocks noChangeAspect="1"/>
-          </p:cNvPicPr>
-          <p:nvPr/>
-        </p:nvPicPr>
-        <p:blipFill>
-          <a:blip r:embed="rId4">
-            <a:extLst>
-              <a:ext uri="{28A0092B-C50C-407E-A947-70E740481C1C}">
-                <a14:useLocalDpi xmlns:a14="http://schemas.microsoft.com/office/drawing/2010/main" val="0"/>
-              </a:ext>
-            </a:extLst>
-          </a:blip>
-          <a:stretch>
-            <a:fillRect/>
-          </a:stretch>
-        </p:blipFill>
-        <p:spPr>
-          <a:xfrm>
-            <a:off x="1782461" y="3429000"/>
-            <a:ext cx="5117682" cy="3063875"/>
+            <a:off x="3504044" y="72952"/>
+            <a:ext cx="6807574" cy="6769586"/>
           </a:xfrm>
           <a:prstGeom prst="rect">
             <a:avLst/>
@@ -3911,6 +3918,141 @@
   <p:clrMapOvr>
     <a:masterClrMapping/>
   </p:clrMapOvr>
+  <mc:AlternateContent xmlns:mc="http://schemas.openxmlformats.org/markup-compatibility/2006">
+    <mc:Choice xmlns:p14="http://schemas.microsoft.com/office/powerpoint/2010/main" Requires="p14">
+      <p:transition spd="slow" p14:dur="1500">
+        <p:split orient="vert"/>
+      </p:transition>
+    </mc:Choice>
+    <mc:Fallback>
+      <p:transition spd="slow">
+        <p:split orient="vert"/>
+      </p:transition>
+    </mc:Fallback>
+  </mc:AlternateContent>
+  <p:timing>
+    <p:tnLst>
+      <p:par>
+        <p:cTn id="1" dur="indefinite" restart="never" nodeType="tmRoot">
+          <p:childTnLst>
+            <p:seq concurrent="1" nextAc="seek">
+              <p:cTn id="2" dur="indefinite" nodeType="mainSeq">
+                <p:childTnLst>
+                  <p:par>
+                    <p:cTn id="3" fill="hold">
+                      <p:stCondLst>
+                        <p:cond delay="indefinite"/>
+                      </p:stCondLst>
+                      <p:childTnLst>
+                        <p:par>
+                          <p:cTn id="4" fill="hold">
+                            <p:stCondLst>
+                              <p:cond delay="0"/>
+                            </p:stCondLst>
+                            <p:childTnLst>
+                              <p:par>
+                                <p:cTn id="5" presetID="63" presetClass="path" presetSubtype="0" accel="50000" decel="50000" fill="hold" nodeType="clickEffect">
+                                  <p:stCondLst>
+                                    <p:cond delay="0"/>
+                                  </p:stCondLst>
+                                  <p:childTnLst>
+                                    <p:animMotion origin="layout" path="M 1.45833E-6 -3.33333E-6 L 0.89596 0.00695 " pathEditMode="relative" rAng="0" ptsTypes="AA">
+                                      <p:cBhvr>
+                                        <p:cTn id="6" dur="3000" fill="hold"/>
+                                        <p:tgtEl>
+                                          <p:spTgt spid="46"/>
+                                        </p:tgtEl>
+                                        <p:attrNameLst>
+                                          <p:attrName>ppt_x</p:attrName>
+                                          <p:attrName>ppt_y</p:attrName>
+                                        </p:attrNameLst>
+                                      </p:cBhvr>
+                                      <p:rCtr x="44792" y="347"/>
+                                    </p:animMotion>
+                                  </p:childTnLst>
+                                </p:cTn>
+                              </p:par>
+                            </p:childTnLst>
+                          </p:cTn>
+                        </p:par>
+                      </p:childTnLst>
+                    </p:cTn>
+                  </p:par>
+                  <p:par>
+                    <p:cTn id="7" fill="hold">
+                      <p:stCondLst>
+                        <p:cond delay="indefinite"/>
+                      </p:stCondLst>
+                      <p:childTnLst>
+                        <p:par>
+                          <p:cTn id="8" fill="hold">
+                            <p:stCondLst>
+                              <p:cond delay="0"/>
+                            </p:stCondLst>
+                            <p:childTnLst>
+                              <p:par>
+                                <p:cTn id="9" presetID="6" presetClass="entr" presetSubtype="32" fill="hold" nodeType="clickEffect">
+                                  <p:stCondLst>
+                                    <p:cond delay="0"/>
+                                  </p:stCondLst>
+                                  <p:childTnLst>
+                                    <p:set>
+                                      <p:cBhvr>
+                                        <p:cTn id="10" dur="1" fill="hold">
+                                          <p:stCondLst>
+                                            <p:cond delay="0"/>
+                                          </p:stCondLst>
+                                        </p:cTn>
+                                        <p:tgtEl>
+                                          <p:spTgt spid="39"/>
+                                        </p:tgtEl>
+                                        <p:attrNameLst>
+                                          <p:attrName>style.visibility</p:attrName>
+                                        </p:attrNameLst>
+                                      </p:cBhvr>
+                                      <p:to>
+                                        <p:strVal val="visible"/>
+                                      </p:to>
+                                    </p:set>
+                                    <p:animEffect transition="in" filter="circle(out)">
+                                      <p:cBhvr>
+                                        <p:cTn id="11" dur="2000"/>
+                                        <p:tgtEl>
+                                          <p:spTgt spid="39"/>
+                                        </p:tgtEl>
+                                      </p:cBhvr>
+                                    </p:animEffect>
+                                  </p:childTnLst>
+                                </p:cTn>
+                              </p:par>
+                            </p:childTnLst>
+                          </p:cTn>
+                        </p:par>
+                      </p:childTnLst>
+                    </p:cTn>
+                  </p:par>
+                </p:childTnLst>
+              </p:cTn>
+              <p:prevCondLst>
+                <p:cond evt="onPrev" delay="0">
+                  <p:tgtEl>
+                    <p:sldTgt/>
+                  </p:tgtEl>
+                </p:cond>
+              </p:prevCondLst>
+              <p:nextCondLst>
+                <p:cond evt="onNext" delay="0">
+                  <p:tgtEl>
+                    <p:sldTgt/>
+                  </p:tgtEl>
+                </p:cond>
+              </p:nextCondLst>
+            </p:seq>
+          </p:childTnLst>
+        </p:cTn>
+      </p:par>
+    </p:tnLst>
+  </p:timing>
 </p:sld>
 </file>
 
@@ -3991,20 +4133,12 @@
           <a:lstStyle/>
           <a:p>
             <a:r>
-              <a:rPr lang="hu-HU" dirty="0" err="1">
-                <a:solidFill>
-                  <a:schemeClr val="bg1"/>
-                </a:solidFill>
-              </a:rPr>
-              <a:t>Asteriod</a:t>
-            </a:r>
-            <a:r>
               <a:rPr lang="hu-HU" dirty="0">
                 <a:solidFill>
                   <a:schemeClr val="bg1"/>
                 </a:solidFill>
               </a:rPr>
-              <a:t>(még nincs kép a kódról)</a:t>
+              <a:t>Aszteroida:(még nincs kép a kódról)</a:t>
             </a:r>
           </a:p>
         </p:txBody>
@@ -4053,7 +4187,7 @@
           </p:cNvPicPr>
           <p:nvPr/>
         </p:nvPicPr>
-        <p:blipFill>
+        <p:blipFill rotWithShape="1">
           <a:blip r:embed="rId2">
             <a:extLst>
               <a:ext uri="{28A0092B-C50C-407E-A947-70E740481C1C}">
@@ -4061,14 +4195,13 @@
               </a:ext>
             </a:extLst>
           </a:blip>
-          <a:stretch>
-            <a:fillRect/>
-          </a:stretch>
+          <a:srcRect l="17765" t="14930" r="14083" b="21948"/>
+          <a:stretch/>
         </p:blipFill>
         <p:spPr>
           <a:xfrm>
-            <a:off x="3733006" y="1450975"/>
-            <a:ext cx="4725988" cy="4725988"/>
+            <a:off x="7779434" y="0"/>
+            <a:ext cx="1969477" cy="1824129"/>
           </a:xfrm>
           <a:prstGeom prst="rect">
             <a:avLst/>
@@ -4085,6 +4218,88 @@
   <p:clrMapOvr>
     <a:masterClrMapping/>
   </p:clrMapOvr>
+  <mc:AlternateContent xmlns:mc="http://schemas.openxmlformats.org/markup-compatibility/2006">
+    <mc:Choice xmlns:p14="http://schemas.microsoft.com/office/powerpoint/2010/main" Requires="p14">
+      <p:transition spd="slow" p14:dur="4000">
+        <p14:vortex dir="r"/>
+      </p:transition>
+    </mc:Choice>
+    <mc:Fallback>
+      <p:transition spd="slow">
+        <p:fade/>
+      </p:transition>
+    </mc:Fallback>
+  </mc:AlternateContent>
+  <p:timing>
+    <p:tnLst>
+      <p:par>
+        <p:cTn id="1" dur="indefinite" restart="never" nodeType="tmRoot">
+          <p:childTnLst>
+            <p:seq concurrent="1" nextAc="seek">
+              <p:cTn id="2" dur="indefinite" nodeType="mainSeq">
+                <p:childTnLst>
+                  <p:par>
+                    <p:cTn id="3" fill="hold">
+                      <p:stCondLst>
+                        <p:cond delay="indefinite"/>
+                      </p:stCondLst>
+                      <p:childTnLst>
+                        <p:par>
+                          <p:cTn id="4" fill="hold">
+                            <p:stCondLst>
+                              <p:cond delay="0"/>
+                            </p:stCondLst>
+                            <p:childTnLst>
+                              <p:par>
+                                <p:cTn id="5" presetID="50" presetClass="path" presetSubtype="0" accel="50000" decel="50000" fill="hold" nodeType="clickEffect">
+                                  <p:stCondLst>
+                                    <p:cond delay="0"/>
+                                  </p:stCondLst>
+                                  <p:childTnLst>
+                                    <p:animMotion origin="layout" path="M 1.11022E-16 -3.7037E-7 L 0.10117 -3.7037E-7 C 0.14661 -3.7037E-7 0.20273 0.20139 0.20273 0.36482 L 0.20273 0.73056 " pathEditMode="relative" rAng="0" ptsTypes="AAAA">
+                                      <p:cBhvr>
+                                        <p:cTn id="6" dur="3500" fill="hold"/>
+                                        <p:tgtEl>
+                                          <p:spTgt spid="32"/>
+                                        </p:tgtEl>
+                                        <p:attrNameLst>
+                                          <p:attrName>ppt_x</p:attrName>
+                                          <p:attrName>ppt_y</p:attrName>
+                                        </p:attrNameLst>
+                                      </p:cBhvr>
+                                      <p:rCtr x="10130" y="36528"/>
+                                    </p:animMotion>
+                                  </p:childTnLst>
+                                </p:cTn>
+                              </p:par>
+                            </p:childTnLst>
+                          </p:cTn>
+                        </p:par>
+                      </p:childTnLst>
+                    </p:cTn>
+                  </p:par>
+                </p:childTnLst>
+              </p:cTn>
+              <p:prevCondLst>
+                <p:cond evt="onPrev" delay="0">
+                  <p:tgtEl>
+                    <p:sldTgt/>
+                  </p:tgtEl>
+                </p:cond>
+              </p:prevCondLst>
+              <p:nextCondLst>
+                <p:cond evt="onNext" delay="0">
+                  <p:tgtEl>
+                    <p:sldTgt/>
+                  </p:tgtEl>
+                </p:cond>
+              </p:nextCondLst>
+            </p:seq>
+          </p:childTnLst>
+        </p:cTn>
+      </p:par>
+    </p:tnLst>
+  </p:timing>
 </p:sld>
 </file>
 
@@ -4194,12 +4409,20 @@
           <a:lstStyle/>
           <a:p>
             <a:r>
+              <a:rPr lang="hu-HU" b="1" dirty="0">
+                <a:solidFill>
+                  <a:schemeClr val="bg1"/>
+                </a:solidFill>
+              </a:rPr>
+              <a:t>Lövedék</a:t>
+            </a:r>
+            <a:r>
               <a:rPr lang="hu-HU" dirty="0">
                 <a:solidFill>
                   <a:schemeClr val="bg1"/>
                 </a:solidFill>
               </a:rPr>
-              <a:t>Lövedék:</a:t>
+              <a:t>:</a:t>
             </a:r>
           </a:p>
         </p:txBody>
@@ -4232,8 +4455,8 @@
         </p:blipFill>
         <p:spPr>
           <a:xfrm>
-            <a:off x="3045471" y="815732"/>
-            <a:ext cx="6101058" cy="5677143"/>
+            <a:off x="3699043" y="160519"/>
+            <a:ext cx="7025079" cy="6536961"/>
           </a:xfrm>
           <a:prstGeom prst="rect">
             <a:avLst/>
@@ -4268,8 +4491,8 @@
         </p:blipFill>
         <p:spPr>
           <a:xfrm>
-            <a:off x="189338" y="388767"/>
-            <a:ext cx="1121089" cy="1121089"/>
+            <a:off x="189338" y="546219"/>
+            <a:ext cx="963637" cy="963637"/>
           </a:xfrm>
           <a:prstGeom prst="rect">
             <a:avLst/>
@@ -4304,8 +4527,8 @@
         </p:blipFill>
         <p:spPr>
           <a:xfrm>
-            <a:off x="10881573" y="173139"/>
-            <a:ext cx="1121089" cy="1121089"/>
+            <a:off x="10881573" y="330591"/>
+            <a:ext cx="963637" cy="963637"/>
           </a:xfrm>
           <a:prstGeom prst="rect">
             <a:avLst/>
@@ -4340,8 +4563,8 @@
         </p:blipFill>
         <p:spPr>
           <a:xfrm>
-            <a:off x="10881573" y="5563772"/>
-            <a:ext cx="1121089" cy="1121089"/>
+            <a:off x="10881573" y="5721224"/>
+            <a:ext cx="963637" cy="963637"/>
           </a:xfrm>
           <a:prstGeom prst="rect">
             <a:avLst/>
@@ -4376,8 +4599,8 @@
         </p:blipFill>
         <p:spPr>
           <a:xfrm>
-            <a:off x="0" y="5736911"/>
-            <a:ext cx="1121089" cy="1121089"/>
+            <a:off x="0" y="5894363"/>
+            <a:ext cx="963637" cy="963637"/>
           </a:xfrm>
           <a:prstGeom prst="rect">
             <a:avLst/>
@@ -4394,6 +4617,101 @@
   <p:clrMapOvr>
     <a:masterClrMapping/>
   </p:clrMapOvr>
+  <mc:AlternateContent xmlns:mc="http://schemas.openxmlformats.org/markup-compatibility/2006">
+    <mc:Choice xmlns:p15="http://schemas.microsoft.com/office/powerpoint/2012/main" Requires="p15">
+      <p:transition xmlns:p14="http://schemas.microsoft.com/office/powerpoint/2010/main" spd="slow" p14:dur="2000">
+        <p15:prstTrans prst="fracture"/>
+      </p:transition>
+    </mc:Choice>
+    <mc:Fallback>
+      <p:transition spd="slow">
+        <p:fade/>
+      </p:transition>
+    </mc:Fallback>
+  </mc:AlternateContent>
+  <p:timing>
+    <p:tnLst>
+      <p:par>
+        <p:cTn id="1" dur="indefinite" restart="never" nodeType="tmRoot">
+          <p:childTnLst>
+            <p:seq concurrent="1" nextAc="seek">
+              <p:cTn id="2" dur="indefinite" nodeType="mainSeq">
+                <p:childTnLst>
+                  <p:par>
+                    <p:cTn id="3" fill="hold">
+                      <p:stCondLst>
+                        <p:cond delay="indefinite"/>
+                      </p:stCondLst>
+                      <p:childTnLst>
+                        <p:par>
+                          <p:cTn id="4" fill="hold">
+                            <p:stCondLst>
+                              <p:cond delay="0"/>
+                            </p:stCondLst>
+                            <p:childTnLst>
+                              <p:par>
+                                <p:cTn id="5" presetID="6" presetClass="entr" presetSubtype="32" fill="hold" nodeType="clickEffect">
+                                  <p:stCondLst>
+                                    <p:cond delay="0"/>
+                                  </p:stCondLst>
+                                  <p:childTnLst>
+                                    <p:set>
+                                      <p:cBhvr>
+                                        <p:cTn id="6" dur="1" fill="hold">
+                                          <p:stCondLst>
+                                            <p:cond delay="0"/>
+                                          </p:stCondLst>
+                                        </p:cTn>
+                                        <p:tgtEl>
+                                          <p:spTgt spid="7"/>
+                                        </p:tgtEl>
+                                        <p:attrNameLst>
+                                          <p:attrName>style.visibility</p:attrName>
+                                        </p:attrNameLst>
+                                      </p:cBhvr>
+                                      <p:to>
+                                        <p:strVal val="visible"/>
+                                      </p:to>
+                                    </p:set>
+                                    <p:animEffect transition="in" filter="circle(out)">
+                                      <p:cBhvr>
+                                        <p:cTn id="7" dur="1250"/>
+                                        <p:tgtEl>
+                                          <p:spTgt spid="7"/>
+                                        </p:tgtEl>
+                                      </p:cBhvr>
+                                    </p:animEffect>
+                                  </p:childTnLst>
+                                </p:cTn>
+                              </p:par>
+                            </p:childTnLst>
+                          </p:cTn>
+                        </p:par>
+                      </p:childTnLst>
+                    </p:cTn>
+                  </p:par>
+                </p:childTnLst>
+              </p:cTn>
+              <p:prevCondLst>
+                <p:cond evt="onPrev" delay="0">
+                  <p:tgtEl>
+                    <p:sldTgt/>
+                  </p:tgtEl>
+                </p:cond>
+              </p:prevCondLst>
+              <p:nextCondLst>
+                <p:cond evt="onNext" delay="0">
+                  <p:tgtEl>
+                    <p:sldTgt/>
+                  </p:tgtEl>
+                </p:cond>
+              </p:nextCondLst>
+            </p:seq>
+          </p:childTnLst>
+        </p:cTn>
+      </p:par>
+    </p:tnLst>
+  </p:timing>
 </p:sld>
 </file>
 
@@ -4465,8 +4783,8 @@
         </p:nvSpPr>
         <p:spPr>
           <a:xfrm>
-            <a:off x="838200" y="365125"/>
-            <a:ext cx="10515600" cy="1325563"/>
+            <a:off x="6513033" y="309490"/>
+            <a:ext cx="4579838" cy="1517232"/>
           </a:xfrm>
         </p:spPr>
         <p:txBody>
@@ -4474,60 +4792,22 @@
           <a:lstStyle/>
           <a:p>
             <a:r>
-              <a:rPr lang="hu-HU" dirty="0" err="1">
+              <a:rPr lang="hu-HU" b="1" dirty="0">
                 <a:solidFill>
                   <a:schemeClr val="bg1"/>
                 </a:solidFill>
               </a:rPr>
-              <a:t>Főmenü</a:t>
-            </a:r>
-            <a:r>
-              <a:rPr lang="hu-HU" dirty="0">
-                <a:solidFill>
-                  <a:schemeClr val="bg1"/>
-                </a:solidFill>
-              </a:rPr>
-              <a:t>:</a:t>
-            </a:r>
-          </a:p>
-        </p:txBody>
-      </p:sp>
-      <p:sp>
-        <p:nvSpPr>
-          <p:cNvPr id="15" name="Tartalom helye 14">
-            <a:extLst>
-              <a:ext uri="{FF2B5EF4-FFF2-40B4-BE49-F238E27FC236}">
-                <a16:creationId xmlns:a16="http://schemas.microsoft.com/office/drawing/2014/main" id="{EEDCF497-0F76-4D86-A425-DDC2D870D5BA}"/>
-              </a:ext>
-            </a:extLst>
-          </p:cNvPr>
-          <p:cNvSpPr>
-            <a:spLocks noGrp="1"/>
-          </p:cNvSpPr>
-          <p:nvPr>
-            <p:ph idx="1"/>
-          </p:nvPr>
-        </p:nvSpPr>
-        <p:spPr>
-          <a:xfrm>
-            <a:off x="838200" y="1551963"/>
-            <a:ext cx="10515600" cy="4624999"/>
-          </a:xfrm>
-        </p:spPr>
-        <p:txBody>
-          <a:bodyPr/>
-          <a:lstStyle/>
-          <a:p>
-            <a:endParaRPr lang="hu-HU" dirty="0"/>
+              <a:t>Főmenü:</a:t>
+            </a:r>
           </a:p>
         </p:txBody>
       </p:sp>
       <p:pic>
         <p:nvPicPr>
-          <p:cNvPr id="10" name="Kép 9">
-            <a:extLst>
-              <a:ext uri="{FF2B5EF4-FFF2-40B4-BE49-F238E27FC236}">
-                <a16:creationId xmlns:a16="http://schemas.microsoft.com/office/drawing/2014/main" id="{0CB4FFA5-8D87-4925-81CC-06B431A039A1}"/>
+          <p:cNvPr id="9" name="Tartalom helye 2">
+            <a:extLst>
+              <a:ext uri="{FF2B5EF4-FFF2-40B4-BE49-F238E27FC236}">
+                <a16:creationId xmlns:a16="http://schemas.microsoft.com/office/drawing/2014/main" id="{CBC22FEA-5F08-4168-9119-16B09AAE02A1}"/>
               </a:ext>
             </a:extLst>
           </p:cNvPr>
@@ -4550,8 +4830,110 @@
         </p:blipFill>
         <p:spPr>
           <a:xfrm>
-            <a:off x="1757484" y="2008654"/>
-            <a:ext cx="3748839" cy="3711616"/>
+            <a:off x="182967" y="115950"/>
+            <a:ext cx="5162756" cy="6710832"/>
+          </a:xfrm>
+          <a:prstGeom prst="rect">
+            <a:avLst/>
+          </a:prstGeom>
+        </p:spPr>
+      </p:pic>
+      <p:sp>
+        <p:nvSpPr>
+          <p:cNvPr id="15" name="Tartalom helye 14">
+            <a:extLst>
+              <a:ext uri="{FF2B5EF4-FFF2-40B4-BE49-F238E27FC236}">
+                <a16:creationId xmlns:a16="http://schemas.microsoft.com/office/drawing/2014/main" id="{EEDCF497-0F76-4D86-A425-DDC2D870D5BA}"/>
+              </a:ext>
+            </a:extLst>
+          </p:cNvPr>
+          <p:cNvSpPr>
+            <a:spLocks noGrp="1"/>
+          </p:cNvSpPr>
+          <p:nvPr>
+            <p:ph idx="1"/>
+          </p:nvPr>
+        </p:nvSpPr>
+        <p:spPr>
+          <a:xfrm>
+            <a:off x="838200" y="1551963"/>
+            <a:ext cx="10515600" cy="4624999"/>
+          </a:xfrm>
+        </p:spPr>
+        <p:txBody>
+          <a:bodyPr/>
+          <a:lstStyle/>
+          <a:p>
+            <a:endParaRPr lang="hu-HU" dirty="0"/>
+          </a:p>
+        </p:txBody>
+      </p:sp>
+      <p:pic>
+        <p:nvPicPr>
+          <p:cNvPr id="2" name="Kép 1" descr="A képen szöveg, képernyőkép, szoftver, képernyő látható&#10;&#10;Automatikusan generált leírás">
+            <a:extLst>
+              <a:ext uri="{FF2B5EF4-FFF2-40B4-BE49-F238E27FC236}">
+                <a16:creationId xmlns:a16="http://schemas.microsoft.com/office/drawing/2014/main" id="{890F495C-610D-73A2-DAC9-7279DF995549}"/>
+              </a:ext>
+            </a:extLst>
+          </p:cNvPr>
+          <p:cNvPicPr>
+            <a:picLocks noChangeAspect="1"/>
+          </p:cNvPicPr>
+          <p:nvPr/>
+        </p:nvPicPr>
+        <p:blipFill>
+          <a:blip r:embed="rId3">
+            <a:extLst>
+              <a:ext uri="{28A0092B-C50C-407E-A947-70E740481C1C}">
+                <a14:useLocalDpi xmlns:a14="http://schemas.microsoft.com/office/drawing/2010/main" val="0"/>
+              </a:ext>
+            </a:extLst>
+          </a:blip>
+          <a:stretch>
+            <a:fillRect/>
+          </a:stretch>
+        </p:blipFill>
+        <p:spPr>
+          <a:xfrm>
+            <a:off x="5444197" y="2101480"/>
+            <a:ext cx="6671082" cy="4685348"/>
+          </a:xfrm>
+          <a:prstGeom prst="rect">
+            <a:avLst/>
+          </a:prstGeom>
+        </p:spPr>
+      </p:pic>
+      <p:pic>
+        <p:nvPicPr>
+          <p:cNvPr id="11" name="Kép 10">
+            <a:extLst>
+              <a:ext uri="{FF2B5EF4-FFF2-40B4-BE49-F238E27FC236}">
+                <a16:creationId xmlns:a16="http://schemas.microsoft.com/office/drawing/2014/main" id="{1BF9EB4B-92EC-49F9-AEF3-5DA188D9E40F}"/>
+              </a:ext>
+            </a:extLst>
+          </p:cNvPr>
+          <p:cNvPicPr>
+            <a:picLocks noChangeAspect="1"/>
+          </p:cNvPicPr>
+          <p:nvPr/>
+        </p:nvPicPr>
+        <p:blipFill>
+          <a:blip r:embed="rId4">
+            <a:extLst>
+              <a:ext uri="{28A0092B-C50C-407E-A947-70E740481C1C}">
+                <a14:useLocalDpi xmlns:a14="http://schemas.microsoft.com/office/drawing/2010/main" val="0"/>
+              </a:ext>
+            </a:extLst>
+          </a:blip>
+          <a:stretch>
+            <a:fillRect/>
+          </a:stretch>
+        </p:blipFill>
+        <p:spPr>
+          <a:xfrm>
+            <a:off x="5444197" y="101694"/>
+            <a:ext cx="6564836" cy="3043140"/>
           </a:xfrm>
           <a:prstGeom prst="rect">
             <a:avLst/>
@@ -4573,7 +4955,7 @@
           <p:nvPr/>
         </p:nvPicPr>
         <p:blipFill rotWithShape="1">
-          <a:blip r:embed="rId3">
+          <a:blip r:embed="rId5">
             <a:extLst>
               <a:ext uri="{28A0092B-C50C-407E-A947-70E740481C1C}">
                 <a14:useLocalDpi xmlns:a14="http://schemas.microsoft.com/office/drawing/2010/main" val="0"/>
@@ -4585,116 +4967,8 @@
         </p:blipFill>
         <p:spPr>
           <a:xfrm>
-            <a:off x="1323135" y="2008654"/>
-            <a:ext cx="9111381" cy="4428615"/>
-          </a:xfrm>
-          <a:prstGeom prst="rect">
-            <a:avLst/>
-          </a:prstGeom>
-        </p:spPr>
-      </p:pic>
-      <p:pic>
-        <p:nvPicPr>
-          <p:cNvPr id="11" name="Kép 10">
-            <a:extLst>
-              <a:ext uri="{FF2B5EF4-FFF2-40B4-BE49-F238E27FC236}">
-                <a16:creationId xmlns:a16="http://schemas.microsoft.com/office/drawing/2014/main" id="{1BF9EB4B-92EC-49F9-AEF3-5DA188D9E40F}"/>
-              </a:ext>
-            </a:extLst>
-          </p:cNvPr>
-          <p:cNvPicPr>
-            <a:picLocks noChangeAspect="1"/>
-          </p:cNvPicPr>
-          <p:nvPr/>
-        </p:nvPicPr>
-        <p:blipFill>
-          <a:blip r:embed="rId4">
-            <a:extLst>
-              <a:ext uri="{28A0092B-C50C-407E-A947-70E740481C1C}">
-                <a14:useLocalDpi xmlns:a14="http://schemas.microsoft.com/office/drawing/2010/main" val="0"/>
-              </a:ext>
-            </a:extLst>
-          </a:blip>
-          <a:stretch>
-            <a:fillRect/>
-          </a:stretch>
-        </p:blipFill>
-        <p:spPr>
-          <a:xfrm>
-            <a:off x="649704" y="2028905"/>
-            <a:ext cx="5496000" cy="2547679"/>
-          </a:xfrm>
-          <a:prstGeom prst="rect">
-            <a:avLst/>
-          </a:prstGeom>
-        </p:spPr>
-      </p:pic>
-      <p:pic>
-        <p:nvPicPr>
-          <p:cNvPr id="9" name="Tartalom helye 2">
-            <a:extLst>
-              <a:ext uri="{FF2B5EF4-FFF2-40B4-BE49-F238E27FC236}">
-                <a16:creationId xmlns:a16="http://schemas.microsoft.com/office/drawing/2014/main" id="{CBC22FEA-5F08-4168-9119-16B09AAE02A1}"/>
-              </a:ext>
-            </a:extLst>
-          </p:cNvPr>
-          <p:cNvPicPr>
-            <a:picLocks noChangeAspect="1"/>
-          </p:cNvPicPr>
-          <p:nvPr/>
-        </p:nvPicPr>
-        <p:blipFill>
-          <a:blip r:embed="rId5">
-            <a:extLst>
-              <a:ext uri="{28A0092B-C50C-407E-A947-70E740481C1C}">
-                <a14:useLocalDpi xmlns:a14="http://schemas.microsoft.com/office/drawing/2010/main" val="0"/>
-              </a:ext>
-            </a:extLst>
-          </a:blip>
-          <a:stretch>
-            <a:fillRect/>
-          </a:stretch>
-        </p:blipFill>
-        <p:spPr>
-          <a:xfrm>
-            <a:off x="6597787" y="303465"/>
-            <a:ext cx="4809053" cy="6251069"/>
-          </a:xfrm>
-          <a:prstGeom prst="rect">
-            <a:avLst/>
-          </a:prstGeom>
-        </p:spPr>
-      </p:pic>
-      <p:pic>
-        <p:nvPicPr>
-          <p:cNvPr id="2" name="Kép 1" descr="A képen szöveg, képernyőkép, szoftver, képernyő látható&#10;&#10;Automatikusan generált leírás">
-            <a:extLst>
-              <a:ext uri="{FF2B5EF4-FFF2-40B4-BE49-F238E27FC236}">
-                <a16:creationId xmlns:a16="http://schemas.microsoft.com/office/drawing/2014/main" id="{890F495C-610D-73A2-DAC9-7279DF995549}"/>
-              </a:ext>
-            </a:extLst>
-          </p:cNvPr>
-          <p:cNvPicPr>
-            <a:picLocks noChangeAspect="1"/>
-          </p:cNvPicPr>
-          <p:nvPr/>
-        </p:nvPicPr>
-        <p:blipFill>
-          <a:blip r:embed="rId6">
-            <a:extLst>
-              <a:ext uri="{28A0092B-C50C-407E-A947-70E740481C1C}">
-                <a14:useLocalDpi xmlns:a14="http://schemas.microsoft.com/office/drawing/2010/main" val="0"/>
-              </a:ext>
-            </a:extLst>
-          </a:blip>
-          <a:stretch>
-            <a:fillRect/>
-          </a:stretch>
-        </p:blipFill>
-        <p:spPr>
-          <a:xfrm>
-            <a:off x="1674907" y="525610"/>
-            <a:ext cx="7744906" cy="5439534"/>
+            <a:off x="163618" y="681038"/>
+            <a:ext cx="11629995" cy="5971868"/>
           </a:xfrm>
           <a:prstGeom prst="rect">
             <a:avLst/>
@@ -4711,6 +4985,192 @@
   <p:clrMapOvr>
     <a:masterClrMapping/>
   </p:clrMapOvr>
+  <mc:AlternateContent xmlns:mc="http://schemas.openxmlformats.org/markup-compatibility/2006">
+    <mc:Choice xmlns:p14="http://schemas.microsoft.com/office/powerpoint/2010/main" Requires="p14">
+      <p:transition spd="slow" p14:dur="1600">
+        <p14:prism isInverted="1"/>
+      </p:transition>
+    </mc:Choice>
+    <mc:Fallback>
+      <p:transition spd="slow">
+        <p:fade/>
+      </p:transition>
+    </mc:Fallback>
+  </mc:AlternateContent>
+  <p:timing>
+    <p:tnLst>
+      <p:par>
+        <p:cTn id="1" dur="indefinite" restart="never" nodeType="tmRoot">
+          <p:childTnLst>
+            <p:seq concurrent="1" nextAc="seek">
+              <p:cTn id="2" dur="indefinite" nodeType="mainSeq">
+                <p:childTnLst>
+                  <p:par>
+                    <p:cTn id="3" fill="hold">
+                      <p:stCondLst>
+                        <p:cond delay="indefinite"/>
+                      </p:stCondLst>
+                      <p:childTnLst>
+                        <p:par>
+                          <p:cTn id="4" fill="hold">
+                            <p:stCondLst>
+                              <p:cond delay="0"/>
+                            </p:stCondLst>
+                            <p:childTnLst>
+                              <p:par>
+                                <p:cTn id="5" presetID="2" presetClass="entr" presetSubtype="8" fill="hold" nodeType="clickEffect">
+                                  <p:stCondLst>
+                                    <p:cond delay="0"/>
+                                  </p:stCondLst>
+                                  <p:childTnLst>
+                                    <p:set>
+                                      <p:cBhvr>
+                                        <p:cTn id="6" dur="1" fill="hold">
+                                          <p:stCondLst>
+                                            <p:cond delay="0"/>
+                                          </p:stCondLst>
+                                        </p:cTn>
+                                        <p:tgtEl>
+                                          <p:spTgt spid="11"/>
+                                        </p:tgtEl>
+                                        <p:attrNameLst>
+                                          <p:attrName>style.visibility</p:attrName>
+                                        </p:attrNameLst>
+                                      </p:cBhvr>
+                                      <p:to>
+                                        <p:strVal val="visible"/>
+                                      </p:to>
+                                    </p:set>
+                                    <p:anim calcmode="lin" valueType="num">
+                                      <p:cBhvr additive="base">
+                                        <p:cTn id="7" dur="1500" fill="hold"/>
+                                        <p:tgtEl>
+                                          <p:spTgt spid="11"/>
+                                        </p:tgtEl>
+                                        <p:attrNameLst>
+                                          <p:attrName>ppt_x</p:attrName>
+                                        </p:attrNameLst>
+                                      </p:cBhvr>
+                                      <p:tavLst>
+                                        <p:tav tm="0">
+                                          <p:val>
+                                            <p:strVal val="0-#ppt_w/2"/>
+                                          </p:val>
+                                        </p:tav>
+                                        <p:tav tm="100000">
+                                          <p:val>
+                                            <p:strVal val="#ppt_x"/>
+                                          </p:val>
+                                        </p:tav>
+                                      </p:tavLst>
+                                    </p:anim>
+                                    <p:anim calcmode="lin" valueType="num">
+                                      <p:cBhvr additive="base">
+                                        <p:cTn id="8" dur="1500" fill="hold"/>
+                                        <p:tgtEl>
+                                          <p:spTgt spid="11"/>
+                                        </p:tgtEl>
+                                        <p:attrNameLst>
+                                          <p:attrName>ppt_y</p:attrName>
+                                        </p:attrNameLst>
+                                      </p:cBhvr>
+                                      <p:tavLst>
+                                        <p:tav tm="0">
+                                          <p:val>
+                                            <p:strVal val="#ppt_y"/>
+                                          </p:val>
+                                        </p:tav>
+                                        <p:tav tm="100000">
+                                          <p:val>
+                                            <p:strVal val="#ppt_y"/>
+                                          </p:val>
+                                        </p:tav>
+                                      </p:tavLst>
+                                    </p:anim>
+                                  </p:childTnLst>
+                                </p:cTn>
+                              </p:par>
+                            </p:childTnLst>
+                          </p:cTn>
+                        </p:par>
+                      </p:childTnLst>
+                    </p:cTn>
+                  </p:par>
+                  <p:par>
+                    <p:cTn id="9" fill="hold">
+                      <p:stCondLst>
+                        <p:cond delay="indefinite"/>
+                      </p:stCondLst>
+                      <p:childTnLst>
+                        <p:par>
+                          <p:cTn id="10" fill="hold">
+                            <p:stCondLst>
+                              <p:cond delay="0"/>
+                            </p:stCondLst>
+                            <p:childTnLst>
+                              <p:par>
+                                <p:cTn id="11" presetID="10" presetClass="entr" presetSubtype="0" fill="hold" nodeType="clickEffect">
+                                  <p:stCondLst>
+                                    <p:cond delay="0"/>
+                                  </p:stCondLst>
+                                  <p:childTnLst>
+                                    <p:set>
+                                      <p:cBhvr>
+                                        <p:cTn id="12" dur="1" fill="hold">
+                                          <p:stCondLst>
+                                            <p:cond delay="0"/>
+                                          </p:stCondLst>
+                                        </p:cTn>
+                                        <p:tgtEl>
+                                          <p:spTgt spid="20"/>
+                                        </p:tgtEl>
+                                        <p:attrNameLst>
+                                          <p:attrName>style.visibility</p:attrName>
+                                        </p:attrNameLst>
+                                      </p:cBhvr>
+                                      <p:to>
+                                        <p:strVal val="visible"/>
+                                      </p:to>
+                                    </p:set>
+                                    <p:animEffect transition="in" filter="fade">
+                                      <p:cBhvr>
+                                        <p:cTn id="13" dur="750"/>
+                                        <p:tgtEl>
+                                          <p:spTgt spid="20"/>
+                                        </p:tgtEl>
+                                      </p:cBhvr>
+                                    </p:animEffect>
+                                  </p:childTnLst>
+                                </p:cTn>
+                              </p:par>
+                            </p:childTnLst>
+                          </p:cTn>
+                        </p:par>
+                      </p:childTnLst>
+                    </p:cTn>
+                  </p:par>
+                </p:childTnLst>
+              </p:cTn>
+              <p:prevCondLst>
+                <p:cond evt="onPrev" delay="0">
+                  <p:tgtEl>
+                    <p:sldTgt/>
+                  </p:tgtEl>
+                </p:cond>
+              </p:prevCondLst>
+              <p:nextCondLst>
+                <p:cond evt="onNext" delay="0">
+                  <p:tgtEl>
+                    <p:sldTgt/>
+                  </p:tgtEl>
+                </p:cond>
+              </p:nextCondLst>
+            </p:seq>
+          </p:childTnLst>
+        </p:cTn>
+      </p:par>
+    </p:tnLst>
+  </p:timing>
 </p:sld>
 </file>
 
@@ -4828,10 +5288,10 @@
       </p:sp>
       <p:pic>
         <p:nvPicPr>
-          <p:cNvPr id="6" name="Tartalom helye 10">
-            <a:extLst>
-              <a:ext uri="{FF2B5EF4-FFF2-40B4-BE49-F238E27FC236}">
-                <a16:creationId xmlns:a16="http://schemas.microsoft.com/office/drawing/2014/main" id="{4B72CFFB-8066-42A0-A357-04871A71BA3F}"/>
+          <p:cNvPr id="15" name="Tartalom helye 2" descr="A képen szöveg, képernyőkép, képernyő, szoftver látható&#10;&#10;Automatikusan generált leírás">
+            <a:extLst>
+              <a:ext uri="{FF2B5EF4-FFF2-40B4-BE49-F238E27FC236}">
+                <a16:creationId xmlns:a16="http://schemas.microsoft.com/office/drawing/2014/main" id="{C54906F7-87B0-19BA-2971-B6FC54C1A14F}"/>
               </a:ext>
             </a:extLst>
           </p:cNvPr>
@@ -4840,7 +5300,7 @@
           </p:cNvPicPr>
           <p:nvPr/>
         </p:nvPicPr>
-        <p:blipFill rotWithShape="1">
+        <p:blipFill>
           <a:blip r:embed="rId2">
             <a:extLst>
               <a:ext uri="{28A0092B-C50C-407E-A947-70E740481C1C}">
@@ -4848,13 +5308,14 @@
               </a:ext>
             </a:extLst>
           </a:blip>
-          <a:srcRect t="1947"/>
-          <a:stretch/>
+          <a:stretch>
+            <a:fillRect/>
+          </a:stretch>
         </p:blipFill>
         <p:spPr>
           <a:xfrm>
-            <a:off x="351691" y="1697151"/>
-            <a:ext cx="7370395" cy="3597674"/>
+            <a:off x="3756074" y="1405357"/>
+            <a:ext cx="7838174" cy="5452643"/>
           </a:xfrm>
           <a:prstGeom prst="rect">
             <a:avLst/>
@@ -4889,8 +5350,8 @@
         </p:blipFill>
         <p:spPr>
           <a:xfrm>
-            <a:off x="4212506" y="869809"/>
-            <a:ext cx="7979494" cy="4486275"/>
+            <a:off x="994905" y="1365511"/>
+            <a:ext cx="9119765" cy="5127364"/>
           </a:xfrm>
           <a:prstGeom prst="rect">
             <a:avLst/>
@@ -4899,10 +5360,10 @@
       </p:pic>
       <p:pic>
         <p:nvPicPr>
-          <p:cNvPr id="15" name="Tartalom helye 2" descr="A képen szöveg, képernyőkép, képernyő, szoftver látható&#10;&#10;Automatikusan generált leírás">
-            <a:extLst>
-              <a:ext uri="{FF2B5EF4-FFF2-40B4-BE49-F238E27FC236}">
-                <a16:creationId xmlns:a16="http://schemas.microsoft.com/office/drawing/2014/main" id="{C54906F7-87B0-19BA-2971-B6FC54C1A14F}"/>
+          <p:cNvPr id="6" name="Tartalom helye 10">
+            <a:extLst>
+              <a:ext uri="{FF2B5EF4-FFF2-40B4-BE49-F238E27FC236}">
+                <a16:creationId xmlns:a16="http://schemas.microsoft.com/office/drawing/2014/main" id="{4B72CFFB-8066-42A0-A357-04871A71BA3F}"/>
               </a:ext>
             </a:extLst>
           </p:cNvPr>
@@ -4911,7 +5372,7 @@
           </p:cNvPicPr>
           <p:nvPr/>
         </p:nvPicPr>
-        <p:blipFill>
+        <p:blipFill rotWithShape="1">
           <a:blip r:embed="rId4">
             <a:extLst>
               <a:ext uri="{28A0092B-C50C-407E-A947-70E740481C1C}">
@@ -4919,14 +5380,13 @@
               </a:ext>
             </a:extLst>
           </a:blip>
-          <a:stretch>
-            <a:fillRect/>
-          </a:stretch>
+          <a:srcRect t="1947"/>
+          <a:stretch/>
         </p:blipFill>
         <p:spPr>
           <a:xfrm>
-            <a:off x="2871490" y="2195372"/>
-            <a:ext cx="6449020" cy="4486275"/>
+            <a:off x="196947" y="4614203"/>
+            <a:ext cx="4235481" cy="2067444"/>
           </a:xfrm>
           <a:prstGeom prst="rect">
             <a:avLst/>
@@ -4943,6 +5403,139 @@
   <p:clrMapOvr>
     <a:masterClrMapping/>
   </p:clrMapOvr>
+  <mc:AlternateContent xmlns:mc="http://schemas.openxmlformats.org/markup-compatibility/2006">
+    <mc:Choice xmlns:p14="http://schemas.microsoft.com/office/powerpoint/2010/main" Requires="p14">
+      <p:transition spd="slow" p14:dur="4400">
+        <p14:honeycomb/>
+      </p:transition>
+    </mc:Choice>
+    <mc:Fallback>
+      <p:transition spd="slow">
+        <p:fade/>
+      </p:transition>
+    </mc:Fallback>
+  </mc:AlternateContent>
+  <p:timing>
+    <p:tnLst>
+      <p:par>
+        <p:cTn id="1" dur="indefinite" restart="never" nodeType="tmRoot">
+          <p:childTnLst>
+            <p:seq concurrent="1" nextAc="seek">
+              <p:cTn id="2" dur="indefinite" nodeType="mainSeq">
+                <p:childTnLst>
+                  <p:par>
+                    <p:cTn id="3" fill="hold">
+                      <p:stCondLst>
+                        <p:cond delay="indefinite"/>
+                      </p:stCondLst>
+                      <p:childTnLst>
+                        <p:par>
+                          <p:cTn id="4" fill="hold">
+                            <p:stCondLst>
+                              <p:cond delay="0"/>
+                            </p:stCondLst>
+                            <p:childTnLst>
+                              <p:par>
+                                <p:cTn id="5" presetID="2" presetClass="entr" presetSubtype="4" fill="hold" nodeType="clickEffect">
+                                  <p:stCondLst>
+                                    <p:cond delay="0"/>
+                                  </p:stCondLst>
+                                  <p:childTnLst>
+                                    <p:set>
+                                      <p:cBhvr>
+                                        <p:cTn id="6" dur="1" fill="hold">
+                                          <p:stCondLst>
+                                            <p:cond delay="0"/>
+                                          </p:stCondLst>
+                                        </p:cTn>
+                                        <p:tgtEl>
+                                          <p:spTgt spid="9"/>
+                                        </p:tgtEl>
+                                        <p:attrNameLst>
+                                          <p:attrName>style.visibility</p:attrName>
+                                        </p:attrNameLst>
+                                      </p:cBhvr>
+                                      <p:to>
+                                        <p:strVal val="visible"/>
+                                      </p:to>
+                                    </p:set>
+                                    <p:anim calcmode="lin" valueType="num">
+                                      <p:cBhvr additive="base">
+                                        <p:cTn id="7" dur="750" fill="hold"/>
+                                        <p:tgtEl>
+                                          <p:spTgt spid="9"/>
+                                        </p:tgtEl>
+                                        <p:attrNameLst>
+                                          <p:attrName>ppt_x</p:attrName>
+                                        </p:attrNameLst>
+                                      </p:cBhvr>
+                                      <p:tavLst>
+                                        <p:tav tm="0">
+                                          <p:val>
+                                            <p:strVal val="#ppt_x"/>
+                                          </p:val>
+                                        </p:tav>
+                                        <p:tav tm="100000">
+                                          <p:val>
+                                            <p:strVal val="#ppt_x"/>
+                                          </p:val>
+                                        </p:tav>
+                                      </p:tavLst>
+                                    </p:anim>
+                                    <p:anim calcmode="lin" valueType="num">
+                                      <p:cBhvr additive="base">
+                                        <p:cTn id="8" dur="750" fill="hold"/>
+                                        <p:tgtEl>
+                                          <p:spTgt spid="9"/>
+                                        </p:tgtEl>
+                                        <p:attrNameLst>
+                                          <p:attrName>ppt_y</p:attrName>
+                                        </p:attrNameLst>
+                                      </p:cBhvr>
+                                      <p:tavLst>
+                                        <p:tav tm="0">
+                                          <p:val>
+                                            <p:strVal val="1+#ppt_h/2"/>
+                                          </p:val>
+                                        </p:tav>
+                                        <p:tav tm="100000">
+                                          <p:val>
+                                            <p:strVal val="#ppt_y"/>
+                                          </p:val>
+                                        </p:tav>
+                                      </p:tavLst>
+                                    </p:anim>
+                                  </p:childTnLst>
+                                </p:cTn>
+                              </p:par>
+                            </p:childTnLst>
+                          </p:cTn>
+                        </p:par>
+                      </p:childTnLst>
+                    </p:cTn>
+                  </p:par>
+                </p:childTnLst>
+              </p:cTn>
+              <p:prevCondLst>
+                <p:cond evt="onPrev" delay="0">
+                  <p:tgtEl>
+                    <p:sldTgt/>
+                  </p:tgtEl>
+                </p:cond>
+              </p:prevCondLst>
+              <p:nextCondLst>
+                <p:cond evt="onNext" delay="0">
+                  <p:tgtEl>
+                    <p:sldTgt/>
+                  </p:tgtEl>
+                </p:cond>
+              </p:nextCondLst>
+            </p:seq>
+          </p:childTnLst>
+        </p:cTn>
+      </p:par>
+    </p:tnLst>
+  </p:timing>
 </p:sld>
 </file>
 
@@ -5094,8 +5687,8 @@
         </p:blipFill>
         <p:spPr>
           <a:xfrm>
-            <a:off x="330273" y="2519350"/>
-            <a:ext cx="8720905" cy="4338650"/>
+            <a:off x="119257" y="1388146"/>
+            <a:ext cx="6478491" cy="3223049"/>
           </a:xfrm>
           <a:prstGeom prst="rect">
             <a:avLst/>
@@ -5112,6 +5705,18 @@
   <p:clrMapOvr>
     <a:masterClrMapping/>
   </p:clrMapOvr>
+  <mc:AlternateContent xmlns:mc="http://schemas.openxmlformats.org/markup-compatibility/2006">
+    <mc:Choice xmlns:p15="http://schemas.microsoft.com/office/powerpoint/2012/main" Requires="p15">
+      <p:transition xmlns:p14="http://schemas.microsoft.com/office/powerpoint/2010/main" spd="slow" p14:dur="2000">
+        <p15:prstTrans prst="fallOver"/>
+      </p:transition>
+    </mc:Choice>
+    <mc:Fallback>
+      <p:transition spd="slow">
+        <p:fade/>
+      </p:transition>
+    </mc:Fallback>
+  </mc:AlternateContent>
 </p:sld>
 </file>
 
@@ -5370,6 +5975,18 @@
   <p:clrMapOvr>
     <a:masterClrMapping/>
   </p:clrMapOvr>
+  <mc:AlternateContent xmlns:mc="http://schemas.openxmlformats.org/markup-compatibility/2006">
+    <mc:Choice xmlns:p15="http://schemas.microsoft.com/office/powerpoint/2012/main" Requires="p15">
+      <p:transition xmlns:p14="http://schemas.microsoft.com/office/powerpoint/2010/main" spd="slow" p14:dur="2000">
+        <p15:prstTrans prst="wind"/>
+      </p:transition>
+    </mc:Choice>
+    <mc:Fallback>
+      <p:transition spd="slow">
+        <p:fade/>
+      </p:transition>
+    </mc:Fallback>
+  </mc:AlternateContent>
 </p:sld>
 </file>
 

--- a/PPT/Space Hunter.pptx
+++ b/PPT/Space Hunter.pptx
@@ -6,10 +6,10 @@
   </p:sldMasterIdLst>
   <p:sldIdLst>
     <p:sldId id="256" r:id="rId2"/>
-    <p:sldId id="257" r:id="rId3"/>
-    <p:sldId id="259" r:id="rId4"/>
-    <p:sldId id="261" r:id="rId5"/>
-    <p:sldId id="265" r:id="rId6"/>
+    <p:sldId id="265" r:id="rId3"/>
+    <p:sldId id="257" r:id="rId4"/>
+    <p:sldId id="259" r:id="rId5"/>
+    <p:sldId id="261" r:id="rId6"/>
     <p:sldId id="264" r:id="rId7"/>
     <p:sldId id="260" r:id="rId8"/>
     <p:sldId id="263" r:id="rId9"/>
@@ -268,7 +268,7 @@
           <a:p>
             <a:fld id="{DA484DFB-0D73-4626-BA94-E457E798A3D2}" type="datetimeFigureOut">
               <a:rPr lang="hu-HU" smtClean="0"/>
-              <a:t>2024. 04. 06.</a:t>
+              <a:t>2024. 04. 07.</a:t>
             </a:fld>
             <a:endParaRPr lang="hu-HU"/>
           </a:p>
@@ -466,7 +466,7 @@
           <a:p>
             <a:fld id="{DA484DFB-0D73-4626-BA94-E457E798A3D2}" type="datetimeFigureOut">
               <a:rPr lang="hu-HU" smtClean="0"/>
-              <a:t>2024. 04. 06.</a:t>
+              <a:t>2024. 04. 07.</a:t>
             </a:fld>
             <a:endParaRPr lang="hu-HU"/>
           </a:p>
@@ -674,7 +674,7 @@
           <a:p>
             <a:fld id="{DA484DFB-0D73-4626-BA94-E457E798A3D2}" type="datetimeFigureOut">
               <a:rPr lang="hu-HU" smtClean="0"/>
-              <a:t>2024. 04. 06.</a:t>
+              <a:t>2024. 04. 07.</a:t>
             </a:fld>
             <a:endParaRPr lang="hu-HU"/>
           </a:p>
@@ -872,7 +872,7 @@
           <a:p>
             <a:fld id="{DA484DFB-0D73-4626-BA94-E457E798A3D2}" type="datetimeFigureOut">
               <a:rPr lang="hu-HU" smtClean="0"/>
-              <a:t>2024. 04. 06.</a:t>
+              <a:t>2024. 04. 07.</a:t>
             </a:fld>
             <a:endParaRPr lang="hu-HU"/>
           </a:p>
@@ -1147,7 +1147,7 @@
           <a:p>
             <a:fld id="{DA484DFB-0D73-4626-BA94-E457E798A3D2}" type="datetimeFigureOut">
               <a:rPr lang="hu-HU" smtClean="0"/>
-              <a:t>2024. 04. 06.</a:t>
+              <a:t>2024. 04. 07.</a:t>
             </a:fld>
             <a:endParaRPr lang="hu-HU"/>
           </a:p>
@@ -1412,7 +1412,7 @@
           <a:p>
             <a:fld id="{DA484DFB-0D73-4626-BA94-E457E798A3D2}" type="datetimeFigureOut">
               <a:rPr lang="hu-HU" smtClean="0"/>
-              <a:t>2024. 04. 06.</a:t>
+              <a:t>2024. 04. 07.</a:t>
             </a:fld>
             <a:endParaRPr lang="hu-HU"/>
           </a:p>
@@ -1824,7 +1824,7 @@
           <a:p>
             <a:fld id="{DA484DFB-0D73-4626-BA94-E457E798A3D2}" type="datetimeFigureOut">
               <a:rPr lang="hu-HU" smtClean="0"/>
-              <a:t>2024. 04. 06.</a:t>
+              <a:t>2024. 04. 07.</a:t>
             </a:fld>
             <a:endParaRPr lang="hu-HU"/>
           </a:p>
@@ -1965,7 +1965,7 @@
           <a:p>
             <a:fld id="{DA484DFB-0D73-4626-BA94-E457E798A3D2}" type="datetimeFigureOut">
               <a:rPr lang="hu-HU" smtClean="0"/>
-              <a:t>2024. 04. 06.</a:t>
+              <a:t>2024. 04. 07.</a:t>
             </a:fld>
             <a:endParaRPr lang="hu-HU"/>
           </a:p>
@@ -2078,7 +2078,7 @@
           <a:p>
             <a:fld id="{DA484DFB-0D73-4626-BA94-E457E798A3D2}" type="datetimeFigureOut">
               <a:rPr lang="hu-HU" smtClean="0"/>
-              <a:t>2024. 04. 06.</a:t>
+              <a:t>2024. 04. 07.</a:t>
             </a:fld>
             <a:endParaRPr lang="hu-HU"/>
           </a:p>
@@ -2389,7 +2389,7 @@
           <a:p>
             <a:fld id="{DA484DFB-0D73-4626-BA94-E457E798A3D2}" type="datetimeFigureOut">
               <a:rPr lang="hu-HU" smtClean="0"/>
-              <a:t>2024. 04. 06.</a:t>
+              <a:t>2024. 04. 07.</a:t>
             </a:fld>
             <a:endParaRPr lang="hu-HU"/>
           </a:p>
@@ -2677,7 +2677,7 @@
           <a:p>
             <a:fld id="{DA484DFB-0D73-4626-BA94-E457E798A3D2}" type="datetimeFigureOut">
               <a:rPr lang="hu-HU" smtClean="0"/>
-              <a:t>2024. 04. 06.</a:t>
+              <a:t>2024. 04. 07.</a:t>
             </a:fld>
             <a:endParaRPr lang="hu-HU"/>
           </a:p>
@@ -2918,7 +2918,7 @@
           <a:p>
             <a:fld id="{DA484DFB-0D73-4626-BA94-E457E798A3D2}" type="datetimeFigureOut">
               <a:rPr lang="hu-HU" smtClean="0"/>
-              <a:t>2024. 04. 06.</a:t>
+              <a:t>2024. 04. 07.</a:t>
             </a:fld>
             <a:endParaRPr lang="hu-HU"/>
           </a:p>
@@ -3366,7 +3366,12 @@
             <p:ph type="ctrTitle"/>
           </p:nvPr>
         </p:nvSpPr>
-        <p:spPr/>
+        <p:spPr>
+          <a:xfrm>
+            <a:off x="1097280" y="1122363"/>
+            <a:ext cx="11094720" cy="2387600"/>
+          </a:xfrm>
+        </p:spPr>
         <p:txBody>
           <a:bodyPr>
             <a:normAutofit/>
@@ -3374,7 +3379,7 @@
           <a:lstStyle/>
           <a:p>
             <a:r>
-              <a:rPr lang="hu-HU" sz="11500" b="1" dirty="0" err="1">
+              <a:rPr lang="hu-HU" sz="9200" b="1" dirty="0">
                 <a:solidFill>
                   <a:schemeClr val="bg1"/>
                 </a:solidFill>
@@ -3385,11 +3390,36 @@
                     </a:srgbClr>
                   </a:outerShdw>
                 </a:effectLst>
+                <a:latin typeface="Rockwell Extra Bold" panose="02060903040505020403" pitchFamily="18" charset="0"/>
               </a:rPr>
-              <a:t>Space</a:t>
-            </a:r>
-            <a:r>
-              <a:rPr lang="hu-HU" sz="11500" b="1" dirty="0">
+              <a:t>Space Hunter</a:t>
+            </a:r>
+          </a:p>
+        </p:txBody>
+      </p:sp>
+      <p:sp>
+        <p:nvSpPr>
+          <p:cNvPr id="3" name="Alcím 2">
+            <a:extLst>
+              <a:ext uri="{FF2B5EF4-FFF2-40B4-BE49-F238E27FC236}">
+                <a16:creationId xmlns:a16="http://schemas.microsoft.com/office/drawing/2014/main" id="{54F21194-CFAC-422D-B3A2-E47A6FCDAF9C}"/>
+              </a:ext>
+            </a:extLst>
+          </p:cNvPr>
+          <p:cNvSpPr>
+            <a:spLocks noGrp="1"/>
+          </p:cNvSpPr>
+          <p:nvPr>
+            <p:ph type="subTitle" idx="1"/>
+          </p:nvPr>
+        </p:nvSpPr>
+        <p:spPr/>
+        <p:txBody>
+          <a:bodyPr/>
+          <a:lstStyle/>
+          <a:p>
+            <a:r>
+              <a:rPr lang="hu-HU" sz="2300" b="1" dirty="0">
                 <a:solidFill>
                   <a:schemeClr val="bg1"/>
                 </a:solidFill>
@@ -3400,35 +3430,14 @@
                     </a:srgbClr>
                   </a:outerShdw>
                 </a:effectLst>
+                <a:latin typeface="Rockwell Extra Bold" panose="02060903040505020403" pitchFamily="18" charset="0"/>
               </a:rPr>
-              <a:t> Hunter</a:t>
-            </a:r>
-          </a:p>
-        </p:txBody>
-      </p:sp>
-      <p:sp>
-        <p:nvSpPr>
-          <p:cNvPr id="3" name="Alcím 2">
-            <a:extLst>
-              <a:ext uri="{FF2B5EF4-FFF2-40B4-BE49-F238E27FC236}">
-                <a16:creationId xmlns:a16="http://schemas.microsoft.com/office/drawing/2014/main" id="{54F21194-CFAC-422D-B3A2-E47A6FCDAF9C}"/>
-              </a:ext>
-            </a:extLst>
-          </p:cNvPr>
-          <p:cNvSpPr>
-            <a:spLocks noGrp="1"/>
-          </p:cNvSpPr>
-          <p:nvPr>
-            <p:ph type="subTitle" idx="1"/>
-          </p:nvPr>
-        </p:nvSpPr>
-        <p:spPr/>
-        <p:txBody>
-          <a:bodyPr/>
-          <a:lstStyle/>
-          <a:p>
-            <a:r>
-              <a:rPr lang="hu-HU" sz="2800" b="1" dirty="0">
+              <a:t>Készítette: Major Bálint István, </a:t>
+            </a:r>
+          </a:p>
+          <a:p>
+            <a:r>
+              <a:rPr lang="hu-HU" sz="2300" b="1" dirty="0" err="1">
                 <a:solidFill>
                   <a:schemeClr val="bg1"/>
                 </a:solidFill>
@@ -3439,13 +3448,12 @@
                     </a:srgbClr>
                   </a:outerShdw>
                 </a:effectLst>
+                <a:latin typeface="Rockwell Extra Bold" panose="02060903040505020403" pitchFamily="18" charset="0"/>
               </a:rPr>
-              <a:t>Készítette: Major Bálint István, </a:t>
-            </a:r>
-          </a:p>
-          <a:p>
-            <a:r>
-              <a:rPr lang="hu-HU" sz="2800" b="1" dirty="0" err="1">
+              <a:t>Szollinger</a:t>
+            </a:r>
+            <a:r>
+              <a:rPr lang="hu-HU" sz="2300" b="1" dirty="0">
                 <a:solidFill>
                   <a:schemeClr val="bg1"/>
                 </a:solidFill>
@@ -3456,11 +3464,14 @@
                     </a:srgbClr>
                   </a:outerShdw>
                 </a:effectLst>
+                <a:latin typeface="Rockwell Extra Bold" panose="02060903040505020403" pitchFamily="18" charset="0"/>
               </a:rPr>
-              <a:t>Szollinger</a:t>
-            </a:r>
-            <a:r>
-              <a:rPr lang="hu-HU" sz="2800" b="1" dirty="0">
+              <a:t> Rajmund, </a:t>
+            </a:r>
+          </a:p>
+          <a:p>
+            <a:r>
+              <a:rPr lang="hu-HU" sz="2300" b="1" dirty="0">
                 <a:solidFill>
                   <a:schemeClr val="bg1"/>
                 </a:solidFill>
@@ -3471,23 +3482,7 @@
                     </a:srgbClr>
                   </a:outerShdw>
                 </a:effectLst>
-              </a:rPr>
-              <a:t> Rajmund, </a:t>
-            </a:r>
-          </a:p>
-          <a:p>
-            <a:r>
-              <a:rPr lang="hu-HU" sz="2800" b="1" dirty="0">
-                <a:solidFill>
-                  <a:schemeClr val="bg1"/>
-                </a:solidFill>
-                <a:effectLst>
-                  <a:outerShdw blurRad="38100" dist="38100" dir="2700000" algn="tl">
-                    <a:srgbClr val="000000">
-                      <a:alpha val="43137"/>
-                    </a:srgbClr>
-                  </a:outerShdw>
-                </a:effectLst>
+                <a:latin typeface="Rockwell Extra Bold" panose="02060903040505020403" pitchFamily="18" charset="0"/>
               </a:rPr>
               <a:t>Baracskai Dóra</a:t>
             </a:r>
@@ -3499,10 +3494,10 @@
       </p:sp>
       <p:pic>
         <p:nvPicPr>
-          <p:cNvPr id="5" name="Kép 4">
-            <a:extLst>
-              <a:ext uri="{FF2B5EF4-FFF2-40B4-BE49-F238E27FC236}">
-                <a16:creationId xmlns:a16="http://schemas.microsoft.com/office/drawing/2014/main" id="{8B08EB6C-30E4-4A3C-81BB-05E3706E57FA}"/>
+          <p:cNvPr id="6" name="Kép 5" descr="A képen pixel látható&#10;&#10;Automatikusan generált leírás">
+            <a:extLst>
+              <a:ext uri="{FF2B5EF4-FFF2-40B4-BE49-F238E27FC236}">
+                <a16:creationId xmlns:a16="http://schemas.microsoft.com/office/drawing/2014/main" id="{096F0611-579F-C9CD-0983-7B2C625AD03A}"/>
               </a:ext>
             </a:extLst>
           </p:cNvPr>
@@ -3524,9 +3519,9 @@
           </a:stretch>
         </p:blipFill>
         <p:spPr>
-          <a:xfrm rot="2799870">
-            <a:off x="189092" y="491423"/>
-            <a:ext cx="2185514" cy="1934083"/>
+          <a:xfrm rot="2686285">
+            <a:off x="210374" y="528662"/>
+            <a:ext cx="2205523" cy="1992709"/>
           </a:xfrm>
           <a:prstGeom prst="rect">
             <a:avLst/>
@@ -3623,10 +3618,11 @@
           <a:lstStyle/>
           <a:p>
             <a:r>
-              <a:rPr lang="hu-HU" dirty="0">
+              <a:rPr lang="hu-HU" b="1" dirty="0">
                 <a:solidFill>
                   <a:schemeClr val="bg1"/>
                 </a:solidFill>
+                <a:latin typeface="Rockwell Extra Bold" panose="02060903040505020403" pitchFamily="18" charset="0"/>
               </a:rPr>
               <a:t>Köszönjük a figyelmet!</a:t>
             </a:r>
@@ -3673,15 +3669,15 @@
   <p:clrMapOvr>
     <a:masterClrMapping/>
   </p:clrMapOvr>
-  <mc:AlternateContent xmlns:mc="http://schemas.openxmlformats.org/markup-compatibility/2006">
-    <mc:Choice xmlns:p15="http://schemas.microsoft.com/office/powerpoint/2012/main" Requires="p15">
-      <p:transition xmlns:p14="http://schemas.microsoft.com/office/powerpoint/2010/main" spd="slow" p14:dur="6000">
-        <p15:prstTrans prst="curtains"/>
+  <mc:AlternateContent xmlns:mc="http://schemas.openxmlformats.org/markup-compatibility/2006" xmlns:p14="http://schemas.microsoft.com/office/powerpoint/2010/main">
+    <mc:Choice Requires="p14">
+      <p:transition spd="slow" p14:dur="2500">
+        <p:checker dir="vert"/>
       </p:transition>
     </mc:Choice>
-    <mc:Fallback>
+    <mc:Fallback xmlns="">
       <p:transition spd="slow">
-        <p:fade/>
+        <p:checker dir="vert"/>
       </p:transition>
     </mc:Fallback>
   </mc:AlternateContent>
@@ -3756,6 +3752,484 @@
         </p:nvSpPr>
         <p:spPr>
           <a:xfrm>
+            <a:off x="6513033" y="309490"/>
+            <a:ext cx="4579838" cy="1517232"/>
+          </a:xfrm>
+        </p:spPr>
+        <p:txBody>
+          <a:bodyPr/>
+          <a:lstStyle/>
+          <a:p>
+            <a:r>
+              <a:rPr lang="hu-HU" b="1" dirty="0">
+                <a:solidFill>
+                  <a:schemeClr val="bg1"/>
+                </a:solidFill>
+                <a:latin typeface="Rockwell Extra Bold" panose="02060903040505020403" pitchFamily="18" charset="0"/>
+              </a:rPr>
+              <a:t>F</a:t>
+            </a:r>
+            <a:r>
+              <a:rPr lang="hu-HU" sz="4900" b="1" dirty="0">
+                <a:solidFill>
+                  <a:schemeClr val="bg1"/>
+                </a:solidFill>
+                <a:latin typeface="Rockwell Extra Bold" panose="02060903040505020403" pitchFamily="18" charset="0"/>
+              </a:rPr>
+              <a:t>ő</a:t>
+            </a:r>
+            <a:r>
+              <a:rPr lang="hu-HU" b="1" dirty="0">
+                <a:solidFill>
+                  <a:schemeClr val="bg1"/>
+                </a:solidFill>
+                <a:latin typeface="Rockwell Extra Bold" panose="02060903040505020403" pitchFamily="18" charset="0"/>
+              </a:rPr>
+              <a:t>menü:</a:t>
+            </a:r>
+          </a:p>
+        </p:txBody>
+      </p:sp>
+      <p:pic>
+        <p:nvPicPr>
+          <p:cNvPr id="9" name="Tartalom helye 2">
+            <a:extLst>
+              <a:ext uri="{FF2B5EF4-FFF2-40B4-BE49-F238E27FC236}">
+                <a16:creationId xmlns:a16="http://schemas.microsoft.com/office/drawing/2014/main" id="{CBC22FEA-5F08-4168-9119-16B09AAE02A1}"/>
+              </a:ext>
+            </a:extLst>
+          </p:cNvPr>
+          <p:cNvPicPr>
+            <a:picLocks noChangeAspect="1"/>
+          </p:cNvPicPr>
+          <p:nvPr/>
+        </p:nvPicPr>
+        <p:blipFill>
+          <a:blip r:embed="rId2">
+            <a:extLst>
+              <a:ext uri="{28A0092B-C50C-407E-A947-70E740481C1C}">
+                <a14:useLocalDpi xmlns:a14="http://schemas.microsoft.com/office/drawing/2010/main" val="0"/>
+              </a:ext>
+            </a:extLst>
+          </a:blip>
+          <a:stretch>
+            <a:fillRect/>
+          </a:stretch>
+        </p:blipFill>
+        <p:spPr>
+          <a:xfrm>
+            <a:off x="182967" y="115950"/>
+            <a:ext cx="5162756" cy="6710832"/>
+          </a:xfrm>
+          <a:prstGeom prst="rect">
+            <a:avLst/>
+          </a:prstGeom>
+        </p:spPr>
+      </p:pic>
+      <p:sp>
+        <p:nvSpPr>
+          <p:cNvPr id="15" name="Tartalom helye 14">
+            <a:extLst>
+              <a:ext uri="{FF2B5EF4-FFF2-40B4-BE49-F238E27FC236}">
+                <a16:creationId xmlns:a16="http://schemas.microsoft.com/office/drawing/2014/main" id="{EEDCF497-0F76-4D86-A425-DDC2D870D5BA}"/>
+              </a:ext>
+            </a:extLst>
+          </p:cNvPr>
+          <p:cNvSpPr>
+            <a:spLocks noGrp="1"/>
+          </p:cNvSpPr>
+          <p:nvPr>
+            <p:ph idx="1"/>
+          </p:nvPr>
+        </p:nvSpPr>
+        <p:spPr>
+          <a:xfrm>
+            <a:off x="838200" y="1551963"/>
+            <a:ext cx="10515600" cy="4624999"/>
+          </a:xfrm>
+        </p:spPr>
+        <p:txBody>
+          <a:bodyPr/>
+          <a:lstStyle/>
+          <a:p>
+            <a:endParaRPr lang="hu-HU" dirty="0"/>
+          </a:p>
+        </p:txBody>
+      </p:sp>
+      <p:pic>
+        <p:nvPicPr>
+          <p:cNvPr id="2" name="Kép 1" descr="A képen szöveg, képernyőkép, szoftver, képernyő látható&#10;&#10;Automatikusan generált leírás">
+            <a:extLst>
+              <a:ext uri="{FF2B5EF4-FFF2-40B4-BE49-F238E27FC236}">
+                <a16:creationId xmlns:a16="http://schemas.microsoft.com/office/drawing/2014/main" id="{890F495C-610D-73A2-DAC9-7279DF995549}"/>
+              </a:ext>
+            </a:extLst>
+          </p:cNvPr>
+          <p:cNvPicPr>
+            <a:picLocks noChangeAspect="1"/>
+          </p:cNvPicPr>
+          <p:nvPr/>
+        </p:nvPicPr>
+        <p:blipFill>
+          <a:blip r:embed="rId3">
+            <a:extLst>
+              <a:ext uri="{28A0092B-C50C-407E-A947-70E740481C1C}">
+                <a14:useLocalDpi xmlns:a14="http://schemas.microsoft.com/office/drawing/2010/main" val="0"/>
+              </a:ext>
+            </a:extLst>
+          </a:blip>
+          <a:stretch>
+            <a:fillRect/>
+          </a:stretch>
+        </p:blipFill>
+        <p:spPr>
+          <a:xfrm>
+            <a:off x="5444197" y="2101480"/>
+            <a:ext cx="6671082" cy="4685348"/>
+          </a:xfrm>
+          <a:prstGeom prst="rect">
+            <a:avLst/>
+          </a:prstGeom>
+        </p:spPr>
+      </p:pic>
+      <p:pic>
+        <p:nvPicPr>
+          <p:cNvPr id="3" name="Kép 2">
+            <a:extLst>
+              <a:ext uri="{FF2B5EF4-FFF2-40B4-BE49-F238E27FC236}">
+                <a16:creationId xmlns:a16="http://schemas.microsoft.com/office/drawing/2014/main" id="{1BF9EB4B-92EC-49F9-AEF3-5DA188D9E40F}"/>
+              </a:ext>
+            </a:extLst>
+          </p:cNvPr>
+          <p:cNvPicPr>
+            <a:picLocks noChangeAspect="1"/>
+          </p:cNvPicPr>
+          <p:nvPr/>
+        </p:nvPicPr>
+        <p:blipFill>
+          <a:blip r:embed="rId4">
+            <a:extLst>
+              <a:ext uri="{28A0092B-C50C-407E-A947-70E740481C1C}">
+                <a14:useLocalDpi xmlns:a14="http://schemas.microsoft.com/office/drawing/2010/main" val="0"/>
+              </a:ext>
+            </a:extLst>
+          </a:blip>
+          <a:stretch>
+            <a:fillRect/>
+          </a:stretch>
+        </p:blipFill>
+        <p:spPr>
+          <a:xfrm>
+            <a:off x="5444197" y="101694"/>
+            <a:ext cx="6564836" cy="3043140"/>
+          </a:xfrm>
+          <a:prstGeom prst="rect">
+            <a:avLst/>
+          </a:prstGeom>
+        </p:spPr>
+      </p:pic>
+      <p:pic>
+        <p:nvPicPr>
+          <p:cNvPr id="5" name="Tartalom helye 7">
+            <a:extLst>
+              <a:ext uri="{FF2B5EF4-FFF2-40B4-BE49-F238E27FC236}">
+                <a16:creationId xmlns:a16="http://schemas.microsoft.com/office/drawing/2014/main" id="{A027C928-F5B3-4964-945B-1166A10B60F5}"/>
+              </a:ext>
+            </a:extLst>
+          </p:cNvPr>
+          <p:cNvPicPr>
+            <a:picLocks noChangeAspect="1"/>
+          </p:cNvPicPr>
+          <p:nvPr/>
+        </p:nvPicPr>
+        <p:blipFill rotWithShape="1">
+          <a:blip r:embed="rId5">
+            <a:extLst>
+              <a:ext uri="{28A0092B-C50C-407E-A947-70E740481C1C}">
+                <a14:useLocalDpi xmlns:a14="http://schemas.microsoft.com/office/drawing/2010/main" val="0"/>
+              </a:ext>
+            </a:extLst>
+          </a:blip>
+          <a:srcRect t="6699"/>
+          <a:stretch/>
+        </p:blipFill>
+        <p:spPr>
+          <a:xfrm>
+            <a:off x="163618" y="681038"/>
+            <a:ext cx="11629995" cy="5971868"/>
+          </a:xfrm>
+          <a:prstGeom prst="rect">
+            <a:avLst/>
+          </a:prstGeom>
+        </p:spPr>
+      </p:pic>
+    </p:spTree>
+    <p:extLst>
+      <p:ext uri="{BB962C8B-B14F-4D97-AF65-F5344CB8AC3E}">
+        <p14:creationId xmlns:p14="http://schemas.microsoft.com/office/powerpoint/2010/main" val="1900979083"/>
+      </p:ext>
+    </p:extLst>
+  </p:cSld>
+  <p:clrMapOvr>
+    <a:masterClrMapping/>
+  </p:clrMapOvr>
+  <mc:AlternateContent xmlns:mc="http://schemas.openxmlformats.org/markup-compatibility/2006" xmlns:p14="http://schemas.microsoft.com/office/powerpoint/2010/main">
+    <mc:Choice Requires="p14">
+      <p:transition spd="slow" p14:dur="1600">
+        <p14:prism isInverted="1"/>
+      </p:transition>
+    </mc:Choice>
+    <mc:Fallback xmlns="">
+      <p:transition spd="slow">
+        <p:fade/>
+      </p:transition>
+    </mc:Fallback>
+  </mc:AlternateContent>
+  <p:timing>
+    <p:tnLst>
+      <p:par>
+        <p:cTn id="1" dur="indefinite" restart="never" nodeType="tmRoot">
+          <p:childTnLst>
+            <p:seq concurrent="1" nextAc="seek">
+              <p:cTn id="2" dur="indefinite" nodeType="mainSeq">
+                <p:childTnLst>
+                  <p:par>
+                    <p:cTn id="3" fill="hold">
+                      <p:stCondLst>
+                        <p:cond delay="indefinite"/>
+                      </p:stCondLst>
+                      <p:childTnLst>
+                        <p:par>
+                          <p:cTn id="4" fill="hold">
+                            <p:stCondLst>
+                              <p:cond delay="0"/>
+                            </p:stCondLst>
+                            <p:childTnLst>
+                              <p:par>
+                                <p:cTn id="5" presetID="2" presetClass="entr" presetSubtype="8" fill="hold" nodeType="clickEffect">
+                                  <p:stCondLst>
+                                    <p:cond delay="0"/>
+                                  </p:stCondLst>
+                                  <p:childTnLst>
+                                    <p:set>
+                                      <p:cBhvr>
+                                        <p:cTn id="6" dur="1" fill="hold">
+                                          <p:stCondLst>
+                                            <p:cond delay="0"/>
+                                          </p:stCondLst>
+                                        </p:cTn>
+                                        <p:tgtEl>
+                                          <p:spTgt spid="3"/>
+                                        </p:tgtEl>
+                                        <p:attrNameLst>
+                                          <p:attrName>style.visibility</p:attrName>
+                                        </p:attrNameLst>
+                                      </p:cBhvr>
+                                      <p:to>
+                                        <p:strVal val="visible"/>
+                                      </p:to>
+                                    </p:set>
+                                    <p:anim calcmode="lin" valueType="num">
+                                      <p:cBhvr additive="base">
+                                        <p:cTn id="7" dur="1500" fill="hold"/>
+                                        <p:tgtEl>
+                                          <p:spTgt spid="3"/>
+                                        </p:tgtEl>
+                                        <p:attrNameLst>
+                                          <p:attrName>ppt_x</p:attrName>
+                                        </p:attrNameLst>
+                                      </p:cBhvr>
+                                      <p:tavLst>
+                                        <p:tav tm="0">
+                                          <p:val>
+                                            <p:strVal val="0-#ppt_w/2"/>
+                                          </p:val>
+                                        </p:tav>
+                                        <p:tav tm="100000">
+                                          <p:val>
+                                            <p:strVal val="#ppt_x"/>
+                                          </p:val>
+                                        </p:tav>
+                                      </p:tavLst>
+                                    </p:anim>
+                                    <p:anim calcmode="lin" valueType="num">
+                                      <p:cBhvr additive="base">
+                                        <p:cTn id="8" dur="1500" fill="hold"/>
+                                        <p:tgtEl>
+                                          <p:spTgt spid="3"/>
+                                        </p:tgtEl>
+                                        <p:attrNameLst>
+                                          <p:attrName>ppt_y</p:attrName>
+                                        </p:attrNameLst>
+                                      </p:cBhvr>
+                                      <p:tavLst>
+                                        <p:tav tm="0">
+                                          <p:val>
+                                            <p:strVal val="#ppt_y"/>
+                                          </p:val>
+                                        </p:tav>
+                                        <p:tav tm="100000">
+                                          <p:val>
+                                            <p:strVal val="#ppt_y"/>
+                                          </p:val>
+                                        </p:tav>
+                                      </p:tavLst>
+                                    </p:anim>
+                                  </p:childTnLst>
+                                </p:cTn>
+                              </p:par>
+                            </p:childTnLst>
+                          </p:cTn>
+                        </p:par>
+                      </p:childTnLst>
+                    </p:cTn>
+                  </p:par>
+                  <p:par>
+                    <p:cTn id="9" fill="hold">
+                      <p:stCondLst>
+                        <p:cond delay="indefinite"/>
+                      </p:stCondLst>
+                      <p:childTnLst>
+                        <p:par>
+                          <p:cTn id="10" fill="hold">
+                            <p:stCondLst>
+                              <p:cond delay="0"/>
+                            </p:stCondLst>
+                            <p:childTnLst>
+                              <p:par>
+                                <p:cTn id="11" presetID="10" presetClass="entr" presetSubtype="0" fill="hold" nodeType="clickEffect">
+                                  <p:stCondLst>
+                                    <p:cond delay="0"/>
+                                  </p:stCondLst>
+                                  <p:childTnLst>
+                                    <p:set>
+                                      <p:cBhvr>
+                                        <p:cTn id="12" dur="1" fill="hold">
+                                          <p:stCondLst>
+                                            <p:cond delay="0"/>
+                                          </p:stCondLst>
+                                        </p:cTn>
+                                        <p:tgtEl>
+                                          <p:spTgt spid="5"/>
+                                        </p:tgtEl>
+                                        <p:attrNameLst>
+                                          <p:attrName>style.visibility</p:attrName>
+                                        </p:attrNameLst>
+                                      </p:cBhvr>
+                                      <p:to>
+                                        <p:strVal val="visible"/>
+                                      </p:to>
+                                    </p:set>
+                                    <p:animEffect transition="in" filter="fade">
+                                      <p:cBhvr>
+                                        <p:cTn id="13" dur="750"/>
+                                        <p:tgtEl>
+                                          <p:spTgt spid="5"/>
+                                        </p:tgtEl>
+                                      </p:cBhvr>
+                                    </p:animEffect>
+                                  </p:childTnLst>
+                                </p:cTn>
+                              </p:par>
+                            </p:childTnLst>
+                          </p:cTn>
+                        </p:par>
+                      </p:childTnLst>
+                    </p:cTn>
+                  </p:par>
+                </p:childTnLst>
+              </p:cTn>
+              <p:prevCondLst>
+                <p:cond evt="onPrev" delay="0">
+                  <p:tgtEl>
+                    <p:sldTgt/>
+                  </p:tgtEl>
+                </p:cond>
+              </p:prevCondLst>
+              <p:nextCondLst>
+                <p:cond evt="onNext" delay="0">
+                  <p:tgtEl>
+                    <p:sldTgt/>
+                  </p:tgtEl>
+                </p:cond>
+              </p:nextCondLst>
+            </p:seq>
+          </p:childTnLst>
+        </p:cTn>
+      </p:par>
+    </p:tnLst>
+  </p:timing>
+</p:sld>
+</file>
+
+<file path=ppt/slides/slide3.xml><?xml version="1.0" encoding="utf-8"?>
+<p:sld xmlns:a="http://schemas.openxmlformats.org/drawingml/2006/main" xmlns:r="http://schemas.openxmlformats.org/officeDocument/2006/relationships" xmlns:p="http://schemas.openxmlformats.org/presentationml/2006/main">
+  <p:cSld>
+    <p:bg>
+      <p:bgPr>
+        <a:gradFill>
+          <a:gsLst>
+            <a:gs pos="0">
+              <a:schemeClr val="tx1">
+                <a:lumMod val="100000"/>
+              </a:schemeClr>
+            </a:gs>
+            <a:gs pos="50000">
+              <a:schemeClr val="tx1">
+                <a:lumMod val="97000"/>
+                <a:lumOff val="3000"/>
+              </a:schemeClr>
+            </a:gs>
+            <a:gs pos="75000">
+              <a:schemeClr val="tx1">
+                <a:lumMod val="92000"/>
+                <a:lumOff val="8000"/>
+              </a:schemeClr>
+            </a:gs>
+            <a:gs pos="100000">
+              <a:schemeClr val="tx1">
+                <a:lumMod val="77000"/>
+                <a:lumOff val="23000"/>
+              </a:schemeClr>
+            </a:gs>
+          </a:gsLst>
+          <a:lin ang="5400000" scaled="1"/>
+        </a:gradFill>
+        <a:effectLst/>
+      </p:bgPr>
+    </p:bg>
+    <p:spTree>
+      <p:nvGrpSpPr>
+        <p:cNvPr id="1" name=""/>
+        <p:cNvGrpSpPr/>
+        <p:nvPr/>
+      </p:nvGrpSpPr>
+      <p:grpSpPr>
+        <a:xfrm>
+          <a:off x="0" y="0"/>
+          <a:ext cx="0" cy="0"/>
+          <a:chOff x="0" y="0"/>
+          <a:chExt cx="0" cy="0"/>
+        </a:xfrm>
+      </p:grpSpPr>
+      <p:sp>
+        <p:nvSpPr>
+          <p:cNvPr id="4" name="Cím 3">
+            <a:extLst>
+              <a:ext uri="{FF2B5EF4-FFF2-40B4-BE49-F238E27FC236}">
+                <a16:creationId xmlns:a16="http://schemas.microsoft.com/office/drawing/2014/main" id="{453596F3-FBA1-41AF-9C15-80D5B1DE01AC}"/>
+              </a:ext>
+            </a:extLst>
+          </p:cNvPr>
+          <p:cNvSpPr>
+            <a:spLocks noGrp="1"/>
+          </p:cNvSpPr>
+          <p:nvPr>
+            <p:ph type="title"/>
+          </p:nvPr>
+        </p:nvSpPr>
+        <p:spPr>
+          <a:xfrm>
             <a:off x="1079026" y="355888"/>
             <a:ext cx="10515600" cy="1325563"/>
           </a:xfrm>
@@ -3769,8 +4243,45 @@
                 <a:solidFill>
                   <a:schemeClr val="bg1"/>
                 </a:solidFill>
+                <a:latin typeface="Rockwell Extra Bold" panose="02060903040505020403" pitchFamily="18" charset="0"/>
               </a:rPr>
-              <a:t>A játékos</a:t>
+              <a:t>A j</a:t>
+            </a:r>
+            <a:r>
+              <a:rPr lang="hu-HU" sz="4500" b="1" dirty="0">
+                <a:solidFill>
+                  <a:schemeClr val="bg1"/>
+                </a:solidFill>
+                <a:latin typeface="Rockwell Extra Bold" panose="02060903040505020403" pitchFamily="18" charset="0"/>
+              </a:rPr>
+              <a:t>á</a:t>
+            </a:r>
+            <a:r>
+              <a:rPr lang="hu-HU" b="1" dirty="0">
+                <a:solidFill>
+                  <a:schemeClr val="bg1"/>
+                </a:solidFill>
+                <a:latin typeface="Rockwell Extra Bold" panose="02060903040505020403" pitchFamily="18" charset="0"/>
+              </a:rPr>
+              <a:t>t</a:t>
+            </a:r>
+            <a:r>
+              <a:rPr lang="hu-HU" sz="4500" b="1" dirty="0">
+                <a:solidFill>
+                  <a:schemeClr val="bg1"/>
+                </a:solidFill>
+                <a:latin typeface="Rockwell Extra Bold" panose="02060903040505020403" pitchFamily="18" charset="0"/>
+              </a:rPr>
+              <a:t>é</a:t>
+            </a:r>
+            <a:r>
+              <a:rPr lang="hu-HU" b="1" dirty="0">
+                <a:solidFill>
+                  <a:schemeClr val="bg1"/>
+                </a:solidFill>
+                <a:latin typeface="Rockwell Extra Bold" panose="02060903040505020403" pitchFamily="18" charset="0"/>
+              </a:rPr>
+              <a:t>kos:</a:t>
             </a:r>
           </a:p>
         </p:txBody>
@@ -3838,10 +4349,10 @@
       </p:pic>
       <p:pic>
         <p:nvPicPr>
-          <p:cNvPr id="46" name="Tartalom helye 43">
-            <a:extLst>
-              <a:ext uri="{FF2B5EF4-FFF2-40B4-BE49-F238E27FC236}">
-                <a16:creationId xmlns:a16="http://schemas.microsoft.com/office/drawing/2014/main" id="{335BD61A-C5B5-40D1-A25F-C9F2181D8B03}"/>
+          <p:cNvPr id="39" name="Tartalom helye 36">
+            <a:extLst>
+              <a:ext uri="{FF2B5EF4-FFF2-40B4-BE49-F238E27FC236}">
+                <a16:creationId xmlns:a16="http://schemas.microsoft.com/office/drawing/2014/main" id="{0D6BD7CB-E60E-4812-B587-E8F447BF5AEA}"/>
               </a:ext>
             </a:extLst>
           </p:cNvPr>
@@ -3863,9 +4374,9 @@
           </a:stretch>
         </p:blipFill>
         <p:spPr>
-          <a:xfrm rot="5400000">
-            <a:off x="54945" y="390488"/>
-            <a:ext cx="1086002" cy="962159"/>
+          <a:xfrm>
+            <a:off x="4546226" y="44207"/>
+            <a:ext cx="6807574" cy="6769586"/>
           </a:xfrm>
           <a:prstGeom prst="rect">
             <a:avLst/>
@@ -3874,15 +4385,15 @@
       </p:pic>
       <p:pic>
         <p:nvPicPr>
-          <p:cNvPr id="39" name="Tartalom helye 36">
-            <a:extLst>
-              <a:ext uri="{FF2B5EF4-FFF2-40B4-BE49-F238E27FC236}">
-                <a16:creationId xmlns:a16="http://schemas.microsoft.com/office/drawing/2014/main" id="{0D6BD7CB-E60E-4812-B587-E8F447BF5AEA}"/>
+          <p:cNvPr id="2" name="Kép 1" descr="A képen pixel látható&#10;&#10;Automatikusan generált leírás">
+            <a:extLst>
+              <a:ext uri="{FF2B5EF4-FFF2-40B4-BE49-F238E27FC236}">
+                <a16:creationId xmlns:a16="http://schemas.microsoft.com/office/drawing/2014/main" id="{1997CD64-74BF-9F30-DB1D-D05D27700D17}"/>
               </a:ext>
             </a:extLst>
           </p:cNvPr>
           <p:cNvPicPr>
-            <a:picLocks noChangeAspect="1"/>
+            <a:picLocks/>
           </p:cNvPicPr>
           <p:nvPr/>
         </p:nvPicPr>
@@ -3899,9 +4410,9 @@
           </a:stretch>
         </p:blipFill>
         <p:spPr>
-          <a:xfrm>
-            <a:off x="3504044" y="72952"/>
-            <a:ext cx="6807574" cy="6769586"/>
+          <a:xfrm rot="5400000">
+            <a:off x="75425" y="284453"/>
+            <a:ext cx="1087200" cy="961200"/>
           </a:xfrm>
           <a:prstGeom prst="rect">
             <a:avLst/>
@@ -3918,13 +4429,13 @@
   <p:clrMapOvr>
     <a:masterClrMapping/>
   </p:clrMapOvr>
-  <mc:AlternateContent xmlns:mc="http://schemas.openxmlformats.org/markup-compatibility/2006">
-    <mc:Choice xmlns:p14="http://schemas.microsoft.com/office/powerpoint/2010/main" Requires="p14">
+  <mc:AlternateContent xmlns:mc="http://schemas.openxmlformats.org/markup-compatibility/2006" xmlns:p14="http://schemas.microsoft.com/office/powerpoint/2010/main">
+    <mc:Choice Requires="p14">
       <p:transition spd="slow" p14:dur="1500">
         <p:split orient="vert"/>
       </p:transition>
     </mc:Choice>
-    <mc:Fallback>
+    <mc:Fallback xmlns="">
       <p:transition spd="slow">
         <p:split orient="vert"/>
       </p:transition>
@@ -3956,18 +4467,18 @@
                                     <p:cond delay="0"/>
                                   </p:stCondLst>
                                   <p:childTnLst>
-                                    <p:animMotion origin="layout" path="M 1.45833E-6 -3.33333E-6 L 0.89596 0.00695 " pathEditMode="relative" rAng="0" ptsTypes="AA">
+                                    <p:animMotion origin="layout" path="M -1.25E-6 -4.07407E-6 L 0.80716 0.00162 " pathEditMode="relative" rAng="0" ptsTypes="AA">
                                       <p:cBhvr>
-                                        <p:cTn id="6" dur="3000" fill="hold"/>
+                                        <p:cTn id="6" dur="4500" fill="hold"/>
                                         <p:tgtEl>
-                                          <p:spTgt spid="46"/>
+                                          <p:spTgt spid="2"/>
                                         </p:tgtEl>
                                         <p:attrNameLst>
                                           <p:attrName>ppt_x</p:attrName>
                                           <p:attrName>ppt_y</p:attrName>
                                         </p:attrNameLst>
                                       </p:cBhvr>
-                                      <p:rCtr x="44792" y="347"/>
+                                      <p:rCtr x="40352" y="69"/>
                                     </p:animMotion>
                                   </p:childTnLst>
                                 </p:cTn>
@@ -4056,253 +4567,6 @@
 </p:sld>
 </file>
 
-<file path=ppt/slides/slide3.xml><?xml version="1.0" encoding="utf-8"?>
-<p:sld xmlns:a="http://schemas.openxmlformats.org/drawingml/2006/main" xmlns:r="http://schemas.openxmlformats.org/officeDocument/2006/relationships" xmlns:p="http://schemas.openxmlformats.org/presentationml/2006/main">
-  <p:cSld>
-    <p:bg>
-      <p:bgPr>
-        <a:gradFill>
-          <a:gsLst>
-            <a:gs pos="0">
-              <a:schemeClr val="tx1">
-                <a:lumMod val="100000"/>
-              </a:schemeClr>
-            </a:gs>
-            <a:gs pos="50000">
-              <a:schemeClr val="tx1">
-                <a:lumMod val="97000"/>
-                <a:lumOff val="3000"/>
-              </a:schemeClr>
-            </a:gs>
-            <a:gs pos="75000">
-              <a:schemeClr val="tx1">
-                <a:lumMod val="92000"/>
-                <a:lumOff val="8000"/>
-              </a:schemeClr>
-            </a:gs>
-            <a:gs pos="100000">
-              <a:schemeClr val="tx1">
-                <a:lumMod val="77000"/>
-                <a:lumOff val="23000"/>
-              </a:schemeClr>
-            </a:gs>
-          </a:gsLst>
-          <a:lin ang="5400000" scaled="1"/>
-        </a:gradFill>
-        <a:effectLst/>
-      </p:bgPr>
-    </p:bg>
-    <p:spTree>
-      <p:nvGrpSpPr>
-        <p:cNvPr id="1" name=""/>
-        <p:cNvGrpSpPr/>
-        <p:nvPr/>
-      </p:nvGrpSpPr>
-      <p:grpSpPr>
-        <a:xfrm>
-          <a:off x="0" y="0"/>
-          <a:ext cx="0" cy="0"/>
-          <a:chOff x="0" y="0"/>
-          <a:chExt cx="0" cy="0"/>
-        </a:xfrm>
-      </p:grpSpPr>
-      <p:sp>
-        <p:nvSpPr>
-          <p:cNvPr id="4" name="Cím 3">
-            <a:extLst>
-              <a:ext uri="{FF2B5EF4-FFF2-40B4-BE49-F238E27FC236}">
-                <a16:creationId xmlns:a16="http://schemas.microsoft.com/office/drawing/2014/main" id="{453596F3-FBA1-41AF-9C15-80D5B1DE01AC}"/>
-              </a:ext>
-            </a:extLst>
-          </p:cNvPr>
-          <p:cNvSpPr>
-            <a:spLocks noGrp="1"/>
-          </p:cNvSpPr>
-          <p:nvPr>
-            <p:ph type="title"/>
-          </p:nvPr>
-        </p:nvSpPr>
-        <p:spPr>
-          <a:xfrm>
-            <a:off x="838200" y="365125"/>
-            <a:ext cx="10515600" cy="1325563"/>
-          </a:xfrm>
-        </p:spPr>
-        <p:txBody>
-          <a:bodyPr/>
-          <a:lstStyle/>
-          <a:p>
-            <a:r>
-              <a:rPr lang="hu-HU" dirty="0">
-                <a:solidFill>
-                  <a:schemeClr val="bg1"/>
-                </a:solidFill>
-              </a:rPr>
-              <a:t>Aszteroida:(még nincs kép a kódról)</a:t>
-            </a:r>
-          </a:p>
-        </p:txBody>
-      </p:sp>
-      <p:sp>
-        <p:nvSpPr>
-          <p:cNvPr id="24" name="Tartalom helye 23">
-            <a:extLst>
-              <a:ext uri="{FF2B5EF4-FFF2-40B4-BE49-F238E27FC236}">
-                <a16:creationId xmlns:a16="http://schemas.microsoft.com/office/drawing/2014/main" id="{9DA10C76-7C11-477A-86EA-040764257E6D}"/>
-              </a:ext>
-            </a:extLst>
-          </p:cNvPr>
-          <p:cNvSpPr>
-            <a:spLocks noGrp="1"/>
-          </p:cNvSpPr>
-          <p:nvPr>
-            <p:ph idx="1"/>
-          </p:nvPr>
-        </p:nvSpPr>
-        <p:spPr>
-          <a:xfrm>
-            <a:off x="838200" y="1690688"/>
-            <a:ext cx="10515600" cy="4486275"/>
-          </a:xfrm>
-        </p:spPr>
-        <p:txBody>
-          <a:bodyPr/>
-          <a:lstStyle/>
-          <a:p>
-            <a:endParaRPr lang="hu-HU" dirty="0"/>
-          </a:p>
-        </p:txBody>
-      </p:sp>
-      <p:pic>
-        <p:nvPicPr>
-          <p:cNvPr id="32" name="Tartalom helye 40">
-            <a:extLst>
-              <a:ext uri="{FF2B5EF4-FFF2-40B4-BE49-F238E27FC236}">
-                <a16:creationId xmlns:a16="http://schemas.microsoft.com/office/drawing/2014/main" id="{94E79D0C-3D58-4F68-833D-3A1669753B83}"/>
-              </a:ext>
-            </a:extLst>
-          </p:cNvPr>
-          <p:cNvPicPr>
-            <a:picLocks noChangeAspect="1"/>
-          </p:cNvPicPr>
-          <p:nvPr/>
-        </p:nvPicPr>
-        <p:blipFill rotWithShape="1">
-          <a:blip r:embed="rId2">
-            <a:extLst>
-              <a:ext uri="{28A0092B-C50C-407E-A947-70E740481C1C}">
-                <a14:useLocalDpi xmlns:a14="http://schemas.microsoft.com/office/drawing/2010/main" val="0"/>
-              </a:ext>
-            </a:extLst>
-          </a:blip>
-          <a:srcRect l="17765" t="14930" r="14083" b="21948"/>
-          <a:stretch/>
-        </p:blipFill>
-        <p:spPr>
-          <a:xfrm>
-            <a:off x="7779434" y="0"/>
-            <a:ext cx="1969477" cy="1824129"/>
-          </a:xfrm>
-          <a:prstGeom prst="rect">
-            <a:avLst/>
-          </a:prstGeom>
-        </p:spPr>
-      </p:pic>
-    </p:spTree>
-    <p:extLst>
-      <p:ext uri="{BB962C8B-B14F-4D97-AF65-F5344CB8AC3E}">
-        <p14:creationId xmlns:p14="http://schemas.microsoft.com/office/powerpoint/2010/main" val="501682490"/>
-      </p:ext>
-    </p:extLst>
-  </p:cSld>
-  <p:clrMapOvr>
-    <a:masterClrMapping/>
-  </p:clrMapOvr>
-  <mc:AlternateContent xmlns:mc="http://schemas.openxmlformats.org/markup-compatibility/2006">
-    <mc:Choice xmlns:p14="http://schemas.microsoft.com/office/powerpoint/2010/main" Requires="p14">
-      <p:transition spd="slow" p14:dur="4000">
-        <p14:vortex dir="r"/>
-      </p:transition>
-    </mc:Choice>
-    <mc:Fallback>
-      <p:transition spd="slow">
-        <p:fade/>
-      </p:transition>
-    </mc:Fallback>
-  </mc:AlternateContent>
-  <p:timing>
-    <p:tnLst>
-      <p:par>
-        <p:cTn id="1" dur="indefinite" restart="never" nodeType="tmRoot">
-          <p:childTnLst>
-            <p:seq concurrent="1" nextAc="seek">
-              <p:cTn id="2" dur="indefinite" nodeType="mainSeq">
-                <p:childTnLst>
-                  <p:par>
-                    <p:cTn id="3" fill="hold">
-                      <p:stCondLst>
-                        <p:cond delay="indefinite"/>
-                      </p:stCondLst>
-                      <p:childTnLst>
-                        <p:par>
-                          <p:cTn id="4" fill="hold">
-                            <p:stCondLst>
-                              <p:cond delay="0"/>
-                            </p:stCondLst>
-                            <p:childTnLst>
-                              <p:par>
-                                <p:cTn id="5" presetID="50" presetClass="path" presetSubtype="0" accel="50000" decel="50000" fill="hold" nodeType="clickEffect">
-                                  <p:stCondLst>
-                                    <p:cond delay="0"/>
-                                  </p:stCondLst>
-                                  <p:childTnLst>
-                                    <p:animMotion origin="layout" path="M 1.11022E-16 -3.7037E-7 L 0.10117 -3.7037E-7 C 0.14661 -3.7037E-7 0.20273 0.20139 0.20273 0.36482 L 0.20273 0.73056 " pathEditMode="relative" rAng="0" ptsTypes="AAAA">
-                                      <p:cBhvr>
-                                        <p:cTn id="6" dur="3500" fill="hold"/>
-                                        <p:tgtEl>
-                                          <p:spTgt spid="32"/>
-                                        </p:tgtEl>
-                                        <p:attrNameLst>
-                                          <p:attrName>ppt_x</p:attrName>
-                                          <p:attrName>ppt_y</p:attrName>
-                                        </p:attrNameLst>
-                                      </p:cBhvr>
-                                      <p:rCtr x="10130" y="36528"/>
-                                    </p:animMotion>
-                                  </p:childTnLst>
-                                </p:cTn>
-                              </p:par>
-                            </p:childTnLst>
-                          </p:cTn>
-                        </p:par>
-                      </p:childTnLst>
-                    </p:cTn>
-                  </p:par>
-                </p:childTnLst>
-              </p:cTn>
-              <p:prevCondLst>
-                <p:cond evt="onPrev" delay="0">
-                  <p:tgtEl>
-                    <p:sldTgt/>
-                  </p:tgtEl>
-                </p:cond>
-              </p:prevCondLst>
-              <p:nextCondLst>
-                <p:cond evt="onNext" delay="0">
-                  <p:tgtEl>
-                    <p:sldTgt/>
-                  </p:tgtEl>
-                </p:cond>
-              </p:nextCondLst>
-            </p:seq>
-          </p:childTnLst>
-        </p:cTn>
-      </p:par>
-    </p:tnLst>
-  </p:timing>
-</p:sld>
-</file>
-
 <file path=ppt/slides/slide4.xml><?xml version="1.0" encoding="utf-8"?>
 <p:sld xmlns:a="http://schemas.openxmlformats.org/drawingml/2006/main" xmlns:r="http://schemas.openxmlformats.org/officeDocument/2006/relationships" xmlns:p="http://schemas.openxmlformats.org/presentationml/2006/main">
   <p:cSld>
@@ -4355,35 +4619,6 @@
       </p:grpSpPr>
       <p:sp>
         <p:nvSpPr>
-          <p:cNvPr id="11" name="Tartalom helye 10">
-            <a:extLst>
-              <a:ext uri="{FF2B5EF4-FFF2-40B4-BE49-F238E27FC236}">
-                <a16:creationId xmlns:a16="http://schemas.microsoft.com/office/drawing/2014/main" id="{947E80FE-B3D4-4B7F-93D9-FDD49AF72B33}"/>
-              </a:ext>
-            </a:extLst>
-          </p:cNvPr>
-          <p:cNvSpPr>
-            <a:spLocks noGrp="1"/>
-          </p:cNvSpPr>
-          <p:nvPr>
-            <p:ph idx="1"/>
-          </p:nvPr>
-        </p:nvSpPr>
-        <p:spPr/>
-        <p:txBody>
-          <a:bodyPr/>
-          <a:lstStyle/>
-          <a:p>
-            <a:endParaRPr lang="hu-HU" dirty="0">
-              <a:solidFill>
-                <a:schemeClr val="bg1"/>
-              </a:solidFill>
-            </a:endParaRPr>
-          </a:p>
-        </p:txBody>
-      </p:sp>
-      <p:sp>
-        <p:nvSpPr>
           <p:cNvPr id="4" name="Cím 3">
             <a:extLst>
               <a:ext uri="{FF2B5EF4-FFF2-40B4-BE49-F238E27FC236}">
@@ -4400,8 +4635,8 @@
         </p:nvSpPr>
         <p:spPr>
           <a:xfrm>
-            <a:off x="1310426" y="365125"/>
-            <a:ext cx="10043373" cy="1325563"/>
+            <a:off x="838200" y="365125"/>
+            <a:ext cx="10515600" cy="1325563"/>
           </a:xfrm>
         </p:spPr>
         <p:txBody>
@@ -4413,26 +4648,49 @@
                 <a:solidFill>
                   <a:schemeClr val="bg1"/>
                 </a:solidFill>
+                <a:latin typeface="Rockwell Extra Bold" panose="02060903040505020403" pitchFamily="18" charset="0"/>
               </a:rPr>
-              <a:t>Lövedék</a:t>
-            </a:r>
-            <a:r>
-              <a:rPr lang="hu-HU" dirty="0">
-                <a:solidFill>
-                  <a:schemeClr val="bg1"/>
-                </a:solidFill>
-              </a:rPr>
-              <a:t>:</a:t>
-            </a:r>
+              <a:t>Aszteroida:(még nincs kép a kódról)</a:t>
+            </a:r>
+          </a:p>
+        </p:txBody>
+      </p:sp>
+      <p:sp>
+        <p:nvSpPr>
+          <p:cNvPr id="24" name="Tartalom helye 23">
+            <a:extLst>
+              <a:ext uri="{FF2B5EF4-FFF2-40B4-BE49-F238E27FC236}">
+                <a16:creationId xmlns:a16="http://schemas.microsoft.com/office/drawing/2014/main" id="{9DA10C76-7C11-477A-86EA-040764257E6D}"/>
+              </a:ext>
+            </a:extLst>
+          </p:cNvPr>
+          <p:cNvSpPr>
+            <a:spLocks noGrp="1"/>
+          </p:cNvSpPr>
+          <p:nvPr>
+            <p:ph idx="1"/>
+          </p:nvPr>
+        </p:nvSpPr>
+        <p:spPr>
+          <a:xfrm>
+            <a:off x="838200" y="1690688"/>
+            <a:ext cx="10515600" cy="4486275"/>
+          </a:xfrm>
+        </p:spPr>
+        <p:txBody>
+          <a:bodyPr/>
+          <a:lstStyle/>
+          <a:p>
+            <a:endParaRPr lang="hu-HU" dirty="0"/>
           </a:p>
         </p:txBody>
       </p:sp>
       <p:pic>
         <p:nvPicPr>
-          <p:cNvPr id="7" name="Tartalom helye 2">
-            <a:extLst>
-              <a:ext uri="{FF2B5EF4-FFF2-40B4-BE49-F238E27FC236}">
-                <a16:creationId xmlns:a16="http://schemas.microsoft.com/office/drawing/2014/main" id="{944662CF-6F2F-4933-8F2A-CAC27D1D0F9E}"/>
+          <p:cNvPr id="32" name="Tartalom helye 40">
+            <a:extLst>
+              <a:ext uri="{FF2B5EF4-FFF2-40B4-BE49-F238E27FC236}">
+                <a16:creationId xmlns:a16="http://schemas.microsoft.com/office/drawing/2014/main" id="{94E79D0C-3D58-4F68-833D-3A1669753B83}"/>
               </a:ext>
             </a:extLst>
           </p:cNvPr>
@@ -4441,7 +4699,7 @@
           </p:cNvPicPr>
           <p:nvPr/>
         </p:nvPicPr>
-        <p:blipFill>
+        <p:blipFill rotWithShape="1">
           <a:blip r:embed="rId2">
             <a:extLst>
               <a:ext uri="{28A0092B-C50C-407E-A947-70E740481C1C}">
@@ -4449,158 +4707,13 @@
               </a:ext>
             </a:extLst>
           </a:blip>
-          <a:stretch>
-            <a:fillRect/>
-          </a:stretch>
+          <a:srcRect l="17765" t="14930" r="14083" b="21948"/>
+          <a:stretch/>
         </p:blipFill>
         <p:spPr>
           <a:xfrm>
-            <a:off x="3699043" y="160519"/>
-            <a:ext cx="7025079" cy="6536961"/>
-          </a:xfrm>
-          <a:prstGeom prst="rect">
-            <a:avLst/>
-          </a:prstGeom>
-        </p:spPr>
-      </p:pic>
-      <p:pic>
-        <p:nvPicPr>
-          <p:cNvPr id="13" name="Tartalom helye 7">
-            <a:extLst>
-              <a:ext uri="{FF2B5EF4-FFF2-40B4-BE49-F238E27FC236}">
-                <a16:creationId xmlns:a16="http://schemas.microsoft.com/office/drawing/2014/main" id="{83F8892C-906D-4FFF-903A-170338DAB96A}"/>
-              </a:ext>
-            </a:extLst>
-          </p:cNvPr>
-          <p:cNvPicPr>
-            <a:picLocks noChangeAspect="1"/>
-          </p:cNvPicPr>
-          <p:nvPr/>
-        </p:nvPicPr>
-        <p:blipFill>
-          <a:blip r:embed="rId3">
-            <a:extLst>
-              <a:ext uri="{28A0092B-C50C-407E-A947-70E740481C1C}">
-                <a14:useLocalDpi xmlns:a14="http://schemas.microsoft.com/office/drawing/2010/main" val="0"/>
-              </a:ext>
-            </a:extLst>
-          </a:blip>
-          <a:stretch>
-            <a:fillRect/>
-          </a:stretch>
-        </p:blipFill>
-        <p:spPr>
-          <a:xfrm>
-            <a:off x="189338" y="546219"/>
-            <a:ext cx="963637" cy="963637"/>
-          </a:xfrm>
-          <a:prstGeom prst="rect">
-            <a:avLst/>
-          </a:prstGeom>
-        </p:spPr>
-      </p:pic>
-      <p:pic>
-        <p:nvPicPr>
-          <p:cNvPr id="14" name="Kép 13">
-            <a:extLst>
-              <a:ext uri="{FF2B5EF4-FFF2-40B4-BE49-F238E27FC236}">
-                <a16:creationId xmlns:a16="http://schemas.microsoft.com/office/drawing/2014/main" id="{B7376CB5-2382-4F91-8853-C498D51C3D57}"/>
-              </a:ext>
-            </a:extLst>
-          </p:cNvPr>
-          <p:cNvPicPr>
-            <a:picLocks noChangeAspect="1"/>
-          </p:cNvPicPr>
-          <p:nvPr/>
-        </p:nvPicPr>
-        <p:blipFill>
-          <a:blip r:embed="rId4">
-            <a:extLst>
-              <a:ext uri="{28A0092B-C50C-407E-A947-70E740481C1C}">
-                <a14:useLocalDpi xmlns:a14="http://schemas.microsoft.com/office/drawing/2010/main" val="0"/>
-              </a:ext>
-            </a:extLst>
-          </a:blip>
-          <a:stretch>
-            <a:fillRect/>
-          </a:stretch>
-        </p:blipFill>
-        <p:spPr>
-          <a:xfrm>
-            <a:off x="10881573" y="330591"/>
-            <a:ext cx="963637" cy="963637"/>
-          </a:xfrm>
-          <a:prstGeom prst="rect">
-            <a:avLst/>
-          </a:prstGeom>
-        </p:spPr>
-      </p:pic>
-      <p:pic>
-        <p:nvPicPr>
-          <p:cNvPr id="2" name="Tartalom helye 7">
-            <a:extLst>
-              <a:ext uri="{FF2B5EF4-FFF2-40B4-BE49-F238E27FC236}">
-                <a16:creationId xmlns:a16="http://schemas.microsoft.com/office/drawing/2014/main" id="{B7664C09-B5DF-126F-9801-3B3240DE4C5F}"/>
-              </a:ext>
-            </a:extLst>
-          </p:cNvPr>
-          <p:cNvPicPr>
-            <a:picLocks noChangeAspect="1"/>
-          </p:cNvPicPr>
-          <p:nvPr/>
-        </p:nvPicPr>
-        <p:blipFill>
-          <a:blip r:embed="rId3">
-            <a:extLst>
-              <a:ext uri="{28A0092B-C50C-407E-A947-70E740481C1C}">
-                <a14:useLocalDpi xmlns:a14="http://schemas.microsoft.com/office/drawing/2010/main" val="0"/>
-              </a:ext>
-            </a:extLst>
-          </a:blip>
-          <a:stretch>
-            <a:fillRect/>
-          </a:stretch>
-        </p:blipFill>
-        <p:spPr>
-          <a:xfrm>
-            <a:off x="10881573" y="5721224"/>
-            <a:ext cx="963637" cy="963637"/>
-          </a:xfrm>
-          <a:prstGeom prst="rect">
-            <a:avLst/>
-          </a:prstGeom>
-        </p:spPr>
-      </p:pic>
-      <p:pic>
-        <p:nvPicPr>
-          <p:cNvPr id="3" name="Kép 2">
-            <a:extLst>
-              <a:ext uri="{FF2B5EF4-FFF2-40B4-BE49-F238E27FC236}">
-                <a16:creationId xmlns:a16="http://schemas.microsoft.com/office/drawing/2014/main" id="{732062A3-2908-F57A-633C-0BECA75EA6D5}"/>
-              </a:ext>
-            </a:extLst>
-          </p:cNvPr>
-          <p:cNvPicPr>
-            <a:picLocks noChangeAspect="1"/>
-          </p:cNvPicPr>
-          <p:nvPr/>
-        </p:nvPicPr>
-        <p:blipFill>
-          <a:blip r:embed="rId4">
-            <a:extLst>
-              <a:ext uri="{28A0092B-C50C-407E-A947-70E740481C1C}">
-                <a14:useLocalDpi xmlns:a14="http://schemas.microsoft.com/office/drawing/2010/main" val="0"/>
-              </a:ext>
-            </a:extLst>
-          </a:blip>
-          <a:stretch>
-            <a:fillRect/>
-          </a:stretch>
-        </p:blipFill>
-        <p:spPr>
-          <a:xfrm>
-            <a:off x="0" y="5894363"/>
-            <a:ext cx="963637" cy="963637"/>
+            <a:off x="3778181" y="0"/>
+            <a:ext cx="1969477" cy="1824129"/>
           </a:xfrm>
           <a:prstGeom prst="rect">
             <a:avLst/>
@@ -4610,20 +4723,20 @@
     </p:spTree>
     <p:extLst>
       <p:ext uri="{BB962C8B-B14F-4D97-AF65-F5344CB8AC3E}">
-        <p14:creationId xmlns:p14="http://schemas.microsoft.com/office/powerpoint/2010/main" val="905483556"/>
+        <p14:creationId xmlns:p14="http://schemas.microsoft.com/office/powerpoint/2010/main" val="501682490"/>
       </p:ext>
     </p:extLst>
   </p:cSld>
   <p:clrMapOvr>
     <a:masterClrMapping/>
   </p:clrMapOvr>
-  <mc:AlternateContent xmlns:mc="http://schemas.openxmlformats.org/markup-compatibility/2006">
-    <mc:Choice xmlns:p15="http://schemas.microsoft.com/office/powerpoint/2012/main" Requires="p15">
-      <p:transition xmlns:p14="http://schemas.microsoft.com/office/powerpoint/2010/main" spd="slow" p14:dur="2000">
-        <p15:prstTrans prst="fracture"/>
+  <mc:AlternateContent xmlns:mc="http://schemas.openxmlformats.org/markup-compatibility/2006" xmlns:p14="http://schemas.microsoft.com/office/powerpoint/2010/main">
+    <mc:Choice Requires="p14">
+      <p:transition spd="slow" p14:dur="4000">
+        <p14:vortex dir="r"/>
       </p:transition>
     </mc:Choice>
-    <mc:Fallback>
+    <mc:Fallback xmlns="">
       <p:transition spd="slow">
         <p:fade/>
       </p:transition>
@@ -4650,37 +4763,24 @@
                             </p:stCondLst>
                             <p:childTnLst>
                               <p:par>
-                                <p:cTn id="5" presetID="6" presetClass="entr" presetSubtype="32" fill="hold" nodeType="clickEffect">
+                                <p:cTn id="5" presetID="50" presetClass="path" presetSubtype="0" accel="50000" decel="50000" fill="hold" nodeType="clickEffect">
                                   <p:stCondLst>
                                     <p:cond delay="0"/>
                                   </p:stCondLst>
                                   <p:childTnLst>
-                                    <p:set>
+                                    <p:animMotion origin="layout" path="M 5E-6 -0.00093 C 0.08646 -0.00093 0.17292 -0.00718 0.25977 -0.00718 C 0.32956 0.00833 0.45977 -0.02083 0.50209 0.04097 C 0.54467 0.10278 0.49948 0.25162 0.51303 0.36389 C 0.51303 0.48681 0.52058 0.61134 0.52058 0.73588 " pathEditMode="relative" rAng="0" ptsTypes="AAAAA">
                                       <p:cBhvr>
-                                        <p:cTn id="6" dur="1" fill="hold">
-                                          <p:stCondLst>
-                                            <p:cond delay="0"/>
-                                          </p:stCondLst>
-                                        </p:cTn>
+                                        <p:cTn id="6" dur="5000" fill="hold"/>
                                         <p:tgtEl>
-                                          <p:spTgt spid="7"/>
+                                          <p:spTgt spid="32"/>
                                         </p:tgtEl>
                                         <p:attrNameLst>
-                                          <p:attrName>style.visibility</p:attrName>
+                                          <p:attrName>ppt_x</p:attrName>
+                                          <p:attrName>ppt_y</p:attrName>
                                         </p:attrNameLst>
                                       </p:cBhvr>
-                                      <p:to>
-                                        <p:strVal val="visible"/>
-                                      </p:to>
-                                    </p:set>
-                                    <p:animEffect transition="in" filter="circle(out)">
-                                      <p:cBhvr>
-                                        <p:cTn id="7" dur="1250"/>
-                                        <p:tgtEl>
-                                          <p:spTgt spid="7"/>
-                                        </p:tgtEl>
-                                      </p:cBhvr>
-                                    </p:animEffect>
+                                      <p:rCtr x="26042" y="36528"/>
+                                    </p:animMotion>
                                   </p:childTnLst>
                                 </p:cTn>
                               </p:par>
@@ -4783,8 +4883,8 @@
         </p:nvSpPr>
         <p:spPr>
           <a:xfrm>
-            <a:off x="6513033" y="309490"/>
-            <a:ext cx="4579838" cy="1517232"/>
+            <a:off x="1310426" y="365125"/>
+            <a:ext cx="10043373" cy="1325563"/>
           </a:xfrm>
         </p:spPr>
         <p:txBody>
@@ -4796,18 +4896,28 @@
                 <a:solidFill>
                   <a:schemeClr val="bg1"/>
                 </a:solidFill>
+                <a:latin typeface="Rockwell Extra Bold" panose="02060903040505020403" pitchFamily="18" charset="0"/>
               </a:rPr>
-              <a:t>Főmenü:</a:t>
+              <a:t>Lövedék</a:t>
+            </a:r>
+            <a:r>
+              <a:rPr lang="hu-HU" dirty="0">
+                <a:solidFill>
+                  <a:schemeClr val="bg1"/>
+                </a:solidFill>
+                <a:latin typeface="Rockwell Extra Bold" panose="02060903040505020403" pitchFamily="18" charset="0"/>
+              </a:rPr>
+              <a:t>:</a:t>
             </a:r>
           </a:p>
         </p:txBody>
       </p:sp>
       <p:pic>
         <p:nvPicPr>
-          <p:cNvPr id="9" name="Tartalom helye 2">
-            <a:extLst>
-              <a:ext uri="{FF2B5EF4-FFF2-40B4-BE49-F238E27FC236}">
-                <a16:creationId xmlns:a16="http://schemas.microsoft.com/office/drawing/2014/main" id="{CBC22FEA-5F08-4168-9119-16B09AAE02A1}"/>
+          <p:cNvPr id="13" name="Tartalom helye 7">
+            <a:extLst>
+              <a:ext uri="{FF2B5EF4-FFF2-40B4-BE49-F238E27FC236}">
+                <a16:creationId xmlns:a16="http://schemas.microsoft.com/office/drawing/2014/main" id="{83F8892C-906D-4FFF-903A-170338DAB96A}"/>
               </a:ext>
             </a:extLst>
           </p:cNvPr>
@@ -4830,74 +4940,8 @@
         </p:blipFill>
         <p:spPr>
           <a:xfrm>
-            <a:off x="182967" y="115950"/>
-            <a:ext cx="5162756" cy="6710832"/>
-          </a:xfrm>
-          <a:prstGeom prst="rect">
-            <a:avLst/>
-          </a:prstGeom>
-        </p:spPr>
-      </p:pic>
-      <p:sp>
-        <p:nvSpPr>
-          <p:cNvPr id="15" name="Tartalom helye 14">
-            <a:extLst>
-              <a:ext uri="{FF2B5EF4-FFF2-40B4-BE49-F238E27FC236}">
-                <a16:creationId xmlns:a16="http://schemas.microsoft.com/office/drawing/2014/main" id="{EEDCF497-0F76-4D86-A425-DDC2D870D5BA}"/>
-              </a:ext>
-            </a:extLst>
-          </p:cNvPr>
-          <p:cNvSpPr>
-            <a:spLocks noGrp="1"/>
-          </p:cNvSpPr>
-          <p:nvPr>
-            <p:ph idx="1"/>
-          </p:nvPr>
-        </p:nvSpPr>
-        <p:spPr>
-          <a:xfrm>
-            <a:off x="838200" y="1551963"/>
-            <a:ext cx="10515600" cy="4624999"/>
-          </a:xfrm>
-        </p:spPr>
-        <p:txBody>
-          <a:bodyPr/>
-          <a:lstStyle/>
-          <a:p>
-            <a:endParaRPr lang="hu-HU" dirty="0"/>
-          </a:p>
-        </p:txBody>
-      </p:sp>
-      <p:pic>
-        <p:nvPicPr>
-          <p:cNvPr id="2" name="Kép 1" descr="A képen szöveg, képernyőkép, szoftver, képernyő látható&#10;&#10;Automatikusan generált leírás">
-            <a:extLst>
-              <a:ext uri="{FF2B5EF4-FFF2-40B4-BE49-F238E27FC236}">
-                <a16:creationId xmlns:a16="http://schemas.microsoft.com/office/drawing/2014/main" id="{890F495C-610D-73A2-DAC9-7279DF995549}"/>
-              </a:ext>
-            </a:extLst>
-          </p:cNvPr>
-          <p:cNvPicPr>
-            <a:picLocks noChangeAspect="1"/>
-          </p:cNvPicPr>
-          <p:nvPr/>
-        </p:nvPicPr>
-        <p:blipFill>
-          <a:blip r:embed="rId3">
-            <a:extLst>
-              <a:ext uri="{28A0092B-C50C-407E-A947-70E740481C1C}">
-                <a14:useLocalDpi xmlns:a14="http://schemas.microsoft.com/office/drawing/2010/main" val="0"/>
-              </a:ext>
-            </a:extLst>
-          </a:blip>
-          <a:stretch>
-            <a:fillRect/>
-          </a:stretch>
-        </p:blipFill>
-        <p:spPr>
-          <a:xfrm>
-            <a:off x="5444197" y="2101480"/>
-            <a:ext cx="6671082" cy="4685348"/>
+            <a:off x="4395246" y="2107733"/>
+            <a:ext cx="963637" cy="963637"/>
           </a:xfrm>
           <a:prstGeom prst="rect">
             <a:avLst/>
@@ -4906,10 +4950,10 @@
       </p:pic>
       <p:pic>
         <p:nvPicPr>
-          <p:cNvPr id="11" name="Kép 10">
-            <a:extLst>
-              <a:ext uri="{FF2B5EF4-FFF2-40B4-BE49-F238E27FC236}">
-                <a16:creationId xmlns:a16="http://schemas.microsoft.com/office/drawing/2014/main" id="{1BF9EB4B-92EC-49F9-AEF3-5DA188D9E40F}"/>
+          <p:cNvPr id="14" name="Kép 13">
+            <a:extLst>
+              <a:ext uri="{FF2B5EF4-FFF2-40B4-BE49-F238E27FC236}">
+                <a16:creationId xmlns:a16="http://schemas.microsoft.com/office/drawing/2014/main" id="{B7376CB5-2382-4F91-8853-C498D51C3D57}"/>
               </a:ext>
             </a:extLst>
           </p:cNvPr>
@@ -4919,7 +4963,7 @@
           <p:nvPr/>
         </p:nvPicPr>
         <p:blipFill>
-          <a:blip r:embed="rId4">
+          <a:blip r:embed="rId3">
             <a:extLst>
               <a:ext uri="{28A0092B-C50C-407E-A947-70E740481C1C}">
                 <a14:useLocalDpi xmlns:a14="http://schemas.microsoft.com/office/drawing/2010/main" val="0"/>
@@ -4932,8 +4976,8 @@
         </p:blipFill>
         <p:spPr>
           <a:xfrm>
-            <a:off x="5444197" y="101694"/>
-            <a:ext cx="6564836" cy="3043140"/>
+            <a:off x="5850293" y="2107733"/>
+            <a:ext cx="963637" cy="963637"/>
           </a:xfrm>
           <a:prstGeom prst="rect">
             <a:avLst/>
@@ -4942,10 +4986,82 @@
       </p:pic>
       <p:pic>
         <p:nvPicPr>
-          <p:cNvPr id="20" name="Tartalom helye 7">
-            <a:extLst>
-              <a:ext uri="{FF2B5EF4-FFF2-40B4-BE49-F238E27FC236}">
-                <a16:creationId xmlns:a16="http://schemas.microsoft.com/office/drawing/2014/main" id="{A027C928-F5B3-4964-945B-1166A10B60F5}"/>
+          <p:cNvPr id="2" name="Tartalom helye 7">
+            <a:extLst>
+              <a:ext uri="{FF2B5EF4-FFF2-40B4-BE49-F238E27FC236}">
+                <a16:creationId xmlns:a16="http://schemas.microsoft.com/office/drawing/2014/main" id="{B7664C09-B5DF-126F-9801-3B3240DE4C5F}"/>
+              </a:ext>
+            </a:extLst>
+          </p:cNvPr>
+          <p:cNvPicPr>
+            <a:picLocks noChangeAspect="1"/>
+          </p:cNvPicPr>
+          <p:nvPr/>
+        </p:nvPicPr>
+        <p:blipFill>
+          <a:blip r:embed="rId2">
+            <a:extLst>
+              <a:ext uri="{28A0092B-C50C-407E-A947-70E740481C1C}">
+                <a14:useLocalDpi xmlns:a14="http://schemas.microsoft.com/office/drawing/2010/main" val="0"/>
+              </a:ext>
+            </a:extLst>
+          </a:blip>
+          <a:stretch>
+            <a:fillRect/>
+          </a:stretch>
+        </p:blipFill>
+        <p:spPr>
+          <a:xfrm>
+            <a:off x="5850292" y="3353477"/>
+            <a:ext cx="963637" cy="963637"/>
+          </a:xfrm>
+          <a:prstGeom prst="rect">
+            <a:avLst/>
+          </a:prstGeom>
+        </p:spPr>
+      </p:pic>
+      <p:pic>
+        <p:nvPicPr>
+          <p:cNvPr id="3" name="Kép 2">
+            <a:extLst>
+              <a:ext uri="{FF2B5EF4-FFF2-40B4-BE49-F238E27FC236}">
+                <a16:creationId xmlns:a16="http://schemas.microsoft.com/office/drawing/2014/main" id="{732062A3-2908-F57A-633C-0BECA75EA6D5}"/>
+              </a:ext>
+            </a:extLst>
+          </p:cNvPr>
+          <p:cNvPicPr>
+            <a:picLocks noChangeAspect="1"/>
+          </p:cNvPicPr>
+          <p:nvPr/>
+        </p:nvPicPr>
+        <p:blipFill>
+          <a:blip r:embed="rId3">
+            <a:extLst>
+              <a:ext uri="{28A0092B-C50C-407E-A947-70E740481C1C}">
+                <a14:useLocalDpi xmlns:a14="http://schemas.microsoft.com/office/drawing/2010/main" val="0"/>
+              </a:ext>
+            </a:extLst>
+          </a:blip>
+          <a:stretch>
+            <a:fillRect/>
+          </a:stretch>
+        </p:blipFill>
+        <p:spPr>
+          <a:xfrm>
+            <a:off x="4395246" y="3353478"/>
+            <a:ext cx="963637" cy="963637"/>
+          </a:xfrm>
+          <a:prstGeom prst="rect">
+            <a:avLst/>
+          </a:prstGeom>
+        </p:spPr>
+      </p:pic>
+      <p:pic>
+        <p:nvPicPr>
+          <p:cNvPr id="6" name="Tartalom helye 2">
+            <a:extLst>
+              <a:ext uri="{FF2B5EF4-FFF2-40B4-BE49-F238E27FC236}">
+                <a16:creationId xmlns:a16="http://schemas.microsoft.com/office/drawing/2014/main" id="{944662CF-6F2F-4933-8F2A-CAC27D1D0F9E}"/>
               </a:ext>
             </a:extLst>
           </p:cNvPr>
@@ -4955,20 +5071,20 @@
           <p:nvPr/>
         </p:nvPicPr>
         <p:blipFill rotWithShape="1">
-          <a:blip r:embed="rId5">
+          <a:blip r:embed="rId4">
             <a:extLst>
               <a:ext uri="{28A0092B-C50C-407E-A947-70E740481C1C}">
                 <a14:useLocalDpi xmlns:a14="http://schemas.microsoft.com/office/drawing/2010/main" val="0"/>
               </a:ext>
             </a:extLst>
           </a:blip>
-          <a:srcRect t="6699"/>
+          <a:srcRect l="1849" r="4234"/>
           <a:stretch/>
         </p:blipFill>
         <p:spPr>
           <a:xfrm>
-            <a:off x="163618" y="681038"/>
-            <a:ext cx="11629995" cy="5971868"/>
+            <a:off x="4490336" y="365125"/>
+            <a:ext cx="6391238" cy="6332355"/>
           </a:xfrm>
           <a:prstGeom prst="rect">
             <a:avLst/>
@@ -4978,20 +5094,20 @@
     </p:spTree>
     <p:extLst>
       <p:ext uri="{BB962C8B-B14F-4D97-AF65-F5344CB8AC3E}">
-        <p14:creationId xmlns:p14="http://schemas.microsoft.com/office/powerpoint/2010/main" val="1900979083"/>
+        <p14:creationId xmlns:p14="http://schemas.microsoft.com/office/powerpoint/2010/main" val="905483556"/>
       </p:ext>
     </p:extLst>
   </p:cSld>
   <p:clrMapOvr>
     <a:masterClrMapping/>
   </p:clrMapOvr>
-  <mc:AlternateContent xmlns:mc="http://schemas.openxmlformats.org/markup-compatibility/2006">
-    <mc:Choice xmlns:p14="http://schemas.microsoft.com/office/powerpoint/2010/main" Requires="p14">
-      <p:transition spd="slow" p14:dur="1600">
-        <p14:prism isInverted="1"/>
+  <mc:AlternateContent xmlns:mc="http://schemas.openxmlformats.org/markup-compatibility/2006" xmlns:p15="http://schemas.microsoft.com/office/powerpoint/2012/main">
+    <mc:Choice Requires="p15">
+      <p:transition xmlns:p14="http://schemas.microsoft.com/office/powerpoint/2010/main" spd="slow" p14:dur="2000">
+        <p15:prstTrans prst="fracture"/>
       </p:transition>
     </mc:Choice>
-    <mc:Fallback>
+    <mc:Fallback xmlns="">
       <p:transition spd="slow">
         <p:fade/>
       </p:transition>
@@ -5018,75 +5134,86 @@
                             </p:stCondLst>
                             <p:childTnLst>
                               <p:par>
-                                <p:cTn id="5" presetID="2" presetClass="entr" presetSubtype="8" fill="hold" nodeType="clickEffect">
+                                <p:cTn id="5" presetID="0" presetClass="path" presetSubtype="0" accel="50000" decel="50000" fill="hold" nodeType="clickEffect">
                                   <p:stCondLst>
                                     <p:cond delay="0"/>
                                   </p:stCondLst>
                                   <p:childTnLst>
-                                    <p:set>
+                                    <p:animMotion origin="layout" path="M -0.00078 -0.00209 L -0.34115 -0.24213 " pathEditMode="relative" ptsTypes="AA">
                                       <p:cBhvr>
-                                        <p:cTn id="6" dur="1" fill="hold">
-                                          <p:stCondLst>
-                                            <p:cond delay="0"/>
-                                          </p:stCondLst>
-                                        </p:cTn>
+                                        <p:cTn id="6" dur="2000" fill="hold"/>
                                         <p:tgtEl>
-                                          <p:spTgt spid="11"/>
-                                        </p:tgtEl>
-                                        <p:attrNameLst>
-                                          <p:attrName>style.visibility</p:attrName>
-                                        </p:attrNameLst>
-                                      </p:cBhvr>
-                                      <p:to>
-                                        <p:strVal val="visible"/>
-                                      </p:to>
-                                    </p:set>
-                                    <p:anim calcmode="lin" valueType="num">
-                                      <p:cBhvr additive="base">
-                                        <p:cTn id="7" dur="1500" fill="hold"/>
-                                        <p:tgtEl>
-                                          <p:spTgt spid="11"/>
+                                          <p:spTgt spid="13"/>
                                         </p:tgtEl>
                                         <p:attrNameLst>
                                           <p:attrName>ppt_x</p:attrName>
-                                        </p:attrNameLst>
-                                      </p:cBhvr>
-                                      <p:tavLst>
-                                        <p:tav tm="0">
-                                          <p:val>
-                                            <p:strVal val="0-#ppt_w/2"/>
-                                          </p:val>
-                                        </p:tav>
-                                        <p:tav tm="100000">
-                                          <p:val>
-                                            <p:strVal val="#ppt_x"/>
-                                          </p:val>
-                                        </p:tav>
-                                      </p:tavLst>
-                                    </p:anim>
-                                    <p:anim calcmode="lin" valueType="num">
-                                      <p:cBhvr additive="base">
-                                        <p:cTn id="8" dur="1500" fill="hold"/>
-                                        <p:tgtEl>
-                                          <p:spTgt spid="11"/>
-                                        </p:tgtEl>
-                                        <p:attrNameLst>
                                           <p:attrName>ppt_y</p:attrName>
                                         </p:attrNameLst>
                                       </p:cBhvr>
-                                      <p:tavLst>
-                                        <p:tav tm="0">
-                                          <p:val>
-                                            <p:strVal val="#ppt_y"/>
-                                          </p:val>
-                                        </p:tav>
-                                        <p:tav tm="100000">
-                                          <p:val>
-                                            <p:strVal val="#ppt_y"/>
-                                          </p:val>
-                                        </p:tav>
-                                      </p:tavLst>
-                                    </p:anim>
+                                    </p:animMotion>
+                                  </p:childTnLst>
+                                </p:cTn>
+                              </p:par>
+                              <p:par>
+                                <p:cTn id="7" presetID="0" presetClass="path" presetSubtype="0" accel="50000" decel="50000" fill="hold" nodeType="withEffect">
+                                  <p:stCondLst>
+                                    <p:cond delay="0"/>
+                                  </p:stCondLst>
+                                  <p:childTnLst>
+                                    <p:animMotion origin="layout" path="M -0.00351 0.00601 L 0.41654 -0.24838 " pathEditMode="relative" ptsTypes="AA">
+                                      <p:cBhvr>
+                                        <p:cTn id="8" dur="2000" fill="hold"/>
+                                        <p:tgtEl>
+                                          <p:spTgt spid="14"/>
+                                        </p:tgtEl>
+                                        <p:attrNameLst>
+                                          <p:attrName>ppt_x</p:attrName>
+                                          <p:attrName>ppt_y</p:attrName>
+                                        </p:attrNameLst>
+                                      </p:cBhvr>
+                                    </p:animMotion>
+                                  </p:childTnLst>
+                                </p:cTn>
+                              </p:par>
+                              <p:par>
+                                <p:cTn id="9" presetID="0" presetClass="path" presetSubtype="0" accel="50000" decel="50000" fill="hold" nodeType="withEffect">
+                                  <p:stCondLst>
+                                    <p:cond delay="0"/>
+                                  </p:stCondLst>
+                                  <p:childTnLst>
+                                    <p:animMotion origin="layout" path="M -0.00312 -0.00116 L -0.33997 0.36203 " pathEditMode="relative" ptsTypes="AA">
+                                      <p:cBhvr>
+                                        <p:cTn id="10" dur="2000" fill="hold"/>
+                                        <p:tgtEl>
+                                          <p:spTgt spid="3"/>
+                                        </p:tgtEl>
+                                        <p:attrNameLst>
+                                          <p:attrName>ppt_x</p:attrName>
+                                          <p:attrName>ppt_y</p:attrName>
+                                        </p:attrNameLst>
+                                      </p:cBhvr>
+                                    </p:animMotion>
+                                  </p:childTnLst>
+                                </p:cTn>
+                              </p:par>
+                              <p:par>
+                                <p:cTn id="11" presetID="0" presetClass="path" presetSubtype="0" accel="50000" decel="50000" fill="hold" nodeType="withEffect">
+                                  <p:stCondLst>
+                                    <p:cond delay="0"/>
+                                  </p:stCondLst>
+                                  <p:childTnLst>
+                                    <p:animMotion origin="layout" path="M -0.00117 0.00509 L 0.41654 0.3537 " pathEditMode="relative" ptsTypes="AA">
+                                      <p:cBhvr>
+                                        <p:cTn id="12" dur="2000" fill="hold"/>
+                                        <p:tgtEl>
+                                          <p:spTgt spid="2"/>
+                                        </p:tgtEl>
+                                        <p:attrNameLst>
+                                          <p:attrName>ppt_x</p:attrName>
+                                          <p:attrName>ppt_y</p:attrName>
+                                        </p:attrNameLst>
+                                      </p:cBhvr>
+                                    </p:animMotion>
                                   </p:childTnLst>
                                 </p:cTn>
                               </p:par>
@@ -5097,32 +5224,32 @@
                     </p:cTn>
                   </p:par>
                   <p:par>
-                    <p:cTn id="9" fill="hold">
+                    <p:cTn id="13" fill="hold">
                       <p:stCondLst>
                         <p:cond delay="indefinite"/>
                       </p:stCondLst>
                       <p:childTnLst>
                         <p:par>
-                          <p:cTn id="10" fill="hold">
+                          <p:cTn id="14" fill="hold">
                             <p:stCondLst>
                               <p:cond delay="0"/>
                             </p:stCondLst>
                             <p:childTnLst>
                               <p:par>
-                                <p:cTn id="11" presetID="10" presetClass="entr" presetSubtype="0" fill="hold" nodeType="clickEffect">
+                                <p:cTn id="15" presetID="6" presetClass="entr" presetSubtype="32" fill="hold" nodeType="clickEffect">
                                   <p:stCondLst>
                                     <p:cond delay="0"/>
                                   </p:stCondLst>
                                   <p:childTnLst>
                                     <p:set>
                                       <p:cBhvr>
-                                        <p:cTn id="12" dur="1" fill="hold">
+                                        <p:cTn id="16" dur="1" fill="hold">
                                           <p:stCondLst>
                                             <p:cond delay="0"/>
                                           </p:stCondLst>
                                         </p:cTn>
                                         <p:tgtEl>
-                                          <p:spTgt spid="20"/>
+                                          <p:spTgt spid="6"/>
                                         </p:tgtEl>
                                         <p:attrNameLst>
                                           <p:attrName>style.visibility</p:attrName>
@@ -5132,11 +5259,11 @@
                                         <p:strVal val="visible"/>
                                       </p:to>
                                     </p:set>
-                                    <p:animEffect transition="in" filter="fade">
+                                    <p:animEffect transition="in" filter="circle(out)">
                                       <p:cBhvr>
-                                        <p:cTn id="13" dur="750"/>
+                                        <p:cTn id="17" dur="1750"/>
                                         <p:tgtEl>
-                                          <p:spTgt spid="20"/>
+                                          <p:spTgt spid="6"/>
                                         </p:tgtEl>
                                       </p:cBhvr>
                                     </p:animEffect>
@@ -5276,10 +5403,11 @@
           <a:lstStyle/>
           <a:p>
             <a:r>
-              <a:rPr lang="hu-HU" dirty="0">
+              <a:rPr lang="hu-HU" b="1" dirty="0">
                 <a:solidFill>
                   <a:schemeClr val="bg1"/>
                 </a:solidFill>
+                <a:latin typeface="Rockwell Extra Bold" panose="02060903040505020403" pitchFamily="18" charset="0"/>
               </a:rPr>
               <a:t>Egyéb menük:</a:t>
             </a:r>
@@ -5403,13 +5531,13 @@
   <p:clrMapOvr>
     <a:masterClrMapping/>
   </p:clrMapOvr>
-  <mc:AlternateContent xmlns:mc="http://schemas.openxmlformats.org/markup-compatibility/2006">
-    <mc:Choice xmlns:p14="http://schemas.microsoft.com/office/powerpoint/2010/main" Requires="p14">
+  <mc:AlternateContent xmlns:mc="http://schemas.openxmlformats.org/markup-compatibility/2006" xmlns:p14="http://schemas.microsoft.com/office/powerpoint/2010/main">
+    <mc:Choice Requires="p14">
       <p:transition spd="slow" p14:dur="4400">
         <p14:honeycomb/>
       </p:transition>
     </mc:Choice>
-    <mc:Fallback>
+    <mc:Fallback xmlns="">
       <p:transition spd="slow">
         <p:fade/>
       </p:transition>
@@ -5616,12 +5744,13 @@
           <a:lstStyle/>
           <a:p>
             <a:r>
-              <a:rPr lang="hu-HU" dirty="0">
+              <a:rPr lang="hu-HU" b="1" dirty="0">
                 <a:solidFill>
                   <a:schemeClr val="bg1"/>
                 </a:solidFill>
+                <a:latin typeface="Rockwell Extra Bold" panose="02060903040505020403" pitchFamily="18" charset="0"/>
               </a:rPr>
-              <a:t>Képek a játékból</a:t>
+              <a:t>Képek a játékból:</a:t>
             </a:r>
           </a:p>
         </p:txBody>
@@ -5705,13 +5834,13 @@
   <p:clrMapOvr>
     <a:masterClrMapping/>
   </p:clrMapOvr>
-  <mc:AlternateContent xmlns:mc="http://schemas.openxmlformats.org/markup-compatibility/2006">
-    <mc:Choice xmlns:p15="http://schemas.microsoft.com/office/powerpoint/2012/main" Requires="p15">
+  <mc:AlternateContent xmlns:mc="http://schemas.openxmlformats.org/markup-compatibility/2006" xmlns:p15="http://schemas.microsoft.com/office/powerpoint/2012/main">
+    <mc:Choice Requires="p15">
       <p:transition xmlns:p14="http://schemas.microsoft.com/office/powerpoint/2010/main" spd="slow" p14:dur="2000">
         <p15:prstTrans prst="fallOver"/>
       </p:transition>
     </mc:Choice>
-    <mc:Fallback>
+    <mc:Fallback xmlns="">
       <p:transition spd="slow">
         <p:fade/>
       </p:transition>
@@ -5797,46 +5926,82 @@
           <a:lstStyle/>
           <a:p>
             <a:r>
-              <a:rPr lang="hu-HU" dirty="0" err="1">
+              <a:rPr lang="hu-HU" b="1" dirty="0" err="1">
                 <a:solidFill>
                   <a:schemeClr val="bg1"/>
                 </a:solidFill>
+                <a:latin typeface="Rockwell Extra Bold" panose="02060903040505020403" pitchFamily="18" charset="0"/>
               </a:rPr>
               <a:t>Github</a:t>
             </a:r>
+            <a:r>
+              <a:rPr lang="hu-HU" b="1" dirty="0">
+                <a:solidFill>
+                  <a:schemeClr val="bg1"/>
+                </a:solidFill>
+                <a:latin typeface="Rockwell Extra Bold" panose="02060903040505020403" pitchFamily="18" charset="0"/>
+              </a:rPr>
+              <a:t>(kell ez egyáltalán???)</a:t>
+            </a:r>
+          </a:p>
+        </p:txBody>
+      </p:sp>
+      <p:sp>
+        <p:nvSpPr>
+          <p:cNvPr id="8" name="Tartalom helye 7">
+            <a:extLst>
+              <a:ext uri="{FF2B5EF4-FFF2-40B4-BE49-F238E27FC236}">
+                <a16:creationId xmlns:a16="http://schemas.microsoft.com/office/drawing/2014/main" id="{D69C8F04-735B-0E32-5E3E-0B4F9A8FC62A}"/>
+              </a:ext>
+            </a:extLst>
+          </p:cNvPr>
+          <p:cNvSpPr>
+            <a:spLocks noGrp="1"/>
+          </p:cNvSpPr>
+          <p:nvPr>
+            <p:ph idx="1"/>
+          </p:nvPr>
+        </p:nvSpPr>
+        <p:spPr/>
+        <p:txBody>
+          <a:bodyPr/>
+          <a:lstStyle/>
+          <a:p>
             <a:r>
               <a:rPr lang="hu-HU" dirty="0">
                 <a:solidFill>
                   <a:schemeClr val="bg1"/>
                 </a:solidFill>
               </a:rPr>
-              <a:t>(kell ez egyáltalán???)</a:t>
-            </a:r>
-          </a:p>
-        </p:txBody>
-      </p:sp>
-      <p:sp>
-        <p:nvSpPr>
-          <p:cNvPr id="8" name="Tartalom helye 7">
-            <a:extLst>
-              <a:ext uri="{FF2B5EF4-FFF2-40B4-BE49-F238E27FC236}">
-                <a16:creationId xmlns:a16="http://schemas.microsoft.com/office/drawing/2014/main" id="{D69C8F04-735B-0E32-5E3E-0B4F9A8FC62A}"/>
-              </a:ext>
-            </a:extLst>
-          </p:cNvPr>
-          <p:cNvSpPr>
-            <a:spLocks noGrp="1"/>
-          </p:cNvSpPr>
-          <p:nvPr>
-            <p:ph idx="1"/>
-          </p:nvPr>
-        </p:nvSpPr>
-        <p:spPr/>
-        <p:txBody>
-          <a:bodyPr/>
-          <a:lstStyle/>
-          <a:p>
-            <a:endParaRPr lang="hu-HU"/>
+              <a:t>Aszteroida(kód)</a:t>
+            </a:r>
+          </a:p>
+          <a:p>
+            <a:r>
+              <a:rPr lang="hu-HU" dirty="0">
+                <a:solidFill>
+                  <a:schemeClr val="bg1"/>
+                </a:solidFill>
+              </a:rPr>
+              <a:t>Képek a játékból(kép)</a:t>
+            </a:r>
+          </a:p>
+          <a:p>
+            <a:r>
+              <a:rPr lang="hu-HU" dirty="0">
+                <a:solidFill>
+                  <a:schemeClr val="bg1"/>
+                </a:solidFill>
+              </a:rPr>
+              <a:t>Egyéb menük(kép)</a:t>
+            </a:r>
+          </a:p>
+          <a:p>
+            <a:endParaRPr lang="hu-HU" dirty="0">
+              <a:solidFill>
+                <a:schemeClr val="bg1"/>
+              </a:solidFill>
+            </a:endParaRPr>
           </a:p>
         </p:txBody>
       </p:sp>
@@ -5921,7 +6086,7 @@
         </p:nvSpPr>
         <p:spPr>
           <a:xfrm>
-            <a:off x="838200" y="365125"/>
+            <a:off x="371036" y="238515"/>
             <a:ext cx="10515600" cy="1325563"/>
           </a:xfrm>
         </p:spPr>
@@ -5929,13 +6094,23 @@
           <a:bodyPr/>
           <a:lstStyle/>
           <a:p>
+            <a:r>
+              <a:rPr lang="hu-HU" b="1" dirty="0">
+                <a:solidFill>
+                  <a:schemeClr val="bg1"/>
+                </a:solidFill>
+                <a:latin typeface="Rockwell Extra Bold" panose="02060903040505020403" pitchFamily="18" charset="0"/>
+              </a:rPr>
+              <a:t>Készítette</a:t>
+            </a:r>
             <a:r>
               <a:rPr lang="hu-HU" dirty="0">
                 <a:solidFill>
                   <a:schemeClr val="bg1"/>
                 </a:solidFill>
+                <a:latin typeface="Rockwell Extra Bold" panose="02060903040505020403" pitchFamily="18" charset="0"/>
               </a:rPr>
-              <a:t>Készítette:</a:t>
+              <a:t>:</a:t>
             </a:r>
           </a:p>
         </p:txBody>
@@ -5956,12 +6131,618 @@
             <p:ph idx="1"/>
           </p:nvPr>
         </p:nvSpPr>
-        <p:spPr/>
-        <p:txBody>
-          <a:bodyPr/>
+        <p:spPr>
+          <a:xfrm>
+            <a:off x="371036" y="6059494"/>
+            <a:ext cx="4809977" cy="704631"/>
+          </a:xfrm>
+        </p:spPr>
+        <p:txBody>
+          <a:bodyPr>
+            <a:normAutofit/>
+          </a:bodyPr>
           <a:lstStyle/>
           <a:p>
+            <a:pPr marL="0" indent="0">
+              <a:buNone/>
+            </a:pPr>
+            <a:r>
+              <a:rPr lang="hu-HU" sz="2400" b="1" dirty="0">
+                <a:solidFill>
+                  <a:schemeClr val="bg1"/>
+                </a:solidFill>
+                <a:latin typeface="Rockwell Extra Bold" panose="02060903040505020403" pitchFamily="18" charset="0"/>
+              </a:rPr>
+              <a:t>Major Bálint István</a:t>
+            </a:r>
+          </a:p>
+        </p:txBody>
+      </p:sp>
+      <p:sp>
+        <p:nvSpPr>
+          <p:cNvPr id="2" name="Tartalom helye 7">
+            <a:extLst>
+              <a:ext uri="{FF2B5EF4-FFF2-40B4-BE49-F238E27FC236}">
+                <a16:creationId xmlns:a16="http://schemas.microsoft.com/office/drawing/2014/main" id="{C5FC0A27-8A42-8BA8-97AD-9888EB51645C}"/>
+              </a:ext>
+            </a:extLst>
+          </p:cNvPr>
+          <p:cNvSpPr txBox="1">
+            <a:spLocks/>
+          </p:cNvSpPr>
+          <p:nvPr/>
+        </p:nvSpPr>
+        <p:spPr>
+          <a:xfrm>
+            <a:off x="4286250" y="6059481"/>
+            <a:ext cx="4305595" cy="704631"/>
+          </a:xfrm>
+          <a:prstGeom prst="rect">
+            <a:avLst/>
+          </a:prstGeom>
+        </p:spPr>
+        <p:txBody>
+          <a:bodyPr vert="horz" lIns="91440" tIns="45720" rIns="91440" bIns="45720" rtlCol="0">
+            <a:normAutofit/>
+          </a:bodyPr>
+          <a:lstStyle>
+            <a:lvl1pPr marL="228600" indent="-228600" algn="l" defTabSz="914400" rtl="0" eaLnBrk="1" latinLnBrk="0" hangingPunct="1">
+              <a:lnSpc>
+                <a:spcPct val="90000"/>
+              </a:lnSpc>
+              <a:spcBef>
+                <a:spcPts val="1000"/>
+              </a:spcBef>
+              <a:buFont typeface="Arial" panose="020B0604020202020204" pitchFamily="34" charset="0"/>
+              <a:buChar char="•"/>
+              <a:defRPr sz="2800" kern="1200">
+                <a:solidFill>
+                  <a:schemeClr val="tx1"/>
+                </a:solidFill>
+                <a:latin typeface="+mn-lt"/>
+                <a:ea typeface="+mn-ea"/>
+                <a:cs typeface="+mn-cs"/>
+              </a:defRPr>
+            </a:lvl1pPr>
+            <a:lvl2pPr marL="685800" indent="-228600" algn="l" defTabSz="914400" rtl="0" eaLnBrk="1" latinLnBrk="0" hangingPunct="1">
+              <a:lnSpc>
+                <a:spcPct val="90000"/>
+              </a:lnSpc>
+              <a:spcBef>
+                <a:spcPts val="500"/>
+              </a:spcBef>
+              <a:buFont typeface="Arial" panose="020B0604020202020204" pitchFamily="34" charset="0"/>
+              <a:buChar char="•"/>
+              <a:defRPr sz="2400" kern="1200">
+                <a:solidFill>
+                  <a:schemeClr val="tx1"/>
+                </a:solidFill>
+                <a:latin typeface="+mn-lt"/>
+                <a:ea typeface="+mn-ea"/>
+                <a:cs typeface="+mn-cs"/>
+              </a:defRPr>
+            </a:lvl2pPr>
+            <a:lvl3pPr marL="1143000" indent="-228600" algn="l" defTabSz="914400" rtl="0" eaLnBrk="1" latinLnBrk="0" hangingPunct="1">
+              <a:lnSpc>
+                <a:spcPct val="90000"/>
+              </a:lnSpc>
+              <a:spcBef>
+                <a:spcPts val="500"/>
+              </a:spcBef>
+              <a:buFont typeface="Arial" panose="020B0604020202020204" pitchFamily="34" charset="0"/>
+              <a:buChar char="•"/>
+              <a:defRPr sz="2000" kern="1200">
+                <a:solidFill>
+                  <a:schemeClr val="tx1"/>
+                </a:solidFill>
+                <a:latin typeface="+mn-lt"/>
+                <a:ea typeface="+mn-ea"/>
+                <a:cs typeface="+mn-cs"/>
+              </a:defRPr>
+            </a:lvl3pPr>
+            <a:lvl4pPr marL="1600200" indent="-228600" algn="l" defTabSz="914400" rtl="0" eaLnBrk="1" latinLnBrk="0" hangingPunct="1">
+              <a:lnSpc>
+                <a:spcPct val="90000"/>
+              </a:lnSpc>
+              <a:spcBef>
+                <a:spcPts val="500"/>
+              </a:spcBef>
+              <a:buFont typeface="Arial" panose="020B0604020202020204" pitchFamily="34" charset="0"/>
+              <a:buChar char="•"/>
+              <a:defRPr sz="1800" kern="1200">
+                <a:solidFill>
+                  <a:schemeClr val="tx1"/>
+                </a:solidFill>
+                <a:latin typeface="+mn-lt"/>
+                <a:ea typeface="+mn-ea"/>
+                <a:cs typeface="+mn-cs"/>
+              </a:defRPr>
+            </a:lvl4pPr>
+            <a:lvl5pPr marL="2057400" indent="-228600" algn="l" defTabSz="914400" rtl="0" eaLnBrk="1" latinLnBrk="0" hangingPunct="1">
+              <a:lnSpc>
+                <a:spcPct val="90000"/>
+              </a:lnSpc>
+              <a:spcBef>
+                <a:spcPts val="500"/>
+              </a:spcBef>
+              <a:buFont typeface="Arial" panose="020B0604020202020204" pitchFamily="34" charset="0"/>
+              <a:buChar char="•"/>
+              <a:defRPr sz="1800" kern="1200">
+                <a:solidFill>
+                  <a:schemeClr val="tx1"/>
+                </a:solidFill>
+                <a:latin typeface="+mn-lt"/>
+                <a:ea typeface="+mn-ea"/>
+                <a:cs typeface="+mn-cs"/>
+              </a:defRPr>
+            </a:lvl5pPr>
+            <a:lvl6pPr marL="2514600" indent="-228600" algn="l" defTabSz="914400" rtl="0" eaLnBrk="1" latinLnBrk="0" hangingPunct="1">
+              <a:lnSpc>
+                <a:spcPct val="90000"/>
+              </a:lnSpc>
+              <a:spcBef>
+                <a:spcPts val="500"/>
+              </a:spcBef>
+              <a:buFont typeface="Arial" panose="020B0604020202020204" pitchFamily="34" charset="0"/>
+              <a:buChar char="•"/>
+              <a:defRPr sz="1800" kern="1200">
+                <a:solidFill>
+                  <a:schemeClr val="tx1"/>
+                </a:solidFill>
+                <a:latin typeface="+mn-lt"/>
+                <a:ea typeface="+mn-ea"/>
+                <a:cs typeface="+mn-cs"/>
+              </a:defRPr>
+            </a:lvl6pPr>
+            <a:lvl7pPr marL="2971800" indent="-228600" algn="l" defTabSz="914400" rtl="0" eaLnBrk="1" latinLnBrk="0" hangingPunct="1">
+              <a:lnSpc>
+                <a:spcPct val="90000"/>
+              </a:lnSpc>
+              <a:spcBef>
+                <a:spcPts val="500"/>
+              </a:spcBef>
+              <a:buFont typeface="Arial" panose="020B0604020202020204" pitchFamily="34" charset="0"/>
+              <a:buChar char="•"/>
+              <a:defRPr sz="1800" kern="1200">
+                <a:solidFill>
+                  <a:schemeClr val="tx1"/>
+                </a:solidFill>
+                <a:latin typeface="+mn-lt"/>
+                <a:ea typeface="+mn-ea"/>
+                <a:cs typeface="+mn-cs"/>
+              </a:defRPr>
+            </a:lvl7pPr>
+            <a:lvl8pPr marL="3429000" indent="-228600" algn="l" defTabSz="914400" rtl="0" eaLnBrk="1" latinLnBrk="0" hangingPunct="1">
+              <a:lnSpc>
+                <a:spcPct val="90000"/>
+              </a:lnSpc>
+              <a:spcBef>
+                <a:spcPts val="500"/>
+              </a:spcBef>
+              <a:buFont typeface="Arial" panose="020B0604020202020204" pitchFamily="34" charset="0"/>
+              <a:buChar char="•"/>
+              <a:defRPr sz="1800" kern="1200">
+                <a:solidFill>
+                  <a:schemeClr val="tx1"/>
+                </a:solidFill>
+                <a:latin typeface="+mn-lt"/>
+                <a:ea typeface="+mn-ea"/>
+                <a:cs typeface="+mn-cs"/>
+              </a:defRPr>
+            </a:lvl8pPr>
+            <a:lvl9pPr marL="3886200" indent="-228600" algn="l" defTabSz="914400" rtl="0" eaLnBrk="1" latinLnBrk="0" hangingPunct="1">
+              <a:lnSpc>
+                <a:spcPct val="90000"/>
+              </a:lnSpc>
+              <a:spcBef>
+                <a:spcPts val="500"/>
+              </a:spcBef>
+              <a:buFont typeface="Arial" panose="020B0604020202020204" pitchFamily="34" charset="0"/>
+              <a:buChar char="•"/>
+              <a:defRPr sz="1800" kern="1200">
+                <a:solidFill>
+                  <a:schemeClr val="tx1"/>
+                </a:solidFill>
+                <a:latin typeface="+mn-lt"/>
+                <a:ea typeface="+mn-ea"/>
+                <a:cs typeface="+mn-cs"/>
+              </a:defRPr>
+            </a:lvl9pPr>
+          </a:lstStyle>
+          <a:p>
+            <a:pPr marL="0" indent="0">
+              <a:buFont typeface="Arial" panose="020B0604020202020204" pitchFamily="34" charset="0"/>
+              <a:buNone/>
+            </a:pPr>
+            <a:r>
+              <a:rPr lang="hu-HU" sz="2400" b="1" dirty="0" err="1">
+                <a:solidFill>
+                  <a:schemeClr val="bg1"/>
+                </a:solidFill>
+                <a:latin typeface="Rockwell Extra Bold" panose="02060903040505020403" pitchFamily="18" charset="0"/>
+              </a:rPr>
+              <a:t>Szollinger</a:t>
+            </a:r>
+            <a:r>
+              <a:rPr lang="hu-HU" sz="2400" b="1" dirty="0">
+                <a:solidFill>
+                  <a:schemeClr val="bg1"/>
+                </a:solidFill>
+                <a:latin typeface="Rockwell Extra Bold" panose="02060903040505020403" pitchFamily="18" charset="0"/>
+              </a:rPr>
+              <a:t> Rajmund</a:t>
+            </a:r>
+          </a:p>
+        </p:txBody>
+      </p:sp>
+      <p:sp>
+        <p:nvSpPr>
+          <p:cNvPr id="3" name="Tartalom helye 7">
+            <a:extLst>
+              <a:ext uri="{FF2B5EF4-FFF2-40B4-BE49-F238E27FC236}">
+                <a16:creationId xmlns:a16="http://schemas.microsoft.com/office/drawing/2014/main" id="{0F43790B-84F3-59FD-CA68-ECFF688B2252}"/>
+              </a:ext>
+            </a:extLst>
+          </p:cNvPr>
+          <p:cNvSpPr txBox="1">
+            <a:spLocks/>
+          </p:cNvSpPr>
+          <p:nvPr/>
+        </p:nvSpPr>
+        <p:spPr>
+          <a:xfrm>
+            <a:off x="8221399" y="6059468"/>
+            <a:ext cx="3751384" cy="704631"/>
+          </a:xfrm>
+          <a:prstGeom prst="rect">
+            <a:avLst/>
+          </a:prstGeom>
+        </p:spPr>
+        <p:txBody>
+          <a:bodyPr vert="horz" lIns="91440" tIns="45720" rIns="91440" bIns="45720" rtlCol="0">
+            <a:normAutofit/>
+          </a:bodyPr>
+          <a:lstStyle>
+            <a:lvl1pPr marL="228600" indent="-228600" algn="l" defTabSz="914400" rtl="0" eaLnBrk="1" latinLnBrk="0" hangingPunct="1">
+              <a:lnSpc>
+                <a:spcPct val="90000"/>
+              </a:lnSpc>
+              <a:spcBef>
+                <a:spcPts val="1000"/>
+              </a:spcBef>
+              <a:buFont typeface="Arial" panose="020B0604020202020204" pitchFamily="34" charset="0"/>
+              <a:buChar char="•"/>
+              <a:defRPr sz="2800" kern="1200">
+                <a:solidFill>
+                  <a:schemeClr val="tx1"/>
+                </a:solidFill>
+                <a:latin typeface="+mn-lt"/>
+                <a:ea typeface="+mn-ea"/>
+                <a:cs typeface="+mn-cs"/>
+              </a:defRPr>
+            </a:lvl1pPr>
+            <a:lvl2pPr marL="685800" indent="-228600" algn="l" defTabSz="914400" rtl="0" eaLnBrk="1" latinLnBrk="0" hangingPunct="1">
+              <a:lnSpc>
+                <a:spcPct val="90000"/>
+              </a:lnSpc>
+              <a:spcBef>
+                <a:spcPts val="500"/>
+              </a:spcBef>
+              <a:buFont typeface="Arial" panose="020B0604020202020204" pitchFamily="34" charset="0"/>
+              <a:buChar char="•"/>
+              <a:defRPr sz="2400" kern="1200">
+                <a:solidFill>
+                  <a:schemeClr val="tx1"/>
+                </a:solidFill>
+                <a:latin typeface="+mn-lt"/>
+                <a:ea typeface="+mn-ea"/>
+                <a:cs typeface="+mn-cs"/>
+              </a:defRPr>
+            </a:lvl2pPr>
+            <a:lvl3pPr marL="1143000" indent="-228600" algn="l" defTabSz="914400" rtl="0" eaLnBrk="1" latinLnBrk="0" hangingPunct="1">
+              <a:lnSpc>
+                <a:spcPct val="90000"/>
+              </a:lnSpc>
+              <a:spcBef>
+                <a:spcPts val="500"/>
+              </a:spcBef>
+              <a:buFont typeface="Arial" panose="020B0604020202020204" pitchFamily="34" charset="0"/>
+              <a:buChar char="•"/>
+              <a:defRPr sz="2000" kern="1200">
+                <a:solidFill>
+                  <a:schemeClr val="tx1"/>
+                </a:solidFill>
+                <a:latin typeface="+mn-lt"/>
+                <a:ea typeface="+mn-ea"/>
+                <a:cs typeface="+mn-cs"/>
+              </a:defRPr>
+            </a:lvl3pPr>
+            <a:lvl4pPr marL="1600200" indent="-228600" algn="l" defTabSz="914400" rtl="0" eaLnBrk="1" latinLnBrk="0" hangingPunct="1">
+              <a:lnSpc>
+                <a:spcPct val="90000"/>
+              </a:lnSpc>
+              <a:spcBef>
+                <a:spcPts val="500"/>
+              </a:spcBef>
+              <a:buFont typeface="Arial" panose="020B0604020202020204" pitchFamily="34" charset="0"/>
+              <a:buChar char="•"/>
+              <a:defRPr sz="1800" kern="1200">
+                <a:solidFill>
+                  <a:schemeClr val="tx1"/>
+                </a:solidFill>
+                <a:latin typeface="+mn-lt"/>
+                <a:ea typeface="+mn-ea"/>
+                <a:cs typeface="+mn-cs"/>
+              </a:defRPr>
+            </a:lvl4pPr>
+            <a:lvl5pPr marL="2057400" indent="-228600" algn="l" defTabSz="914400" rtl="0" eaLnBrk="1" latinLnBrk="0" hangingPunct="1">
+              <a:lnSpc>
+                <a:spcPct val="90000"/>
+              </a:lnSpc>
+              <a:spcBef>
+                <a:spcPts val="500"/>
+              </a:spcBef>
+              <a:buFont typeface="Arial" panose="020B0604020202020204" pitchFamily="34" charset="0"/>
+              <a:buChar char="•"/>
+              <a:defRPr sz="1800" kern="1200">
+                <a:solidFill>
+                  <a:schemeClr val="tx1"/>
+                </a:solidFill>
+                <a:latin typeface="+mn-lt"/>
+                <a:ea typeface="+mn-ea"/>
+                <a:cs typeface="+mn-cs"/>
+              </a:defRPr>
+            </a:lvl5pPr>
+            <a:lvl6pPr marL="2514600" indent="-228600" algn="l" defTabSz="914400" rtl="0" eaLnBrk="1" latinLnBrk="0" hangingPunct="1">
+              <a:lnSpc>
+                <a:spcPct val="90000"/>
+              </a:lnSpc>
+              <a:spcBef>
+                <a:spcPts val="500"/>
+              </a:spcBef>
+              <a:buFont typeface="Arial" panose="020B0604020202020204" pitchFamily="34" charset="0"/>
+              <a:buChar char="•"/>
+              <a:defRPr sz="1800" kern="1200">
+                <a:solidFill>
+                  <a:schemeClr val="tx1"/>
+                </a:solidFill>
+                <a:latin typeface="+mn-lt"/>
+                <a:ea typeface="+mn-ea"/>
+                <a:cs typeface="+mn-cs"/>
+              </a:defRPr>
+            </a:lvl6pPr>
+            <a:lvl7pPr marL="2971800" indent="-228600" algn="l" defTabSz="914400" rtl="0" eaLnBrk="1" latinLnBrk="0" hangingPunct="1">
+              <a:lnSpc>
+                <a:spcPct val="90000"/>
+              </a:lnSpc>
+              <a:spcBef>
+                <a:spcPts val="500"/>
+              </a:spcBef>
+              <a:buFont typeface="Arial" panose="020B0604020202020204" pitchFamily="34" charset="0"/>
+              <a:buChar char="•"/>
+              <a:defRPr sz="1800" kern="1200">
+                <a:solidFill>
+                  <a:schemeClr val="tx1"/>
+                </a:solidFill>
+                <a:latin typeface="+mn-lt"/>
+                <a:ea typeface="+mn-ea"/>
+                <a:cs typeface="+mn-cs"/>
+              </a:defRPr>
+            </a:lvl7pPr>
+            <a:lvl8pPr marL="3429000" indent="-228600" algn="l" defTabSz="914400" rtl="0" eaLnBrk="1" latinLnBrk="0" hangingPunct="1">
+              <a:lnSpc>
+                <a:spcPct val="90000"/>
+              </a:lnSpc>
+              <a:spcBef>
+                <a:spcPts val="500"/>
+              </a:spcBef>
+              <a:buFont typeface="Arial" panose="020B0604020202020204" pitchFamily="34" charset="0"/>
+              <a:buChar char="•"/>
+              <a:defRPr sz="1800" kern="1200">
+                <a:solidFill>
+                  <a:schemeClr val="tx1"/>
+                </a:solidFill>
+                <a:latin typeface="+mn-lt"/>
+                <a:ea typeface="+mn-ea"/>
+                <a:cs typeface="+mn-cs"/>
+              </a:defRPr>
+            </a:lvl8pPr>
+            <a:lvl9pPr marL="3886200" indent="-228600" algn="l" defTabSz="914400" rtl="0" eaLnBrk="1" latinLnBrk="0" hangingPunct="1">
+              <a:lnSpc>
+                <a:spcPct val="90000"/>
+              </a:lnSpc>
+              <a:spcBef>
+                <a:spcPts val="500"/>
+              </a:spcBef>
+              <a:buFont typeface="Arial" panose="020B0604020202020204" pitchFamily="34" charset="0"/>
+              <a:buChar char="•"/>
+              <a:defRPr sz="1800" kern="1200">
+                <a:solidFill>
+                  <a:schemeClr val="tx1"/>
+                </a:solidFill>
+                <a:latin typeface="+mn-lt"/>
+                <a:ea typeface="+mn-ea"/>
+                <a:cs typeface="+mn-cs"/>
+              </a:defRPr>
+            </a:lvl9pPr>
+          </a:lstStyle>
+          <a:p>
+            <a:pPr marL="0" indent="0">
+              <a:buFont typeface="Arial" panose="020B0604020202020204" pitchFamily="34" charset="0"/>
+              <a:buNone/>
+            </a:pPr>
+            <a:r>
+              <a:rPr lang="hu-HU" sz="2400" b="1" dirty="0">
+                <a:solidFill>
+                  <a:schemeClr val="bg1"/>
+                </a:solidFill>
+                <a:latin typeface="Rockwell Extra Bold" panose="02060903040505020403" pitchFamily="18" charset="0"/>
+              </a:rPr>
+              <a:t>Baracskai Dóra</a:t>
+            </a:r>
+          </a:p>
+        </p:txBody>
+      </p:sp>
+      <p:sp>
+        <p:nvSpPr>
+          <p:cNvPr id="5" name="Téglalap: lekerekített 4">
+            <a:extLst>
+              <a:ext uri="{FF2B5EF4-FFF2-40B4-BE49-F238E27FC236}">
+                <a16:creationId xmlns:a16="http://schemas.microsoft.com/office/drawing/2014/main" id="{43DF9693-4213-6EF3-571B-6FB0749E9399}"/>
+              </a:ext>
+            </a:extLst>
+          </p:cNvPr>
+          <p:cNvSpPr/>
+          <p:nvPr/>
+        </p:nvSpPr>
+        <p:spPr>
+          <a:xfrm>
+            <a:off x="371036" y="1375489"/>
+            <a:ext cx="3619500" cy="4412040"/>
+          </a:xfrm>
+          <a:prstGeom prst="roundRect">
+            <a:avLst/>
+          </a:prstGeom>
+          <a:blipFill>
+            <a:blip r:embed="rId2"/>
+            <a:stretch>
+              <a:fillRect/>
+            </a:stretch>
+          </a:blipFill>
+        </p:spPr>
+        <p:style>
+          <a:lnRef idx="2">
+            <a:schemeClr val="accent1">
+              <a:shade val="50000"/>
+            </a:schemeClr>
+          </a:lnRef>
+          <a:fillRef idx="1">
+            <a:schemeClr val="accent1"/>
+          </a:fillRef>
+          <a:effectRef idx="0">
+            <a:schemeClr val="accent1"/>
+          </a:effectRef>
+          <a:fontRef idx="minor">
+            <a:schemeClr val="lt1"/>
+          </a:fontRef>
+        </p:style>
+        <p:txBody>
+          <a:bodyPr rtlCol="0" anchor="ctr"/>
+          <a:lstStyle/>
+          <a:p>
+            <a:pPr algn="ctr"/>
             <a:endParaRPr lang="hu-HU"/>
+          </a:p>
+        </p:txBody>
+      </p:sp>
+      <p:sp>
+        <p:nvSpPr>
+          <p:cNvPr id="6" name="Téglalap: lekerekített 5">
+            <a:extLst>
+              <a:ext uri="{FF2B5EF4-FFF2-40B4-BE49-F238E27FC236}">
+                <a16:creationId xmlns:a16="http://schemas.microsoft.com/office/drawing/2014/main" id="{06B8EE43-58F0-43EA-FCCE-339494B69469}"/>
+              </a:ext>
+            </a:extLst>
+          </p:cNvPr>
+          <p:cNvSpPr/>
+          <p:nvPr/>
+        </p:nvSpPr>
+        <p:spPr>
+          <a:xfrm>
+            <a:off x="4286250" y="1375489"/>
+            <a:ext cx="3619500" cy="4412040"/>
+          </a:xfrm>
+          <a:prstGeom prst="roundRect">
+            <a:avLst/>
+          </a:prstGeom>
+          <a:blipFill dpi="0" rotWithShape="1">
+            <a:blip r:embed="rId3"/>
+            <a:srcRect/>
+            <a:stretch>
+              <a:fillRect b="-10000"/>
+            </a:stretch>
+          </a:blipFill>
+          <a:ln w="57150">
+            <a:noFill/>
+          </a:ln>
+        </p:spPr>
+        <p:style>
+          <a:lnRef idx="2">
+            <a:schemeClr val="accent1">
+              <a:shade val="50000"/>
+            </a:schemeClr>
+          </a:lnRef>
+          <a:fillRef idx="1">
+            <a:schemeClr val="accent1"/>
+          </a:fillRef>
+          <a:effectRef idx="0">
+            <a:schemeClr val="accent1"/>
+          </a:effectRef>
+          <a:fontRef idx="minor">
+            <a:schemeClr val="lt1"/>
+          </a:fontRef>
+        </p:style>
+        <p:txBody>
+          <a:bodyPr rtlCol="0" anchor="ctr"/>
+          <a:lstStyle/>
+          <a:p>
+            <a:pPr algn="ctr"/>
+            <a:endParaRPr lang="hu-HU"/>
+          </a:p>
+        </p:txBody>
+      </p:sp>
+      <p:sp>
+        <p:nvSpPr>
+          <p:cNvPr id="7" name="Téglalap: lekerekített 6">
+            <a:extLst>
+              <a:ext uri="{FF2B5EF4-FFF2-40B4-BE49-F238E27FC236}">
+                <a16:creationId xmlns:a16="http://schemas.microsoft.com/office/drawing/2014/main" id="{590A392A-9D7A-43F5-57AD-30D02A177825}"/>
+              </a:ext>
+            </a:extLst>
+          </p:cNvPr>
+          <p:cNvSpPr/>
+          <p:nvPr/>
+        </p:nvSpPr>
+        <p:spPr>
+          <a:xfrm>
+            <a:off x="8201464" y="1375489"/>
+            <a:ext cx="3619500" cy="4412040"/>
+          </a:xfrm>
+          <a:prstGeom prst="roundRect">
+            <a:avLst/>
+          </a:prstGeom>
+          <a:blipFill>
+            <a:blip r:embed="rId4"/>
+            <a:stretch>
+              <a:fillRect/>
+            </a:stretch>
+          </a:blipFill>
+          <a:ln>
+            <a:noFill/>
+          </a:ln>
+        </p:spPr>
+        <p:style>
+          <a:lnRef idx="2">
+            <a:schemeClr val="accent1">
+              <a:shade val="50000"/>
+            </a:schemeClr>
+          </a:lnRef>
+          <a:fillRef idx="1">
+            <a:schemeClr val="accent1"/>
+          </a:fillRef>
+          <a:effectRef idx="0">
+            <a:schemeClr val="accent1"/>
+          </a:effectRef>
+          <a:fontRef idx="minor">
+            <a:schemeClr val="lt1"/>
+          </a:fontRef>
+        </p:style>
+        <p:txBody>
+          <a:bodyPr rtlCol="0" anchor="ctr"/>
+          <a:lstStyle/>
+          <a:p>
+            <a:pPr algn="ctr"/>
+            <a:endParaRPr lang="hu-HU" dirty="0"/>
           </a:p>
         </p:txBody>
       </p:sp>
@@ -5975,13 +6756,13 @@
   <p:clrMapOvr>
     <a:masterClrMapping/>
   </p:clrMapOvr>
-  <mc:AlternateContent xmlns:mc="http://schemas.openxmlformats.org/markup-compatibility/2006">
-    <mc:Choice xmlns:p15="http://schemas.microsoft.com/office/powerpoint/2012/main" Requires="p15">
+  <mc:AlternateContent xmlns:mc="http://schemas.openxmlformats.org/markup-compatibility/2006" xmlns:p15="http://schemas.microsoft.com/office/powerpoint/2012/main">
+    <mc:Choice Requires="p15">
       <p:transition xmlns:p14="http://schemas.microsoft.com/office/powerpoint/2010/main" spd="slow" p14:dur="2000">
         <p15:prstTrans prst="wind"/>
       </p:transition>
     </mc:Choice>
-    <mc:Fallback>
+    <mc:Fallback xmlns="">
       <p:transition spd="slow">
         <p:fade/>
       </p:transition>

--- a/PPT/Space Hunter.pptx
+++ b/PPT/Space Hunter.pptx
@@ -268,7 +268,7 @@
           <a:p>
             <a:fld id="{DA484DFB-0D73-4626-BA94-E457E798A3D2}" type="datetimeFigureOut">
               <a:rPr lang="hu-HU" smtClean="0"/>
-              <a:t>2024. 04. 07.</a:t>
+              <a:t>2024. 04. 08.</a:t>
             </a:fld>
             <a:endParaRPr lang="hu-HU"/>
           </a:p>
@@ -466,7 +466,7 @@
           <a:p>
             <a:fld id="{DA484DFB-0D73-4626-BA94-E457E798A3D2}" type="datetimeFigureOut">
               <a:rPr lang="hu-HU" smtClean="0"/>
-              <a:t>2024. 04. 07.</a:t>
+              <a:t>2024. 04. 08.</a:t>
             </a:fld>
             <a:endParaRPr lang="hu-HU"/>
           </a:p>
@@ -674,7 +674,7 @@
           <a:p>
             <a:fld id="{DA484DFB-0D73-4626-BA94-E457E798A3D2}" type="datetimeFigureOut">
               <a:rPr lang="hu-HU" smtClean="0"/>
-              <a:t>2024. 04. 07.</a:t>
+              <a:t>2024. 04. 08.</a:t>
             </a:fld>
             <a:endParaRPr lang="hu-HU"/>
           </a:p>
@@ -872,7 +872,7 @@
           <a:p>
             <a:fld id="{DA484DFB-0D73-4626-BA94-E457E798A3D2}" type="datetimeFigureOut">
               <a:rPr lang="hu-HU" smtClean="0"/>
-              <a:t>2024. 04. 07.</a:t>
+              <a:t>2024. 04. 08.</a:t>
             </a:fld>
             <a:endParaRPr lang="hu-HU"/>
           </a:p>
@@ -1147,7 +1147,7 @@
           <a:p>
             <a:fld id="{DA484DFB-0D73-4626-BA94-E457E798A3D2}" type="datetimeFigureOut">
               <a:rPr lang="hu-HU" smtClean="0"/>
-              <a:t>2024. 04. 07.</a:t>
+              <a:t>2024. 04. 08.</a:t>
             </a:fld>
             <a:endParaRPr lang="hu-HU"/>
           </a:p>
@@ -1412,7 +1412,7 @@
           <a:p>
             <a:fld id="{DA484DFB-0D73-4626-BA94-E457E798A3D2}" type="datetimeFigureOut">
               <a:rPr lang="hu-HU" smtClean="0"/>
-              <a:t>2024. 04. 07.</a:t>
+              <a:t>2024. 04. 08.</a:t>
             </a:fld>
             <a:endParaRPr lang="hu-HU"/>
           </a:p>
@@ -1824,7 +1824,7 @@
           <a:p>
             <a:fld id="{DA484DFB-0D73-4626-BA94-E457E798A3D2}" type="datetimeFigureOut">
               <a:rPr lang="hu-HU" smtClean="0"/>
-              <a:t>2024. 04. 07.</a:t>
+              <a:t>2024. 04. 08.</a:t>
             </a:fld>
             <a:endParaRPr lang="hu-HU"/>
           </a:p>
@@ -1965,7 +1965,7 @@
           <a:p>
             <a:fld id="{DA484DFB-0D73-4626-BA94-E457E798A3D2}" type="datetimeFigureOut">
               <a:rPr lang="hu-HU" smtClean="0"/>
-              <a:t>2024. 04. 07.</a:t>
+              <a:t>2024. 04. 08.</a:t>
             </a:fld>
             <a:endParaRPr lang="hu-HU"/>
           </a:p>
@@ -2078,7 +2078,7 @@
           <a:p>
             <a:fld id="{DA484DFB-0D73-4626-BA94-E457E798A3D2}" type="datetimeFigureOut">
               <a:rPr lang="hu-HU" smtClean="0"/>
-              <a:t>2024. 04. 07.</a:t>
+              <a:t>2024. 04. 08.</a:t>
             </a:fld>
             <a:endParaRPr lang="hu-HU"/>
           </a:p>
@@ -2389,7 +2389,7 @@
           <a:p>
             <a:fld id="{DA484DFB-0D73-4626-BA94-E457E798A3D2}" type="datetimeFigureOut">
               <a:rPr lang="hu-HU" smtClean="0"/>
-              <a:t>2024. 04. 07.</a:t>
+              <a:t>2024. 04. 08.</a:t>
             </a:fld>
             <a:endParaRPr lang="hu-HU"/>
           </a:p>
@@ -2677,7 +2677,7 @@
           <a:p>
             <a:fld id="{DA484DFB-0D73-4626-BA94-E457E798A3D2}" type="datetimeFigureOut">
               <a:rPr lang="hu-HU" smtClean="0"/>
-              <a:t>2024. 04. 07.</a:t>
+              <a:t>2024. 04. 08.</a:t>
             </a:fld>
             <a:endParaRPr lang="hu-HU"/>
           </a:p>
@@ -2918,7 +2918,7 @@
           <a:p>
             <a:fld id="{DA484DFB-0D73-4626-BA94-E457E798A3D2}" type="datetimeFigureOut">
               <a:rPr lang="hu-HU" smtClean="0"/>
-              <a:t>2024. 04. 07.</a:t>
+              <a:t>2024. 04. 08.</a:t>
             </a:fld>
             <a:endParaRPr lang="hu-HU"/>
           </a:p>
@@ -4635,7 +4635,7 @@
         </p:nvSpPr>
         <p:spPr>
           <a:xfrm>
-            <a:off x="838200" y="365125"/>
+            <a:off x="1186544" y="389768"/>
             <a:ext cx="10515600" cy="1325563"/>
           </a:xfrm>
         </p:spPr>
@@ -4650,17 +4650,17 @@
                 </a:solidFill>
                 <a:latin typeface="Rockwell Extra Bold" panose="02060903040505020403" pitchFamily="18" charset="0"/>
               </a:rPr>
-              <a:t>Aszteroida:(még nincs kép a kódról)</a:t>
-            </a:r>
-          </a:p>
-        </p:txBody>
-      </p:sp>
-      <p:sp>
-        <p:nvSpPr>
-          <p:cNvPr id="24" name="Tartalom helye 23">
-            <a:extLst>
-              <a:ext uri="{FF2B5EF4-FFF2-40B4-BE49-F238E27FC236}">
-                <a16:creationId xmlns:a16="http://schemas.microsoft.com/office/drawing/2014/main" id="{9DA10C76-7C11-477A-86EA-040764257E6D}"/>
+              <a:t>Aszteroida:</a:t>
+            </a:r>
+          </a:p>
+        </p:txBody>
+      </p:sp>
+      <p:sp>
+        <p:nvSpPr>
+          <p:cNvPr id="6" name="Tartalom helye 5">
+            <a:extLst>
+              <a:ext uri="{FF2B5EF4-FFF2-40B4-BE49-F238E27FC236}">
+                <a16:creationId xmlns:a16="http://schemas.microsoft.com/office/drawing/2014/main" id="{8D702564-4F84-7924-3D25-252247077405}"/>
               </a:ext>
             </a:extLst>
           </p:cNvPr>
@@ -4671,26 +4671,24 @@
             <p:ph idx="1"/>
           </p:nvPr>
         </p:nvSpPr>
-        <p:spPr>
-          <a:xfrm>
-            <a:off x="838200" y="1690688"/>
-            <a:ext cx="10515600" cy="4486275"/>
-          </a:xfrm>
-        </p:spPr>
+        <p:spPr/>
         <p:txBody>
           <a:bodyPr/>
           <a:lstStyle/>
           <a:p>
+            <a:pPr marL="0" indent="0">
+              <a:buNone/>
+            </a:pPr>
             <a:endParaRPr lang="hu-HU" dirty="0"/>
           </a:p>
         </p:txBody>
       </p:sp>
       <p:pic>
         <p:nvPicPr>
-          <p:cNvPr id="32" name="Tartalom helye 40">
-            <a:extLst>
-              <a:ext uri="{FF2B5EF4-FFF2-40B4-BE49-F238E27FC236}">
-                <a16:creationId xmlns:a16="http://schemas.microsoft.com/office/drawing/2014/main" id="{94E79D0C-3D58-4F68-833D-3A1669753B83}"/>
+          <p:cNvPr id="7" name="Tartalom helye 2">
+            <a:extLst>
+              <a:ext uri="{FF2B5EF4-FFF2-40B4-BE49-F238E27FC236}">
+                <a16:creationId xmlns:a16="http://schemas.microsoft.com/office/drawing/2014/main" id="{36865066-84FE-B384-52CF-090A5306152E}"/>
               </a:ext>
             </a:extLst>
           </p:cNvPr>
@@ -4707,12 +4705,47 @@
               </a:ext>
             </a:extLst>
           </a:blip>
+          <a:srcRect t="2374" b="713"/>
+          <a:stretch/>
+        </p:blipFill>
+        <p:spPr>
+          <a:xfrm>
+            <a:off x="5184905" y="681037"/>
+            <a:ext cx="4895313" cy="6105378"/>
+          </a:xfrm>
+          <a:prstGeom prst="rect">
+            <a:avLst/>
+          </a:prstGeom>
+        </p:spPr>
+      </p:pic>
+      <p:pic>
+        <p:nvPicPr>
+          <p:cNvPr id="32" name="Tartalom helye 40">
+            <a:extLst>
+              <a:ext uri="{FF2B5EF4-FFF2-40B4-BE49-F238E27FC236}">
+                <a16:creationId xmlns:a16="http://schemas.microsoft.com/office/drawing/2014/main" id="{94E79D0C-3D58-4F68-833D-3A1669753B83}"/>
+              </a:ext>
+            </a:extLst>
+          </p:cNvPr>
+          <p:cNvPicPr>
+            <a:picLocks noChangeAspect="1"/>
+          </p:cNvPicPr>
+          <p:nvPr/>
+        </p:nvPicPr>
+        <p:blipFill rotWithShape="1">
+          <a:blip r:embed="rId3">
+            <a:extLst>
+              <a:ext uri="{28A0092B-C50C-407E-A947-70E740481C1C}">
+                <a14:useLocalDpi xmlns:a14="http://schemas.microsoft.com/office/drawing/2010/main" val="0"/>
+              </a:ext>
+            </a:extLst>
+          </a:blip>
           <a:srcRect l="17765" t="14930" r="14083" b="21948"/>
           <a:stretch/>
         </p:blipFill>
         <p:spPr>
           <a:xfrm>
-            <a:off x="3778181" y="0"/>
+            <a:off x="52037" y="4421991"/>
             <a:ext cx="1969477" cy="1824129"/>
           </a:xfrm>
           <a:prstGeom prst="rect">
@@ -4763,14 +4796,14 @@
                             </p:stCondLst>
                             <p:childTnLst>
                               <p:par>
-                                <p:cTn id="5" presetID="50" presetClass="path" presetSubtype="0" accel="50000" decel="50000" fill="hold" nodeType="clickEffect">
+                                <p:cTn id="5" presetID="0" presetClass="path" presetSubtype="0" accel="50000" decel="50000" fill="hold" nodeType="clickEffect">
                                   <p:stCondLst>
                                     <p:cond delay="0"/>
                                   </p:stCondLst>
                                   <p:childTnLst>
-                                    <p:animMotion origin="layout" path="M 5E-6 -0.00093 C 0.08646 -0.00093 0.17292 -0.00718 0.25977 -0.00718 C 0.32956 0.00833 0.45977 -0.02083 0.50209 0.04097 C 0.54467 0.10278 0.49948 0.25162 0.51303 0.36389 C 0.51303 0.48681 0.52058 0.61134 0.52058 0.73588 " pathEditMode="relative" rAng="0" ptsTypes="AAAAA">
+                                    <p:animMotion origin="layout" path="M 3.95833E-6 2.22222E-6 C 0.00026 -0.0294 0.00052 -0.0588 0.00104 -0.0882 C 0.0013 -0.09514 0.00195 -0.10185 0.00208 -0.1088 C 0.00273 -0.1375 0.00286 -0.16621 0.00325 -0.19491 C 0.00286 -0.25232 0.00299 -0.30972 0.00208 -0.36713 C 0.00182 -0.3831 0.00078 -0.39861 3.95833E-6 -0.41435 C -0.00079 -0.42917 -0.00131 -0.43704 -0.00235 -0.45139 C -0.00612 -0.50093 -0.00118 -0.43403 -0.00469 -0.47801 C -0.00508 -0.48357 -0.00534 -0.48889 -0.00586 -0.49445 C -0.00899 -0.53588 -0.00443 -0.4713 -0.00795 -0.52315 C -0.00782 -0.54375 -0.00769 -0.56412 -0.00704 -0.58472 C -0.0069 -0.58681 -0.00651 -0.58912 -0.00586 -0.59074 C -0.00495 -0.59329 -0.00352 -0.59491 -0.00235 -0.59699 C -0.00157 -0.60047 -0.00131 -0.60417 3.95833E-6 -0.60718 C 0.00078 -0.60926 0.00221 -0.60972 0.00325 -0.61134 C 0.00416 -0.6125 0.00481 -0.61389 0.0056 -0.61551 C 0.00677 -0.61806 0.00755 -0.6213 0.00898 -0.62361 C 0.01093 -0.62685 0.01354 -0.62917 0.01588 -0.63195 C 0.01927 -0.63588 0.02461 -0.64144 0.02838 -0.64422 C 0.02981 -0.64514 0.03138 -0.6456 0.03294 -0.6463 C 0.03554 -0.64699 0.03828 -0.64769 0.04088 -0.64815 C 0.04388 -0.64908 0.047 -0.64931 0.04987 -0.65023 C 0.05989 -0.65394 0.06953 -0.65972 0.07955 -0.6625 C 0.1138 -0.67199 0.07838 -0.66273 0.10468 -0.66875 C 0.11302 -0.6706 0.12122 -0.675 0.12968 -0.675 L 0.67031 -0.67685 L 0.77382 -0.675 C 0.7763 -0.67477 0.7806 -0.67084 0.7806 -0.6706 C 0.78971 -0.65857 0.78125 -0.67176 0.79101 -0.64815 C 0.79323 -0.64283 0.79518 -0.63658 0.79778 -0.63195 C 0.80169 -0.62477 0.80169 -0.6257 0.80468 -0.61551 C 0.80507 -0.61343 0.80546 -0.61134 0.80573 -0.60926 C 0.80638 -0.60394 0.80742 -0.59838 0.80807 -0.59283 C 0.80911 -0.5838 0.80976 -0.57084 0.81015 -0.56204 C 0.8108 -0.55394 0.81093 -0.5456 0.81145 -0.5375 C 0.81315 -0.50463 0.81224 -0.53912 0.8138 -0.49653 C 0.81419 -0.48426 0.81432 -0.47176 0.81484 -0.45949 C 0.81549 -0.44468 0.81588 -0.45116 0.81718 -0.43912 C 0.81796 -0.43079 0.81901 -0.41389 0.8194 -0.40625 C 0.81992 -0.39861 0.81992 -0.39121 0.82057 -0.38357 C 0.82109 -0.37547 0.82239 -0.36736 0.82278 -0.35903 C 0.82395 -0.34329 0.82408 -0.32755 0.82487 -0.31181 C 0.82604 -0.29607 0.82747 -0.28056 0.82825 -0.26459 C 0.83151 -0.21482 0.82747 -0.25579 0.83203 -0.21551 C 0.83541 -0.08496 0.8332 -0.18681 0.8332 0.09028 " pathEditMode="relative" rAng="0" ptsTypes="AAAAAAAAAAAAAAAAAAAAAAAAAAAAAAAAAAAAAAAAAAAAA">
                                       <p:cBhvr>
-                                        <p:cTn id="6" dur="5000" fill="hold"/>
+                                        <p:cTn id="6" dur="5500" fill="hold"/>
                                         <p:tgtEl>
                                           <p:spTgt spid="32"/>
                                         </p:tgtEl>
@@ -4779,8 +4812,304 @@
                                           <p:attrName>ppt_y</p:attrName>
                                         </p:attrNameLst>
                                       </p:cBhvr>
-                                      <p:rCtr x="26042" y="36528"/>
+                                      <p:rCtr x="41289" y="-29329"/>
                                     </p:animMotion>
+                                  </p:childTnLst>
+                                </p:cTn>
+                              </p:par>
+                            </p:childTnLst>
+                          </p:cTn>
+                        </p:par>
+                      </p:childTnLst>
+                    </p:cTn>
+                  </p:par>
+                  <p:par>
+                    <p:cTn id="7" fill="hold">
+                      <p:stCondLst>
+                        <p:cond delay="indefinite"/>
+                      </p:stCondLst>
+                      <p:childTnLst>
+                        <p:par>
+                          <p:cTn id="8" fill="hold">
+                            <p:stCondLst>
+                              <p:cond delay="0"/>
+                            </p:stCondLst>
+                            <p:childTnLst>
+                              <p:par>
+                                <p:cTn id="9" presetID="26" presetClass="entr" presetSubtype="0" fill="hold" nodeType="clickEffect">
+                                  <p:stCondLst>
+                                    <p:cond delay="0"/>
+                                  </p:stCondLst>
+                                  <p:childTnLst>
+                                    <p:set>
+                                      <p:cBhvr>
+                                        <p:cTn id="10" dur="1" fill="hold">
+                                          <p:stCondLst>
+                                            <p:cond delay="0"/>
+                                          </p:stCondLst>
+                                        </p:cTn>
+                                        <p:tgtEl>
+                                          <p:spTgt spid="7"/>
+                                        </p:tgtEl>
+                                        <p:attrNameLst>
+                                          <p:attrName>style.visibility</p:attrName>
+                                        </p:attrNameLst>
+                                      </p:cBhvr>
+                                      <p:to>
+                                        <p:strVal val="visible"/>
+                                      </p:to>
+                                    </p:set>
+                                    <p:animEffect transition="in" filter="wipe(down)">
+                                      <p:cBhvr>
+                                        <p:cTn id="11" dur="580">
+                                          <p:stCondLst>
+                                            <p:cond delay="0"/>
+                                          </p:stCondLst>
+                                        </p:cTn>
+                                        <p:tgtEl>
+                                          <p:spTgt spid="7"/>
+                                        </p:tgtEl>
+                                      </p:cBhvr>
+                                    </p:animEffect>
+                                    <p:anim calcmode="lin" valueType="num">
+                                      <p:cBhvr>
+                                        <p:cTn id="12" dur="1822" tmFilter="0,0; 0.14,0.36; 0.43,0.73; 0.71,0.91; 1.0,1.0">
+                                          <p:stCondLst>
+                                            <p:cond delay="0"/>
+                                          </p:stCondLst>
+                                        </p:cTn>
+                                        <p:tgtEl>
+                                          <p:spTgt spid="7"/>
+                                        </p:tgtEl>
+                                        <p:attrNameLst>
+                                          <p:attrName>ppt_x</p:attrName>
+                                        </p:attrNameLst>
+                                      </p:cBhvr>
+                                      <p:tavLst>
+                                        <p:tav tm="0">
+                                          <p:val>
+                                            <p:strVal val="#ppt_x-0.25"/>
+                                          </p:val>
+                                        </p:tav>
+                                        <p:tav tm="100000">
+                                          <p:val>
+                                            <p:strVal val="#ppt_x"/>
+                                          </p:val>
+                                        </p:tav>
+                                      </p:tavLst>
+                                    </p:anim>
+                                    <p:anim calcmode="lin" valueType="num">
+                                      <p:cBhvr>
+                                        <p:cTn id="13" dur="664" tmFilter="0.0,0.0; 0.25,0.07; 0.50,0.2; 0.75,0.467; 1.0,1.0">
+                                          <p:stCondLst>
+                                            <p:cond delay="0"/>
+                                          </p:stCondLst>
+                                        </p:cTn>
+                                        <p:tgtEl>
+                                          <p:spTgt spid="7"/>
+                                        </p:tgtEl>
+                                        <p:attrNameLst>
+                                          <p:attrName>ppt_y</p:attrName>
+                                        </p:attrNameLst>
+                                      </p:cBhvr>
+                                      <p:tavLst>
+                                        <p:tav tm="0" fmla="#ppt_y-sin(pi*$)/3">
+                                          <p:val>
+                                            <p:fltVal val="0.5"/>
+                                          </p:val>
+                                        </p:tav>
+                                        <p:tav tm="100000">
+                                          <p:val>
+                                            <p:fltVal val="1"/>
+                                          </p:val>
+                                        </p:tav>
+                                      </p:tavLst>
+                                    </p:anim>
+                                    <p:anim calcmode="lin" valueType="num">
+                                      <p:cBhvr>
+                                        <p:cTn id="14" dur="664" tmFilter="0, 0; 0.125,0.2665; 0.25,0.4; 0.375,0.465; 0.5,0.5;  0.625,0.535; 0.75,0.6; 0.875,0.7335; 1,1">
+                                          <p:stCondLst>
+                                            <p:cond delay="664"/>
+                                          </p:stCondLst>
+                                        </p:cTn>
+                                        <p:tgtEl>
+                                          <p:spTgt spid="7"/>
+                                        </p:tgtEl>
+                                        <p:attrNameLst>
+                                          <p:attrName>ppt_y</p:attrName>
+                                        </p:attrNameLst>
+                                      </p:cBhvr>
+                                      <p:tavLst>
+                                        <p:tav tm="0" fmla="#ppt_y-sin(pi*$)/9">
+                                          <p:val>
+                                            <p:fltVal val="0"/>
+                                          </p:val>
+                                        </p:tav>
+                                        <p:tav tm="100000">
+                                          <p:val>
+                                            <p:fltVal val="1"/>
+                                          </p:val>
+                                        </p:tav>
+                                      </p:tavLst>
+                                    </p:anim>
+                                    <p:anim calcmode="lin" valueType="num">
+                                      <p:cBhvr>
+                                        <p:cTn id="15" dur="332" tmFilter="0, 0; 0.125,0.2665; 0.25,0.4; 0.375,0.465; 0.5,0.5;  0.625,0.535; 0.75,0.6; 0.875,0.7335; 1,1">
+                                          <p:stCondLst>
+                                            <p:cond delay="1324"/>
+                                          </p:stCondLst>
+                                        </p:cTn>
+                                        <p:tgtEl>
+                                          <p:spTgt spid="7"/>
+                                        </p:tgtEl>
+                                        <p:attrNameLst>
+                                          <p:attrName>ppt_y</p:attrName>
+                                        </p:attrNameLst>
+                                      </p:cBhvr>
+                                      <p:tavLst>
+                                        <p:tav tm="0" fmla="#ppt_y-sin(pi*$)/27">
+                                          <p:val>
+                                            <p:fltVal val="0"/>
+                                          </p:val>
+                                        </p:tav>
+                                        <p:tav tm="100000">
+                                          <p:val>
+                                            <p:fltVal val="1"/>
+                                          </p:val>
+                                        </p:tav>
+                                      </p:tavLst>
+                                    </p:anim>
+                                    <p:anim calcmode="lin" valueType="num">
+                                      <p:cBhvr>
+                                        <p:cTn id="16" dur="164" tmFilter="0, 0; 0.125,0.2665; 0.25,0.4; 0.375,0.465; 0.5,0.5;  0.625,0.535; 0.75,0.6; 0.875,0.7335; 1,1">
+                                          <p:stCondLst>
+                                            <p:cond delay="1656"/>
+                                          </p:stCondLst>
+                                        </p:cTn>
+                                        <p:tgtEl>
+                                          <p:spTgt spid="7"/>
+                                        </p:tgtEl>
+                                        <p:attrNameLst>
+                                          <p:attrName>ppt_y</p:attrName>
+                                        </p:attrNameLst>
+                                      </p:cBhvr>
+                                      <p:tavLst>
+                                        <p:tav tm="0" fmla="#ppt_y-sin(pi*$)/81">
+                                          <p:val>
+                                            <p:fltVal val="0"/>
+                                          </p:val>
+                                        </p:tav>
+                                        <p:tav tm="100000">
+                                          <p:val>
+                                            <p:fltVal val="1"/>
+                                          </p:val>
+                                        </p:tav>
+                                      </p:tavLst>
+                                    </p:anim>
+                                    <p:animScale>
+                                      <p:cBhvr>
+                                        <p:cTn id="17" dur="26">
+                                          <p:stCondLst>
+                                            <p:cond delay="650"/>
+                                          </p:stCondLst>
+                                        </p:cTn>
+                                        <p:tgtEl>
+                                          <p:spTgt spid="7"/>
+                                        </p:tgtEl>
+                                      </p:cBhvr>
+                                      <p:to x="100000" y="60000"/>
+                                    </p:animScale>
+                                    <p:animScale>
+                                      <p:cBhvr>
+                                        <p:cTn id="18" dur="166" decel="50000">
+                                          <p:stCondLst>
+                                            <p:cond delay="676"/>
+                                          </p:stCondLst>
+                                        </p:cTn>
+                                        <p:tgtEl>
+                                          <p:spTgt spid="7"/>
+                                        </p:tgtEl>
+                                      </p:cBhvr>
+                                      <p:to x="100000" y="100000"/>
+                                    </p:animScale>
+                                    <p:animScale>
+                                      <p:cBhvr>
+                                        <p:cTn id="19" dur="26">
+                                          <p:stCondLst>
+                                            <p:cond delay="1312"/>
+                                          </p:stCondLst>
+                                        </p:cTn>
+                                        <p:tgtEl>
+                                          <p:spTgt spid="7"/>
+                                        </p:tgtEl>
+                                      </p:cBhvr>
+                                      <p:to x="100000" y="80000"/>
+                                    </p:animScale>
+                                    <p:animScale>
+                                      <p:cBhvr>
+                                        <p:cTn id="20" dur="166" decel="50000">
+                                          <p:stCondLst>
+                                            <p:cond delay="1338"/>
+                                          </p:stCondLst>
+                                        </p:cTn>
+                                        <p:tgtEl>
+                                          <p:spTgt spid="7"/>
+                                        </p:tgtEl>
+                                      </p:cBhvr>
+                                      <p:to x="100000" y="100000"/>
+                                    </p:animScale>
+                                    <p:animScale>
+                                      <p:cBhvr>
+                                        <p:cTn id="21" dur="26">
+                                          <p:stCondLst>
+                                            <p:cond delay="1642"/>
+                                          </p:stCondLst>
+                                        </p:cTn>
+                                        <p:tgtEl>
+                                          <p:spTgt spid="7"/>
+                                        </p:tgtEl>
+                                      </p:cBhvr>
+                                      <p:to x="100000" y="90000"/>
+                                    </p:animScale>
+                                    <p:animScale>
+                                      <p:cBhvr>
+                                        <p:cTn id="22" dur="166" decel="50000">
+                                          <p:stCondLst>
+                                            <p:cond delay="1668"/>
+                                          </p:stCondLst>
+                                        </p:cTn>
+                                        <p:tgtEl>
+                                          <p:spTgt spid="7"/>
+                                        </p:tgtEl>
+                                      </p:cBhvr>
+                                      <p:to x="100000" y="100000"/>
+                                    </p:animScale>
+                                    <p:animScale>
+                                      <p:cBhvr>
+                                        <p:cTn id="23" dur="26">
+                                          <p:stCondLst>
+                                            <p:cond delay="1808"/>
+                                          </p:stCondLst>
+                                        </p:cTn>
+                                        <p:tgtEl>
+                                          <p:spTgt spid="7"/>
+                                        </p:tgtEl>
+                                      </p:cBhvr>
+                                      <p:to x="100000" y="95000"/>
+                                    </p:animScale>
+                                    <p:animScale>
+                                      <p:cBhvr>
+                                        <p:cTn id="24" dur="166" decel="50000">
+                                          <p:stCondLst>
+                                            <p:cond delay="1834"/>
+                                          </p:stCondLst>
+                                        </p:cTn>
+                                        <p:tgtEl>
+                                          <p:spTgt spid="7"/>
+                                        </p:tgtEl>
+                                      </p:cBhvr>
+                                      <p:to x="100000" y="100000"/>
+                                    </p:animScale>
                                   </p:childTnLst>
                                 </p:cTn>
                               </p:par>
@@ -5486,41 +5815,6 @@
           </a:prstGeom>
         </p:spPr>
       </p:pic>
-      <p:pic>
-        <p:nvPicPr>
-          <p:cNvPr id="6" name="Tartalom helye 10">
-            <a:extLst>
-              <a:ext uri="{FF2B5EF4-FFF2-40B4-BE49-F238E27FC236}">
-                <a16:creationId xmlns:a16="http://schemas.microsoft.com/office/drawing/2014/main" id="{4B72CFFB-8066-42A0-A357-04871A71BA3F}"/>
-              </a:ext>
-            </a:extLst>
-          </p:cNvPr>
-          <p:cNvPicPr>
-            <a:picLocks noChangeAspect="1"/>
-          </p:cNvPicPr>
-          <p:nvPr/>
-        </p:nvPicPr>
-        <p:blipFill rotWithShape="1">
-          <a:blip r:embed="rId4">
-            <a:extLst>
-              <a:ext uri="{28A0092B-C50C-407E-A947-70E740481C1C}">
-                <a14:useLocalDpi xmlns:a14="http://schemas.microsoft.com/office/drawing/2010/main" val="0"/>
-              </a:ext>
-            </a:extLst>
-          </a:blip>
-          <a:srcRect t="1947"/>
-          <a:stretch/>
-        </p:blipFill>
-        <p:spPr>
-          <a:xfrm>
-            <a:off x="196947" y="4614203"/>
-            <a:ext cx="4235481" cy="2067444"/>
-          </a:xfrm>
-          <a:prstGeom prst="rect">
-            <a:avLst/>
-          </a:prstGeom>
-        </p:spPr>
-      </p:pic>
     </p:spTree>
     <p:extLst>
       <p:ext uri="{BB962C8B-B14F-4D97-AF65-F5344CB8AC3E}">
@@ -5973,7 +6267,7 @@
                   <a:schemeClr val="bg1"/>
                 </a:solidFill>
               </a:rPr>
-              <a:t>Aszteroida(kód)</a:t>
+              <a:t>Képek a játékból(kép a játékról/élő bemutató)</a:t>
             </a:r>
           </a:p>
           <a:p>
@@ -5983,17 +6277,7 @@
                   <a:schemeClr val="bg1"/>
                 </a:solidFill>
               </a:rPr>
-              <a:t>Képek a játékból(kép)</a:t>
-            </a:r>
-          </a:p>
-          <a:p>
-            <a:r>
-              <a:rPr lang="hu-HU" dirty="0">
-                <a:solidFill>
-                  <a:schemeClr val="bg1"/>
-                </a:solidFill>
-              </a:rPr>
-              <a:t>Egyéb menük(kép)</a:t>
+              <a:t>Egyéb menük(kép a működő segítség oldalról)</a:t>
             </a:r>
           </a:p>
           <a:p>

--- a/PPT/Space Hunter.pptx
+++ b/PPT/Space Hunter.pptx
@@ -12,9 +12,8 @@
     <p:sldId id="261" r:id="rId6"/>
     <p:sldId id="264" r:id="rId7"/>
     <p:sldId id="260" r:id="rId8"/>
-    <p:sldId id="263" r:id="rId9"/>
-    <p:sldId id="266" r:id="rId10"/>
-    <p:sldId id="262" r:id="rId11"/>
+    <p:sldId id="266" r:id="rId9"/>
+    <p:sldId id="262" r:id="rId10"/>
   </p:sldIdLst>
   <p:sldSz cx="12192000" cy="6858000"/>
   <p:notesSz cx="6858000" cy="9144000"/>
@@ -3538,149 +3537,6 @@
   <p:clrMapOvr>
     <a:masterClrMapping/>
   </p:clrMapOvr>
-</p:sld>
-</file>
-
-<file path=ppt/slides/slide10.xml><?xml version="1.0" encoding="utf-8"?>
-<p:sld xmlns:a="http://schemas.openxmlformats.org/drawingml/2006/main" xmlns:r="http://schemas.openxmlformats.org/officeDocument/2006/relationships" xmlns:p="http://schemas.openxmlformats.org/presentationml/2006/main">
-  <p:cSld>
-    <p:bg>
-      <p:bgPr>
-        <a:gradFill>
-          <a:gsLst>
-            <a:gs pos="0">
-              <a:schemeClr val="tx1">
-                <a:lumMod val="100000"/>
-              </a:schemeClr>
-            </a:gs>
-            <a:gs pos="50000">
-              <a:schemeClr val="tx1">
-                <a:lumMod val="97000"/>
-                <a:lumOff val="3000"/>
-              </a:schemeClr>
-            </a:gs>
-            <a:gs pos="75000">
-              <a:schemeClr val="tx1">
-                <a:lumMod val="92000"/>
-                <a:lumOff val="8000"/>
-              </a:schemeClr>
-            </a:gs>
-            <a:gs pos="100000">
-              <a:schemeClr val="tx1">
-                <a:lumMod val="77000"/>
-                <a:lumOff val="23000"/>
-              </a:schemeClr>
-            </a:gs>
-          </a:gsLst>
-          <a:lin ang="5400000" scaled="1"/>
-        </a:gradFill>
-        <a:effectLst/>
-      </p:bgPr>
-    </p:bg>
-    <p:spTree>
-      <p:nvGrpSpPr>
-        <p:cNvPr id="1" name=""/>
-        <p:cNvGrpSpPr/>
-        <p:nvPr/>
-      </p:nvGrpSpPr>
-      <p:grpSpPr>
-        <a:xfrm>
-          <a:off x="0" y="0"/>
-          <a:ext cx="0" cy="0"/>
-          <a:chOff x="0" y="0"/>
-          <a:chExt cx="0" cy="0"/>
-        </a:xfrm>
-      </p:grpSpPr>
-      <p:sp>
-        <p:nvSpPr>
-          <p:cNvPr id="4" name="Cím 3">
-            <a:extLst>
-              <a:ext uri="{FF2B5EF4-FFF2-40B4-BE49-F238E27FC236}">
-                <a16:creationId xmlns:a16="http://schemas.microsoft.com/office/drawing/2014/main" id="{453596F3-FBA1-41AF-9C15-80D5B1DE01AC}"/>
-              </a:ext>
-            </a:extLst>
-          </p:cNvPr>
-          <p:cNvSpPr>
-            <a:spLocks noGrp="1"/>
-          </p:cNvSpPr>
-          <p:nvPr>
-            <p:ph type="title"/>
-          </p:nvPr>
-        </p:nvSpPr>
-        <p:spPr>
-          <a:xfrm>
-            <a:off x="838200" y="365125"/>
-            <a:ext cx="10515600" cy="1325563"/>
-          </a:xfrm>
-        </p:spPr>
-        <p:txBody>
-          <a:bodyPr/>
-          <a:lstStyle/>
-          <a:p>
-            <a:r>
-              <a:rPr lang="hu-HU" b="1" dirty="0">
-                <a:solidFill>
-                  <a:schemeClr val="bg1"/>
-                </a:solidFill>
-                <a:latin typeface="Rockwell Extra Bold" panose="02060903040505020403" pitchFamily="18" charset="0"/>
-              </a:rPr>
-              <a:t>Köszönjük a figyelmet!</a:t>
-            </a:r>
-          </a:p>
-        </p:txBody>
-      </p:sp>
-      <p:sp>
-        <p:nvSpPr>
-          <p:cNvPr id="24" name="Tartalom helye 23">
-            <a:extLst>
-              <a:ext uri="{FF2B5EF4-FFF2-40B4-BE49-F238E27FC236}">
-                <a16:creationId xmlns:a16="http://schemas.microsoft.com/office/drawing/2014/main" id="{9DA10C76-7C11-477A-86EA-040764257E6D}"/>
-              </a:ext>
-            </a:extLst>
-          </p:cNvPr>
-          <p:cNvSpPr>
-            <a:spLocks noGrp="1"/>
-          </p:cNvSpPr>
-          <p:nvPr>
-            <p:ph idx="1"/>
-          </p:nvPr>
-        </p:nvSpPr>
-        <p:spPr>
-          <a:xfrm>
-            <a:off x="838200" y="1690688"/>
-            <a:ext cx="10515600" cy="4486275"/>
-          </a:xfrm>
-        </p:spPr>
-        <p:txBody>
-          <a:bodyPr/>
-          <a:lstStyle/>
-          <a:p>
-            <a:endParaRPr lang="hu-HU" dirty="0"/>
-          </a:p>
-        </p:txBody>
-      </p:sp>
-    </p:spTree>
-    <p:extLst>
-      <p:ext uri="{BB962C8B-B14F-4D97-AF65-F5344CB8AC3E}">
-        <p14:creationId xmlns:p14="http://schemas.microsoft.com/office/powerpoint/2010/main" val="3058460541"/>
-      </p:ext>
-    </p:extLst>
-  </p:cSld>
-  <p:clrMapOvr>
-    <a:masterClrMapping/>
-  </p:clrMapOvr>
-  <mc:AlternateContent xmlns:mc="http://schemas.openxmlformats.org/markup-compatibility/2006" xmlns:p14="http://schemas.microsoft.com/office/powerpoint/2010/main">
-    <mc:Choice Requires="p14">
-      <p:transition spd="slow" p14:dur="2500">
-        <p:checker dir="vert"/>
-      </p:transition>
-    </mc:Choice>
-    <mc:Fallback xmlns="">
-      <p:transition spd="slow">
-        <p:checker dir="vert"/>
-      </p:transition>
-    </mc:Fallback>
-  </mc:AlternateContent>
 </p:sld>
 </file>
 
@@ -6144,165 +6000,6 @@
 </file>
 
 <file path=ppt/slides/slide8.xml><?xml version="1.0" encoding="utf-8"?>
-<p:sld xmlns:a="http://schemas.openxmlformats.org/drawingml/2006/main" xmlns:r="http://schemas.openxmlformats.org/officeDocument/2006/relationships" xmlns:p="http://schemas.openxmlformats.org/presentationml/2006/main" show="0">
-  <p:cSld>
-    <p:bg>
-      <p:bgPr>
-        <a:gradFill>
-          <a:gsLst>
-            <a:gs pos="0">
-              <a:schemeClr val="tx1">
-                <a:lumMod val="100000"/>
-              </a:schemeClr>
-            </a:gs>
-            <a:gs pos="50000">
-              <a:schemeClr val="tx1">
-                <a:lumMod val="97000"/>
-                <a:lumOff val="3000"/>
-              </a:schemeClr>
-            </a:gs>
-            <a:gs pos="75000">
-              <a:schemeClr val="tx1">
-                <a:lumMod val="92000"/>
-                <a:lumOff val="8000"/>
-              </a:schemeClr>
-            </a:gs>
-            <a:gs pos="100000">
-              <a:schemeClr val="tx1">
-                <a:lumMod val="77000"/>
-                <a:lumOff val="23000"/>
-              </a:schemeClr>
-            </a:gs>
-          </a:gsLst>
-          <a:lin ang="5400000" scaled="1"/>
-        </a:gradFill>
-        <a:effectLst/>
-      </p:bgPr>
-    </p:bg>
-    <p:spTree>
-      <p:nvGrpSpPr>
-        <p:cNvPr id="1" name=""/>
-        <p:cNvGrpSpPr/>
-        <p:nvPr/>
-      </p:nvGrpSpPr>
-      <p:grpSpPr>
-        <a:xfrm>
-          <a:off x="0" y="0"/>
-          <a:ext cx="0" cy="0"/>
-          <a:chOff x="0" y="0"/>
-          <a:chExt cx="0" cy="0"/>
-        </a:xfrm>
-      </p:grpSpPr>
-      <p:sp>
-        <p:nvSpPr>
-          <p:cNvPr id="4" name="Cím 3">
-            <a:extLst>
-              <a:ext uri="{FF2B5EF4-FFF2-40B4-BE49-F238E27FC236}">
-                <a16:creationId xmlns:a16="http://schemas.microsoft.com/office/drawing/2014/main" id="{453596F3-FBA1-41AF-9C15-80D5B1DE01AC}"/>
-              </a:ext>
-            </a:extLst>
-          </p:cNvPr>
-          <p:cNvSpPr>
-            <a:spLocks noGrp="1"/>
-          </p:cNvSpPr>
-          <p:nvPr>
-            <p:ph type="title"/>
-          </p:nvPr>
-        </p:nvSpPr>
-        <p:spPr>
-          <a:xfrm>
-            <a:off x="838200" y="365125"/>
-            <a:ext cx="10515600" cy="1325563"/>
-          </a:xfrm>
-        </p:spPr>
-        <p:txBody>
-          <a:bodyPr/>
-          <a:lstStyle/>
-          <a:p>
-            <a:r>
-              <a:rPr lang="hu-HU" b="1" dirty="0" err="1">
-                <a:solidFill>
-                  <a:schemeClr val="bg1"/>
-                </a:solidFill>
-                <a:latin typeface="Rockwell Extra Bold" panose="02060903040505020403" pitchFamily="18" charset="0"/>
-              </a:rPr>
-              <a:t>Github</a:t>
-            </a:r>
-            <a:r>
-              <a:rPr lang="hu-HU" b="1" dirty="0">
-                <a:solidFill>
-                  <a:schemeClr val="bg1"/>
-                </a:solidFill>
-                <a:latin typeface="Rockwell Extra Bold" panose="02060903040505020403" pitchFamily="18" charset="0"/>
-              </a:rPr>
-              <a:t>(kell ez egyáltalán???)</a:t>
-            </a:r>
-          </a:p>
-        </p:txBody>
-      </p:sp>
-      <p:sp>
-        <p:nvSpPr>
-          <p:cNvPr id="8" name="Tartalom helye 7">
-            <a:extLst>
-              <a:ext uri="{FF2B5EF4-FFF2-40B4-BE49-F238E27FC236}">
-                <a16:creationId xmlns:a16="http://schemas.microsoft.com/office/drawing/2014/main" id="{D69C8F04-735B-0E32-5E3E-0B4F9A8FC62A}"/>
-              </a:ext>
-            </a:extLst>
-          </p:cNvPr>
-          <p:cNvSpPr>
-            <a:spLocks noGrp="1"/>
-          </p:cNvSpPr>
-          <p:nvPr>
-            <p:ph idx="1"/>
-          </p:nvPr>
-        </p:nvSpPr>
-        <p:spPr/>
-        <p:txBody>
-          <a:bodyPr/>
-          <a:lstStyle/>
-          <a:p>
-            <a:r>
-              <a:rPr lang="hu-HU" dirty="0">
-                <a:solidFill>
-                  <a:schemeClr val="bg1"/>
-                </a:solidFill>
-              </a:rPr>
-              <a:t>Képek a játékból(kép a játékról/élő bemutató)</a:t>
-            </a:r>
-          </a:p>
-          <a:p>
-            <a:r>
-              <a:rPr lang="hu-HU" dirty="0">
-                <a:solidFill>
-                  <a:schemeClr val="bg1"/>
-                </a:solidFill>
-              </a:rPr>
-              <a:t>Egyéb menük(kép a működő segítség oldalról)</a:t>
-            </a:r>
-          </a:p>
-          <a:p>
-            <a:endParaRPr lang="hu-HU" dirty="0">
-              <a:solidFill>
-                <a:schemeClr val="bg1"/>
-              </a:solidFill>
-            </a:endParaRPr>
-          </a:p>
-        </p:txBody>
-      </p:sp>
-    </p:spTree>
-    <p:extLst>
-      <p:ext uri="{BB962C8B-B14F-4D97-AF65-F5344CB8AC3E}">
-        <p14:creationId xmlns:p14="http://schemas.microsoft.com/office/powerpoint/2010/main" val="1282672501"/>
-      </p:ext>
-    </p:extLst>
-  </p:cSld>
-  <p:clrMapOvr>
-    <a:masterClrMapping/>
-  </p:clrMapOvr>
-</p:sld>
-</file>
-
-<file path=ppt/slides/slide9.xml><?xml version="1.0" encoding="utf-8"?>
 <p:sld xmlns:a="http://schemas.openxmlformats.org/drawingml/2006/main" xmlns:r="http://schemas.openxmlformats.org/officeDocument/2006/relationships" xmlns:p="http://schemas.openxmlformats.org/presentationml/2006/main">
   <p:cSld>
     <p:bg>
@@ -7049,6 +6746,149 @@
     <mc:Fallback xmlns="">
       <p:transition spd="slow">
         <p:fade/>
+      </p:transition>
+    </mc:Fallback>
+  </mc:AlternateContent>
+</p:sld>
+</file>
+
+<file path=ppt/slides/slide9.xml><?xml version="1.0" encoding="utf-8"?>
+<p:sld xmlns:a="http://schemas.openxmlformats.org/drawingml/2006/main" xmlns:r="http://schemas.openxmlformats.org/officeDocument/2006/relationships" xmlns:p="http://schemas.openxmlformats.org/presentationml/2006/main">
+  <p:cSld>
+    <p:bg>
+      <p:bgPr>
+        <a:gradFill>
+          <a:gsLst>
+            <a:gs pos="0">
+              <a:schemeClr val="tx1">
+                <a:lumMod val="100000"/>
+              </a:schemeClr>
+            </a:gs>
+            <a:gs pos="50000">
+              <a:schemeClr val="tx1">
+                <a:lumMod val="97000"/>
+                <a:lumOff val="3000"/>
+              </a:schemeClr>
+            </a:gs>
+            <a:gs pos="75000">
+              <a:schemeClr val="tx1">
+                <a:lumMod val="92000"/>
+                <a:lumOff val="8000"/>
+              </a:schemeClr>
+            </a:gs>
+            <a:gs pos="100000">
+              <a:schemeClr val="tx1">
+                <a:lumMod val="77000"/>
+                <a:lumOff val="23000"/>
+              </a:schemeClr>
+            </a:gs>
+          </a:gsLst>
+          <a:lin ang="5400000" scaled="1"/>
+        </a:gradFill>
+        <a:effectLst/>
+      </p:bgPr>
+    </p:bg>
+    <p:spTree>
+      <p:nvGrpSpPr>
+        <p:cNvPr id="1" name=""/>
+        <p:cNvGrpSpPr/>
+        <p:nvPr/>
+      </p:nvGrpSpPr>
+      <p:grpSpPr>
+        <a:xfrm>
+          <a:off x="0" y="0"/>
+          <a:ext cx="0" cy="0"/>
+          <a:chOff x="0" y="0"/>
+          <a:chExt cx="0" cy="0"/>
+        </a:xfrm>
+      </p:grpSpPr>
+      <p:sp>
+        <p:nvSpPr>
+          <p:cNvPr id="4" name="Cím 3">
+            <a:extLst>
+              <a:ext uri="{FF2B5EF4-FFF2-40B4-BE49-F238E27FC236}">
+                <a16:creationId xmlns:a16="http://schemas.microsoft.com/office/drawing/2014/main" id="{453596F3-FBA1-41AF-9C15-80D5B1DE01AC}"/>
+              </a:ext>
+            </a:extLst>
+          </p:cNvPr>
+          <p:cNvSpPr>
+            <a:spLocks noGrp="1"/>
+          </p:cNvSpPr>
+          <p:nvPr>
+            <p:ph type="title"/>
+          </p:nvPr>
+        </p:nvSpPr>
+        <p:spPr>
+          <a:xfrm>
+            <a:off x="838200" y="365125"/>
+            <a:ext cx="10515600" cy="1325563"/>
+          </a:xfrm>
+        </p:spPr>
+        <p:txBody>
+          <a:bodyPr/>
+          <a:lstStyle/>
+          <a:p>
+            <a:r>
+              <a:rPr lang="hu-HU" b="1" dirty="0">
+                <a:solidFill>
+                  <a:schemeClr val="bg1"/>
+                </a:solidFill>
+                <a:latin typeface="Rockwell Extra Bold" panose="02060903040505020403" pitchFamily="18" charset="0"/>
+              </a:rPr>
+              <a:t>Köszönjük a figyelmet!</a:t>
+            </a:r>
+          </a:p>
+        </p:txBody>
+      </p:sp>
+      <p:sp>
+        <p:nvSpPr>
+          <p:cNvPr id="24" name="Tartalom helye 23">
+            <a:extLst>
+              <a:ext uri="{FF2B5EF4-FFF2-40B4-BE49-F238E27FC236}">
+                <a16:creationId xmlns:a16="http://schemas.microsoft.com/office/drawing/2014/main" id="{9DA10C76-7C11-477A-86EA-040764257E6D}"/>
+              </a:ext>
+            </a:extLst>
+          </p:cNvPr>
+          <p:cNvSpPr>
+            <a:spLocks noGrp="1"/>
+          </p:cNvSpPr>
+          <p:nvPr>
+            <p:ph idx="1"/>
+          </p:nvPr>
+        </p:nvSpPr>
+        <p:spPr>
+          <a:xfrm>
+            <a:off x="838200" y="1690688"/>
+            <a:ext cx="10515600" cy="4486275"/>
+          </a:xfrm>
+        </p:spPr>
+        <p:txBody>
+          <a:bodyPr/>
+          <a:lstStyle/>
+          <a:p>
+            <a:endParaRPr lang="hu-HU" dirty="0"/>
+          </a:p>
+        </p:txBody>
+      </p:sp>
+    </p:spTree>
+    <p:extLst>
+      <p:ext uri="{BB962C8B-B14F-4D97-AF65-F5344CB8AC3E}">
+        <p14:creationId xmlns:p14="http://schemas.microsoft.com/office/powerpoint/2010/main" val="3058460541"/>
+      </p:ext>
+    </p:extLst>
+  </p:cSld>
+  <p:clrMapOvr>
+    <a:masterClrMapping/>
+  </p:clrMapOvr>
+  <mc:AlternateContent xmlns:mc="http://schemas.openxmlformats.org/markup-compatibility/2006" xmlns:p14="http://schemas.microsoft.com/office/powerpoint/2010/main">
+    <mc:Choice Requires="p14">
+      <p:transition spd="slow" p14:dur="2500">
+        <p:checker dir="vert"/>
+      </p:transition>
+    </mc:Choice>
+    <mc:Fallback xmlns="">
+      <p:transition spd="slow">
+        <p:checker dir="vert"/>
       </p:transition>
     </mc:Fallback>
   </mc:AlternateContent>

--- a/PPT/Space Hunter.pptx
+++ b/PPT/Space Hunter.pptx
@@ -7,13 +7,16 @@
   <p:sldIdLst>
     <p:sldId id="256" r:id="rId2"/>
     <p:sldId id="265" r:id="rId3"/>
-    <p:sldId id="257" r:id="rId4"/>
-    <p:sldId id="259" r:id="rId5"/>
-    <p:sldId id="261" r:id="rId6"/>
-    <p:sldId id="264" r:id="rId7"/>
-    <p:sldId id="260" r:id="rId8"/>
-    <p:sldId id="266" r:id="rId9"/>
-    <p:sldId id="262" r:id="rId10"/>
+    <p:sldId id="268" r:id="rId4"/>
+    <p:sldId id="267" r:id="rId5"/>
+    <p:sldId id="270" r:id="rId6"/>
+    <p:sldId id="269" r:id="rId7"/>
+    <p:sldId id="257" r:id="rId8"/>
+    <p:sldId id="271" r:id="rId9"/>
+    <p:sldId id="259" r:id="rId10"/>
+    <p:sldId id="264" r:id="rId11"/>
+    <p:sldId id="266" r:id="rId12"/>
+    <p:sldId id="262" r:id="rId13"/>
   </p:sldIdLst>
   <p:sldSz cx="12192000" cy="6858000"/>
   <p:notesSz cx="6858000" cy="9144000"/>
@@ -267,7 +270,7 @@
           <a:p>
             <a:fld id="{DA484DFB-0D73-4626-BA94-E457E798A3D2}" type="datetimeFigureOut">
               <a:rPr lang="hu-HU" smtClean="0"/>
-              <a:t>2024. 04. 08.</a:t>
+              <a:t>2024. 04. 09.</a:t>
             </a:fld>
             <a:endParaRPr lang="hu-HU"/>
           </a:p>
@@ -465,7 +468,7 @@
           <a:p>
             <a:fld id="{DA484DFB-0D73-4626-BA94-E457E798A3D2}" type="datetimeFigureOut">
               <a:rPr lang="hu-HU" smtClean="0"/>
-              <a:t>2024. 04. 08.</a:t>
+              <a:t>2024. 04. 09.</a:t>
             </a:fld>
             <a:endParaRPr lang="hu-HU"/>
           </a:p>
@@ -673,7 +676,7 @@
           <a:p>
             <a:fld id="{DA484DFB-0D73-4626-BA94-E457E798A3D2}" type="datetimeFigureOut">
               <a:rPr lang="hu-HU" smtClean="0"/>
-              <a:t>2024. 04. 08.</a:t>
+              <a:t>2024. 04. 09.</a:t>
             </a:fld>
             <a:endParaRPr lang="hu-HU"/>
           </a:p>
@@ -871,7 +874,7 @@
           <a:p>
             <a:fld id="{DA484DFB-0D73-4626-BA94-E457E798A3D2}" type="datetimeFigureOut">
               <a:rPr lang="hu-HU" smtClean="0"/>
-              <a:t>2024. 04. 08.</a:t>
+              <a:t>2024. 04. 09.</a:t>
             </a:fld>
             <a:endParaRPr lang="hu-HU"/>
           </a:p>
@@ -1146,7 +1149,7 @@
           <a:p>
             <a:fld id="{DA484DFB-0D73-4626-BA94-E457E798A3D2}" type="datetimeFigureOut">
               <a:rPr lang="hu-HU" smtClean="0"/>
-              <a:t>2024. 04. 08.</a:t>
+              <a:t>2024. 04. 09.</a:t>
             </a:fld>
             <a:endParaRPr lang="hu-HU"/>
           </a:p>
@@ -1411,7 +1414,7 @@
           <a:p>
             <a:fld id="{DA484DFB-0D73-4626-BA94-E457E798A3D2}" type="datetimeFigureOut">
               <a:rPr lang="hu-HU" smtClean="0"/>
-              <a:t>2024. 04. 08.</a:t>
+              <a:t>2024. 04. 09.</a:t>
             </a:fld>
             <a:endParaRPr lang="hu-HU"/>
           </a:p>
@@ -1823,7 +1826,7 @@
           <a:p>
             <a:fld id="{DA484DFB-0D73-4626-BA94-E457E798A3D2}" type="datetimeFigureOut">
               <a:rPr lang="hu-HU" smtClean="0"/>
-              <a:t>2024. 04. 08.</a:t>
+              <a:t>2024. 04. 09.</a:t>
             </a:fld>
             <a:endParaRPr lang="hu-HU"/>
           </a:p>
@@ -1964,7 +1967,7 @@
           <a:p>
             <a:fld id="{DA484DFB-0D73-4626-BA94-E457E798A3D2}" type="datetimeFigureOut">
               <a:rPr lang="hu-HU" smtClean="0"/>
-              <a:t>2024. 04. 08.</a:t>
+              <a:t>2024. 04. 09.</a:t>
             </a:fld>
             <a:endParaRPr lang="hu-HU"/>
           </a:p>
@@ -2077,7 +2080,7 @@
           <a:p>
             <a:fld id="{DA484DFB-0D73-4626-BA94-E457E798A3D2}" type="datetimeFigureOut">
               <a:rPr lang="hu-HU" smtClean="0"/>
-              <a:t>2024. 04. 08.</a:t>
+              <a:t>2024. 04. 09.</a:t>
             </a:fld>
             <a:endParaRPr lang="hu-HU"/>
           </a:p>
@@ -2388,7 +2391,7 @@
           <a:p>
             <a:fld id="{DA484DFB-0D73-4626-BA94-E457E798A3D2}" type="datetimeFigureOut">
               <a:rPr lang="hu-HU" smtClean="0"/>
-              <a:t>2024. 04. 08.</a:t>
+              <a:t>2024. 04. 09.</a:t>
             </a:fld>
             <a:endParaRPr lang="hu-HU"/>
           </a:p>
@@ -2676,7 +2679,7 @@
           <a:p>
             <a:fld id="{DA484DFB-0D73-4626-BA94-E457E798A3D2}" type="datetimeFigureOut">
               <a:rPr lang="hu-HU" smtClean="0"/>
-              <a:t>2024. 04. 08.</a:t>
+              <a:t>2024. 04. 09.</a:t>
             </a:fld>
             <a:endParaRPr lang="hu-HU"/>
           </a:p>
@@ -2753,9 +2756,18 @@
 <p:sldMaster xmlns:a="http://schemas.openxmlformats.org/drawingml/2006/main" xmlns:r="http://schemas.openxmlformats.org/officeDocument/2006/relationships" xmlns:p="http://schemas.openxmlformats.org/presentationml/2006/main">
   <p:cSld>
     <p:bg>
-      <p:bgRef idx="1001">
-        <a:schemeClr val="bg1"/>
-      </p:bgRef>
+      <p:bgPr>
+        <a:blipFill dpi="0" rotWithShape="1">
+          <a:blip r:embed="rId13">
+            <a:lum/>
+          </a:blip>
+          <a:srcRect/>
+          <a:stretch>
+            <a:fillRect t="-39000" b="-39000"/>
+          </a:stretch>
+        </a:blipFill>
+        <a:effectLst/>
+      </p:bgPr>
     </p:bg>
     <p:spTree>
       <p:nvGrpSpPr>
@@ -2917,7 +2929,7 @@
           <a:p>
             <a:fld id="{DA484DFB-0D73-4626-BA94-E457E798A3D2}" type="datetimeFigureOut">
               <a:rPr lang="hu-HU" smtClean="0"/>
-              <a:t>2024. 04. 08.</a:t>
+              <a:t>2024. 04. 09.</a:t>
             </a:fld>
             <a:endParaRPr lang="hu-HU"/>
           </a:p>
@@ -3320,21 +3332,6 @@
 <file path=ppt/slides/slide1.xml><?xml version="1.0" encoding="utf-8"?>
 <p:sld xmlns:a="http://schemas.openxmlformats.org/drawingml/2006/main" xmlns:r="http://schemas.openxmlformats.org/officeDocument/2006/relationships" xmlns:p="http://schemas.openxmlformats.org/presentationml/2006/main">
   <p:cSld>
-    <p:bg>
-      <p:bgPr>
-        <a:blipFill dpi="0" rotWithShape="1">
-          <a:blip r:embed="rId2">
-            <a:alphaModFix amt="99000"/>
-            <a:lum/>
-          </a:blip>
-          <a:srcRect/>
-          <a:stretch>
-            <a:fillRect/>
-          </a:stretch>
-        </a:blipFill>
-        <a:effectLst/>
-      </p:bgPr>
-    </p:bg>
     <p:spTree>
       <p:nvGrpSpPr>
         <p:cNvPr id="1" name=""/>
@@ -3506,7 +3503,7 @@
           <p:nvPr/>
         </p:nvPicPr>
         <p:blipFill>
-          <a:blip r:embed="rId3">
+          <a:blip r:embed="rId2">
             <a:extLst>
               <a:ext uri="{28A0092B-C50C-407E-A947-70E740481C1C}">
                 <a14:useLocalDpi xmlns:a14="http://schemas.microsoft.com/office/drawing/2010/main" val="0"/>
@@ -3518,9 +3515,9 @@
           </a:stretch>
         </p:blipFill>
         <p:spPr>
-          <a:xfrm rot="2686285">
-            <a:off x="210374" y="528662"/>
-            <a:ext cx="2205523" cy="1992709"/>
+          <a:xfrm rot="8082221">
+            <a:off x="337473" y="467995"/>
+            <a:ext cx="1931130" cy="1744793"/>
           </a:xfrm>
           <a:prstGeom prst="rect">
             <a:avLst/>
@@ -3540,42 +3537,9 @@
 </p:sld>
 </file>
 
-<file path=ppt/slides/slide2.xml><?xml version="1.0" encoding="utf-8"?>
+<file path=ppt/slides/slide10.xml><?xml version="1.0" encoding="utf-8"?>
 <p:sld xmlns:a="http://schemas.openxmlformats.org/drawingml/2006/main" xmlns:r="http://schemas.openxmlformats.org/officeDocument/2006/relationships" xmlns:p="http://schemas.openxmlformats.org/presentationml/2006/main">
   <p:cSld>
-    <p:bg>
-      <p:bgPr>
-        <a:gradFill>
-          <a:gsLst>
-            <a:gs pos="0">
-              <a:schemeClr val="tx1">
-                <a:lumMod val="100000"/>
-              </a:schemeClr>
-            </a:gs>
-            <a:gs pos="50000">
-              <a:schemeClr val="tx1">
-                <a:lumMod val="97000"/>
-                <a:lumOff val="3000"/>
-              </a:schemeClr>
-            </a:gs>
-            <a:gs pos="75000">
-              <a:schemeClr val="tx1">
-                <a:lumMod val="92000"/>
-                <a:lumOff val="8000"/>
-              </a:schemeClr>
-            </a:gs>
-            <a:gs pos="100000">
-              <a:schemeClr val="tx1">
-                <a:lumMod val="77000"/>
-                <a:lumOff val="23000"/>
-              </a:schemeClr>
-            </a:gs>
-          </a:gsLst>
-          <a:lin ang="5400000" scaled="1"/>
-        </a:gradFill>
-        <a:effectLst/>
-      </p:bgPr>
-    </p:bg>
     <p:spTree>
       <p:nvGrpSpPr>
         <p:cNvPr id="1" name=""/>
@@ -3608,8 +3572,8 @@
         </p:nvSpPr>
         <p:spPr>
           <a:xfrm>
-            <a:off x="6513033" y="309490"/>
-            <a:ext cx="4579838" cy="1517232"/>
+            <a:off x="838200" y="365125"/>
+            <a:ext cx="10515600" cy="1325563"/>
           </a:xfrm>
         </p:spPr>
         <p:txBody>
@@ -3623,35 +3587,17 @@
                 </a:solidFill>
                 <a:latin typeface="Rockwell Extra Bold" panose="02060903040505020403" pitchFamily="18" charset="0"/>
               </a:rPr>
-              <a:t>F</a:t>
-            </a:r>
-            <a:r>
-              <a:rPr lang="hu-HU" sz="4900" b="1" dirty="0">
-                <a:solidFill>
-                  <a:schemeClr val="bg1"/>
-                </a:solidFill>
-                <a:latin typeface="Rockwell Extra Bold" panose="02060903040505020403" pitchFamily="18" charset="0"/>
-              </a:rPr>
-              <a:t>ő</a:t>
-            </a:r>
-            <a:r>
-              <a:rPr lang="hu-HU" b="1" dirty="0">
-                <a:solidFill>
-                  <a:schemeClr val="bg1"/>
-                </a:solidFill>
-                <a:latin typeface="Rockwell Extra Bold" panose="02060903040505020403" pitchFamily="18" charset="0"/>
-              </a:rPr>
-              <a:t>menü:</a:t>
+              <a:t>Modulok, Zene:</a:t>
             </a:r>
           </a:p>
         </p:txBody>
       </p:sp>
       <p:pic>
         <p:nvPicPr>
-          <p:cNvPr id="9" name="Tartalom helye 2">
-            <a:extLst>
-              <a:ext uri="{FF2B5EF4-FFF2-40B4-BE49-F238E27FC236}">
-                <a16:creationId xmlns:a16="http://schemas.microsoft.com/office/drawing/2014/main" id="{CBC22FEA-5F08-4168-9119-16B09AAE02A1}"/>
+          <p:cNvPr id="3" name="Kép 2">
+            <a:extLst>
+              <a:ext uri="{FF2B5EF4-FFF2-40B4-BE49-F238E27FC236}">
+                <a16:creationId xmlns:a16="http://schemas.microsoft.com/office/drawing/2014/main" id="{43EC0FFB-3ED4-AAC7-305B-C7AB825E20D6}"/>
               </a:ext>
             </a:extLst>
           </p:cNvPr>
@@ -3661,63 +3607,57 @@
           <p:nvPr/>
         </p:nvPicPr>
         <p:blipFill>
-          <a:blip r:embed="rId2">
-            <a:extLst>
-              <a:ext uri="{28A0092B-C50C-407E-A947-70E740481C1C}">
-                <a14:useLocalDpi xmlns:a14="http://schemas.microsoft.com/office/drawing/2010/main" val="0"/>
-              </a:ext>
-            </a:extLst>
-          </a:blip>
+          <a:blip r:embed="rId2"/>
           <a:stretch>
             <a:fillRect/>
           </a:stretch>
         </p:blipFill>
         <p:spPr>
           <a:xfrm>
-            <a:off x="182967" y="115950"/>
-            <a:ext cx="5162756" cy="6710832"/>
+            <a:off x="471444" y="1578198"/>
+            <a:ext cx="5976724" cy="3553321"/>
           </a:xfrm>
           <a:prstGeom prst="rect">
             <a:avLst/>
           </a:prstGeom>
+          <a:solidFill>
+            <a:srgbClr val="FFFFFF">
+              <a:shade val="85000"/>
+            </a:srgbClr>
+          </a:solidFill>
+          <a:ln w="88900" cap="sq">
+            <a:solidFill>
+              <a:schemeClr val="tx1"/>
+            </a:solidFill>
+            <a:miter lim="800000"/>
+          </a:ln>
+          <a:effectLst>
+            <a:outerShdw blurRad="55000" dist="18000" dir="5400000" algn="tl" rotWithShape="0">
+              <a:srgbClr val="000000">
+                <a:alpha val="40000"/>
+              </a:srgbClr>
+            </a:outerShdw>
+          </a:effectLst>
+          <a:scene3d>
+            <a:camera prst="orthographicFront"/>
+            <a:lightRig rig="twoPt" dir="t">
+              <a:rot lat="0" lon="0" rev="7200000"/>
+            </a:lightRig>
+          </a:scene3d>
+          <a:sp3d>
+            <a:bevelT w="25400" h="19050"/>
+            <a:contourClr>
+              <a:srgbClr val="FFFFFF"/>
+            </a:contourClr>
+          </a:sp3d>
         </p:spPr>
       </p:pic>
-      <p:sp>
-        <p:nvSpPr>
-          <p:cNvPr id="15" name="Tartalom helye 14">
-            <a:extLst>
-              <a:ext uri="{FF2B5EF4-FFF2-40B4-BE49-F238E27FC236}">
-                <a16:creationId xmlns:a16="http://schemas.microsoft.com/office/drawing/2014/main" id="{EEDCF497-0F76-4D86-A425-DDC2D870D5BA}"/>
-              </a:ext>
-            </a:extLst>
-          </p:cNvPr>
-          <p:cNvSpPr>
-            <a:spLocks noGrp="1"/>
-          </p:cNvSpPr>
-          <p:nvPr>
-            <p:ph idx="1"/>
-          </p:nvPr>
-        </p:nvSpPr>
-        <p:spPr>
-          <a:xfrm>
-            <a:off x="838200" y="1551963"/>
-            <a:ext cx="10515600" cy="4624999"/>
-          </a:xfrm>
-        </p:spPr>
-        <p:txBody>
-          <a:bodyPr/>
-          <a:lstStyle/>
-          <a:p>
-            <a:endParaRPr lang="hu-HU" dirty="0"/>
-          </a:p>
-        </p:txBody>
-      </p:sp>
       <p:pic>
         <p:nvPicPr>
-          <p:cNvPr id="2" name="Kép 1" descr="A képen szöveg, képernyőkép, szoftver, képernyő látható&#10;&#10;Automatikusan generált leírás">
-            <a:extLst>
-              <a:ext uri="{FF2B5EF4-FFF2-40B4-BE49-F238E27FC236}">
-                <a16:creationId xmlns:a16="http://schemas.microsoft.com/office/drawing/2014/main" id="{890F495C-610D-73A2-DAC9-7279DF995549}"/>
+          <p:cNvPr id="6" name="Kép 5">
+            <a:extLst>
+              <a:ext uri="{FF2B5EF4-FFF2-40B4-BE49-F238E27FC236}">
+                <a16:creationId xmlns:a16="http://schemas.microsoft.com/office/drawing/2014/main" id="{0B5CCC47-ABB7-D8C4-0D81-BF87F96E4EFE}"/>
               </a:ext>
             </a:extLst>
           </p:cNvPr>
@@ -3727,33 +3667,37 @@
           <p:nvPr/>
         </p:nvPicPr>
         <p:blipFill>
-          <a:blip r:embed="rId3">
-            <a:extLst>
-              <a:ext uri="{28A0092B-C50C-407E-A947-70E740481C1C}">
-                <a14:useLocalDpi xmlns:a14="http://schemas.microsoft.com/office/drawing/2010/main" val="0"/>
-              </a:ext>
-            </a:extLst>
-          </a:blip>
+          <a:blip r:embed="rId3"/>
           <a:stretch>
             <a:fillRect/>
           </a:stretch>
         </p:blipFill>
         <p:spPr>
           <a:xfrm>
-            <a:off x="5444197" y="2101480"/>
-            <a:ext cx="6671082" cy="4685348"/>
+            <a:off x="838200" y="5483688"/>
+            <a:ext cx="10219037" cy="730432"/>
           </a:xfrm>
           <a:prstGeom prst="rect">
             <a:avLst/>
           </a:prstGeom>
+          <a:ln>
+            <a:noFill/>
+          </a:ln>
+          <a:effectLst>
+            <a:outerShdw blurRad="292100" dist="139700" dir="2700000" algn="tl" rotWithShape="0">
+              <a:srgbClr val="333333">
+                <a:alpha val="65000"/>
+              </a:srgbClr>
+            </a:outerShdw>
+          </a:effectLst>
         </p:spPr>
       </p:pic>
       <p:pic>
         <p:nvPicPr>
-          <p:cNvPr id="3" name="Kép 2">
-            <a:extLst>
-              <a:ext uri="{FF2B5EF4-FFF2-40B4-BE49-F238E27FC236}">
-                <a16:creationId xmlns:a16="http://schemas.microsoft.com/office/drawing/2014/main" id="{1BF9EB4B-92EC-49F9-AEF3-5DA188D9E40F}"/>
+          <p:cNvPr id="8" name="Kép 7">
+            <a:extLst>
+              <a:ext uri="{FF2B5EF4-FFF2-40B4-BE49-F238E27FC236}">
+                <a16:creationId xmlns:a16="http://schemas.microsoft.com/office/drawing/2014/main" id="{F88094FB-F676-2022-E753-EF6639EF443B}"/>
               </a:ext>
             </a:extLst>
           </p:cNvPr>
@@ -3763,416 +3707,57 @@
           <p:nvPr/>
         </p:nvPicPr>
         <p:blipFill>
-          <a:blip r:embed="rId4">
-            <a:extLst>
-              <a:ext uri="{28A0092B-C50C-407E-A947-70E740481C1C}">
-                <a14:useLocalDpi xmlns:a14="http://schemas.microsoft.com/office/drawing/2010/main" val="0"/>
-              </a:ext>
-            </a:extLst>
-          </a:blip>
+          <a:blip r:embed="rId4"/>
           <a:stretch>
             <a:fillRect/>
           </a:stretch>
         </p:blipFill>
         <p:spPr>
           <a:xfrm>
-            <a:off x="5444197" y="101694"/>
-            <a:ext cx="6564836" cy="3043140"/>
+            <a:off x="7201336" y="185952"/>
+            <a:ext cx="2667372" cy="2019582"/>
           </a:xfrm>
           <a:prstGeom prst="rect">
             <a:avLst/>
           </a:prstGeom>
+          <a:solidFill>
+            <a:srgbClr val="FFFFFF">
+              <a:shade val="85000"/>
+            </a:srgbClr>
+          </a:solidFill>
+          <a:ln w="88900" cap="sq">
+            <a:solidFill>
+              <a:schemeClr val="tx1"/>
+            </a:solidFill>
+            <a:miter lim="800000"/>
+          </a:ln>
+          <a:effectLst>
+            <a:outerShdw blurRad="55000" dist="18000" dir="5400000" algn="tl" rotWithShape="0">
+              <a:srgbClr val="000000">
+                <a:alpha val="40000"/>
+              </a:srgbClr>
+            </a:outerShdw>
+          </a:effectLst>
+          <a:scene3d>
+            <a:camera prst="orthographicFront"/>
+            <a:lightRig rig="twoPt" dir="t">
+              <a:rot lat="0" lon="0" rev="7200000"/>
+            </a:lightRig>
+          </a:scene3d>
+          <a:sp3d>
+            <a:bevelT w="25400" h="19050"/>
+            <a:contourClr>
+              <a:srgbClr val="FFFFFF"/>
+            </a:contourClr>
+          </a:sp3d>
         </p:spPr>
       </p:pic>
       <p:pic>
         <p:nvPicPr>
-          <p:cNvPr id="5" name="Tartalom helye 7">
-            <a:extLst>
-              <a:ext uri="{FF2B5EF4-FFF2-40B4-BE49-F238E27FC236}">
-                <a16:creationId xmlns:a16="http://schemas.microsoft.com/office/drawing/2014/main" id="{A027C928-F5B3-4964-945B-1166A10B60F5}"/>
-              </a:ext>
-            </a:extLst>
-          </p:cNvPr>
-          <p:cNvPicPr>
-            <a:picLocks noChangeAspect="1"/>
-          </p:cNvPicPr>
-          <p:nvPr/>
-        </p:nvPicPr>
-        <p:blipFill rotWithShape="1">
-          <a:blip r:embed="rId5">
-            <a:extLst>
-              <a:ext uri="{28A0092B-C50C-407E-A947-70E740481C1C}">
-                <a14:useLocalDpi xmlns:a14="http://schemas.microsoft.com/office/drawing/2010/main" val="0"/>
-              </a:ext>
-            </a:extLst>
-          </a:blip>
-          <a:srcRect t="6699"/>
-          <a:stretch/>
-        </p:blipFill>
-        <p:spPr>
-          <a:xfrm>
-            <a:off x="163618" y="681038"/>
-            <a:ext cx="11629995" cy="5971868"/>
-          </a:xfrm>
-          <a:prstGeom prst="rect">
-            <a:avLst/>
-          </a:prstGeom>
-        </p:spPr>
-      </p:pic>
-    </p:spTree>
-    <p:extLst>
-      <p:ext uri="{BB962C8B-B14F-4D97-AF65-F5344CB8AC3E}">
-        <p14:creationId xmlns:p14="http://schemas.microsoft.com/office/powerpoint/2010/main" val="1900979083"/>
-      </p:ext>
-    </p:extLst>
-  </p:cSld>
-  <p:clrMapOvr>
-    <a:masterClrMapping/>
-  </p:clrMapOvr>
-  <mc:AlternateContent xmlns:mc="http://schemas.openxmlformats.org/markup-compatibility/2006" xmlns:p14="http://schemas.microsoft.com/office/powerpoint/2010/main">
-    <mc:Choice Requires="p14">
-      <p:transition spd="slow" p14:dur="1600">
-        <p14:prism isInverted="1"/>
-      </p:transition>
-    </mc:Choice>
-    <mc:Fallback xmlns="">
-      <p:transition spd="slow">
-        <p:fade/>
-      </p:transition>
-    </mc:Fallback>
-  </mc:AlternateContent>
-  <p:timing>
-    <p:tnLst>
-      <p:par>
-        <p:cTn id="1" dur="indefinite" restart="never" nodeType="tmRoot">
-          <p:childTnLst>
-            <p:seq concurrent="1" nextAc="seek">
-              <p:cTn id="2" dur="indefinite" nodeType="mainSeq">
-                <p:childTnLst>
-                  <p:par>
-                    <p:cTn id="3" fill="hold">
-                      <p:stCondLst>
-                        <p:cond delay="indefinite"/>
-                      </p:stCondLst>
-                      <p:childTnLst>
-                        <p:par>
-                          <p:cTn id="4" fill="hold">
-                            <p:stCondLst>
-                              <p:cond delay="0"/>
-                            </p:stCondLst>
-                            <p:childTnLst>
-                              <p:par>
-                                <p:cTn id="5" presetID="2" presetClass="entr" presetSubtype="8" fill="hold" nodeType="clickEffect">
-                                  <p:stCondLst>
-                                    <p:cond delay="0"/>
-                                  </p:stCondLst>
-                                  <p:childTnLst>
-                                    <p:set>
-                                      <p:cBhvr>
-                                        <p:cTn id="6" dur="1" fill="hold">
-                                          <p:stCondLst>
-                                            <p:cond delay="0"/>
-                                          </p:stCondLst>
-                                        </p:cTn>
-                                        <p:tgtEl>
-                                          <p:spTgt spid="3"/>
-                                        </p:tgtEl>
-                                        <p:attrNameLst>
-                                          <p:attrName>style.visibility</p:attrName>
-                                        </p:attrNameLst>
-                                      </p:cBhvr>
-                                      <p:to>
-                                        <p:strVal val="visible"/>
-                                      </p:to>
-                                    </p:set>
-                                    <p:anim calcmode="lin" valueType="num">
-                                      <p:cBhvr additive="base">
-                                        <p:cTn id="7" dur="1500" fill="hold"/>
-                                        <p:tgtEl>
-                                          <p:spTgt spid="3"/>
-                                        </p:tgtEl>
-                                        <p:attrNameLst>
-                                          <p:attrName>ppt_x</p:attrName>
-                                        </p:attrNameLst>
-                                      </p:cBhvr>
-                                      <p:tavLst>
-                                        <p:tav tm="0">
-                                          <p:val>
-                                            <p:strVal val="0-#ppt_w/2"/>
-                                          </p:val>
-                                        </p:tav>
-                                        <p:tav tm="100000">
-                                          <p:val>
-                                            <p:strVal val="#ppt_x"/>
-                                          </p:val>
-                                        </p:tav>
-                                      </p:tavLst>
-                                    </p:anim>
-                                    <p:anim calcmode="lin" valueType="num">
-                                      <p:cBhvr additive="base">
-                                        <p:cTn id="8" dur="1500" fill="hold"/>
-                                        <p:tgtEl>
-                                          <p:spTgt spid="3"/>
-                                        </p:tgtEl>
-                                        <p:attrNameLst>
-                                          <p:attrName>ppt_y</p:attrName>
-                                        </p:attrNameLst>
-                                      </p:cBhvr>
-                                      <p:tavLst>
-                                        <p:tav tm="0">
-                                          <p:val>
-                                            <p:strVal val="#ppt_y"/>
-                                          </p:val>
-                                        </p:tav>
-                                        <p:tav tm="100000">
-                                          <p:val>
-                                            <p:strVal val="#ppt_y"/>
-                                          </p:val>
-                                        </p:tav>
-                                      </p:tavLst>
-                                    </p:anim>
-                                  </p:childTnLst>
-                                </p:cTn>
-                              </p:par>
-                            </p:childTnLst>
-                          </p:cTn>
-                        </p:par>
-                      </p:childTnLst>
-                    </p:cTn>
-                  </p:par>
-                  <p:par>
-                    <p:cTn id="9" fill="hold">
-                      <p:stCondLst>
-                        <p:cond delay="indefinite"/>
-                      </p:stCondLst>
-                      <p:childTnLst>
-                        <p:par>
-                          <p:cTn id="10" fill="hold">
-                            <p:stCondLst>
-                              <p:cond delay="0"/>
-                            </p:stCondLst>
-                            <p:childTnLst>
-                              <p:par>
-                                <p:cTn id="11" presetID="10" presetClass="entr" presetSubtype="0" fill="hold" nodeType="clickEffect">
-                                  <p:stCondLst>
-                                    <p:cond delay="0"/>
-                                  </p:stCondLst>
-                                  <p:childTnLst>
-                                    <p:set>
-                                      <p:cBhvr>
-                                        <p:cTn id="12" dur="1" fill="hold">
-                                          <p:stCondLst>
-                                            <p:cond delay="0"/>
-                                          </p:stCondLst>
-                                        </p:cTn>
-                                        <p:tgtEl>
-                                          <p:spTgt spid="5"/>
-                                        </p:tgtEl>
-                                        <p:attrNameLst>
-                                          <p:attrName>style.visibility</p:attrName>
-                                        </p:attrNameLst>
-                                      </p:cBhvr>
-                                      <p:to>
-                                        <p:strVal val="visible"/>
-                                      </p:to>
-                                    </p:set>
-                                    <p:animEffect transition="in" filter="fade">
-                                      <p:cBhvr>
-                                        <p:cTn id="13" dur="750"/>
-                                        <p:tgtEl>
-                                          <p:spTgt spid="5"/>
-                                        </p:tgtEl>
-                                      </p:cBhvr>
-                                    </p:animEffect>
-                                  </p:childTnLst>
-                                </p:cTn>
-                              </p:par>
-                            </p:childTnLst>
-                          </p:cTn>
-                        </p:par>
-                      </p:childTnLst>
-                    </p:cTn>
-                  </p:par>
-                </p:childTnLst>
-              </p:cTn>
-              <p:prevCondLst>
-                <p:cond evt="onPrev" delay="0">
-                  <p:tgtEl>
-                    <p:sldTgt/>
-                  </p:tgtEl>
-                </p:cond>
-              </p:prevCondLst>
-              <p:nextCondLst>
-                <p:cond evt="onNext" delay="0">
-                  <p:tgtEl>
-                    <p:sldTgt/>
-                  </p:tgtEl>
-                </p:cond>
-              </p:nextCondLst>
-            </p:seq>
-          </p:childTnLst>
-        </p:cTn>
-      </p:par>
-    </p:tnLst>
-  </p:timing>
-</p:sld>
-</file>
-
-<file path=ppt/slides/slide3.xml><?xml version="1.0" encoding="utf-8"?>
-<p:sld xmlns:a="http://schemas.openxmlformats.org/drawingml/2006/main" xmlns:r="http://schemas.openxmlformats.org/officeDocument/2006/relationships" xmlns:p="http://schemas.openxmlformats.org/presentationml/2006/main">
-  <p:cSld>
-    <p:bg>
-      <p:bgPr>
-        <a:gradFill>
-          <a:gsLst>
-            <a:gs pos="0">
-              <a:schemeClr val="tx1">
-                <a:lumMod val="100000"/>
-              </a:schemeClr>
-            </a:gs>
-            <a:gs pos="50000">
-              <a:schemeClr val="tx1">
-                <a:lumMod val="97000"/>
-                <a:lumOff val="3000"/>
-              </a:schemeClr>
-            </a:gs>
-            <a:gs pos="75000">
-              <a:schemeClr val="tx1">
-                <a:lumMod val="92000"/>
-                <a:lumOff val="8000"/>
-              </a:schemeClr>
-            </a:gs>
-            <a:gs pos="100000">
-              <a:schemeClr val="tx1">
-                <a:lumMod val="77000"/>
-                <a:lumOff val="23000"/>
-              </a:schemeClr>
-            </a:gs>
-          </a:gsLst>
-          <a:lin ang="5400000" scaled="1"/>
-        </a:gradFill>
-        <a:effectLst/>
-      </p:bgPr>
-    </p:bg>
-    <p:spTree>
-      <p:nvGrpSpPr>
-        <p:cNvPr id="1" name=""/>
-        <p:cNvGrpSpPr/>
-        <p:nvPr/>
-      </p:nvGrpSpPr>
-      <p:grpSpPr>
-        <a:xfrm>
-          <a:off x="0" y="0"/>
-          <a:ext cx="0" cy="0"/>
-          <a:chOff x="0" y="0"/>
-          <a:chExt cx="0" cy="0"/>
-        </a:xfrm>
-      </p:grpSpPr>
-      <p:sp>
-        <p:nvSpPr>
-          <p:cNvPr id="4" name="Cím 3">
-            <a:extLst>
-              <a:ext uri="{FF2B5EF4-FFF2-40B4-BE49-F238E27FC236}">
-                <a16:creationId xmlns:a16="http://schemas.microsoft.com/office/drawing/2014/main" id="{453596F3-FBA1-41AF-9C15-80D5B1DE01AC}"/>
-              </a:ext>
-            </a:extLst>
-          </p:cNvPr>
-          <p:cNvSpPr>
-            <a:spLocks noGrp="1"/>
-          </p:cNvSpPr>
-          <p:nvPr>
-            <p:ph type="title"/>
-          </p:nvPr>
-        </p:nvSpPr>
-        <p:spPr>
-          <a:xfrm>
-            <a:off x="1079026" y="355888"/>
-            <a:ext cx="10515600" cy="1325563"/>
-          </a:xfrm>
-        </p:spPr>
-        <p:txBody>
-          <a:bodyPr/>
-          <a:lstStyle/>
-          <a:p>
-            <a:r>
-              <a:rPr lang="hu-HU" b="1" dirty="0">
-                <a:solidFill>
-                  <a:schemeClr val="bg1"/>
-                </a:solidFill>
-                <a:latin typeface="Rockwell Extra Bold" panose="02060903040505020403" pitchFamily="18" charset="0"/>
-              </a:rPr>
-              <a:t>A j</a:t>
-            </a:r>
-            <a:r>
-              <a:rPr lang="hu-HU" sz="4500" b="1" dirty="0">
-                <a:solidFill>
-                  <a:schemeClr val="bg1"/>
-                </a:solidFill>
-                <a:latin typeface="Rockwell Extra Bold" panose="02060903040505020403" pitchFamily="18" charset="0"/>
-              </a:rPr>
-              <a:t>á</a:t>
-            </a:r>
-            <a:r>
-              <a:rPr lang="hu-HU" b="1" dirty="0">
-                <a:solidFill>
-                  <a:schemeClr val="bg1"/>
-                </a:solidFill>
-                <a:latin typeface="Rockwell Extra Bold" panose="02060903040505020403" pitchFamily="18" charset="0"/>
-              </a:rPr>
-              <a:t>t</a:t>
-            </a:r>
-            <a:r>
-              <a:rPr lang="hu-HU" sz="4500" b="1" dirty="0">
-                <a:solidFill>
-                  <a:schemeClr val="bg1"/>
-                </a:solidFill>
-                <a:latin typeface="Rockwell Extra Bold" panose="02060903040505020403" pitchFamily="18" charset="0"/>
-              </a:rPr>
-              <a:t>é</a:t>
-            </a:r>
-            <a:r>
-              <a:rPr lang="hu-HU" b="1" dirty="0">
-                <a:solidFill>
-                  <a:schemeClr val="bg1"/>
-                </a:solidFill>
-                <a:latin typeface="Rockwell Extra Bold" panose="02060903040505020403" pitchFamily="18" charset="0"/>
-              </a:rPr>
-              <a:t>kos:</a:t>
-            </a:r>
-          </a:p>
-        </p:txBody>
-      </p:sp>
-      <p:sp>
-        <p:nvSpPr>
-          <p:cNvPr id="45" name="Tartalom helye 44">
-            <a:extLst>
-              <a:ext uri="{FF2B5EF4-FFF2-40B4-BE49-F238E27FC236}">
-                <a16:creationId xmlns:a16="http://schemas.microsoft.com/office/drawing/2014/main" id="{96288605-7411-4FDE-8537-BBA85FF86938}"/>
-              </a:ext>
-            </a:extLst>
-          </p:cNvPr>
-          <p:cNvSpPr>
-            <a:spLocks noGrp="1"/>
-          </p:cNvSpPr>
-          <p:nvPr>
-            <p:ph idx="1"/>
-          </p:nvPr>
-        </p:nvSpPr>
-        <p:spPr/>
-        <p:txBody>
-          <a:bodyPr/>
-          <a:lstStyle/>
-          <a:p>
-            <a:endParaRPr lang="hu-HU"/>
-          </a:p>
-        </p:txBody>
-      </p:sp>
-      <p:pic>
-        <p:nvPicPr>
-          <p:cNvPr id="29" name="Kép 28">
-            <a:extLst>
-              <a:ext uri="{FF2B5EF4-FFF2-40B4-BE49-F238E27FC236}">
-                <a16:creationId xmlns:a16="http://schemas.microsoft.com/office/drawing/2014/main" id="{005AEF49-5F64-4299-8070-ECB74364154E}"/>
+          <p:cNvPr id="11" name="Kép 10">
+            <a:extLst>
+              <a:ext uri="{FF2B5EF4-FFF2-40B4-BE49-F238E27FC236}">
+                <a16:creationId xmlns:a16="http://schemas.microsoft.com/office/drawing/2014/main" id="{90AF944A-7EFC-AA0E-C4F6-710DB7B70A37}"/>
               </a:ext>
             </a:extLst>
           </p:cNvPr>
@@ -4182,1493 +3767,49 @@
           <p:nvPr/>
         </p:nvPicPr>
         <p:blipFill>
-          <a:blip r:embed="rId2">
-            <a:extLst>
-              <a:ext uri="{28A0092B-C50C-407E-A947-70E740481C1C}">
-                <a14:useLocalDpi xmlns:a14="http://schemas.microsoft.com/office/drawing/2010/main" val="0"/>
-              </a:ext>
-            </a:extLst>
-          </a:blip>
+          <a:blip r:embed="rId5"/>
           <a:stretch>
             <a:fillRect/>
           </a:stretch>
         </p:blipFill>
         <p:spPr>
           <a:xfrm>
-            <a:off x="1079026" y="1452827"/>
-            <a:ext cx="8782426" cy="5257900"/>
+            <a:off x="7003628" y="2492009"/>
+            <a:ext cx="4820323" cy="2581635"/>
           </a:xfrm>
           <a:prstGeom prst="rect">
             <a:avLst/>
           </a:prstGeom>
-        </p:spPr>
-      </p:pic>
-      <p:pic>
-        <p:nvPicPr>
-          <p:cNvPr id="39" name="Tartalom helye 36">
-            <a:extLst>
-              <a:ext uri="{FF2B5EF4-FFF2-40B4-BE49-F238E27FC236}">
-                <a16:creationId xmlns:a16="http://schemas.microsoft.com/office/drawing/2014/main" id="{0D6BD7CB-E60E-4812-B587-E8F447BF5AEA}"/>
-              </a:ext>
-            </a:extLst>
-          </p:cNvPr>
-          <p:cNvPicPr>
-            <a:picLocks noChangeAspect="1"/>
-          </p:cNvPicPr>
-          <p:nvPr/>
-        </p:nvPicPr>
-        <p:blipFill>
-          <a:blip r:embed="rId3">
-            <a:extLst>
-              <a:ext uri="{28A0092B-C50C-407E-A947-70E740481C1C}">
-                <a14:useLocalDpi xmlns:a14="http://schemas.microsoft.com/office/drawing/2010/main" val="0"/>
-              </a:ext>
-            </a:extLst>
-          </a:blip>
-          <a:stretch>
-            <a:fillRect/>
-          </a:stretch>
-        </p:blipFill>
-        <p:spPr>
-          <a:xfrm>
-            <a:off x="4546226" y="44207"/>
-            <a:ext cx="6807574" cy="6769586"/>
-          </a:xfrm>
-          <a:prstGeom prst="rect">
-            <a:avLst/>
-          </a:prstGeom>
-        </p:spPr>
-      </p:pic>
-      <p:pic>
-        <p:nvPicPr>
-          <p:cNvPr id="2" name="Kép 1" descr="A képen pixel látható&#10;&#10;Automatikusan generált leírás">
-            <a:extLst>
-              <a:ext uri="{FF2B5EF4-FFF2-40B4-BE49-F238E27FC236}">
-                <a16:creationId xmlns:a16="http://schemas.microsoft.com/office/drawing/2014/main" id="{1997CD64-74BF-9F30-DB1D-D05D27700D17}"/>
-              </a:ext>
-            </a:extLst>
-          </p:cNvPr>
-          <p:cNvPicPr>
-            <a:picLocks/>
-          </p:cNvPicPr>
-          <p:nvPr/>
-        </p:nvPicPr>
-        <p:blipFill>
-          <a:blip r:embed="rId4">
-            <a:extLst>
-              <a:ext uri="{28A0092B-C50C-407E-A947-70E740481C1C}">
-                <a14:useLocalDpi xmlns:a14="http://schemas.microsoft.com/office/drawing/2010/main" val="0"/>
-              </a:ext>
-            </a:extLst>
-          </a:blip>
-          <a:stretch>
-            <a:fillRect/>
-          </a:stretch>
-        </p:blipFill>
-        <p:spPr>
-          <a:xfrm rot="5400000">
-            <a:off x="75425" y="284453"/>
-            <a:ext cx="1087200" cy="961200"/>
-          </a:xfrm>
-          <a:prstGeom prst="rect">
-            <a:avLst/>
-          </a:prstGeom>
-        </p:spPr>
-      </p:pic>
-    </p:spTree>
-    <p:extLst>
-      <p:ext uri="{BB962C8B-B14F-4D97-AF65-F5344CB8AC3E}">
-        <p14:creationId xmlns:p14="http://schemas.microsoft.com/office/powerpoint/2010/main" val="3156071512"/>
-      </p:ext>
-    </p:extLst>
-  </p:cSld>
-  <p:clrMapOvr>
-    <a:masterClrMapping/>
-  </p:clrMapOvr>
-  <mc:AlternateContent xmlns:mc="http://schemas.openxmlformats.org/markup-compatibility/2006" xmlns:p14="http://schemas.microsoft.com/office/powerpoint/2010/main">
-    <mc:Choice Requires="p14">
-      <p:transition spd="slow" p14:dur="1500">
-        <p:split orient="vert"/>
-      </p:transition>
-    </mc:Choice>
-    <mc:Fallback xmlns="">
-      <p:transition spd="slow">
-        <p:split orient="vert"/>
-      </p:transition>
-    </mc:Fallback>
-  </mc:AlternateContent>
-  <p:timing>
-    <p:tnLst>
-      <p:par>
-        <p:cTn id="1" dur="indefinite" restart="never" nodeType="tmRoot">
-          <p:childTnLst>
-            <p:seq concurrent="1" nextAc="seek">
-              <p:cTn id="2" dur="indefinite" nodeType="mainSeq">
-                <p:childTnLst>
-                  <p:par>
-                    <p:cTn id="3" fill="hold">
-                      <p:stCondLst>
-                        <p:cond delay="indefinite"/>
-                      </p:stCondLst>
-                      <p:childTnLst>
-                        <p:par>
-                          <p:cTn id="4" fill="hold">
-                            <p:stCondLst>
-                              <p:cond delay="0"/>
-                            </p:stCondLst>
-                            <p:childTnLst>
-                              <p:par>
-                                <p:cTn id="5" presetID="63" presetClass="path" presetSubtype="0" accel="50000" decel="50000" fill="hold" nodeType="clickEffect">
-                                  <p:stCondLst>
-                                    <p:cond delay="0"/>
-                                  </p:stCondLst>
-                                  <p:childTnLst>
-                                    <p:animMotion origin="layout" path="M -1.25E-6 -4.07407E-6 L 0.80716 0.00162 " pathEditMode="relative" rAng="0" ptsTypes="AA">
-                                      <p:cBhvr>
-                                        <p:cTn id="6" dur="4500" fill="hold"/>
-                                        <p:tgtEl>
-                                          <p:spTgt spid="2"/>
-                                        </p:tgtEl>
-                                        <p:attrNameLst>
-                                          <p:attrName>ppt_x</p:attrName>
-                                          <p:attrName>ppt_y</p:attrName>
-                                        </p:attrNameLst>
-                                      </p:cBhvr>
-                                      <p:rCtr x="40352" y="69"/>
-                                    </p:animMotion>
-                                  </p:childTnLst>
-                                </p:cTn>
-                              </p:par>
-                            </p:childTnLst>
-                          </p:cTn>
-                        </p:par>
-                      </p:childTnLst>
-                    </p:cTn>
-                  </p:par>
-                  <p:par>
-                    <p:cTn id="7" fill="hold">
-                      <p:stCondLst>
-                        <p:cond delay="indefinite"/>
-                      </p:stCondLst>
-                      <p:childTnLst>
-                        <p:par>
-                          <p:cTn id="8" fill="hold">
-                            <p:stCondLst>
-                              <p:cond delay="0"/>
-                            </p:stCondLst>
-                            <p:childTnLst>
-                              <p:par>
-                                <p:cTn id="9" presetID="6" presetClass="entr" presetSubtype="32" fill="hold" nodeType="clickEffect">
-                                  <p:stCondLst>
-                                    <p:cond delay="0"/>
-                                  </p:stCondLst>
-                                  <p:childTnLst>
-                                    <p:set>
-                                      <p:cBhvr>
-                                        <p:cTn id="10" dur="1" fill="hold">
-                                          <p:stCondLst>
-                                            <p:cond delay="0"/>
-                                          </p:stCondLst>
-                                        </p:cTn>
-                                        <p:tgtEl>
-                                          <p:spTgt spid="39"/>
-                                        </p:tgtEl>
-                                        <p:attrNameLst>
-                                          <p:attrName>style.visibility</p:attrName>
-                                        </p:attrNameLst>
-                                      </p:cBhvr>
-                                      <p:to>
-                                        <p:strVal val="visible"/>
-                                      </p:to>
-                                    </p:set>
-                                    <p:animEffect transition="in" filter="circle(out)">
-                                      <p:cBhvr>
-                                        <p:cTn id="11" dur="2000"/>
-                                        <p:tgtEl>
-                                          <p:spTgt spid="39"/>
-                                        </p:tgtEl>
-                                      </p:cBhvr>
-                                    </p:animEffect>
-                                  </p:childTnLst>
-                                </p:cTn>
-                              </p:par>
-                            </p:childTnLst>
-                          </p:cTn>
-                        </p:par>
-                      </p:childTnLst>
-                    </p:cTn>
-                  </p:par>
-                </p:childTnLst>
-              </p:cTn>
-              <p:prevCondLst>
-                <p:cond evt="onPrev" delay="0">
-                  <p:tgtEl>
-                    <p:sldTgt/>
-                  </p:tgtEl>
-                </p:cond>
-              </p:prevCondLst>
-              <p:nextCondLst>
-                <p:cond evt="onNext" delay="0">
-                  <p:tgtEl>
-                    <p:sldTgt/>
-                  </p:tgtEl>
-                </p:cond>
-              </p:nextCondLst>
-            </p:seq>
-          </p:childTnLst>
-        </p:cTn>
-      </p:par>
-    </p:tnLst>
-  </p:timing>
-</p:sld>
-</file>
-
-<file path=ppt/slides/slide4.xml><?xml version="1.0" encoding="utf-8"?>
-<p:sld xmlns:a="http://schemas.openxmlformats.org/drawingml/2006/main" xmlns:r="http://schemas.openxmlformats.org/officeDocument/2006/relationships" xmlns:p="http://schemas.openxmlformats.org/presentationml/2006/main">
-  <p:cSld>
-    <p:bg>
-      <p:bgPr>
-        <a:gradFill>
-          <a:gsLst>
-            <a:gs pos="0">
-              <a:schemeClr val="tx1">
-                <a:lumMod val="100000"/>
-              </a:schemeClr>
-            </a:gs>
-            <a:gs pos="50000">
-              <a:schemeClr val="tx1">
-                <a:lumMod val="97000"/>
-                <a:lumOff val="3000"/>
-              </a:schemeClr>
-            </a:gs>
-            <a:gs pos="75000">
-              <a:schemeClr val="tx1">
-                <a:lumMod val="92000"/>
-                <a:lumOff val="8000"/>
-              </a:schemeClr>
-            </a:gs>
-            <a:gs pos="100000">
-              <a:schemeClr val="tx1">
-                <a:lumMod val="77000"/>
-                <a:lumOff val="23000"/>
-              </a:schemeClr>
-            </a:gs>
-          </a:gsLst>
-          <a:lin ang="5400000" scaled="1"/>
-        </a:gradFill>
-        <a:effectLst/>
-      </p:bgPr>
-    </p:bg>
-    <p:spTree>
-      <p:nvGrpSpPr>
-        <p:cNvPr id="1" name=""/>
-        <p:cNvGrpSpPr/>
-        <p:nvPr/>
-      </p:nvGrpSpPr>
-      <p:grpSpPr>
-        <a:xfrm>
-          <a:off x="0" y="0"/>
-          <a:ext cx="0" cy="0"/>
-          <a:chOff x="0" y="0"/>
-          <a:chExt cx="0" cy="0"/>
-        </a:xfrm>
-      </p:grpSpPr>
-      <p:sp>
-        <p:nvSpPr>
-          <p:cNvPr id="4" name="Cím 3">
-            <a:extLst>
-              <a:ext uri="{FF2B5EF4-FFF2-40B4-BE49-F238E27FC236}">
-                <a16:creationId xmlns:a16="http://schemas.microsoft.com/office/drawing/2014/main" id="{453596F3-FBA1-41AF-9C15-80D5B1DE01AC}"/>
-              </a:ext>
-            </a:extLst>
-          </p:cNvPr>
-          <p:cNvSpPr>
-            <a:spLocks noGrp="1"/>
-          </p:cNvSpPr>
-          <p:nvPr>
-            <p:ph type="title"/>
-          </p:nvPr>
-        </p:nvSpPr>
-        <p:spPr>
-          <a:xfrm>
-            <a:off x="1186544" y="389768"/>
-            <a:ext cx="10515600" cy="1325563"/>
-          </a:xfrm>
-        </p:spPr>
-        <p:txBody>
-          <a:bodyPr/>
-          <a:lstStyle/>
-          <a:p>
-            <a:r>
-              <a:rPr lang="hu-HU" b="1" dirty="0">
-                <a:solidFill>
-                  <a:schemeClr val="bg1"/>
-                </a:solidFill>
-                <a:latin typeface="Rockwell Extra Bold" panose="02060903040505020403" pitchFamily="18" charset="0"/>
-              </a:rPr>
-              <a:t>Aszteroida:</a:t>
-            </a:r>
-          </a:p>
-        </p:txBody>
-      </p:sp>
-      <p:sp>
-        <p:nvSpPr>
-          <p:cNvPr id="6" name="Tartalom helye 5">
-            <a:extLst>
-              <a:ext uri="{FF2B5EF4-FFF2-40B4-BE49-F238E27FC236}">
-                <a16:creationId xmlns:a16="http://schemas.microsoft.com/office/drawing/2014/main" id="{8D702564-4F84-7924-3D25-252247077405}"/>
-              </a:ext>
-            </a:extLst>
-          </p:cNvPr>
-          <p:cNvSpPr>
-            <a:spLocks noGrp="1"/>
-          </p:cNvSpPr>
-          <p:nvPr>
-            <p:ph idx="1"/>
-          </p:nvPr>
-        </p:nvSpPr>
-        <p:spPr/>
-        <p:txBody>
-          <a:bodyPr/>
-          <a:lstStyle/>
-          <a:p>
-            <a:pPr marL="0" indent="0">
-              <a:buNone/>
-            </a:pPr>
-            <a:endParaRPr lang="hu-HU" dirty="0"/>
-          </a:p>
-        </p:txBody>
-      </p:sp>
-      <p:pic>
-        <p:nvPicPr>
-          <p:cNvPr id="7" name="Tartalom helye 2">
-            <a:extLst>
-              <a:ext uri="{FF2B5EF4-FFF2-40B4-BE49-F238E27FC236}">
-                <a16:creationId xmlns:a16="http://schemas.microsoft.com/office/drawing/2014/main" id="{36865066-84FE-B384-52CF-090A5306152E}"/>
-              </a:ext>
-            </a:extLst>
-          </p:cNvPr>
-          <p:cNvPicPr>
-            <a:picLocks noChangeAspect="1"/>
-          </p:cNvPicPr>
-          <p:nvPr/>
-        </p:nvPicPr>
-        <p:blipFill rotWithShape="1">
-          <a:blip r:embed="rId2">
-            <a:extLst>
-              <a:ext uri="{28A0092B-C50C-407E-A947-70E740481C1C}">
-                <a14:useLocalDpi xmlns:a14="http://schemas.microsoft.com/office/drawing/2010/main" val="0"/>
-              </a:ext>
-            </a:extLst>
-          </a:blip>
-          <a:srcRect t="2374" b="713"/>
-          <a:stretch/>
-        </p:blipFill>
-        <p:spPr>
-          <a:xfrm>
-            <a:off x="5184905" y="681037"/>
-            <a:ext cx="4895313" cy="6105378"/>
-          </a:xfrm>
-          <a:prstGeom prst="rect">
-            <a:avLst/>
-          </a:prstGeom>
-        </p:spPr>
-      </p:pic>
-      <p:pic>
-        <p:nvPicPr>
-          <p:cNvPr id="32" name="Tartalom helye 40">
-            <a:extLst>
-              <a:ext uri="{FF2B5EF4-FFF2-40B4-BE49-F238E27FC236}">
-                <a16:creationId xmlns:a16="http://schemas.microsoft.com/office/drawing/2014/main" id="{94E79D0C-3D58-4F68-833D-3A1669753B83}"/>
-              </a:ext>
-            </a:extLst>
-          </p:cNvPr>
-          <p:cNvPicPr>
-            <a:picLocks noChangeAspect="1"/>
-          </p:cNvPicPr>
-          <p:nvPr/>
-        </p:nvPicPr>
-        <p:blipFill rotWithShape="1">
-          <a:blip r:embed="rId3">
-            <a:extLst>
-              <a:ext uri="{28A0092B-C50C-407E-A947-70E740481C1C}">
-                <a14:useLocalDpi xmlns:a14="http://schemas.microsoft.com/office/drawing/2010/main" val="0"/>
-              </a:ext>
-            </a:extLst>
-          </a:blip>
-          <a:srcRect l="17765" t="14930" r="14083" b="21948"/>
-          <a:stretch/>
-        </p:blipFill>
-        <p:spPr>
-          <a:xfrm>
-            <a:off x="52037" y="4421991"/>
-            <a:ext cx="1969477" cy="1824129"/>
-          </a:xfrm>
-          <a:prstGeom prst="rect">
-            <a:avLst/>
-          </a:prstGeom>
-        </p:spPr>
-      </p:pic>
-    </p:spTree>
-    <p:extLst>
-      <p:ext uri="{BB962C8B-B14F-4D97-AF65-F5344CB8AC3E}">
-        <p14:creationId xmlns:p14="http://schemas.microsoft.com/office/powerpoint/2010/main" val="501682490"/>
-      </p:ext>
-    </p:extLst>
-  </p:cSld>
-  <p:clrMapOvr>
-    <a:masterClrMapping/>
-  </p:clrMapOvr>
-  <mc:AlternateContent xmlns:mc="http://schemas.openxmlformats.org/markup-compatibility/2006" xmlns:p14="http://schemas.microsoft.com/office/powerpoint/2010/main">
-    <mc:Choice Requires="p14">
-      <p:transition spd="slow" p14:dur="4000">
-        <p14:vortex dir="r"/>
-      </p:transition>
-    </mc:Choice>
-    <mc:Fallback xmlns="">
-      <p:transition spd="slow">
-        <p:fade/>
-      </p:transition>
-    </mc:Fallback>
-  </mc:AlternateContent>
-  <p:timing>
-    <p:tnLst>
-      <p:par>
-        <p:cTn id="1" dur="indefinite" restart="never" nodeType="tmRoot">
-          <p:childTnLst>
-            <p:seq concurrent="1" nextAc="seek">
-              <p:cTn id="2" dur="indefinite" nodeType="mainSeq">
-                <p:childTnLst>
-                  <p:par>
-                    <p:cTn id="3" fill="hold">
-                      <p:stCondLst>
-                        <p:cond delay="indefinite"/>
-                      </p:stCondLst>
-                      <p:childTnLst>
-                        <p:par>
-                          <p:cTn id="4" fill="hold">
-                            <p:stCondLst>
-                              <p:cond delay="0"/>
-                            </p:stCondLst>
-                            <p:childTnLst>
-                              <p:par>
-                                <p:cTn id="5" presetID="0" presetClass="path" presetSubtype="0" accel="50000" decel="50000" fill="hold" nodeType="clickEffect">
-                                  <p:stCondLst>
-                                    <p:cond delay="0"/>
-                                  </p:stCondLst>
-                                  <p:childTnLst>
-                                    <p:animMotion origin="layout" path="M 3.95833E-6 2.22222E-6 C 0.00026 -0.0294 0.00052 -0.0588 0.00104 -0.0882 C 0.0013 -0.09514 0.00195 -0.10185 0.00208 -0.1088 C 0.00273 -0.1375 0.00286 -0.16621 0.00325 -0.19491 C 0.00286 -0.25232 0.00299 -0.30972 0.00208 -0.36713 C 0.00182 -0.3831 0.00078 -0.39861 3.95833E-6 -0.41435 C -0.00079 -0.42917 -0.00131 -0.43704 -0.00235 -0.45139 C -0.00612 -0.50093 -0.00118 -0.43403 -0.00469 -0.47801 C -0.00508 -0.48357 -0.00534 -0.48889 -0.00586 -0.49445 C -0.00899 -0.53588 -0.00443 -0.4713 -0.00795 -0.52315 C -0.00782 -0.54375 -0.00769 -0.56412 -0.00704 -0.58472 C -0.0069 -0.58681 -0.00651 -0.58912 -0.00586 -0.59074 C -0.00495 -0.59329 -0.00352 -0.59491 -0.00235 -0.59699 C -0.00157 -0.60047 -0.00131 -0.60417 3.95833E-6 -0.60718 C 0.00078 -0.60926 0.00221 -0.60972 0.00325 -0.61134 C 0.00416 -0.6125 0.00481 -0.61389 0.0056 -0.61551 C 0.00677 -0.61806 0.00755 -0.6213 0.00898 -0.62361 C 0.01093 -0.62685 0.01354 -0.62917 0.01588 -0.63195 C 0.01927 -0.63588 0.02461 -0.64144 0.02838 -0.64422 C 0.02981 -0.64514 0.03138 -0.6456 0.03294 -0.6463 C 0.03554 -0.64699 0.03828 -0.64769 0.04088 -0.64815 C 0.04388 -0.64908 0.047 -0.64931 0.04987 -0.65023 C 0.05989 -0.65394 0.06953 -0.65972 0.07955 -0.6625 C 0.1138 -0.67199 0.07838 -0.66273 0.10468 -0.66875 C 0.11302 -0.6706 0.12122 -0.675 0.12968 -0.675 L 0.67031 -0.67685 L 0.77382 -0.675 C 0.7763 -0.67477 0.7806 -0.67084 0.7806 -0.6706 C 0.78971 -0.65857 0.78125 -0.67176 0.79101 -0.64815 C 0.79323 -0.64283 0.79518 -0.63658 0.79778 -0.63195 C 0.80169 -0.62477 0.80169 -0.6257 0.80468 -0.61551 C 0.80507 -0.61343 0.80546 -0.61134 0.80573 -0.60926 C 0.80638 -0.60394 0.80742 -0.59838 0.80807 -0.59283 C 0.80911 -0.5838 0.80976 -0.57084 0.81015 -0.56204 C 0.8108 -0.55394 0.81093 -0.5456 0.81145 -0.5375 C 0.81315 -0.50463 0.81224 -0.53912 0.8138 -0.49653 C 0.81419 -0.48426 0.81432 -0.47176 0.81484 -0.45949 C 0.81549 -0.44468 0.81588 -0.45116 0.81718 -0.43912 C 0.81796 -0.43079 0.81901 -0.41389 0.8194 -0.40625 C 0.81992 -0.39861 0.81992 -0.39121 0.82057 -0.38357 C 0.82109 -0.37547 0.82239 -0.36736 0.82278 -0.35903 C 0.82395 -0.34329 0.82408 -0.32755 0.82487 -0.31181 C 0.82604 -0.29607 0.82747 -0.28056 0.82825 -0.26459 C 0.83151 -0.21482 0.82747 -0.25579 0.83203 -0.21551 C 0.83541 -0.08496 0.8332 -0.18681 0.8332 0.09028 " pathEditMode="relative" rAng="0" ptsTypes="AAAAAAAAAAAAAAAAAAAAAAAAAAAAAAAAAAAAAAAAAAAAA">
-                                      <p:cBhvr>
-                                        <p:cTn id="6" dur="5500" fill="hold"/>
-                                        <p:tgtEl>
-                                          <p:spTgt spid="32"/>
-                                        </p:tgtEl>
-                                        <p:attrNameLst>
-                                          <p:attrName>ppt_x</p:attrName>
-                                          <p:attrName>ppt_y</p:attrName>
-                                        </p:attrNameLst>
-                                      </p:cBhvr>
-                                      <p:rCtr x="41289" y="-29329"/>
-                                    </p:animMotion>
-                                  </p:childTnLst>
-                                </p:cTn>
-                              </p:par>
-                            </p:childTnLst>
-                          </p:cTn>
-                        </p:par>
-                      </p:childTnLst>
-                    </p:cTn>
-                  </p:par>
-                  <p:par>
-                    <p:cTn id="7" fill="hold">
-                      <p:stCondLst>
-                        <p:cond delay="indefinite"/>
-                      </p:stCondLst>
-                      <p:childTnLst>
-                        <p:par>
-                          <p:cTn id="8" fill="hold">
-                            <p:stCondLst>
-                              <p:cond delay="0"/>
-                            </p:stCondLst>
-                            <p:childTnLst>
-                              <p:par>
-                                <p:cTn id="9" presetID="26" presetClass="entr" presetSubtype="0" fill="hold" nodeType="clickEffect">
-                                  <p:stCondLst>
-                                    <p:cond delay="0"/>
-                                  </p:stCondLst>
-                                  <p:childTnLst>
-                                    <p:set>
-                                      <p:cBhvr>
-                                        <p:cTn id="10" dur="1" fill="hold">
-                                          <p:stCondLst>
-                                            <p:cond delay="0"/>
-                                          </p:stCondLst>
-                                        </p:cTn>
-                                        <p:tgtEl>
-                                          <p:spTgt spid="7"/>
-                                        </p:tgtEl>
-                                        <p:attrNameLst>
-                                          <p:attrName>style.visibility</p:attrName>
-                                        </p:attrNameLst>
-                                      </p:cBhvr>
-                                      <p:to>
-                                        <p:strVal val="visible"/>
-                                      </p:to>
-                                    </p:set>
-                                    <p:animEffect transition="in" filter="wipe(down)">
-                                      <p:cBhvr>
-                                        <p:cTn id="11" dur="580">
-                                          <p:stCondLst>
-                                            <p:cond delay="0"/>
-                                          </p:stCondLst>
-                                        </p:cTn>
-                                        <p:tgtEl>
-                                          <p:spTgt spid="7"/>
-                                        </p:tgtEl>
-                                      </p:cBhvr>
-                                    </p:animEffect>
-                                    <p:anim calcmode="lin" valueType="num">
-                                      <p:cBhvr>
-                                        <p:cTn id="12" dur="1822" tmFilter="0,0; 0.14,0.36; 0.43,0.73; 0.71,0.91; 1.0,1.0">
-                                          <p:stCondLst>
-                                            <p:cond delay="0"/>
-                                          </p:stCondLst>
-                                        </p:cTn>
-                                        <p:tgtEl>
-                                          <p:spTgt spid="7"/>
-                                        </p:tgtEl>
-                                        <p:attrNameLst>
-                                          <p:attrName>ppt_x</p:attrName>
-                                        </p:attrNameLst>
-                                      </p:cBhvr>
-                                      <p:tavLst>
-                                        <p:tav tm="0">
-                                          <p:val>
-                                            <p:strVal val="#ppt_x-0.25"/>
-                                          </p:val>
-                                        </p:tav>
-                                        <p:tav tm="100000">
-                                          <p:val>
-                                            <p:strVal val="#ppt_x"/>
-                                          </p:val>
-                                        </p:tav>
-                                      </p:tavLst>
-                                    </p:anim>
-                                    <p:anim calcmode="lin" valueType="num">
-                                      <p:cBhvr>
-                                        <p:cTn id="13" dur="664" tmFilter="0.0,0.0; 0.25,0.07; 0.50,0.2; 0.75,0.467; 1.0,1.0">
-                                          <p:stCondLst>
-                                            <p:cond delay="0"/>
-                                          </p:stCondLst>
-                                        </p:cTn>
-                                        <p:tgtEl>
-                                          <p:spTgt spid="7"/>
-                                        </p:tgtEl>
-                                        <p:attrNameLst>
-                                          <p:attrName>ppt_y</p:attrName>
-                                        </p:attrNameLst>
-                                      </p:cBhvr>
-                                      <p:tavLst>
-                                        <p:tav tm="0" fmla="#ppt_y-sin(pi*$)/3">
-                                          <p:val>
-                                            <p:fltVal val="0.5"/>
-                                          </p:val>
-                                        </p:tav>
-                                        <p:tav tm="100000">
-                                          <p:val>
-                                            <p:fltVal val="1"/>
-                                          </p:val>
-                                        </p:tav>
-                                      </p:tavLst>
-                                    </p:anim>
-                                    <p:anim calcmode="lin" valueType="num">
-                                      <p:cBhvr>
-                                        <p:cTn id="14" dur="664" tmFilter="0, 0; 0.125,0.2665; 0.25,0.4; 0.375,0.465; 0.5,0.5;  0.625,0.535; 0.75,0.6; 0.875,0.7335; 1,1">
-                                          <p:stCondLst>
-                                            <p:cond delay="664"/>
-                                          </p:stCondLst>
-                                        </p:cTn>
-                                        <p:tgtEl>
-                                          <p:spTgt spid="7"/>
-                                        </p:tgtEl>
-                                        <p:attrNameLst>
-                                          <p:attrName>ppt_y</p:attrName>
-                                        </p:attrNameLst>
-                                      </p:cBhvr>
-                                      <p:tavLst>
-                                        <p:tav tm="0" fmla="#ppt_y-sin(pi*$)/9">
-                                          <p:val>
-                                            <p:fltVal val="0"/>
-                                          </p:val>
-                                        </p:tav>
-                                        <p:tav tm="100000">
-                                          <p:val>
-                                            <p:fltVal val="1"/>
-                                          </p:val>
-                                        </p:tav>
-                                      </p:tavLst>
-                                    </p:anim>
-                                    <p:anim calcmode="lin" valueType="num">
-                                      <p:cBhvr>
-                                        <p:cTn id="15" dur="332" tmFilter="0, 0; 0.125,0.2665; 0.25,0.4; 0.375,0.465; 0.5,0.5;  0.625,0.535; 0.75,0.6; 0.875,0.7335; 1,1">
-                                          <p:stCondLst>
-                                            <p:cond delay="1324"/>
-                                          </p:stCondLst>
-                                        </p:cTn>
-                                        <p:tgtEl>
-                                          <p:spTgt spid="7"/>
-                                        </p:tgtEl>
-                                        <p:attrNameLst>
-                                          <p:attrName>ppt_y</p:attrName>
-                                        </p:attrNameLst>
-                                      </p:cBhvr>
-                                      <p:tavLst>
-                                        <p:tav tm="0" fmla="#ppt_y-sin(pi*$)/27">
-                                          <p:val>
-                                            <p:fltVal val="0"/>
-                                          </p:val>
-                                        </p:tav>
-                                        <p:tav tm="100000">
-                                          <p:val>
-                                            <p:fltVal val="1"/>
-                                          </p:val>
-                                        </p:tav>
-                                      </p:tavLst>
-                                    </p:anim>
-                                    <p:anim calcmode="lin" valueType="num">
-                                      <p:cBhvr>
-                                        <p:cTn id="16" dur="164" tmFilter="0, 0; 0.125,0.2665; 0.25,0.4; 0.375,0.465; 0.5,0.5;  0.625,0.535; 0.75,0.6; 0.875,0.7335; 1,1">
-                                          <p:stCondLst>
-                                            <p:cond delay="1656"/>
-                                          </p:stCondLst>
-                                        </p:cTn>
-                                        <p:tgtEl>
-                                          <p:spTgt spid="7"/>
-                                        </p:tgtEl>
-                                        <p:attrNameLst>
-                                          <p:attrName>ppt_y</p:attrName>
-                                        </p:attrNameLst>
-                                      </p:cBhvr>
-                                      <p:tavLst>
-                                        <p:tav tm="0" fmla="#ppt_y-sin(pi*$)/81">
-                                          <p:val>
-                                            <p:fltVal val="0"/>
-                                          </p:val>
-                                        </p:tav>
-                                        <p:tav tm="100000">
-                                          <p:val>
-                                            <p:fltVal val="1"/>
-                                          </p:val>
-                                        </p:tav>
-                                      </p:tavLst>
-                                    </p:anim>
-                                    <p:animScale>
-                                      <p:cBhvr>
-                                        <p:cTn id="17" dur="26">
-                                          <p:stCondLst>
-                                            <p:cond delay="650"/>
-                                          </p:stCondLst>
-                                        </p:cTn>
-                                        <p:tgtEl>
-                                          <p:spTgt spid="7"/>
-                                        </p:tgtEl>
-                                      </p:cBhvr>
-                                      <p:to x="100000" y="60000"/>
-                                    </p:animScale>
-                                    <p:animScale>
-                                      <p:cBhvr>
-                                        <p:cTn id="18" dur="166" decel="50000">
-                                          <p:stCondLst>
-                                            <p:cond delay="676"/>
-                                          </p:stCondLst>
-                                        </p:cTn>
-                                        <p:tgtEl>
-                                          <p:spTgt spid="7"/>
-                                        </p:tgtEl>
-                                      </p:cBhvr>
-                                      <p:to x="100000" y="100000"/>
-                                    </p:animScale>
-                                    <p:animScale>
-                                      <p:cBhvr>
-                                        <p:cTn id="19" dur="26">
-                                          <p:stCondLst>
-                                            <p:cond delay="1312"/>
-                                          </p:stCondLst>
-                                        </p:cTn>
-                                        <p:tgtEl>
-                                          <p:spTgt spid="7"/>
-                                        </p:tgtEl>
-                                      </p:cBhvr>
-                                      <p:to x="100000" y="80000"/>
-                                    </p:animScale>
-                                    <p:animScale>
-                                      <p:cBhvr>
-                                        <p:cTn id="20" dur="166" decel="50000">
-                                          <p:stCondLst>
-                                            <p:cond delay="1338"/>
-                                          </p:stCondLst>
-                                        </p:cTn>
-                                        <p:tgtEl>
-                                          <p:spTgt spid="7"/>
-                                        </p:tgtEl>
-                                      </p:cBhvr>
-                                      <p:to x="100000" y="100000"/>
-                                    </p:animScale>
-                                    <p:animScale>
-                                      <p:cBhvr>
-                                        <p:cTn id="21" dur="26">
-                                          <p:stCondLst>
-                                            <p:cond delay="1642"/>
-                                          </p:stCondLst>
-                                        </p:cTn>
-                                        <p:tgtEl>
-                                          <p:spTgt spid="7"/>
-                                        </p:tgtEl>
-                                      </p:cBhvr>
-                                      <p:to x="100000" y="90000"/>
-                                    </p:animScale>
-                                    <p:animScale>
-                                      <p:cBhvr>
-                                        <p:cTn id="22" dur="166" decel="50000">
-                                          <p:stCondLst>
-                                            <p:cond delay="1668"/>
-                                          </p:stCondLst>
-                                        </p:cTn>
-                                        <p:tgtEl>
-                                          <p:spTgt spid="7"/>
-                                        </p:tgtEl>
-                                      </p:cBhvr>
-                                      <p:to x="100000" y="100000"/>
-                                    </p:animScale>
-                                    <p:animScale>
-                                      <p:cBhvr>
-                                        <p:cTn id="23" dur="26">
-                                          <p:stCondLst>
-                                            <p:cond delay="1808"/>
-                                          </p:stCondLst>
-                                        </p:cTn>
-                                        <p:tgtEl>
-                                          <p:spTgt spid="7"/>
-                                        </p:tgtEl>
-                                      </p:cBhvr>
-                                      <p:to x="100000" y="95000"/>
-                                    </p:animScale>
-                                    <p:animScale>
-                                      <p:cBhvr>
-                                        <p:cTn id="24" dur="166" decel="50000">
-                                          <p:stCondLst>
-                                            <p:cond delay="1834"/>
-                                          </p:stCondLst>
-                                        </p:cTn>
-                                        <p:tgtEl>
-                                          <p:spTgt spid="7"/>
-                                        </p:tgtEl>
-                                      </p:cBhvr>
-                                      <p:to x="100000" y="100000"/>
-                                    </p:animScale>
-                                  </p:childTnLst>
-                                </p:cTn>
-                              </p:par>
-                            </p:childTnLst>
-                          </p:cTn>
-                        </p:par>
-                      </p:childTnLst>
-                    </p:cTn>
-                  </p:par>
-                </p:childTnLst>
-              </p:cTn>
-              <p:prevCondLst>
-                <p:cond evt="onPrev" delay="0">
-                  <p:tgtEl>
-                    <p:sldTgt/>
-                  </p:tgtEl>
-                </p:cond>
-              </p:prevCondLst>
-              <p:nextCondLst>
-                <p:cond evt="onNext" delay="0">
-                  <p:tgtEl>
-                    <p:sldTgt/>
-                  </p:tgtEl>
-                </p:cond>
-              </p:nextCondLst>
-            </p:seq>
-          </p:childTnLst>
-        </p:cTn>
-      </p:par>
-    </p:tnLst>
-  </p:timing>
-</p:sld>
-</file>
-
-<file path=ppt/slides/slide5.xml><?xml version="1.0" encoding="utf-8"?>
-<p:sld xmlns:a="http://schemas.openxmlformats.org/drawingml/2006/main" xmlns:r="http://schemas.openxmlformats.org/officeDocument/2006/relationships" xmlns:p="http://schemas.openxmlformats.org/presentationml/2006/main">
-  <p:cSld>
-    <p:bg>
-      <p:bgPr>
-        <a:gradFill>
-          <a:gsLst>
-            <a:gs pos="0">
-              <a:schemeClr val="tx1">
-                <a:lumMod val="100000"/>
-              </a:schemeClr>
-            </a:gs>
-            <a:gs pos="50000">
-              <a:schemeClr val="tx1">
-                <a:lumMod val="97000"/>
-                <a:lumOff val="3000"/>
-              </a:schemeClr>
-            </a:gs>
-            <a:gs pos="75000">
-              <a:schemeClr val="tx1">
-                <a:lumMod val="92000"/>
-                <a:lumOff val="8000"/>
-              </a:schemeClr>
-            </a:gs>
-            <a:gs pos="100000">
-              <a:schemeClr val="tx1">
-                <a:lumMod val="77000"/>
-                <a:lumOff val="23000"/>
-              </a:schemeClr>
-            </a:gs>
-          </a:gsLst>
-          <a:lin ang="5400000" scaled="1"/>
-        </a:gradFill>
-        <a:effectLst/>
-      </p:bgPr>
-    </p:bg>
-    <p:spTree>
-      <p:nvGrpSpPr>
-        <p:cNvPr id="1" name=""/>
-        <p:cNvGrpSpPr/>
-        <p:nvPr/>
-      </p:nvGrpSpPr>
-      <p:grpSpPr>
-        <a:xfrm>
-          <a:off x="0" y="0"/>
-          <a:ext cx="0" cy="0"/>
-          <a:chOff x="0" y="0"/>
-          <a:chExt cx="0" cy="0"/>
-        </a:xfrm>
-      </p:grpSpPr>
-      <p:sp>
-        <p:nvSpPr>
-          <p:cNvPr id="4" name="Cím 3">
-            <a:extLst>
-              <a:ext uri="{FF2B5EF4-FFF2-40B4-BE49-F238E27FC236}">
-                <a16:creationId xmlns:a16="http://schemas.microsoft.com/office/drawing/2014/main" id="{453596F3-FBA1-41AF-9C15-80D5B1DE01AC}"/>
-              </a:ext>
-            </a:extLst>
-          </p:cNvPr>
-          <p:cNvSpPr>
-            <a:spLocks noGrp="1"/>
-          </p:cNvSpPr>
-          <p:nvPr>
-            <p:ph type="title"/>
-          </p:nvPr>
-        </p:nvSpPr>
-        <p:spPr>
-          <a:xfrm>
-            <a:off x="1310426" y="365125"/>
-            <a:ext cx="10043373" cy="1325563"/>
-          </a:xfrm>
-        </p:spPr>
-        <p:txBody>
-          <a:bodyPr/>
-          <a:lstStyle/>
-          <a:p>
-            <a:r>
-              <a:rPr lang="hu-HU" b="1" dirty="0">
-                <a:solidFill>
-                  <a:schemeClr val="bg1"/>
-                </a:solidFill>
-                <a:latin typeface="Rockwell Extra Bold" panose="02060903040505020403" pitchFamily="18" charset="0"/>
-              </a:rPr>
-              <a:t>Lövedék</a:t>
-            </a:r>
-            <a:r>
-              <a:rPr lang="hu-HU" dirty="0">
-                <a:solidFill>
-                  <a:schemeClr val="bg1"/>
-                </a:solidFill>
-                <a:latin typeface="Rockwell Extra Bold" panose="02060903040505020403" pitchFamily="18" charset="0"/>
-              </a:rPr>
-              <a:t>:</a:t>
-            </a:r>
-          </a:p>
-        </p:txBody>
-      </p:sp>
-      <p:pic>
-        <p:nvPicPr>
-          <p:cNvPr id="13" name="Tartalom helye 7">
-            <a:extLst>
-              <a:ext uri="{FF2B5EF4-FFF2-40B4-BE49-F238E27FC236}">
-                <a16:creationId xmlns:a16="http://schemas.microsoft.com/office/drawing/2014/main" id="{83F8892C-906D-4FFF-903A-170338DAB96A}"/>
-              </a:ext>
-            </a:extLst>
-          </p:cNvPr>
-          <p:cNvPicPr>
-            <a:picLocks noChangeAspect="1"/>
-          </p:cNvPicPr>
-          <p:nvPr/>
-        </p:nvPicPr>
-        <p:blipFill>
-          <a:blip r:embed="rId2">
-            <a:extLst>
-              <a:ext uri="{28A0092B-C50C-407E-A947-70E740481C1C}">
-                <a14:useLocalDpi xmlns:a14="http://schemas.microsoft.com/office/drawing/2010/main" val="0"/>
-              </a:ext>
-            </a:extLst>
-          </a:blip>
-          <a:stretch>
-            <a:fillRect/>
-          </a:stretch>
-        </p:blipFill>
-        <p:spPr>
-          <a:xfrm>
-            <a:off x="4395246" y="2107733"/>
-            <a:ext cx="963637" cy="963637"/>
-          </a:xfrm>
-          <a:prstGeom prst="rect">
-            <a:avLst/>
-          </a:prstGeom>
-        </p:spPr>
-      </p:pic>
-      <p:pic>
-        <p:nvPicPr>
-          <p:cNvPr id="14" name="Kép 13">
-            <a:extLst>
-              <a:ext uri="{FF2B5EF4-FFF2-40B4-BE49-F238E27FC236}">
-                <a16:creationId xmlns:a16="http://schemas.microsoft.com/office/drawing/2014/main" id="{B7376CB5-2382-4F91-8853-C498D51C3D57}"/>
-              </a:ext>
-            </a:extLst>
-          </p:cNvPr>
-          <p:cNvPicPr>
-            <a:picLocks noChangeAspect="1"/>
-          </p:cNvPicPr>
-          <p:nvPr/>
-        </p:nvPicPr>
-        <p:blipFill>
-          <a:blip r:embed="rId3">
-            <a:extLst>
-              <a:ext uri="{28A0092B-C50C-407E-A947-70E740481C1C}">
-                <a14:useLocalDpi xmlns:a14="http://schemas.microsoft.com/office/drawing/2010/main" val="0"/>
-              </a:ext>
-            </a:extLst>
-          </a:blip>
-          <a:stretch>
-            <a:fillRect/>
-          </a:stretch>
-        </p:blipFill>
-        <p:spPr>
-          <a:xfrm>
-            <a:off x="5850293" y="2107733"/>
-            <a:ext cx="963637" cy="963637"/>
-          </a:xfrm>
-          <a:prstGeom prst="rect">
-            <a:avLst/>
-          </a:prstGeom>
-        </p:spPr>
-      </p:pic>
-      <p:pic>
-        <p:nvPicPr>
-          <p:cNvPr id="2" name="Tartalom helye 7">
-            <a:extLst>
-              <a:ext uri="{FF2B5EF4-FFF2-40B4-BE49-F238E27FC236}">
-                <a16:creationId xmlns:a16="http://schemas.microsoft.com/office/drawing/2014/main" id="{B7664C09-B5DF-126F-9801-3B3240DE4C5F}"/>
-              </a:ext>
-            </a:extLst>
-          </p:cNvPr>
-          <p:cNvPicPr>
-            <a:picLocks noChangeAspect="1"/>
-          </p:cNvPicPr>
-          <p:nvPr/>
-        </p:nvPicPr>
-        <p:blipFill>
-          <a:blip r:embed="rId2">
-            <a:extLst>
-              <a:ext uri="{28A0092B-C50C-407E-A947-70E740481C1C}">
-                <a14:useLocalDpi xmlns:a14="http://schemas.microsoft.com/office/drawing/2010/main" val="0"/>
-              </a:ext>
-            </a:extLst>
-          </a:blip>
-          <a:stretch>
-            <a:fillRect/>
-          </a:stretch>
-        </p:blipFill>
-        <p:spPr>
-          <a:xfrm>
-            <a:off x="5850292" y="3353477"/>
-            <a:ext cx="963637" cy="963637"/>
-          </a:xfrm>
-          <a:prstGeom prst="rect">
-            <a:avLst/>
-          </a:prstGeom>
-        </p:spPr>
-      </p:pic>
-      <p:pic>
-        <p:nvPicPr>
-          <p:cNvPr id="3" name="Kép 2">
-            <a:extLst>
-              <a:ext uri="{FF2B5EF4-FFF2-40B4-BE49-F238E27FC236}">
-                <a16:creationId xmlns:a16="http://schemas.microsoft.com/office/drawing/2014/main" id="{732062A3-2908-F57A-633C-0BECA75EA6D5}"/>
-              </a:ext>
-            </a:extLst>
-          </p:cNvPr>
-          <p:cNvPicPr>
-            <a:picLocks noChangeAspect="1"/>
-          </p:cNvPicPr>
-          <p:nvPr/>
-        </p:nvPicPr>
-        <p:blipFill>
-          <a:blip r:embed="rId3">
-            <a:extLst>
-              <a:ext uri="{28A0092B-C50C-407E-A947-70E740481C1C}">
-                <a14:useLocalDpi xmlns:a14="http://schemas.microsoft.com/office/drawing/2010/main" val="0"/>
-              </a:ext>
-            </a:extLst>
-          </a:blip>
-          <a:stretch>
-            <a:fillRect/>
-          </a:stretch>
-        </p:blipFill>
-        <p:spPr>
-          <a:xfrm>
-            <a:off x="4395246" y="3353478"/>
-            <a:ext cx="963637" cy="963637"/>
-          </a:xfrm>
-          <a:prstGeom prst="rect">
-            <a:avLst/>
-          </a:prstGeom>
-        </p:spPr>
-      </p:pic>
-      <p:pic>
-        <p:nvPicPr>
-          <p:cNvPr id="6" name="Tartalom helye 2">
-            <a:extLst>
-              <a:ext uri="{FF2B5EF4-FFF2-40B4-BE49-F238E27FC236}">
-                <a16:creationId xmlns:a16="http://schemas.microsoft.com/office/drawing/2014/main" id="{944662CF-6F2F-4933-8F2A-CAC27D1D0F9E}"/>
-              </a:ext>
-            </a:extLst>
-          </p:cNvPr>
-          <p:cNvPicPr>
-            <a:picLocks noChangeAspect="1"/>
-          </p:cNvPicPr>
-          <p:nvPr/>
-        </p:nvPicPr>
-        <p:blipFill rotWithShape="1">
-          <a:blip r:embed="rId4">
-            <a:extLst>
-              <a:ext uri="{28A0092B-C50C-407E-A947-70E740481C1C}">
-                <a14:useLocalDpi xmlns:a14="http://schemas.microsoft.com/office/drawing/2010/main" val="0"/>
-              </a:ext>
-            </a:extLst>
-          </a:blip>
-          <a:srcRect l="1849" r="4234"/>
-          <a:stretch/>
-        </p:blipFill>
-        <p:spPr>
-          <a:xfrm>
-            <a:off x="4490336" y="365125"/>
-            <a:ext cx="6391238" cy="6332355"/>
-          </a:xfrm>
-          <a:prstGeom prst="rect">
-            <a:avLst/>
-          </a:prstGeom>
-        </p:spPr>
-      </p:pic>
-    </p:spTree>
-    <p:extLst>
-      <p:ext uri="{BB962C8B-B14F-4D97-AF65-F5344CB8AC3E}">
-        <p14:creationId xmlns:p14="http://schemas.microsoft.com/office/powerpoint/2010/main" val="905483556"/>
-      </p:ext>
-    </p:extLst>
-  </p:cSld>
-  <p:clrMapOvr>
-    <a:masterClrMapping/>
-  </p:clrMapOvr>
-  <mc:AlternateContent xmlns:mc="http://schemas.openxmlformats.org/markup-compatibility/2006" xmlns:p15="http://schemas.microsoft.com/office/powerpoint/2012/main">
-    <mc:Choice Requires="p15">
-      <p:transition xmlns:p14="http://schemas.microsoft.com/office/powerpoint/2010/main" spd="slow" p14:dur="2000">
-        <p15:prstTrans prst="fracture"/>
-      </p:transition>
-    </mc:Choice>
-    <mc:Fallback xmlns="">
-      <p:transition spd="slow">
-        <p:fade/>
-      </p:transition>
-    </mc:Fallback>
-  </mc:AlternateContent>
-  <p:timing>
-    <p:tnLst>
-      <p:par>
-        <p:cTn id="1" dur="indefinite" restart="never" nodeType="tmRoot">
-          <p:childTnLst>
-            <p:seq concurrent="1" nextAc="seek">
-              <p:cTn id="2" dur="indefinite" nodeType="mainSeq">
-                <p:childTnLst>
-                  <p:par>
-                    <p:cTn id="3" fill="hold">
-                      <p:stCondLst>
-                        <p:cond delay="indefinite"/>
-                      </p:stCondLst>
-                      <p:childTnLst>
-                        <p:par>
-                          <p:cTn id="4" fill="hold">
-                            <p:stCondLst>
-                              <p:cond delay="0"/>
-                            </p:stCondLst>
-                            <p:childTnLst>
-                              <p:par>
-                                <p:cTn id="5" presetID="0" presetClass="path" presetSubtype="0" accel="50000" decel="50000" fill="hold" nodeType="clickEffect">
-                                  <p:stCondLst>
-                                    <p:cond delay="0"/>
-                                  </p:stCondLst>
-                                  <p:childTnLst>
-                                    <p:animMotion origin="layout" path="M -0.00078 -0.00209 L -0.34115 -0.24213 " pathEditMode="relative" ptsTypes="AA">
-                                      <p:cBhvr>
-                                        <p:cTn id="6" dur="2000" fill="hold"/>
-                                        <p:tgtEl>
-                                          <p:spTgt spid="13"/>
-                                        </p:tgtEl>
-                                        <p:attrNameLst>
-                                          <p:attrName>ppt_x</p:attrName>
-                                          <p:attrName>ppt_y</p:attrName>
-                                        </p:attrNameLst>
-                                      </p:cBhvr>
-                                    </p:animMotion>
-                                  </p:childTnLst>
-                                </p:cTn>
-                              </p:par>
-                              <p:par>
-                                <p:cTn id="7" presetID="0" presetClass="path" presetSubtype="0" accel="50000" decel="50000" fill="hold" nodeType="withEffect">
-                                  <p:stCondLst>
-                                    <p:cond delay="0"/>
-                                  </p:stCondLst>
-                                  <p:childTnLst>
-                                    <p:animMotion origin="layout" path="M -0.00351 0.00601 L 0.41654 -0.24838 " pathEditMode="relative" ptsTypes="AA">
-                                      <p:cBhvr>
-                                        <p:cTn id="8" dur="2000" fill="hold"/>
-                                        <p:tgtEl>
-                                          <p:spTgt spid="14"/>
-                                        </p:tgtEl>
-                                        <p:attrNameLst>
-                                          <p:attrName>ppt_x</p:attrName>
-                                          <p:attrName>ppt_y</p:attrName>
-                                        </p:attrNameLst>
-                                      </p:cBhvr>
-                                    </p:animMotion>
-                                  </p:childTnLst>
-                                </p:cTn>
-                              </p:par>
-                              <p:par>
-                                <p:cTn id="9" presetID="0" presetClass="path" presetSubtype="0" accel="50000" decel="50000" fill="hold" nodeType="withEffect">
-                                  <p:stCondLst>
-                                    <p:cond delay="0"/>
-                                  </p:stCondLst>
-                                  <p:childTnLst>
-                                    <p:animMotion origin="layout" path="M -0.00312 -0.00116 L -0.33997 0.36203 " pathEditMode="relative" ptsTypes="AA">
-                                      <p:cBhvr>
-                                        <p:cTn id="10" dur="2000" fill="hold"/>
-                                        <p:tgtEl>
-                                          <p:spTgt spid="3"/>
-                                        </p:tgtEl>
-                                        <p:attrNameLst>
-                                          <p:attrName>ppt_x</p:attrName>
-                                          <p:attrName>ppt_y</p:attrName>
-                                        </p:attrNameLst>
-                                      </p:cBhvr>
-                                    </p:animMotion>
-                                  </p:childTnLst>
-                                </p:cTn>
-                              </p:par>
-                              <p:par>
-                                <p:cTn id="11" presetID="0" presetClass="path" presetSubtype="0" accel="50000" decel="50000" fill="hold" nodeType="withEffect">
-                                  <p:stCondLst>
-                                    <p:cond delay="0"/>
-                                  </p:stCondLst>
-                                  <p:childTnLst>
-                                    <p:animMotion origin="layout" path="M -0.00117 0.00509 L 0.41654 0.3537 " pathEditMode="relative" ptsTypes="AA">
-                                      <p:cBhvr>
-                                        <p:cTn id="12" dur="2000" fill="hold"/>
-                                        <p:tgtEl>
-                                          <p:spTgt spid="2"/>
-                                        </p:tgtEl>
-                                        <p:attrNameLst>
-                                          <p:attrName>ppt_x</p:attrName>
-                                          <p:attrName>ppt_y</p:attrName>
-                                        </p:attrNameLst>
-                                      </p:cBhvr>
-                                    </p:animMotion>
-                                  </p:childTnLst>
-                                </p:cTn>
-                              </p:par>
-                            </p:childTnLst>
-                          </p:cTn>
-                        </p:par>
-                      </p:childTnLst>
-                    </p:cTn>
-                  </p:par>
-                  <p:par>
-                    <p:cTn id="13" fill="hold">
-                      <p:stCondLst>
-                        <p:cond delay="indefinite"/>
-                      </p:stCondLst>
-                      <p:childTnLst>
-                        <p:par>
-                          <p:cTn id="14" fill="hold">
-                            <p:stCondLst>
-                              <p:cond delay="0"/>
-                            </p:stCondLst>
-                            <p:childTnLst>
-                              <p:par>
-                                <p:cTn id="15" presetID="6" presetClass="entr" presetSubtype="32" fill="hold" nodeType="clickEffect">
-                                  <p:stCondLst>
-                                    <p:cond delay="0"/>
-                                  </p:stCondLst>
-                                  <p:childTnLst>
-                                    <p:set>
-                                      <p:cBhvr>
-                                        <p:cTn id="16" dur="1" fill="hold">
-                                          <p:stCondLst>
-                                            <p:cond delay="0"/>
-                                          </p:stCondLst>
-                                        </p:cTn>
-                                        <p:tgtEl>
-                                          <p:spTgt spid="6"/>
-                                        </p:tgtEl>
-                                        <p:attrNameLst>
-                                          <p:attrName>style.visibility</p:attrName>
-                                        </p:attrNameLst>
-                                      </p:cBhvr>
-                                      <p:to>
-                                        <p:strVal val="visible"/>
-                                      </p:to>
-                                    </p:set>
-                                    <p:animEffect transition="in" filter="circle(out)">
-                                      <p:cBhvr>
-                                        <p:cTn id="17" dur="1750"/>
-                                        <p:tgtEl>
-                                          <p:spTgt spid="6"/>
-                                        </p:tgtEl>
-                                      </p:cBhvr>
-                                    </p:animEffect>
-                                  </p:childTnLst>
-                                </p:cTn>
-                              </p:par>
-                            </p:childTnLst>
-                          </p:cTn>
-                        </p:par>
-                      </p:childTnLst>
-                    </p:cTn>
-                  </p:par>
-                </p:childTnLst>
-              </p:cTn>
-              <p:prevCondLst>
-                <p:cond evt="onPrev" delay="0">
-                  <p:tgtEl>
-                    <p:sldTgt/>
-                  </p:tgtEl>
-                </p:cond>
-              </p:prevCondLst>
-              <p:nextCondLst>
-                <p:cond evt="onNext" delay="0">
-                  <p:tgtEl>
-                    <p:sldTgt/>
-                  </p:tgtEl>
-                </p:cond>
-              </p:nextCondLst>
-            </p:seq>
-          </p:childTnLst>
-        </p:cTn>
-      </p:par>
-    </p:tnLst>
-  </p:timing>
-</p:sld>
-</file>
-
-<file path=ppt/slides/slide6.xml><?xml version="1.0" encoding="utf-8"?>
-<p:sld xmlns:a="http://schemas.openxmlformats.org/drawingml/2006/main" xmlns:r="http://schemas.openxmlformats.org/officeDocument/2006/relationships" xmlns:p="http://schemas.openxmlformats.org/presentationml/2006/main">
-  <p:cSld>
-    <p:bg>
-      <p:bgPr>
-        <a:gradFill>
-          <a:gsLst>
-            <a:gs pos="0">
-              <a:schemeClr val="tx1">
-                <a:lumMod val="100000"/>
-              </a:schemeClr>
-            </a:gs>
-            <a:gs pos="50000">
-              <a:schemeClr val="tx1">
-                <a:lumMod val="97000"/>
-                <a:lumOff val="3000"/>
-              </a:schemeClr>
-            </a:gs>
-            <a:gs pos="75000">
-              <a:schemeClr val="tx1">
-                <a:lumMod val="92000"/>
-                <a:lumOff val="8000"/>
-              </a:schemeClr>
-            </a:gs>
-            <a:gs pos="100000">
-              <a:schemeClr val="tx1">
-                <a:lumMod val="77000"/>
-                <a:lumOff val="23000"/>
-              </a:schemeClr>
-            </a:gs>
-          </a:gsLst>
-          <a:lin ang="5400000" scaled="1"/>
-        </a:gradFill>
-        <a:effectLst/>
-      </p:bgPr>
-    </p:bg>
-    <p:spTree>
-      <p:nvGrpSpPr>
-        <p:cNvPr id="1" name=""/>
-        <p:cNvGrpSpPr/>
-        <p:nvPr/>
-      </p:nvGrpSpPr>
-      <p:grpSpPr>
-        <a:xfrm>
-          <a:off x="0" y="0"/>
-          <a:ext cx="0" cy="0"/>
-          <a:chOff x="0" y="0"/>
-          <a:chExt cx="0" cy="0"/>
-        </a:xfrm>
-      </p:grpSpPr>
-      <p:sp>
-        <p:nvSpPr>
-          <p:cNvPr id="13" name="Tartalom helye 12">
-            <a:extLst>
-              <a:ext uri="{FF2B5EF4-FFF2-40B4-BE49-F238E27FC236}">
-                <a16:creationId xmlns:a16="http://schemas.microsoft.com/office/drawing/2014/main" id="{16D2667F-7C0B-2723-219C-FB140BB6501C}"/>
-              </a:ext>
-            </a:extLst>
-          </p:cNvPr>
-          <p:cNvSpPr>
-            <a:spLocks noGrp="1"/>
-          </p:cNvSpPr>
-          <p:nvPr>
-            <p:ph idx="1"/>
-          </p:nvPr>
-        </p:nvSpPr>
-        <p:spPr/>
-        <p:txBody>
-          <a:bodyPr/>
-          <a:lstStyle/>
-          <a:p>
-            <a:endParaRPr lang="hu-HU"/>
-          </a:p>
-        </p:txBody>
-      </p:sp>
-      <p:sp>
-        <p:nvSpPr>
-          <p:cNvPr id="4" name="Cím 3">
-            <a:extLst>
-              <a:ext uri="{FF2B5EF4-FFF2-40B4-BE49-F238E27FC236}">
-                <a16:creationId xmlns:a16="http://schemas.microsoft.com/office/drawing/2014/main" id="{453596F3-FBA1-41AF-9C15-80D5B1DE01AC}"/>
-              </a:ext>
-            </a:extLst>
-          </p:cNvPr>
-          <p:cNvSpPr>
-            <a:spLocks noGrp="1"/>
-          </p:cNvSpPr>
-          <p:nvPr>
-            <p:ph type="title"/>
-          </p:nvPr>
-        </p:nvSpPr>
-        <p:spPr>
-          <a:xfrm>
-            <a:off x="838200" y="365125"/>
-            <a:ext cx="10515600" cy="1325563"/>
-          </a:xfrm>
-        </p:spPr>
-        <p:txBody>
-          <a:bodyPr/>
-          <a:lstStyle/>
-          <a:p>
-            <a:r>
-              <a:rPr lang="hu-HU" b="1" dirty="0">
-                <a:solidFill>
-                  <a:schemeClr val="bg1"/>
-                </a:solidFill>
-                <a:latin typeface="Rockwell Extra Bold" panose="02060903040505020403" pitchFamily="18" charset="0"/>
-              </a:rPr>
-              <a:t>Egyéb menük:</a:t>
-            </a:r>
-          </a:p>
-        </p:txBody>
-      </p:sp>
-      <p:pic>
-        <p:nvPicPr>
-          <p:cNvPr id="15" name="Tartalom helye 2" descr="A képen szöveg, képernyőkép, képernyő, szoftver látható&#10;&#10;Automatikusan generált leírás">
-            <a:extLst>
-              <a:ext uri="{FF2B5EF4-FFF2-40B4-BE49-F238E27FC236}">
-                <a16:creationId xmlns:a16="http://schemas.microsoft.com/office/drawing/2014/main" id="{C54906F7-87B0-19BA-2971-B6FC54C1A14F}"/>
-              </a:ext>
-            </a:extLst>
-          </p:cNvPr>
-          <p:cNvPicPr>
-            <a:picLocks noChangeAspect="1"/>
-          </p:cNvPicPr>
-          <p:nvPr/>
-        </p:nvPicPr>
-        <p:blipFill>
-          <a:blip r:embed="rId2">
-            <a:extLst>
-              <a:ext uri="{28A0092B-C50C-407E-A947-70E740481C1C}">
-                <a14:useLocalDpi xmlns:a14="http://schemas.microsoft.com/office/drawing/2010/main" val="0"/>
-              </a:ext>
-            </a:extLst>
-          </a:blip>
-          <a:stretch>
-            <a:fillRect/>
-          </a:stretch>
-        </p:blipFill>
-        <p:spPr>
-          <a:xfrm>
-            <a:off x="3756074" y="1405357"/>
-            <a:ext cx="7838174" cy="5452643"/>
-          </a:xfrm>
-          <a:prstGeom prst="rect">
-            <a:avLst/>
-          </a:prstGeom>
-        </p:spPr>
-      </p:pic>
-      <p:pic>
-        <p:nvPicPr>
-          <p:cNvPr id="9" name="Tartalom helye 2" descr="A képen szöveg, képernyőkép, Betűtípus, Grafikus tervezés látható&#10;&#10;Automatikusan generált leírás">
-            <a:extLst>
-              <a:ext uri="{FF2B5EF4-FFF2-40B4-BE49-F238E27FC236}">
-                <a16:creationId xmlns:a16="http://schemas.microsoft.com/office/drawing/2014/main" id="{9D26B949-AAD0-382C-82D7-6352F2E64ED1}"/>
-              </a:ext>
-            </a:extLst>
-          </p:cNvPr>
-          <p:cNvPicPr>
-            <a:picLocks noChangeAspect="1"/>
-          </p:cNvPicPr>
-          <p:nvPr/>
-        </p:nvPicPr>
-        <p:blipFill>
-          <a:blip r:embed="rId3">
-            <a:extLst>
-              <a:ext uri="{28A0092B-C50C-407E-A947-70E740481C1C}">
-                <a14:useLocalDpi xmlns:a14="http://schemas.microsoft.com/office/drawing/2010/main" val="0"/>
-              </a:ext>
-            </a:extLst>
-          </a:blip>
-          <a:stretch>
-            <a:fillRect/>
-          </a:stretch>
-        </p:blipFill>
-        <p:spPr>
-          <a:xfrm>
-            <a:off x="994905" y="1365511"/>
-            <a:ext cx="9119765" cy="5127364"/>
-          </a:xfrm>
-          <a:prstGeom prst="rect">
-            <a:avLst/>
-          </a:prstGeom>
+          <a:solidFill>
+            <a:srgbClr val="FFFFFF">
+              <a:shade val="85000"/>
+            </a:srgbClr>
+          </a:solidFill>
+          <a:ln w="88900" cap="sq">
+            <a:solidFill>
+              <a:schemeClr val="tx1"/>
+            </a:solidFill>
+            <a:miter lim="800000"/>
+          </a:ln>
+          <a:effectLst>
+            <a:outerShdw blurRad="55000" dist="18000" dir="5400000" algn="tl" rotWithShape="0">
+              <a:srgbClr val="000000">
+                <a:alpha val="40000"/>
+              </a:srgbClr>
+            </a:outerShdw>
+          </a:effectLst>
+          <a:scene3d>
+            <a:camera prst="orthographicFront"/>
+            <a:lightRig rig="twoPt" dir="t">
+              <a:rot lat="0" lon="0" rev="7200000"/>
+            </a:lightRig>
+          </a:scene3d>
+          <a:sp3d>
+            <a:bevelT w="25400" h="19050"/>
+            <a:contourClr>
+              <a:srgbClr val="FFFFFF"/>
+            </a:contourClr>
+          </a:sp3d>
         </p:spPr>
       </p:pic>
     </p:spTree>
@@ -5693,348 +3834,12 @@
       </p:transition>
     </mc:Fallback>
   </mc:AlternateContent>
-  <p:timing>
-    <p:tnLst>
-      <p:par>
-        <p:cTn id="1" dur="indefinite" restart="never" nodeType="tmRoot">
-          <p:childTnLst>
-            <p:seq concurrent="1" nextAc="seek">
-              <p:cTn id="2" dur="indefinite" nodeType="mainSeq">
-                <p:childTnLst>
-                  <p:par>
-                    <p:cTn id="3" fill="hold">
-                      <p:stCondLst>
-                        <p:cond delay="indefinite"/>
-                      </p:stCondLst>
-                      <p:childTnLst>
-                        <p:par>
-                          <p:cTn id="4" fill="hold">
-                            <p:stCondLst>
-                              <p:cond delay="0"/>
-                            </p:stCondLst>
-                            <p:childTnLst>
-                              <p:par>
-                                <p:cTn id="5" presetID="2" presetClass="entr" presetSubtype="4" fill="hold" nodeType="clickEffect">
-                                  <p:stCondLst>
-                                    <p:cond delay="0"/>
-                                  </p:stCondLst>
-                                  <p:childTnLst>
-                                    <p:set>
-                                      <p:cBhvr>
-                                        <p:cTn id="6" dur="1" fill="hold">
-                                          <p:stCondLst>
-                                            <p:cond delay="0"/>
-                                          </p:stCondLst>
-                                        </p:cTn>
-                                        <p:tgtEl>
-                                          <p:spTgt spid="9"/>
-                                        </p:tgtEl>
-                                        <p:attrNameLst>
-                                          <p:attrName>style.visibility</p:attrName>
-                                        </p:attrNameLst>
-                                      </p:cBhvr>
-                                      <p:to>
-                                        <p:strVal val="visible"/>
-                                      </p:to>
-                                    </p:set>
-                                    <p:anim calcmode="lin" valueType="num">
-                                      <p:cBhvr additive="base">
-                                        <p:cTn id="7" dur="750" fill="hold"/>
-                                        <p:tgtEl>
-                                          <p:spTgt spid="9"/>
-                                        </p:tgtEl>
-                                        <p:attrNameLst>
-                                          <p:attrName>ppt_x</p:attrName>
-                                        </p:attrNameLst>
-                                      </p:cBhvr>
-                                      <p:tavLst>
-                                        <p:tav tm="0">
-                                          <p:val>
-                                            <p:strVal val="#ppt_x"/>
-                                          </p:val>
-                                        </p:tav>
-                                        <p:tav tm="100000">
-                                          <p:val>
-                                            <p:strVal val="#ppt_x"/>
-                                          </p:val>
-                                        </p:tav>
-                                      </p:tavLst>
-                                    </p:anim>
-                                    <p:anim calcmode="lin" valueType="num">
-                                      <p:cBhvr additive="base">
-                                        <p:cTn id="8" dur="750" fill="hold"/>
-                                        <p:tgtEl>
-                                          <p:spTgt spid="9"/>
-                                        </p:tgtEl>
-                                        <p:attrNameLst>
-                                          <p:attrName>ppt_y</p:attrName>
-                                        </p:attrNameLst>
-                                      </p:cBhvr>
-                                      <p:tavLst>
-                                        <p:tav tm="0">
-                                          <p:val>
-                                            <p:strVal val="1+#ppt_h/2"/>
-                                          </p:val>
-                                        </p:tav>
-                                        <p:tav tm="100000">
-                                          <p:val>
-                                            <p:strVal val="#ppt_y"/>
-                                          </p:val>
-                                        </p:tav>
-                                      </p:tavLst>
-                                    </p:anim>
-                                  </p:childTnLst>
-                                </p:cTn>
-                              </p:par>
-                            </p:childTnLst>
-                          </p:cTn>
-                        </p:par>
-                      </p:childTnLst>
-                    </p:cTn>
-                  </p:par>
-                </p:childTnLst>
-              </p:cTn>
-              <p:prevCondLst>
-                <p:cond evt="onPrev" delay="0">
-                  <p:tgtEl>
-                    <p:sldTgt/>
-                  </p:tgtEl>
-                </p:cond>
-              </p:prevCondLst>
-              <p:nextCondLst>
-                <p:cond evt="onNext" delay="0">
-                  <p:tgtEl>
-                    <p:sldTgt/>
-                  </p:tgtEl>
-                </p:cond>
-              </p:nextCondLst>
-            </p:seq>
-          </p:childTnLst>
-        </p:cTn>
-      </p:par>
-    </p:tnLst>
-  </p:timing>
 </p:sld>
 </file>
 
-<file path=ppt/slides/slide7.xml><?xml version="1.0" encoding="utf-8"?>
+<file path=ppt/slides/slide11.xml><?xml version="1.0" encoding="utf-8"?>
 <p:sld xmlns:a="http://schemas.openxmlformats.org/drawingml/2006/main" xmlns:r="http://schemas.openxmlformats.org/officeDocument/2006/relationships" xmlns:p="http://schemas.openxmlformats.org/presentationml/2006/main">
   <p:cSld>
-    <p:bg>
-      <p:bgPr>
-        <a:gradFill>
-          <a:gsLst>
-            <a:gs pos="0">
-              <a:schemeClr val="tx1">
-                <a:lumMod val="100000"/>
-              </a:schemeClr>
-            </a:gs>
-            <a:gs pos="50000">
-              <a:schemeClr val="tx1">
-                <a:lumMod val="97000"/>
-                <a:lumOff val="3000"/>
-              </a:schemeClr>
-            </a:gs>
-            <a:gs pos="75000">
-              <a:schemeClr val="tx1">
-                <a:lumMod val="92000"/>
-                <a:lumOff val="8000"/>
-              </a:schemeClr>
-            </a:gs>
-            <a:gs pos="100000">
-              <a:schemeClr val="tx1">
-                <a:lumMod val="77000"/>
-                <a:lumOff val="23000"/>
-              </a:schemeClr>
-            </a:gs>
-          </a:gsLst>
-          <a:lin ang="5400000" scaled="1"/>
-        </a:gradFill>
-        <a:effectLst/>
-      </p:bgPr>
-    </p:bg>
-    <p:spTree>
-      <p:nvGrpSpPr>
-        <p:cNvPr id="1" name=""/>
-        <p:cNvGrpSpPr/>
-        <p:nvPr/>
-      </p:nvGrpSpPr>
-      <p:grpSpPr>
-        <a:xfrm>
-          <a:off x="0" y="0"/>
-          <a:ext cx="0" cy="0"/>
-          <a:chOff x="0" y="0"/>
-          <a:chExt cx="0" cy="0"/>
-        </a:xfrm>
-      </p:grpSpPr>
-      <p:sp>
-        <p:nvSpPr>
-          <p:cNvPr id="4" name="Cím 3">
-            <a:extLst>
-              <a:ext uri="{FF2B5EF4-FFF2-40B4-BE49-F238E27FC236}">
-                <a16:creationId xmlns:a16="http://schemas.microsoft.com/office/drawing/2014/main" id="{453596F3-FBA1-41AF-9C15-80D5B1DE01AC}"/>
-              </a:ext>
-            </a:extLst>
-          </p:cNvPr>
-          <p:cNvSpPr>
-            <a:spLocks noGrp="1"/>
-          </p:cNvSpPr>
-          <p:nvPr>
-            <p:ph type="title"/>
-          </p:nvPr>
-        </p:nvSpPr>
-        <p:spPr>
-          <a:xfrm>
-            <a:off x="838200" y="365125"/>
-            <a:ext cx="10515600" cy="1325563"/>
-          </a:xfrm>
-        </p:spPr>
-        <p:txBody>
-          <a:bodyPr/>
-          <a:lstStyle/>
-          <a:p>
-            <a:r>
-              <a:rPr lang="hu-HU" b="1" dirty="0">
-                <a:solidFill>
-                  <a:schemeClr val="bg1"/>
-                </a:solidFill>
-                <a:latin typeface="Rockwell Extra Bold" panose="02060903040505020403" pitchFamily="18" charset="0"/>
-              </a:rPr>
-              <a:t>Képek a játékból:</a:t>
-            </a:r>
-          </a:p>
-        </p:txBody>
-      </p:sp>
-      <p:sp>
-        <p:nvSpPr>
-          <p:cNvPr id="3" name="Tartalom helye 2">
-            <a:extLst>
-              <a:ext uri="{FF2B5EF4-FFF2-40B4-BE49-F238E27FC236}">
-                <a16:creationId xmlns:a16="http://schemas.microsoft.com/office/drawing/2014/main" id="{18F49F4E-7BCC-4515-8541-AF4CA5D1DA31}"/>
-              </a:ext>
-            </a:extLst>
-          </p:cNvPr>
-          <p:cNvSpPr>
-            <a:spLocks noGrp="1"/>
-          </p:cNvSpPr>
-          <p:nvPr>
-            <p:ph idx="1"/>
-          </p:nvPr>
-        </p:nvSpPr>
-        <p:spPr>
-          <a:xfrm>
-            <a:off x="838200" y="1619075"/>
-            <a:ext cx="10515600" cy="4557887"/>
-          </a:xfrm>
-        </p:spPr>
-        <p:txBody>
-          <a:bodyPr/>
-          <a:lstStyle/>
-          <a:p>
-            <a:pPr marL="0" indent="0">
-              <a:buNone/>
-            </a:pPr>
-            <a:endParaRPr lang="hu-HU" dirty="0"/>
-          </a:p>
-        </p:txBody>
-      </p:sp>
-      <p:pic>
-        <p:nvPicPr>
-          <p:cNvPr id="14" name="Kép 13">
-            <a:extLst>
-              <a:ext uri="{FF2B5EF4-FFF2-40B4-BE49-F238E27FC236}">
-                <a16:creationId xmlns:a16="http://schemas.microsoft.com/office/drawing/2014/main" id="{F87D6FD8-41E1-4433-9C23-F9DB566DC239}"/>
-              </a:ext>
-            </a:extLst>
-          </p:cNvPr>
-          <p:cNvPicPr>
-            <a:picLocks noChangeAspect="1"/>
-          </p:cNvPicPr>
-          <p:nvPr/>
-        </p:nvPicPr>
-        <p:blipFill>
-          <a:blip r:embed="rId2">
-            <a:extLst>
-              <a:ext uri="{28A0092B-C50C-407E-A947-70E740481C1C}">
-                <a14:useLocalDpi xmlns:a14="http://schemas.microsoft.com/office/drawing/2010/main" val="0"/>
-              </a:ext>
-            </a:extLst>
-          </a:blip>
-          <a:stretch>
-            <a:fillRect/>
-          </a:stretch>
-        </p:blipFill>
-        <p:spPr>
-          <a:xfrm>
-            <a:off x="119257" y="1388146"/>
-            <a:ext cx="6478491" cy="3223049"/>
-          </a:xfrm>
-          <a:prstGeom prst="rect">
-            <a:avLst/>
-          </a:prstGeom>
-        </p:spPr>
-      </p:pic>
-    </p:spTree>
-    <p:extLst>
-      <p:ext uri="{BB962C8B-B14F-4D97-AF65-F5344CB8AC3E}">
-        <p14:creationId xmlns:p14="http://schemas.microsoft.com/office/powerpoint/2010/main" val="4107988708"/>
-      </p:ext>
-    </p:extLst>
-  </p:cSld>
-  <p:clrMapOvr>
-    <a:masterClrMapping/>
-  </p:clrMapOvr>
-  <mc:AlternateContent xmlns:mc="http://schemas.openxmlformats.org/markup-compatibility/2006" xmlns:p15="http://schemas.microsoft.com/office/powerpoint/2012/main">
-    <mc:Choice Requires="p15">
-      <p:transition xmlns:p14="http://schemas.microsoft.com/office/powerpoint/2010/main" spd="slow" p14:dur="2000">
-        <p15:prstTrans prst="fallOver"/>
-      </p:transition>
-    </mc:Choice>
-    <mc:Fallback xmlns="">
-      <p:transition spd="slow">
-        <p:fade/>
-      </p:transition>
-    </mc:Fallback>
-  </mc:AlternateContent>
-</p:sld>
-</file>
-
-<file path=ppt/slides/slide8.xml><?xml version="1.0" encoding="utf-8"?>
-<p:sld xmlns:a="http://schemas.openxmlformats.org/drawingml/2006/main" xmlns:r="http://schemas.openxmlformats.org/officeDocument/2006/relationships" xmlns:p="http://schemas.openxmlformats.org/presentationml/2006/main">
-  <p:cSld>
-    <p:bg>
-      <p:bgPr>
-        <a:gradFill>
-          <a:gsLst>
-            <a:gs pos="0">
-              <a:schemeClr val="tx1">
-                <a:lumMod val="100000"/>
-              </a:schemeClr>
-            </a:gs>
-            <a:gs pos="50000">
-              <a:schemeClr val="tx1">
-                <a:lumMod val="97000"/>
-                <a:lumOff val="3000"/>
-              </a:schemeClr>
-            </a:gs>
-            <a:gs pos="75000">
-              <a:schemeClr val="tx1">
-                <a:lumMod val="92000"/>
-                <a:lumOff val="8000"/>
-              </a:schemeClr>
-            </a:gs>
-            <a:gs pos="100000">
-              <a:schemeClr val="tx1">
-                <a:lumMod val="77000"/>
-                <a:lumOff val="23000"/>
-              </a:schemeClr>
-            </a:gs>
-          </a:gsLst>
-          <a:lin ang="5400000" scaled="1"/>
-        </a:gradFill>
-        <a:effectLst/>
-      </p:bgPr>
-    </p:bg>
     <p:spTree>
       <p:nvGrpSpPr>
         <p:cNvPr id="1" name=""/>
@@ -6752,42 +4557,9 @@
 </p:sld>
 </file>
 
-<file path=ppt/slides/slide9.xml><?xml version="1.0" encoding="utf-8"?>
+<file path=ppt/slides/slide12.xml><?xml version="1.0" encoding="utf-8"?>
 <p:sld xmlns:a="http://schemas.openxmlformats.org/drawingml/2006/main" xmlns:r="http://schemas.openxmlformats.org/officeDocument/2006/relationships" xmlns:p="http://schemas.openxmlformats.org/presentationml/2006/main">
   <p:cSld>
-    <p:bg>
-      <p:bgPr>
-        <a:gradFill>
-          <a:gsLst>
-            <a:gs pos="0">
-              <a:schemeClr val="tx1">
-                <a:lumMod val="100000"/>
-              </a:schemeClr>
-            </a:gs>
-            <a:gs pos="50000">
-              <a:schemeClr val="tx1">
-                <a:lumMod val="97000"/>
-                <a:lumOff val="3000"/>
-              </a:schemeClr>
-            </a:gs>
-            <a:gs pos="75000">
-              <a:schemeClr val="tx1">
-                <a:lumMod val="92000"/>
-                <a:lumOff val="8000"/>
-              </a:schemeClr>
-            </a:gs>
-            <a:gs pos="100000">
-              <a:schemeClr val="tx1">
-                <a:lumMod val="77000"/>
-                <a:lumOff val="23000"/>
-              </a:schemeClr>
-            </a:gs>
-          </a:gsLst>
-          <a:lin ang="5400000" scaled="1"/>
-        </a:gradFill>
-        <a:effectLst/>
-      </p:bgPr>
-    </p:bg>
     <p:spTree>
       <p:nvGrpSpPr>
         <p:cNvPr id="1" name=""/>
@@ -6820,12 +4592,14 @@
         </p:nvSpPr>
         <p:spPr>
           <a:xfrm>
-            <a:off x="838200" y="365125"/>
-            <a:ext cx="10515600" cy="1325563"/>
+            <a:off x="2153165" y="3170602"/>
+            <a:ext cx="7885669" cy="516796"/>
           </a:xfrm>
         </p:spPr>
         <p:txBody>
-          <a:bodyPr/>
+          <a:bodyPr>
+            <a:normAutofit fontScale="90000"/>
+          </a:bodyPr>
           <a:lstStyle/>
           <a:p>
             <a:r>
@@ -6837,36 +4611,6 @@
               </a:rPr>
               <a:t>Köszönjük a figyelmet!</a:t>
             </a:r>
-          </a:p>
-        </p:txBody>
-      </p:sp>
-      <p:sp>
-        <p:nvSpPr>
-          <p:cNvPr id="24" name="Tartalom helye 23">
-            <a:extLst>
-              <a:ext uri="{FF2B5EF4-FFF2-40B4-BE49-F238E27FC236}">
-                <a16:creationId xmlns:a16="http://schemas.microsoft.com/office/drawing/2014/main" id="{9DA10C76-7C11-477A-86EA-040764257E6D}"/>
-              </a:ext>
-            </a:extLst>
-          </p:cNvPr>
-          <p:cNvSpPr>
-            <a:spLocks noGrp="1"/>
-          </p:cNvSpPr>
-          <p:nvPr>
-            <p:ph idx="1"/>
-          </p:nvPr>
-        </p:nvSpPr>
-        <p:spPr>
-          <a:xfrm>
-            <a:off x="838200" y="1690688"/>
-            <a:ext cx="10515600" cy="4486275"/>
-          </a:xfrm>
-        </p:spPr>
-        <p:txBody>
-          <a:bodyPr/>
-          <a:lstStyle/>
-          <a:p>
-            <a:endParaRPr lang="hu-HU" dirty="0"/>
           </a:p>
         </p:txBody>
       </p:sp>
@@ -6889,6 +4633,2796 @@
     <mc:Fallback xmlns="">
       <p:transition spd="slow">
         <p:checker dir="vert"/>
+      </p:transition>
+    </mc:Fallback>
+  </mc:AlternateContent>
+</p:sld>
+</file>
+
+<file path=ppt/slides/slide2.xml><?xml version="1.0" encoding="utf-8"?>
+<p:sld xmlns:a="http://schemas.openxmlformats.org/drawingml/2006/main" xmlns:r="http://schemas.openxmlformats.org/officeDocument/2006/relationships" xmlns:p="http://schemas.openxmlformats.org/presentationml/2006/main">
+  <p:cSld>
+    <p:spTree>
+      <p:nvGrpSpPr>
+        <p:cNvPr id="1" name=""/>
+        <p:cNvGrpSpPr/>
+        <p:nvPr/>
+      </p:nvGrpSpPr>
+      <p:grpSpPr>
+        <a:xfrm>
+          <a:off x="0" y="0"/>
+          <a:ext cx="0" cy="0"/>
+          <a:chOff x="0" y="0"/>
+          <a:chExt cx="0" cy="0"/>
+        </a:xfrm>
+      </p:grpSpPr>
+      <p:sp>
+        <p:nvSpPr>
+          <p:cNvPr id="4" name="Cím 3">
+            <a:extLst>
+              <a:ext uri="{FF2B5EF4-FFF2-40B4-BE49-F238E27FC236}">
+                <a16:creationId xmlns:a16="http://schemas.microsoft.com/office/drawing/2014/main" id="{453596F3-FBA1-41AF-9C15-80D5B1DE01AC}"/>
+              </a:ext>
+            </a:extLst>
+          </p:cNvPr>
+          <p:cNvSpPr>
+            <a:spLocks noGrp="1"/>
+          </p:cNvSpPr>
+          <p:nvPr>
+            <p:ph type="title"/>
+          </p:nvPr>
+        </p:nvSpPr>
+        <p:spPr>
+          <a:xfrm>
+            <a:off x="1970903" y="105604"/>
+            <a:ext cx="8677125" cy="753191"/>
+          </a:xfrm>
+        </p:spPr>
+        <p:txBody>
+          <a:bodyPr/>
+          <a:lstStyle/>
+          <a:p>
+            <a:pPr algn="ctr"/>
+            <a:r>
+              <a:rPr lang="hu-HU" b="1" dirty="0">
+                <a:solidFill>
+                  <a:schemeClr val="bg1"/>
+                </a:solidFill>
+                <a:latin typeface="Rockwell Extra Bold" panose="02060903040505020403" pitchFamily="18" charset="0"/>
+              </a:rPr>
+              <a:t>Amiről szó lesz:</a:t>
+            </a:r>
+          </a:p>
+        </p:txBody>
+      </p:sp>
+      <p:sp>
+        <p:nvSpPr>
+          <p:cNvPr id="6" name="Szövegdoboz 5">
+            <a:extLst>
+              <a:ext uri="{FF2B5EF4-FFF2-40B4-BE49-F238E27FC236}">
+                <a16:creationId xmlns:a16="http://schemas.microsoft.com/office/drawing/2014/main" id="{445FFCD2-C510-DB32-A820-64C95A015FCD}"/>
+              </a:ext>
+            </a:extLst>
+          </p:cNvPr>
+          <p:cNvSpPr txBox="1"/>
+          <p:nvPr/>
+        </p:nvSpPr>
+        <p:spPr>
+          <a:xfrm>
+            <a:off x="1804086" y="1736855"/>
+            <a:ext cx="3212757" cy="701731"/>
+          </a:xfrm>
+          <a:prstGeom prst="rect">
+            <a:avLst/>
+          </a:prstGeom>
+          <a:noFill/>
+        </p:spPr>
+        <p:txBody>
+          <a:bodyPr wrap="square" rtlCol="0">
+            <a:spAutoFit/>
+          </a:bodyPr>
+          <a:lstStyle/>
+          <a:p>
+            <a:pPr>
+              <a:lnSpc>
+                <a:spcPct val="90000"/>
+              </a:lnSpc>
+              <a:spcBef>
+                <a:spcPct val="0"/>
+              </a:spcBef>
+            </a:pPr>
+            <a:r>
+              <a:rPr lang="hu-HU" sz="4400" b="1" dirty="0">
+                <a:solidFill>
+                  <a:schemeClr val="bg1"/>
+                </a:solidFill>
+                <a:latin typeface="Rockwell Extra Bold" panose="02060903040505020403" pitchFamily="18" charset="0"/>
+                <a:ea typeface="+mj-ea"/>
+                <a:cs typeface="+mj-cs"/>
+              </a:rPr>
+              <a:t>1: Menük</a:t>
+            </a:r>
+            <a:endParaRPr lang="en-GB" sz="4400" b="1" dirty="0">
+              <a:solidFill>
+                <a:schemeClr val="bg1"/>
+              </a:solidFill>
+              <a:latin typeface="Rockwell Extra Bold" panose="02060903040505020403" pitchFamily="18" charset="0"/>
+              <a:ea typeface="+mj-ea"/>
+              <a:cs typeface="+mj-cs"/>
+            </a:endParaRPr>
+          </a:p>
+        </p:txBody>
+      </p:sp>
+      <p:sp>
+        <p:nvSpPr>
+          <p:cNvPr id="11" name="Szövegdoboz 10">
+            <a:extLst>
+              <a:ext uri="{FF2B5EF4-FFF2-40B4-BE49-F238E27FC236}">
+                <a16:creationId xmlns:a16="http://schemas.microsoft.com/office/drawing/2014/main" id="{1218EF72-96E0-A39F-F784-81BA0519C0B9}"/>
+              </a:ext>
+            </a:extLst>
+          </p:cNvPr>
+          <p:cNvSpPr txBox="1"/>
+          <p:nvPr/>
+        </p:nvSpPr>
+        <p:spPr>
+          <a:xfrm>
+            <a:off x="6367848" y="1736855"/>
+            <a:ext cx="3212757" cy="701731"/>
+          </a:xfrm>
+          <a:prstGeom prst="rect">
+            <a:avLst/>
+          </a:prstGeom>
+          <a:noFill/>
+        </p:spPr>
+        <p:txBody>
+          <a:bodyPr wrap="square" rtlCol="0">
+            <a:spAutoFit/>
+          </a:bodyPr>
+          <a:lstStyle/>
+          <a:p>
+            <a:pPr>
+              <a:lnSpc>
+                <a:spcPct val="90000"/>
+              </a:lnSpc>
+              <a:spcBef>
+                <a:spcPct val="0"/>
+              </a:spcBef>
+            </a:pPr>
+            <a:r>
+              <a:rPr lang="hu-HU" sz="4400" b="1" dirty="0">
+                <a:solidFill>
+                  <a:schemeClr val="bg1"/>
+                </a:solidFill>
+                <a:latin typeface="Rockwell Extra Bold" panose="02060903040505020403" pitchFamily="18" charset="0"/>
+                <a:ea typeface="+mj-ea"/>
+                <a:cs typeface="+mj-cs"/>
+              </a:rPr>
+              <a:t>2: Játék</a:t>
+            </a:r>
+            <a:endParaRPr lang="en-GB" sz="4400" b="1" dirty="0">
+              <a:solidFill>
+                <a:schemeClr val="bg1"/>
+              </a:solidFill>
+              <a:latin typeface="Rockwell Extra Bold" panose="02060903040505020403" pitchFamily="18" charset="0"/>
+              <a:ea typeface="+mj-ea"/>
+              <a:cs typeface="+mj-cs"/>
+            </a:endParaRPr>
+          </a:p>
+        </p:txBody>
+      </p:sp>
+      <p:sp>
+        <p:nvSpPr>
+          <p:cNvPr id="12" name="Szövegdoboz 11">
+            <a:extLst>
+              <a:ext uri="{FF2B5EF4-FFF2-40B4-BE49-F238E27FC236}">
+                <a16:creationId xmlns:a16="http://schemas.microsoft.com/office/drawing/2014/main" id="{1487198F-42E8-5A1D-D406-FB5E960451C1}"/>
+              </a:ext>
+            </a:extLst>
+          </p:cNvPr>
+          <p:cNvSpPr txBox="1"/>
+          <p:nvPr/>
+        </p:nvSpPr>
+        <p:spPr>
+          <a:xfrm>
+            <a:off x="1804086" y="3192894"/>
+            <a:ext cx="3534033" cy="701731"/>
+          </a:xfrm>
+          <a:prstGeom prst="rect">
+            <a:avLst/>
+          </a:prstGeom>
+          <a:noFill/>
+        </p:spPr>
+        <p:txBody>
+          <a:bodyPr wrap="square" rtlCol="0">
+            <a:spAutoFit/>
+          </a:bodyPr>
+          <a:lstStyle/>
+          <a:p>
+            <a:pPr>
+              <a:lnSpc>
+                <a:spcPct val="90000"/>
+              </a:lnSpc>
+              <a:spcBef>
+                <a:spcPct val="0"/>
+              </a:spcBef>
+            </a:pPr>
+            <a:r>
+              <a:rPr lang="hu-HU" sz="4400" b="1" dirty="0">
+                <a:solidFill>
+                  <a:schemeClr val="bg1"/>
+                </a:solidFill>
+                <a:latin typeface="Rockwell Extra Bold" panose="02060903040505020403" pitchFamily="18" charset="0"/>
+                <a:ea typeface="+mj-ea"/>
+                <a:cs typeface="+mj-cs"/>
+              </a:rPr>
+              <a:t>3: Játékos</a:t>
+            </a:r>
+            <a:endParaRPr lang="en-GB" sz="4400" b="1" dirty="0">
+              <a:solidFill>
+                <a:schemeClr val="bg1"/>
+              </a:solidFill>
+              <a:latin typeface="Rockwell Extra Bold" panose="02060903040505020403" pitchFamily="18" charset="0"/>
+              <a:ea typeface="+mj-ea"/>
+              <a:cs typeface="+mj-cs"/>
+            </a:endParaRPr>
+          </a:p>
+        </p:txBody>
+      </p:sp>
+      <p:sp>
+        <p:nvSpPr>
+          <p:cNvPr id="13" name="Szövegdoboz 12">
+            <a:extLst>
+              <a:ext uri="{FF2B5EF4-FFF2-40B4-BE49-F238E27FC236}">
+                <a16:creationId xmlns:a16="http://schemas.microsoft.com/office/drawing/2014/main" id="{ECFB4392-E75A-8BBF-D73C-86345D728082}"/>
+              </a:ext>
+            </a:extLst>
+          </p:cNvPr>
+          <p:cNvSpPr txBox="1"/>
+          <p:nvPr/>
+        </p:nvSpPr>
+        <p:spPr>
+          <a:xfrm>
+            <a:off x="6367847" y="3192894"/>
+            <a:ext cx="4555525" cy="701731"/>
+          </a:xfrm>
+          <a:prstGeom prst="rect">
+            <a:avLst/>
+          </a:prstGeom>
+          <a:noFill/>
+        </p:spPr>
+        <p:txBody>
+          <a:bodyPr wrap="square" rtlCol="0">
+            <a:spAutoFit/>
+          </a:bodyPr>
+          <a:lstStyle/>
+          <a:p>
+            <a:pPr>
+              <a:lnSpc>
+                <a:spcPct val="90000"/>
+              </a:lnSpc>
+              <a:spcBef>
+                <a:spcPct val="0"/>
+              </a:spcBef>
+            </a:pPr>
+            <a:r>
+              <a:rPr lang="hu-HU" sz="4400" b="1" dirty="0">
+                <a:solidFill>
+                  <a:schemeClr val="bg1"/>
+                </a:solidFill>
+                <a:latin typeface="Rockwell Extra Bold" panose="02060903040505020403" pitchFamily="18" charset="0"/>
+                <a:ea typeface="+mj-ea"/>
+                <a:cs typeface="+mj-cs"/>
+              </a:rPr>
+              <a:t>4: Aszteroida</a:t>
+            </a:r>
+            <a:endParaRPr lang="en-GB" sz="4400" b="1" dirty="0">
+              <a:solidFill>
+                <a:schemeClr val="bg1"/>
+              </a:solidFill>
+              <a:latin typeface="Rockwell Extra Bold" panose="02060903040505020403" pitchFamily="18" charset="0"/>
+              <a:ea typeface="+mj-ea"/>
+              <a:cs typeface="+mj-cs"/>
+            </a:endParaRPr>
+          </a:p>
+        </p:txBody>
+      </p:sp>
+      <p:sp>
+        <p:nvSpPr>
+          <p:cNvPr id="14" name="Szövegdoboz 13">
+            <a:extLst>
+              <a:ext uri="{FF2B5EF4-FFF2-40B4-BE49-F238E27FC236}">
+                <a16:creationId xmlns:a16="http://schemas.microsoft.com/office/drawing/2014/main" id="{276E6025-7A4F-62C6-AE45-735C07E2F82D}"/>
+              </a:ext>
+            </a:extLst>
+          </p:cNvPr>
+          <p:cNvSpPr txBox="1"/>
+          <p:nvPr/>
+        </p:nvSpPr>
+        <p:spPr>
+          <a:xfrm>
+            <a:off x="3258376" y="4933138"/>
+            <a:ext cx="6102178" cy="701731"/>
+          </a:xfrm>
+          <a:prstGeom prst="rect">
+            <a:avLst/>
+          </a:prstGeom>
+          <a:noFill/>
+        </p:spPr>
+        <p:txBody>
+          <a:bodyPr wrap="square" rtlCol="0">
+            <a:spAutoFit/>
+          </a:bodyPr>
+          <a:lstStyle/>
+          <a:p>
+            <a:pPr>
+              <a:lnSpc>
+                <a:spcPct val="90000"/>
+              </a:lnSpc>
+              <a:spcBef>
+                <a:spcPct val="0"/>
+              </a:spcBef>
+            </a:pPr>
+            <a:r>
+              <a:rPr lang="hu-HU" sz="4400" b="1" dirty="0">
+                <a:solidFill>
+                  <a:schemeClr val="bg1"/>
+                </a:solidFill>
+                <a:latin typeface="Rockwell Extra Bold" panose="02060903040505020403" pitchFamily="18" charset="0"/>
+                <a:ea typeface="+mj-ea"/>
+                <a:cs typeface="+mj-cs"/>
+              </a:rPr>
+              <a:t>5: Modulok, Zene</a:t>
+            </a:r>
+            <a:endParaRPr lang="en-GB" sz="4400" b="1" dirty="0">
+              <a:solidFill>
+                <a:schemeClr val="bg1"/>
+              </a:solidFill>
+              <a:latin typeface="Rockwell Extra Bold" panose="02060903040505020403" pitchFamily="18" charset="0"/>
+              <a:ea typeface="+mj-ea"/>
+              <a:cs typeface="+mj-cs"/>
+            </a:endParaRPr>
+          </a:p>
+        </p:txBody>
+      </p:sp>
+    </p:spTree>
+    <p:extLst>
+      <p:ext uri="{BB962C8B-B14F-4D97-AF65-F5344CB8AC3E}">
+        <p14:creationId xmlns:p14="http://schemas.microsoft.com/office/powerpoint/2010/main" val="1900979083"/>
+      </p:ext>
+    </p:extLst>
+  </p:cSld>
+  <p:clrMapOvr>
+    <a:masterClrMapping/>
+  </p:clrMapOvr>
+  <mc:AlternateContent xmlns:mc="http://schemas.openxmlformats.org/markup-compatibility/2006" xmlns:p14="http://schemas.microsoft.com/office/powerpoint/2010/main">
+    <mc:Choice Requires="p14">
+      <p:transition spd="slow" p14:dur="1600">
+        <p14:prism isInverted="1"/>
+      </p:transition>
+    </mc:Choice>
+    <mc:Fallback xmlns="">
+      <p:transition spd="slow">
+        <p:fade/>
+      </p:transition>
+    </mc:Fallback>
+  </mc:AlternateContent>
+</p:sld>
+</file>
+
+<file path=ppt/slides/slide3.xml><?xml version="1.0" encoding="utf-8"?>
+<p:sld xmlns:a="http://schemas.openxmlformats.org/drawingml/2006/main" xmlns:r="http://schemas.openxmlformats.org/officeDocument/2006/relationships" xmlns:p="http://schemas.openxmlformats.org/presentationml/2006/main">
+  <p:cSld>
+    <p:spTree>
+      <p:nvGrpSpPr>
+        <p:cNvPr id="1" name=""/>
+        <p:cNvGrpSpPr/>
+        <p:nvPr/>
+      </p:nvGrpSpPr>
+      <p:grpSpPr>
+        <a:xfrm>
+          <a:off x="0" y="0"/>
+          <a:ext cx="0" cy="0"/>
+          <a:chOff x="0" y="0"/>
+          <a:chExt cx="0" cy="0"/>
+        </a:xfrm>
+      </p:grpSpPr>
+      <p:sp>
+        <p:nvSpPr>
+          <p:cNvPr id="2" name="Cím 1">
+            <a:extLst>
+              <a:ext uri="{FF2B5EF4-FFF2-40B4-BE49-F238E27FC236}">
+                <a16:creationId xmlns:a16="http://schemas.microsoft.com/office/drawing/2014/main" id="{7333FEBF-2B05-8758-16A4-265035FF22D9}"/>
+              </a:ext>
+            </a:extLst>
+          </p:cNvPr>
+          <p:cNvSpPr>
+            <a:spLocks noGrp="1"/>
+          </p:cNvSpPr>
+          <p:nvPr>
+            <p:ph type="title"/>
+          </p:nvPr>
+        </p:nvSpPr>
+        <p:spPr/>
+        <p:txBody>
+          <a:bodyPr/>
+          <a:lstStyle/>
+          <a:p>
+            <a:pPr algn="ctr"/>
+            <a:r>
+              <a:rPr lang="hu-HU" b="1" dirty="0">
+                <a:solidFill>
+                  <a:schemeClr val="bg1"/>
+                </a:solidFill>
+                <a:latin typeface="Rockwell Extra Bold" panose="02060903040505020403" pitchFamily="18" charset="0"/>
+              </a:rPr>
+              <a:t>Maga a játék</a:t>
+            </a:r>
+            <a:endParaRPr lang="en-GB" b="1" dirty="0">
+              <a:solidFill>
+                <a:schemeClr val="bg1"/>
+              </a:solidFill>
+              <a:latin typeface="Rockwell Extra Bold" panose="02060903040505020403" pitchFamily="18" charset="0"/>
+            </a:endParaRPr>
+          </a:p>
+        </p:txBody>
+      </p:sp>
+      <p:pic>
+        <p:nvPicPr>
+          <p:cNvPr id="7" name="Kép 6">
+            <a:extLst>
+              <a:ext uri="{FF2B5EF4-FFF2-40B4-BE49-F238E27FC236}">
+                <a16:creationId xmlns:a16="http://schemas.microsoft.com/office/drawing/2014/main" id="{D4FB0BF4-1EA5-13E4-B9FE-D086873926CA}"/>
+              </a:ext>
+            </a:extLst>
+          </p:cNvPr>
+          <p:cNvPicPr>
+            <a:picLocks noChangeAspect="1"/>
+          </p:cNvPicPr>
+          <p:nvPr/>
+        </p:nvPicPr>
+        <p:blipFill>
+          <a:blip r:embed="rId2"/>
+          <a:stretch>
+            <a:fillRect/>
+          </a:stretch>
+        </p:blipFill>
+        <p:spPr>
+          <a:xfrm>
+            <a:off x="311718" y="2222871"/>
+            <a:ext cx="6076725" cy="4213313"/>
+          </a:xfrm>
+          <a:prstGeom prst="rect">
+            <a:avLst/>
+          </a:prstGeom>
+          <a:ln w="190500" cap="sq">
+            <a:solidFill>
+              <a:schemeClr val="tx1"/>
+            </a:solidFill>
+            <a:prstDash val="solid"/>
+            <a:miter lim="800000"/>
+          </a:ln>
+          <a:effectLst>
+            <a:outerShdw blurRad="254000" algn="bl" rotWithShape="0">
+              <a:srgbClr val="000000">
+                <a:alpha val="43000"/>
+              </a:srgbClr>
+            </a:outerShdw>
+          </a:effectLst>
+          <a:scene3d>
+            <a:camera prst="perspectiveFront" fov="5400000"/>
+            <a:lightRig rig="threePt" dir="t">
+              <a:rot lat="0" lon="0" rev="2100000"/>
+            </a:lightRig>
+          </a:scene3d>
+          <a:sp3d extrusionH="25400">
+            <a:bevelT w="304800" h="152400" prst="hardEdge"/>
+            <a:extrusionClr>
+              <a:srgbClr val="000000"/>
+            </a:extrusionClr>
+          </a:sp3d>
+        </p:spPr>
+      </p:pic>
+      <p:pic>
+        <p:nvPicPr>
+          <p:cNvPr id="9" name="Kép 8" descr="A képen képernyőkép, fekete, szöveg, tervezés látható&#10;&#10;Automatikusan generált leírás">
+            <a:extLst>
+              <a:ext uri="{FF2B5EF4-FFF2-40B4-BE49-F238E27FC236}">
+                <a16:creationId xmlns:a16="http://schemas.microsoft.com/office/drawing/2014/main" id="{52EC5CBB-B963-AE67-DA5C-576BA89DABFE}"/>
+              </a:ext>
+            </a:extLst>
+          </p:cNvPr>
+          <p:cNvPicPr>
+            <a:picLocks noChangeAspect="1"/>
+          </p:cNvPicPr>
+          <p:nvPr/>
+        </p:nvPicPr>
+        <p:blipFill>
+          <a:blip r:embed="rId3">
+            <a:extLst>
+              <a:ext uri="{28A0092B-C50C-407E-A947-70E740481C1C}">
+                <a14:useLocalDpi xmlns:a14="http://schemas.microsoft.com/office/drawing/2010/main" val="0"/>
+              </a:ext>
+            </a:extLst>
+          </a:blip>
+          <a:stretch>
+            <a:fillRect/>
+          </a:stretch>
+        </p:blipFill>
+        <p:spPr>
+          <a:xfrm>
+            <a:off x="6720273" y="2218037"/>
+            <a:ext cx="5238750" cy="4274837"/>
+          </a:xfrm>
+          <a:prstGeom prst="rect">
+            <a:avLst/>
+          </a:prstGeom>
+          <a:ln w="190500" cap="sq">
+            <a:solidFill>
+              <a:schemeClr val="tx1"/>
+            </a:solidFill>
+            <a:prstDash val="solid"/>
+            <a:miter lim="800000"/>
+          </a:ln>
+          <a:effectLst>
+            <a:outerShdw blurRad="254000" algn="bl" rotWithShape="0">
+              <a:srgbClr val="000000">
+                <a:alpha val="43000"/>
+              </a:srgbClr>
+            </a:outerShdw>
+          </a:effectLst>
+          <a:scene3d>
+            <a:camera prst="perspectiveFront" fov="5400000"/>
+            <a:lightRig rig="threePt" dir="t">
+              <a:rot lat="0" lon="0" rev="2100000"/>
+            </a:lightRig>
+          </a:scene3d>
+          <a:sp3d extrusionH="25400">
+            <a:bevelT w="304800" h="152400" prst="hardEdge"/>
+            <a:extrusionClr>
+              <a:srgbClr val="000000"/>
+            </a:extrusionClr>
+          </a:sp3d>
+        </p:spPr>
+      </p:pic>
+    </p:spTree>
+    <p:extLst>
+      <p:ext uri="{BB962C8B-B14F-4D97-AF65-F5344CB8AC3E}">
+        <p14:creationId xmlns:p14="http://schemas.microsoft.com/office/powerpoint/2010/main" val="4087996100"/>
+      </p:ext>
+    </p:extLst>
+  </p:cSld>
+  <p:clrMapOvr>
+    <a:masterClrMapping/>
+  </p:clrMapOvr>
+  <mc:AlternateContent xmlns:mc="http://schemas.openxmlformats.org/markup-compatibility/2006">
+    <mc:Choice xmlns:p159="http://schemas.microsoft.com/office/powerpoint/2015/09/main" Requires="p159">
+      <p:transition xmlns:p14="http://schemas.microsoft.com/office/powerpoint/2010/main" spd="slow" p14:dur="2000">
+        <p159:morph option="byObject"/>
+      </p:transition>
+    </mc:Choice>
+    <mc:Fallback>
+      <p:transition spd="slow">
+        <p:fade/>
+      </p:transition>
+    </mc:Fallback>
+  </mc:AlternateContent>
+</p:sld>
+</file>
+
+<file path=ppt/slides/slide4.xml><?xml version="1.0" encoding="utf-8"?>
+<p:sld xmlns:a="http://schemas.openxmlformats.org/drawingml/2006/main" xmlns:r="http://schemas.openxmlformats.org/officeDocument/2006/relationships" xmlns:p="http://schemas.openxmlformats.org/presentationml/2006/main">
+  <p:cSld>
+    <p:spTree>
+      <p:nvGrpSpPr>
+        <p:cNvPr id="1" name=""/>
+        <p:cNvGrpSpPr/>
+        <p:nvPr/>
+      </p:nvGrpSpPr>
+      <p:grpSpPr>
+        <a:xfrm>
+          <a:off x="0" y="0"/>
+          <a:ext cx="0" cy="0"/>
+          <a:chOff x="0" y="0"/>
+          <a:chExt cx="0" cy="0"/>
+        </a:xfrm>
+      </p:grpSpPr>
+      <p:sp>
+        <p:nvSpPr>
+          <p:cNvPr id="2" name="Cím 1">
+            <a:extLst>
+              <a:ext uri="{FF2B5EF4-FFF2-40B4-BE49-F238E27FC236}">
+                <a16:creationId xmlns:a16="http://schemas.microsoft.com/office/drawing/2014/main" id="{DA87F109-F26A-4048-BBB2-3D6EAEE02BB4}"/>
+              </a:ext>
+            </a:extLst>
+          </p:cNvPr>
+          <p:cNvSpPr>
+            <a:spLocks noGrp="1"/>
+          </p:cNvSpPr>
+          <p:nvPr>
+            <p:ph type="title"/>
+          </p:nvPr>
+        </p:nvSpPr>
+        <p:spPr>
+          <a:xfrm>
+            <a:off x="838200" y="365126"/>
+            <a:ext cx="3220995" cy="827302"/>
+          </a:xfrm>
+        </p:spPr>
+        <p:txBody>
+          <a:bodyPr/>
+          <a:lstStyle/>
+          <a:p>
+            <a:r>
+              <a:rPr lang="hu-HU" b="1" dirty="0">
+                <a:solidFill>
+                  <a:schemeClr val="bg1"/>
+                </a:solidFill>
+                <a:latin typeface="Rockwell Extra Bold" panose="02060903040505020403" pitchFamily="18" charset="0"/>
+              </a:rPr>
+              <a:t>Menük:</a:t>
+            </a:r>
+            <a:endParaRPr lang="en-GB" b="1" dirty="0">
+              <a:solidFill>
+                <a:schemeClr val="bg1"/>
+              </a:solidFill>
+              <a:latin typeface="Rockwell Extra Bold" panose="02060903040505020403" pitchFamily="18" charset="0"/>
+            </a:endParaRPr>
+          </a:p>
+        </p:txBody>
+      </p:sp>
+      <p:pic>
+        <p:nvPicPr>
+          <p:cNvPr id="7" name="Kép 6">
+            <a:extLst>
+              <a:ext uri="{FF2B5EF4-FFF2-40B4-BE49-F238E27FC236}">
+                <a16:creationId xmlns:a16="http://schemas.microsoft.com/office/drawing/2014/main" id="{BFB19195-06F0-DDA0-236F-D4AE404502C3}"/>
+              </a:ext>
+            </a:extLst>
+          </p:cNvPr>
+          <p:cNvPicPr>
+            <a:picLocks noChangeAspect="1"/>
+          </p:cNvPicPr>
+          <p:nvPr/>
+        </p:nvPicPr>
+        <p:blipFill>
+          <a:blip r:embed="rId2"/>
+          <a:stretch>
+            <a:fillRect/>
+          </a:stretch>
+        </p:blipFill>
+        <p:spPr>
+          <a:xfrm>
+            <a:off x="777668" y="4033945"/>
+            <a:ext cx="4866058" cy="2458929"/>
+          </a:xfrm>
+          <a:prstGeom prst="rect">
+            <a:avLst/>
+          </a:prstGeom>
+          <a:solidFill>
+            <a:srgbClr val="FFFFFF">
+              <a:shade val="85000"/>
+            </a:srgbClr>
+          </a:solidFill>
+          <a:ln w="88900" cap="sq">
+            <a:solidFill>
+              <a:schemeClr val="tx1"/>
+            </a:solidFill>
+            <a:miter lim="800000"/>
+          </a:ln>
+          <a:effectLst>
+            <a:outerShdw blurRad="55000" dist="18000" dir="5400000" algn="tl" rotWithShape="0">
+              <a:srgbClr val="000000">
+                <a:alpha val="40000"/>
+              </a:srgbClr>
+            </a:outerShdw>
+          </a:effectLst>
+          <a:scene3d>
+            <a:camera prst="orthographicFront"/>
+            <a:lightRig rig="twoPt" dir="t">
+              <a:rot lat="0" lon="0" rev="7200000"/>
+            </a:lightRig>
+          </a:scene3d>
+          <a:sp3d>
+            <a:bevelT w="25400" h="19050"/>
+            <a:contourClr>
+              <a:srgbClr val="FFFFFF"/>
+            </a:contourClr>
+          </a:sp3d>
+        </p:spPr>
+      </p:pic>
+      <p:pic>
+        <p:nvPicPr>
+          <p:cNvPr id="9" name="Kép 8">
+            <a:extLst>
+              <a:ext uri="{FF2B5EF4-FFF2-40B4-BE49-F238E27FC236}">
+                <a16:creationId xmlns:a16="http://schemas.microsoft.com/office/drawing/2014/main" id="{F3219AAE-61F0-0DDF-93DE-F2471AAEA664}"/>
+              </a:ext>
+            </a:extLst>
+          </p:cNvPr>
+          <p:cNvPicPr>
+            <a:picLocks noChangeAspect="1"/>
+          </p:cNvPicPr>
+          <p:nvPr/>
+        </p:nvPicPr>
+        <p:blipFill>
+          <a:blip r:embed="rId3"/>
+          <a:stretch>
+            <a:fillRect/>
+          </a:stretch>
+        </p:blipFill>
+        <p:spPr>
+          <a:xfrm>
+            <a:off x="6629719" y="1275325"/>
+            <a:ext cx="4866058" cy="2465172"/>
+          </a:xfrm>
+          <a:prstGeom prst="rect">
+            <a:avLst/>
+          </a:prstGeom>
+          <a:solidFill>
+            <a:srgbClr val="FFFFFF">
+              <a:shade val="85000"/>
+            </a:srgbClr>
+          </a:solidFill>
+          <a:ln w="88900" cap="sq">
+            <a:solidFill>
+              <a:schemeClr val="tx1"/>
+            </a:solidFill>
+            <a:miter lim="800000"/>
+          </a:ln>
+          <a:effectLst>
+            <a:outerShdw blurRad="55000" dist="18000" dir="5400000" algn="tl" rotWithShape="0">
+              <a:srgbClr val="000000">
+                <a:alpha val="40000"/>
+              </a:srgbClr>
+            </a:outerShdw>
+          </a:effectLst>
+          <a:scene3d>
+            <a:camera prst="orthographicFront"/>
+            <a:lightRig rig="twoPt" dir="t">
+              <a:rot lat="0" lon="0" rev="7200000"/>
+            </a:lightRig>
+          </a:scene3d>
+          <a:sp3d>
+            <a:bevelT w="25400" h="19050"/>
+            <a:contourClr>
+              <a:srgbClr val="FFFFFF"/>
+            </a:contourClr>
+          </a:sp3d>
+        </p:spPr>
+      </p:pic>
+      <p:pic>
+        <p:nvPicPr>
+          <p:cNvPr id="11" name="Kép 10">
+            <a:extLst>
+              <a:ext uri="{FF2B5EF4-FFF2-40B4-BE49-F238E27FC236}">
+                <a16:creationId xmlns:a16="http://schemas.microsoft.com/office/drawing/2014/main" id="{E963E23D-722A-1CA4-6616-849490212538}"/>
+              </a:ext>
+            </a:extLst>
+          </p:cNvPr>
+          <p:cNvPicPr>
+            <a:picLocks noChangeAspect="1"/>
+          </p:cNvPicPr>
+          <p:nvPr/>
+        </p:nvPicPr>
+        <p:blipFill>
+          <a:blip r:embed="rId4"/>
+          <a:stretch>
+            <a:fillRect/>
+          </a:stretch>
+        </p:blipFill>
+        <p:spPr>
+          <a:xfrm>
+            <a:off x="6629719" y="4066969"/>
+            <a:ext cx="4866058" cy="2492704"/>
+          </a:xfrm>
+          <a:prstGeom prst="rect">
+            <a:avLst/>
+          </a:prstGeom>
+          <a:solidFill>
+            <a:srgbClr val="FFFFFF">
+              <a:shade val="85000"/>
+            </a:srgbClr>
+          </a:solidFill>
+          <a:ln w="88900" cap="sq">
+            <a:solidFill>
+              <a:schemeClr val="tx1"/>
+            </a:solidFill>
+            <a:miter lim="800000"/>
+          </a:ln>
+          <a:effectLst>
+            <a:outerShdw blurRad="55000" dist="18000" dir="5400000" algn="tl" rotWithShape="0">
+              <a:srgbClr val="000000">
+                <a:alpha val="40000"/>
+              </a:srgbClr>
+            </a:outerShdw>
+          </a:effectLst>
+          <a:scene3d>
+            <a:camera prst="orthographicFront"/>
+            <a:lightRig rig="twoPt" dir="t">
+              <a:rot lat="0" lon="0" rev="7200000"/>
+            </a:lightRig>
+          </a:scene3d>
+          <a:sp3d>
+            <a:bevelT w="25400" h="19050"/>
+            <a:contourClr>
+              <a:srgbClr val="FFFFFF"/>
+            </a:contourClr>
+          </a:sp3d>
+        </p:spPr>
+      </p:pic>
+      <p:pic>
+        <p:nvPicPr>
+          <p:cNvPr id="19" name="Kép 18">
+            <a:extLst>
+              <a:ext uri="{FF2B5EF4-FFF2-40B4-BE49-F238E27FC236}">
+                <a16:creationId xmlns:a16="http://schemas.microsoft.com/office/drawing/2014/main" id="{9B2BB48F-8F51-CCDE-8A62-256552012E0F}"/>
+              </a:ext>
+            </a:extLst>
+          </p:cNvPr>
+          <p:cNvPicPr>
+            <a:picLocks noChangeAspect="1"/>
+          </p:cNvPicPr>
+          <p:nvPr/>
+        </p:nvPicPr>
+        <p:blipFill rotWithShape="1">
+          <a:blip r:embed="rId5"/>
+          <a:srcRect t="16140" b="12995"/>
+          <a:stretch/>
+        </p:blipFill>
+        <p:spPr>
+          <a:xfrm>
+            <a:off x="777668" y="1642429"/>
+            <a:ext cx="4866058" cy="1910139"/>
+          </a:xfrm>
+          <a:prstGeom prst="rect">
+            <a:avLst/>
+          </a:prstGeom>
+          <a:solidFill>
+            <a:srgbClr val="FFFFFF">
+              <a:shade val="85000"/>
+            </a:srgbClr>
+          </a:solidFill>
+          <a:ln w="88900" cap="sq">
+            <a:solidFill>
+              <a:schemeClr val="tx1"/>
+            </a:solidFill>
+            <a:miter lim="800000"/>
+          </a:ln>
+          <a:effectLst>
+            <a:outerShdw blurRad="55000" dist="18000" dir="5400000" algn="tl" rotWithShape="0">
+              <a:srgbClr val="000000">
+                <a:alpha val="40000"/>
+              </a:srgbClr>
+            </a:outerShdw>
+          </a:effectLst>
+          <a:scene3d>
+            <a:camera prst="orthographicFront"/>
+            <a:lightRig rig="twoPt" dir="t">
+              <a:rot lat="0" lon="0" rev="7200000"/>
+            </a:lightRig>
+          </a:scene3d>
+          <a:sp3d>
+            <a:bevelT w="25400" h="19050"/>
+            <a:contourClr>
+              <a:srgbClr val="FFFFFF"/>
+            </a:contourClr>
+          </a:sp3d>
+        </p:spPr>
+      </p:pic>
+    </p:spTree>
+    <p:extLst>
+      <p:ext uri="{BB962C8B-B14F-4D97-AF65-F5344CB8AC3E}">
+        <p14:creationId xmlns:p14="http://schemas.microsoft.com/office/powerpoint/2010/main" val="565399346"/>
+      </p:ext>
+    </p:extLst>
+  </p:cSld>
+  <p:clrMapOvr>
+    <a:masterClrMapping/>
+  </p:clrMapOvr>
+  <p:transition spd="slow">
+    <p:push dir="u"/>
+  </p:transition>
+</p:sld>
+</file>
+
+<file path=ppt/slides/slide5.xml><?xml version="1.0" encoding="utf-8"?>
+<p:sld xmlns:a="http://schemas.openxmlformats.org/drawingml/2006/main" xmlns:r="http://schemas.openxmlformats.org/officeDocument/2006/relationships" xmlns:p="http://schemas.openxmlformats.org/presentationml/2006/main">
+  <p:cSld>
+    <p:spTree>
+      <p:nvGrpSpPr>
+        <p:cNvPr id="1" name=""/>
+        <p:cNvGrpSpPr/>
+        <p:nvPr/>
+      </p:nvGrpSpPr>
+      <p:grpSpPr>
+        <a:xfrm>
+          <a:off x="0" y="0"/>
+          <a:ext cx="0" cy="0"/>
+          <a:chOff x="0" y="0"/>
+          <a:chExt cx="0" cy="0"/>
+        </a:xfrm>
+      </p:grpSpPr>
+      <p:pic>
+        <p:nvPicPr>
+          <p:cNvPr id="13" name="Kép 12">
+            <a:extLst>
+              <a:ext uri="{FF2B5EF4-FFF2-40B4-BE49-F238E27FC236}">
+                <a16:creationId xmlns:a16="http://schemas.microsoft.com/office/drawing/2014/main" id="{6F224E0A-7404-8444-E64E-E9D7F7EE56E4}"/>
+              </a:ext>
+            </a:extLst>
+          </p:cNvPr>
+          <p:cNvPicPr>
+            <a:picLocks noChangeAspect="1"/>
+          </p:cNvPicPr>
+          <p:nvPr/>
+        </p:nvPicPr>
+        <p:blipFill>
+          <a:blip r:embed="rId2"/>
+          <a:stretch>
+            <a:fillRect/>
+          </a:stretch>
+        </p:blipFill>
+        <p:spPr>
+          <a:xfrm>
+            <a:off x="1254507" y="1679011"/>
+            <a:ext cx="3610778" cy="3499977"/>
+          </a:xfrm>
+          <a:prstGeom prst="rect">
+            <a:avLst/>
+          </a:prstGeom>
+          <a:solidFill>
+            <a:srgbClr val="FFFFFF">
+              <a:shade val="85000"/>
+            </a:srgbClr>
+          </a:solidFill>
+          <a:ln w="88900" cap="sq">
+            <a:solidFill>
+              <a:schemeClr val="tx1"/>
+            </a:solidFill>
+            <a:miter lim="800000"/>
+          </a:ln>
+          <a:effectLst>
+            <a:outerShdw blurRad="55000" dist="18000" dir="5400000" algn="tl" rotWithShape="0">
+              <a:srgbClr val="000000">
+                <a:alpha val="40000"/>
+              </a:srgbClr>
+            </a:outerShdw>
+          </a:effectLst>
+          <a:scene3d>
+            <a:camera prst="orthographicFront"/>
+            <a:lightRig rig="twoPt" dir="t">
+              <a:rot lat="0" lon="0" rev="7200000"/>
+            </a:lightRig>
+          </a:scene3d>
+          <a:sp3d>
+            <a:bevelT w="25400" h="19050"/>
+            <a:contourClr>
+              <a:srgbClr val="FFFFFF"/>
+            </a:contourClr>
+          </a:sp3d>
+        </p:spPr>
+      </p:pic>
+      <p:pic>
+        <p:nvPicPr>
+          <p:cNvPr id="21" name="Kép 20">
+            <a:extLst>
+              <a:ext uri="{FF2B5EF4-FFF2-40B4-BE49-F238E27FC236}">
+                <a16:creationId xmlns:a16="http://schemas.microsoft.com/office/drawing/2014/main" id="{C5CBDF69-AD52-4FD8-AD07-787BD53FF67E}"/>
+              </a:ext>
+            </a:extLst>
+          </p:cNvPr>
+          <p:cNvPicPr>
+            <a:picLocks noChangeAspect="1"/>
+          </p:cNvPicPr>
+          <p:nvPr/>
+        </p:nvPicPr>
+        <p:blipFill>
+          <a:blip r:embed="rId3"/>
+          <a:stretch>
+            <a:fillRect/>
+          </a:stretch>
+        </p:blipFill>
+        <p:spPr>
+          <a:xfrm>
+            <a:off x="637491" y="314642"/>
+            <a:ext cx="4477905" cy="6228714"/>
+          </a:xfrm>
+          <a:prstGeom prst="rect">
+            <a:avLst/>
+          </a:prstGeom>
+          <a:solidFill>
+            <a:srgbClr val="FFFFFF">
+              <a:shade val="85000"/>
+            </a:srgbClr>
+          </a:solidFill>
+          <a:ln w="88900" cap="sq">
+            <a:solidFill>
+              <a:schemeClr val="tx1"/>
+            </a:solidFill>
+            <a:miter lim="800000"/>
+          </a:ln>
+          <a:effectLst>
+            <a:outerShdw blurRad="55000" dist="18000" dir="5400000" algn="tl" rotWithShape="0">
+              <a:srgbClr val="000000">
+                <a:alpha val="40000"/>
+              </a:srgbClr>
+            </a:outerShdw>
+          </a:effectLst>
+          <a:scene3d>
+            <a:camera prst="orthographicFront"/>
+            <a:lightRig rig="twoPt" dir="t">
+              <a:rot lat="0" lon="0" rev="7200000"/>
+            </a:lightRig>
+          </a:scene3d>
+          <a:sp3d>
+            <a:bevelT w="25400" h="19050"/>
+            <a:contourClr>
+              <a:srgbClr val="FFFFFF"/>
+            </a:contourClr>
+          </a:sp3d>
+        </p:spPr>
+      </p:pic>
+      <p:pic>
+        <p:nvPicPr>
+          <p:cNvPr id="17" name="Kép 16">
+            <a:extLst>
+              <a:ext uri="{FF2B5EF4-FFF2-40B4-BE49-F238E27FC236}">
+                <a16:creationId xmlns:a16="http://schemas.microsoft.com/office/drawing/2014/main" id="{4CB0370F-DF44-E118-F3B3-6F6B845CCC9A}"/>
+              </a:ext>
+            </a:extLst>
+          </p:cNvPr>
+          <p:cNvPicPr>
+            <a:picLocks noChangeAspect="1"/>
+          </p:cNvPicPr>
+          <p:nvPr/>
+        </p:nvPicPr>
+        <p:blipFill>
+          <a:blip r:embed="rId4"/>
+          <a:stretch>
+            <a:fillRect/>
+          </a:stretch>
+        </p:blipFill>
+        <p:spPr>
+          <a:xfrm>
+            <a:off x="6328382" y="1760837"/>
+            <a:ext cx="5226127" cy="2936366"/>
+          </a:xfrm>
+          <a:prstGeom prst="rect">
+            <a:avLst/>
+          </a:prstGeom>
+          <a:solidFill>
+            <a:srgbClr val="FFFFFF">
+              <a:shade val="85000"/>
+            </a:srgbClr>
+          </a:solidFill>
+          <a:ln w="88900" cap="sq">
+            <a:solidFill>
+              <a:schemeClr val="tx1"/>
+            </a:solidFill>
+            <a:miter lim="800000"/>
+          </a:ln>
+          <a:effectLst>
+            <a:outerShdw blurRad="55000" dist="18000" dir="5400000" algn="tl" rotWithShape="0">
+              <a:srgbClr val="000000">
+                <a:alpha val="40000"/>
+              </a:srgbClr>
+            </a:outerShdw>
+          </a:effectLst>
+          <a:scene3d>
+            <a:camera prst="orthographicFront"/>
+            <a:lightRig rig="twoPt" dir="t">
+              <a:rot lat="0" lon="0" rev="7200000"/>
+            </a:lightRig>
+          </a:scene3d>
+          <a:sp3d>
+            <a:bevelT w="25400" h="19050"/>
+            <a:contourClr>
+              <a:srgbClr val="FFFFFF"/>
+            </a:contourClr>
+          </a:sp3d>
+        </p:spPr>
+      </p:pic>
+      <p:pic>
+        <p:nvPicPr>
+          <p:cNvPr id="15" name="Kép 14">
+            <a:extLst>
+              <a:ext uri="{FF2B5EF4-FFF2-40B4-BE49-F238E27FC236}">
+                <a16:creationId xmlns:a16="http://schemas.microsoft.com/office/drawing/2014/main" id="{AF31DC4B-8F10-0027-14F0-DD9AA9F969EA}"/>
+              </a:ext>
+            </a:extLst>
+          </p:cNvPr>
+          <p:cNvPicPr>
+            <a:picLocks noChangeAspect="1"/>
+          </p:cNvPicPr>
+          <p:nvPr/>
+        </p:nvPicPr>
+        <p:blipFill rotWithShape="1">
+          <a:blip r:embed="rId5"/>
+          <a:srcRect r="16890"/>
+          <a:stretch/>
+        </p:blipFill>
+        <p:spPr>
+          <a:xfrm>
+            <a:off x="6079861" y="452657"/>
+            <a:ext cx="5898023" cy="5760627"/>
+          </a:xfrm>
+          <a:prstGeom prst="rect">
+            <a:avLst/>
+          </a:prstGeom>
+          <a:solidFill>
+            <a:srgbClr val="FFFFFF">
+              <a:shade val="85000"/>
+            </a:srgbClr>
+          </a:solidFill>
+          <a:ln w="88900" cap="sq">
+            <a:solidFill>
+              <a:schemeClr val="tx1"/>
+            </a:solidFill>
+            <a:miter lim="800000"/>
+          </a:ln>
+          <a:effectLst>
+            <a:outerShdw blurRad="55000" dist="18000" dir="5400000" algn="tl" rotWithShape="0">
+              <a:srgbClr val="000000">
+                <a:alpha val="40000"/>
+              </a:srgbClr>
+            </a:outerShdw>
+          </a:effectLst>
+          <a:scene3d>
+            <a:camera prst="orthographicFront"/>
+            <a:lightRig rig="twoPt" dir="t">
+              <a:rot lat="0" lon="0" rev="7200000"/>
+            </a:lightRig>
+          </a:scene3d>
+          <a:sp3d>
+            <a:bevelT w="25400" h="19050"/>
+            <a:contourClr>
+              <a:srgbClr val="FFFFFF"/>
+            </a:contourClr>
+          </a:sp3d>
+        </p:spPr>
+      </p:pic>
+    </p:spTree>
+    <p:extLst>
+      <p:ext uri="{BB962C8B-B14F-4D97-AF65-F5344CB8AC3E}">
+        <p14:creationId xmlns:p14="http://schemas.microsoft.com/office/powerpoint/2010/main" val="4185901660"/>
+      </p:ext>
+    </p:extLst>
+  </p:cSld>
+  <p:clrMapOvr>
+    <a:masterClrMapping/>
+  </p:clrMapOvr>
+  <p:transition spd="slow">
+    <p:wipe/>
+  </p:transition>
+  <p:timing>
+    <p:tnLst>
+      <p:par>
+        <p:cTn id="1" dur="indefinite" restart="never" nodeType="tmRoot">
+          <p:childTnLst>
+            <p:seq concurrent="1" nextAc="seek">
+              <p:cTn id="2" dur="indefinite" nodeType="mainSeq">
+                <p:childTnLst>
+                  <p:par>
+                    <p:cTn id="3" fill="hold">
+                      <p:stCondLst>
+                        <p:cond delay="indefinite"/>
+                      </p:stCondLst>
+                      <p:childTnLst>
+                        <p:par>
+                          <p:cTn id="4" fill="hold">
+                            <p:stCondLst>
+                              <p:cond delay="0"/>
+                            </p:stCondLst>
+                            <p:childTnLst>
+                              <p:par>
+                                <p:cTn id="5" presetID="2" presetClass="entr" presetSubtype="4" fill="hold" nodeType="clickEffect">
+                                  <p:stCondLst>
+                                    <p:cond delay="0"/>
+                                  </p:stCondLst>
+                                  <p:childTnLst>
+                                    <p:set>
+                                      <p:cBhvr>
+                                        <p:cTn id="6" dur="1" fill="hold">
+                                          <p:stCondLst>
+                                            <p:cond delay="0"/>
+                                          </p:stCondLst>
+                                        </p:cTn>
+                                        <p:tgtEl>
+                                          <p:spTgt spid="21"/>
+                                        </p:tgtEl>
+                                        <p:attrNameLst>
+                                          <p:attrName>style.visibility</p:attrName>
+                                        </p:attrNameLst>
+                                      </p:cBhvr>
+                                      <p:to>
+                                        <p:strVal val="visible"/>
+                                      </p:to>
+                                    </p:set>
+                                    <p:anim calcmode="lin" valueType="num">
+                                      <p:cBhvr additive="base">
+                                        <p:cTn id="7" dur="500" fill="hold"/>
+                                        <p:tgtEl>
+                                          <p:spTgt spid="21"/>
+                                        </p:tgtEl>
+                                        <p:attrNameLst>
+                                          <p:attrName>ppt_x</p:attrName>
+                                        </p:attrNameLst>
+                                      </p:cBhvr>
+                                      <p:tavLst>
+                                        <p:tav tm="0">
+                                          <p:val>
+                                            <p:strVal val="#ppt_x"/>
+                                          </p:val>
+                                        </p:tav>
+                                        <p:tav tm="100000">
+                                          <p:val>
+                                            <p:strVal val="#ppt_x"/>
+                                          </p:val>
+                                        </p:tav>
+                                      </p:tavLst>
+                                    </p:anim>
+                                    <p:anim calcmode="lin" valueType="num">
+                                      <p:cBhvr additive="base">
+                                        <p:cTn id="8" dur="500" fill="hold"/>
+                                        <p:tgtEl>
+                                          <p:spTgt spid="21"/>
+                                        </p:tgtEl>
+                                        <p:attrNameLst>
+                                          <p:attrName>ppt_y</p:attrName>
+                                        </p:attrNameLst>
+                                      </p:cBhvr>
+                                      <p:tavLst>
+                                        <p:tav tm="0">
+                                          <p:val>
+                                            <p:strVal val="1+#ppt_h/2"/>
+                                          </p:val>
+                                        </p:tav>
+                                        <p:tav tm="100000">
+                                          <p:val>
+                                            <p:strVal val="#ppt_y"/>
+                                          </p:val>
+                                        </p:tav>
+                                      </p:tavLst>
+                                    </p:anim>
+                                  </p:childTnLst>
+                                </p:cTn>
+                              </p:par>
+                            </p:childTnLst>
+                          </p:cTn>
+                        </p:par>
+                      </p:childTnLst>
+                    </p:cTn>
+                  </p:par>
+                  <p:par>
+                    <p:cTn id="9" fill="hold">
+                      <p:stCondLst>
+                        <p:cond delay="indefinite"/>
+                      </p:stCondLst>
+                      <p:childTnLst>
+                        <p:par>
+                          <p:cTn id="10" fill="hold">
+                            <p:stCondLst>
+                              <p:cond delay="0"/>
+                            </p:stCondLst>
+                            <p:childTnLst>
+                              <p:par>
+                                <p:cTn id="11" presetID="2" presetClass="entr" presetSubtype="4" fill="hold" nodeType="clickEffect">
+                                  <p:stCondLst>
+                                    <p:cond delay="0"/>
+                                  </p:stCondLst>
+                                  <p:childTnLst>
+                                    <p:set>
+                                      <p:cBhvr>
+                                        <p:cTn id="12" dur="1" fill="hold">
+                                          <p:stCondLst>
+                                            <p:cond delay="0"/>
+                                          </p:stCondLst>
+                                        </p:cTn>
+                                        <p:tgtEl>
+                                          <p:spTgt spid="15"/>
+                                        </p:tgtEl>
+                                        <p:attrNameLst>
+                                          <p:attrName>style.visibility</p:attrName>
+                                        </p:attrNameLst>
+                                      </p:cBhvr>
+                                      <p:to>
+                                        <p:strVal val="visible"/>
+                                      </p:to>
+                                    </p:set>
+                                    <p:anim calcmode="lin" valueType="num">
+                                      <p:cBhvr additive="base">
+                                        <p:cTn id="13" dur="500" fill="hold"/>
+                                        <p:tgtEl>
+                                          <p:spTgt spid="15"/>
+                                        </p:tgtEl>
+                                        <p:attrNameLst>
+                                          <p:attrName>ppt_x</p:attrName>
+                                        </p:attrNameLst>
+                                      </p:cBhvr>
+                                      <p:tavLst>
+                                        <p:tav tm="0">
+                                          <p:val>
+                                            <p:strVal val="#ppt_x"/>
+                                          </p:val>
+                                        </p:tav>
+                                        <p:tav tm="100000">
+                                          <p:val>
+                                            <p:strVal val="#ppt_x"/>
+                                          </p:val>
+                                        </p:tav>
+                                      </p:tavLst>
+                                    </p:anim>
+                                    <p:anim calcmode="lin" valueType="num">
+                                      <p:cBhvr additive="base">
+                                        <p:cTn id="14" dur="500" fill="hold"/>
+                                        <p:tgtEl>
+                                          <p:spTgt spid="15"/>
+                                        </p:tgtEl>
+                                        <p:attrNameLst>
+                                          <p:attrName>ppt_y</p:attrName>
+                                        </p:attrNameLst>
+                                      </p:cBhvr>
+                                      <p:tavLst>
+                                        <p:tav tm="0">
+                                          <p:val>
+                                            <p:strVal val="1+#ppt_h/2"/>
+                                          </p:val>
+                                        </p:tav>
+                                        <p:tav tm="100000">
+                                          <p:val>
+                                            <p:strVal val="#ppt_y"/>
+                                          </p:val>
+                                        </p:tav>
+                                      </p:tavLst>
+                                    </p:anim>
+                                  </p:childTnLst>
+                                </p:cTn>
+                              </p:par>
+                            </p:childTnLst>
+                          </p:cTn>
+                        </p:par>
+                      </p:childTnLst>
+                    </p:cTn>
+                  </p:par>
+                </p:childTnLst>
+              </p:cTn>
+              <p:prevCondLst>
+                <p:cond evt="onPrev" delay="0">
+                  <p:tgtEl>
+                    <p:sldTgt/>
+                  </p:tgtEl>
+                </p:cond>
+              </p:prevCondLst>
+              <p:nextCondLst>
+                <p:cond evt="onNext" delay="0">
+                  <p:tgtEl>
+                    <p:sldTgt/>
+                  </p:tgtEl>
+                </p:cond>
+              </p:nextCondLst>
+            </p:seq>
+          </p:childTnLst>
+        </p:cTn>
+      </p:par>
+    </p:tnLst>
+  </p:timing>
+</p:sld>
+</file>
+
+<file path=ppt/slides/slide6.xml><?xml version="1.0" encoding="utf-8"?>
+<p:sld xmlns:a="http://schemas.openxmlformats.org/drawingml/2006/main" xmlns:r="http://schemas.openxmlformats.org/officeDocument/2006/relationships" xmlns:p="http://schemas.openxmlformats.org/presentationml/2006/main">
+  <p:cSld>
+    <p:spTree>
+      <p:nvGrpSpPr>
+        <p:cNvPr id="1" name=""/>
+        <p:cNvGrpSpPr/>
+        <p:nvPr/>
+      </p:nvGrpSpPr>
+      <p:grpSpPr>
+        <a:xfrm>
+          <a:off x="0" y="0"/>
+          <a:ext cx="0" cy="0"/>
+          <a:chOff x="0" y="0"/>
+          <a:chExt cx="0" cy="0"/>
+        </a:xfrm>
+      </p:grpSpPr>
+      <p:sp>
+        <p:nvSpPr>
+          <p:cNvPr id="2" name="Cím 1">
+            <a:extLst>
+              <a:ext uri="{FF2B5EF4-FFF2-40B4-BE49-F238E27FC236}">
+                <a16:creationId xmlns:a16="http://schemas.microsoft.com/office/drawing/2014/main" id="{75AFE648-EA24-E937-807F-E0392F97192F}"/>
+              </a:ext>
+            </a:extLst>
+          </p:cNvPr>
+          <p:cNvSpPr>
+            <a:spLocks noGrp="1"/>
+          </p:cNvSpPr>
+          <p:nvPr>
+            <p:ph type="title"/>
+          </p:nvPr>
+        </p:nvSpPr>
+        <p:spPr>
+          <a:xfrm>
+            <a:off x="381000" y="179774"/>
+            <a:ext cx="2800865" cy="1325563"/>
+          </a:xfrm>
+        </p:spPr>
+        <p:txBody>
+          <a:bodyPr/>
+          <a:lstStyle/>
+          <a:p>
+            <a:r>
+              <a:rPr lang="hu-HU" b="1" dirty="0">
+                <a:solidFill>
+                  <a:schemeClr val="bg1"/>
+                </a:solidFill>
+                <a:latin typeface="Rockwell Extra Bold" panose="02060903040505020403" pitchFamily="18" charset="0"/>
+              </a:rPr>
+              <a:t>A Játék:</a:t>
+            </a:r>
+            <a:endParaRPr lang="en-GB" b="1" dirty="0">
+              <a:solidFill>
+                <a:schemeClr val="bg1"/>
+              </a:solidFill>
+              <a:latin typeface="Rockwell Extra Bold" panose="02060903040505020403" pitchFamily="18" charset="0"/>
+            </a:endParaRPr>
+          </a:p>
+        </p:txBody>
+      </p:sp>
+      <p:pic>
+        <p:nvPicPr>
+          <p:cNvPr id="6" name="Kép 5">
+            <a:extLst>
+              <a:ext uri="{FF2B5EF4-FFF2-40B4-BE49-F238E27FC236}">
+                <a16:creationId xmlns:a16="http://schemas.microsoft.com/office/drawing/2014/main" id="{189F2193-D5C4-B213-569E-FA62C82266FB}"/>
+              </a:ext>
+            </a:extLst>
+          </p:cNvPr>
+          <p:cNvPicPr>
+            <a:picLocks noChangeAspect="1"/>
+          </p:cNvPicPr>
+          <p:nvPr/>
+        </p:nvPicPr>
+        <p:blipFill>
+          <a:blip r:embed="rId2"/>
+          <a:stretch>
+            <a:fillRect/>
+          </a:stretch>
+        </p:blipFill>
+        <p:spPr>
+          <a:xfrm>
+            <a:off x="145478" y="1505337"/>
+            <a:ext cx="7855521" cy="3982962"/>
+          </a:xfrm>
+          <a:prstGeom prst="rect">
+            <a:avLst/>
+          </a:prstGeom>
+          <a:solidFill>
+            <a:srgbClr val="FFFFFF">
+              <a:shade val="85000"/>
+            </a:srgbClr>
+          </a:solidFill>
+          <a:ln w="88900" cap="sq">
+            <a:solidFill>
+              <a:schemeClr val="tx1"/>
+            </a:solidFill>
+            <a:miter lim="800000"/>
+          </a:ln>
+          <a:effectLst>
+            <a:outerShdw blurRad="55000" dist="18000" dir="5400000" algn="tl" rotWithShape="0">
+              <a:srgbClr val="000000">
+                <a:alpha val="40000"/>
+              </a:srgbClr>
+            </a:outerShdw>
+          </a:effectLst>
+          <a:scene3d>
+            <a:camera prst="orthographicFront"/>
+            <a:lightRig rig="twoPt" dir="t">
+              <a:rot lat="0" lon="0" rev="7200000"/>
+            </a:lightRig>
+          </a:scene3d>
+          <a:sp3d>
+            <a:bevelT w="25400" h="19050"/>
+            <a:contourClr>
+              <a:srgbClr val="FFFFFF"/>
+            </a:contourClr>
+          </a:sp3d>
+        </p:spPr>
+      </p:pic>
+      <p:pic>
+        <p:nvPicPr>
+          <p:cNvPr id="8" name="Kép 7">
+            <a:extLst>
+              <a:ext uri="{FF2B5EF4-FFF2-40B4-BE49-F238E27FC236}">
+                <a16:creationId xmlns:a16="http://schemas.microsoft.com/office/drawing/2014/main" id="{6758E9F1-41CA-157D-31B2-EDC412C20F92}"/>
+              </a:ext>
+            </a:extLst>
+          </p:cNvPr>
+          <p:cNvPicPr>
+            <a:picLocks noChangeAspect="1"/>
+          </p:cNvPicPr>
+          <p:nvPr/>
+        </p:nvPicPr>
+        <p:blipFill>
+          <a:blip r:embed="rId3"/>
+          <a:stretch>
+            <a:fillRect/>
+          </a:stretch>
+        </p:blipFill>
+        <p:spPr>
+          <a:xfrm>
+            <a:off x="8389577" y="1629418"/>
+            <a:ext cx="3183763" cy="3734799"/>
+          </a:xfrm>
+          <a:prstGeom prst="rect">
+            <a:avLst/>
+          </a:prstGeom>
+          <a:solidFill>
+            <a:srgbClr val="FFFFFF">
+              <a:shade val="85000"/>
+            </a:srgbClr>
+          </a:solidFill>
+          <a:ln w="88900" cap="sq">
+            <a:solidFill>
+              <a:schemeClr val="tx1"/>
+            </a:solidFill>
+            <a:miter lim="800000"/>
+          </a:ln>
+          <a:effectLst>
+            <a:outerShdw blurRad="55000" dist="18000" dir="5400000" algn="tl" rotWithShape="0">
+              <a:srgbClr val="000000">
+                <a:alpha val="40000"/>
+              </a:srgbClr>
+            </a:outerShdw>
+          </a:effectLst>
+          <a:scene3d>
+            <a:camera prst="orthographicFront"/>
+            <a:lightRig rig="twoPt" dir="t">
+              <a:rot lat="0" lon="0" rev="7200000"/>
+            </a:lightRig>
+          </a:scene3d>
+          <a:sp3d>
+            <a:bevelT w="25400" h="19050"/>
+            <a:contourClr>
+              <a:srgbClr val="FFFFFF"/>
+            </a:contourClr>
+          </a:sp3d>
+        </p:spPr>
+      </p:pic>
+      <p:pic>
+        <p:nvPicPr>
+          <p:cNvPr id="9" name="Kép 8">
+            <a:extLst>
+              <a:ext uri="{FF2B5EF4-FFF2-40B4-BE49-F238E27FC236}">
+                <a16:creationId xmlns:a16="http://schemas.microsoft.com/office/drawing/2014/main" id="{CDBC3147-67A0-A548-5080-D091E0B04C9A}"/>
+              </a:ext>
+            </a:extLst>
+          </p:cNvPr>
+          <p:cNvPicPr>
+            <a:picLocks noChangeAspect="1"/>
+          </p:cNvPicPr>
+          <p:nvPr/>
+        </p:nvPicPr>
+        <p:blipFill>
+          <a:blip r:embed="rId4"/>
+          <a:stretch>
+            <a:fillRect/>
+          </a:stretch>
+        </p:blipFill>
+        <p:spPr>
+          <a:xfrm>
+            <a:off x="2594919" y="375303"/>
+            <a:ext cx="7133966" cy="5829346"/>
+          </a:xfrm>
+          <a:prstGeom prst="rect">
+            <a:avLst/>
+          </a:prstGeom>
+          <a:solidFill>
+            <a:srgbClr val="FFFFFF">
+              <a:shade val="85000"/>
+            </a:srgbClr>
+          </a:solidFill>
+          <a:ln w="88900" cap="sq">
+            <a:solidFill>
+              <a:schemeClr val="tx1"/>
+            </a:solidFill>
+            <a:miter lim="800000"/>
+          </a:ln>
+          <a:effectLst>
+            <a:outerShdw blurRad="55000" dist="18000" dir="5400000" algn="tl" rotWithShape="0">
+              <a:srgbClr val="000000">
+                <a:alpha val="40000"/>
+              </a:srgbClr>
+            </a:outerShdw>
+          </a:effectLst>
+          <a:scene3d>
+            <a:camera prst="orthographicFront"/>
+            <a:lightRig rig="twoPt" dir="t">
+              <a:rot lat="0" lon="0" rev="7200000"/>
+            </a:lightRig>
+          </a:scene3d>
+          <a:sp3d>
+            <a:bevelT w="25400" h="19050"/>
+            <a:contourClr>
+              <a:srgbClr val="FFFFFF"/>
+            </a:contourClr>
+          </a:sp3d>
+        </p:spPr>
+      </p:pic>
+    </p:spTree>
+    <p:extLst>
+      <p:ext uri="{BB962C8B-B14F-4D97-AF65-F5344CB8AC3E}">
+        <p14:creationId xmlns:p14="http://schemas.microsoft.com/office/powerpoint/2010/main" val="1546315306"/>
+      </p:ext>
+    </p:extLst>
+  </p:cSld>
+  <p:clrMapOvr>
+    <a:masterClrMapping/>
+  </p:clrMapOvr>
+  <mc:AlternateContent xmlns:mc="http://schemas.openxmlformats.org/markup-compatibility/2006">
+    <mc:Choice xmlns:p159="http://schemas.microsoft.com/office/powerpoint/2015/09/main" Requires="p159">
+      <p:transition xmlns:p14="http://schemas.microsoft.com/office/powerpoint/2010/main" spd="slow" p14:dur="2000">
+        <p159:morph option="byObject"/>
+      </p:transition>
+    </mc:Choice>
+    <mc:Fallback>
+      <p:transition spd="slow">
+        <p:fade/>
+      </p:transition>
+    </mc:Fallback>
+  </mc:AlternateContent>
+  <p:timing>
+    <p:tnLst>
+      <p:par>
+        <p:cTn id="1" dur="indefinite" restart="never" nodeType="tmRoot">
+          <p:childTnLst>
+            <p:seq concurrent="1" nextAc="seek">
+              <p:cTn id="2" dur="indefinite" nodeType="mainSeq">
+                <p:childTnLst>
+                  <p:par>
+                    <p:cTn id="3" fill="hold">
+                      <p:stCondLst>
+                        <p:cond delay="indefinite"/>
+                      </p:stCondLst>
+                      <p:childTnLst>
+                        <p:par>
+                          <p:cTn id="4" fill="hold">
+                            <p:stCondLst>
+                              <p:cond delay="0"/>
+                            </p:stCondLst>
+                            <p:childTnLst>
+                              <p:par>
+                                <p:cTn id="5" presetID="22" presetClass="entr" presetSubtype="4" fill="hold" nodeType="clickEffect">
+                                  <p:stCondLst>
+                                    <p:cond delay="0"/>
+                                  </p:stCondLst>
+                                  <p:childTnLst>
+                                    <p:set>
+                                      <p:cBhvr>
+                                        <p:cTn id="6" dur="1" fill="hold">
+                                          <p:stCondLst>
+                                            <p:cond delay="0"/>
+                                          </p:stCondLst>
+                                        </p:cTn>
+                                        <p:tgtEl>
+                                          <p:spTgt spid="9"/>
+                                        </p:tgtEl>
+                                        <p:attrNameLst>
+                                          <p:attrName>style.visibility</p:attrName>
+                                        </p:attrNameLst>
+                                      </p:cBhvr>
+                                      <p:to>
+                                        <p:strVal val="visible"/>
+                                      </p:to>
+                                    </p:set>
+                                    <p:animEffect transition="in" filter="wipe(down)">
+                                      <p:cBhvr>
+                                        <p:cTn id="7" dur="500"/>
+                                        <p:tgtEl>
+                                          <p:spTgt spid="9"/>
+                                        </p:tgtEl>
+                                      </p:cBhvr>
+                                    </p:animEffect>
+                                  </p:childTnLst>
+                                </p:cTn>
+                              </p:par>
+                            </p:childTnLst>
+                          </p:cTn>
+                        </p:par>
+                      </p:childTnLst>
+                    </p:cTn>
+                  </p:par>
+                </p:childTnLst>
+              </p:cTn>
+              <p:prevCondLst>
+                <p:cond evt="onPrev" delay="0">
+                  <p:tgtEl>
+                    <p:sldTgt/>
+                  </p:tgtEl>
+                </p:cond>
+              </p:prevCondLst>
+              <p:nextCondLst>
+                <p:cond evt="onNext" delay="0">
+                  <p:tgtEl>
+                    <p:sldTgt/>
+                  </p:tgtEl>
+                </p:cond>
+              </p:nextCondLst>
+            </p:seq>
+          </p:childTnLst>
+        </p:cTn>
+      </p:par>
+    </p:tnLst>
+  </p:timing>
+</p:sld>
+</file>
+
+<file path=ppt/slides/slide7.xml><?xml version="1.0" encoding="utf-8"?>
+<p:sld xmlns:a="http://schemas.openxmlformats.org/drawingml/2006/main" xmlns:r="http://schemas.openxmlformats.org/officeDocument/2006/relationships" xmlns:p="http://schemas.openxmlformats.org/presentationml/2006/main">
+  <p:cSld>
+    <p:spTree>
+      <p:nvGrpSpPr>
+        <p:cNvPr id="1" name=""/>
+        <p:cNvGrpSpPr/>
+        <p:nvPr/>
+      </p:nvGrpSpPr>
+      <p:grpSpPr>
+        <a:xfrm>
+          <a:off x="0" y="0"/>
+          <a:ext cx="0" cy="0"/>
+          <a:chOff x="0" y="0"/>
+          <a:chExt cx="0" cy="0"/>
+        </a:xfrm>
+      </p:grpSpPr>
+      <p:sp>
+        <p:nvSpPr>
+          <p:cNvPr id="4" name="Cím 3">
+            <a:extLst>
+              <a:ext uri="{FF2B5EF4-FFF2-40B4-BE49-F238E27FC236}">
+                <a16:creationId xmlns:a16="http://schemas.microsoft.com/office/drawing/2014/main" id="{453596F3-FBA1-41AF-9C15-80D5B1DE01AC}"/>
+              </a:ext>
+            </a:extLst>
+          </p:cNvPr>
+          <p:cNvSpPr>
+            <a:spLocks noGrp="1"/>
+          </p:cNvSpPr>
+          <p:nvPr>
+            <p:ph type="title"/>
+          </p:nvPr>
+        </p:nvSpPr>
+        <p:spPr>
+          <a:xfrm>
+            <a:off x="1079026" y="355889"/>
+            <a:ext cx="3548579" cy="811826"/>
+          </a:xfrm>
+        </p:spPr>
+        <p:txBody>
+          <a:bodyPr/>
+          <a:lstStyle/>
+          <a:p>
+            <a:r>
+              <a:rPr lang="hu-HU" b="1" dirty="0">
+                <a:solidFill>
+                  <a:schemeClr val="bg1"/>
+                </a:solidFill>
+                <a:latin typeface="Rockwell Extra Bold" panose="02060903040505020403" pitchFamily="18" charset="0"/>
+              </a:rPr>
+              <a:t>A j</a:t>
+            </a:r>
+            <a:r>
+              <a:rPr lang="hu-HU" sz="4500" b="1" dirty="0">
+                <a:solidFill>
+                  <a:schemeClr val="bg1"/>
+                </a:solidFill>
+                <a:latin typeface="Rockwell Extra Bold" panose="02060903040505020403" pitchFamily="18" charset="0"/>
+              </a:rPr>
+              <a:t>á</a:t>
+            </a:r>
+            <a:r>
+              <a:rPr lang="hu-HU" b="1" dirty="0">
+                <a:solidFill>
+                  <a:schemeClr val="bg1"/>
+                </a:solidFill>
+                <a:latin typeface="Rockwell Extra Bold" panose="02060903040505020403" pitchFamily="18" charset="0"/>
+              </a:rPr>
+              <a:t>t</a:t>
+            </a:r>
+            <a:r>
+              <a:rPr lang="hu-HU" sz="4500" b="1" dirty="0">
+                <a:solidFill>
+                  <a:schemeClr val="bg1"/>
+                </a:solidFill>
+                <a:latin typeface="Rockwell Extra Bold" panose="02060903040505020403" pitchFamily="18" charset="0"/>
+              </a:rPr>
+              <a:t>é</a:t>
+            </a:r>
+            <a:r>
+              <a:rPr lang="hu-HU" b="1" dirty="0">
+                <a:solidFill>
+                  <a:schemeClr val="bg1"/>
+                </a:solidFill>
+                <a:latin typeface="Rockwell Extra Bold" panose="02060903040505020403" pitchFamily="18" charset="0"/>
+              </a:rPr>
+              <a:t>kos:</a:t>
+            </a:r>
+          </a:p>
+        </p:txBody>
+      </p:sp>
+      <p:pic>
+        <p:nvPicPr>
+          <p:cNvPr id="2" name="Kép 1" descr="A képen pixel látható&#10;&#10;Automatikusan generált leírás">
+            <a:extLst>
+              <a:ext uri="{FF2B5EF4-FFF2-40B4-BE49-F238E27FC236}">
+                <a16:creationId xmlns:a16="http://schemas.microsoft.com/office/drawing/2014/main" id="{1997CD64-74BF-9F30-DB1D-D05D27700D17}"/>
+              </a:ext>
+            </a:extLst>
+          </p:cNvPr>
+          <p:cNvPicPr>
+            <a:picLocks/>
+          </p:cNvPicPr>
+          <p:nvPr/>
+        </p:nvPicPr>
+        <p:blipFill>
+          <a:blip r:embed="rId2">
+            <a:extLst>
+              <a:ext uri="{28A0092B-C50C-407E-A947-70E740481C1C}">
+                <a14:useLocalDpi xmlns:a14="http://schemas.microsoft.com/office/drawing/2010/main" val="0"/>
+              </a:ext>
+            </a:extLst>
+          </a:blip>
+          <a:stretch>
+            <a:fillRect/>
+          </a:stretch>
+        </p:blipFill>
+        <p:spPr>
+          <a:xfrm rot="5400000">
+            <a:off x="9820949" y="33218"/>
+            <a:ext cx="1576455" cy="1970902"/>
+          </a:xfrm>
+          <a:prstGeom prst="rect">
+            <a:avLst/>
+          </a:prstGeom>
+        </p:spPr>
+      </p:pic>
+      <p:pic>
+        <p:nvPicPr>
+          <p:cNvPr id="5" name="Kép 4">
+            <a:extLst>
+              <a:ext uri="{FF2B5EF4-FFF2-40B4-BE49-F238E27FC236}">
+                <a16:creationId xmlns:a16="http://schemas.microsoft.com/office/drawing/2014/main" id="{493CB917-3E10-0748-5C76-876D305DBAA4}"/>
+              </a:ext>
+            </a:extLst>
+          </p:cNvPr>
+          <p:cNvPicPr>
+            <a:picLocks noChangeAspect="1"/>
+          </p:cNvPicPr>
+          <p:nvPr/>
+        </p:nvPicPr>
+        <p:blipFill>
+          <a:blip r:embed="rId3"/>
+          <a:stretch>
+            <a:fillRect/>
+          </a:stretch>
+        </p:blipFill>
+        <p:spPr>
+          <a:xfrm>
+            <a:off x="268156" y="1278924"/>
+            <a:ext cx="5170318" cy="3781635"/>
+          </a:xfrm>
+          <a:prstGeom prst="rect">
+            <a:avLst/>
+          </a:prstGeom>
+          <a:solidFill>
+            <a:srgbClr val="FFFFFF">
+              <a:shade val="85000"/>
+            </a:srgbClr>
+          </a:solidFill>
+          <a:ln w="88900" cap="sq">
+            <a:solidFill>
+              <a:schemeClr val="tx1"/>
+            </a:solidFill>
+            <a:miter lim="800000"/>
+          </a:ln>
+          <a:effectLst>
+            <a:outerShdw blurRad="55000" dist="18000" dir="5400000" algn="tl" rotWithShape="0">
+              <a:srgbClr val="000000">
+                <a:alpha val="40000"/>
+              </a:srgbClr>
+            </a:outerShdw>
+          </a:effectLst>
+          <a:scene3d>
+            <a:camera prst="orthographicFront"/>
+            <a:lightRig rig="twoPt" dir="t">
+              <a:rot lat="0" lon="0" rev="7200000"/>
+            </a:lightRig>
+          </a:scene3d>
+          <a:sp3d>
+            <a:bevelT w="25400" h="19050"/>
+            <a:contourClr>
+              <a:srgbClr val="FFFFFF"/>
+            </a:contourClr>
+          </a:sp3d>
+        </p:spPr>
+      </p:pic>
+      <p:pic>
+        <p:nvPicPr>
+          <p:cNvPr id="7" name="Kép 6">
+            <a:extLst>
+              <a:ext uri="{FF2B5EF4-FFF2-40B4-BE49-F238E27FC236}">
+                <a16:creationId xmlns:a16="http://schemas.microsoft.com/office/drawing/2014/main" id="{0C77C265-281E-F7AF-357E-8C9B4A0BC678}"/>
+              </a:ext>
+            </a:extLst>
+          </p:cNvPr>
+          <p:cNvPicPr>
+            <a:picLocks noChangeAspect="1"/>
+          </p:cNvPicPr>
+          <p:nvPr/>
+        </p:nvPicPr>
+        <p:blipFill>
+          <a:blip r:embed="rId4"/>
+          <a:stretch>
+            <a:fillRect/>
+          </a:stretch>
+        </p:blipFill>
+        <p:spPr>
+          <a:xfrm>
+            <a:off x="5967110" y="1278924"/>
+            <a:ext cx="5170318" cy="3781635"/>
+          </a:xfrm>
+          <a:prstGeom prst="rect">
+            <a:avLst/>
+          </a:prstGeom>
+          <a:solidFill>
+            <a:srgbClr val="FFFFFF">
+              <a:shade val="85000"/>
+            </a:srgbClr>
+          </a:solidFill>
+          <a:ln w="88900" cap="sq">
+            <a:solidFill>
+              <a:schemeClr val="tx1"/>
+            </a:solidFill>
+            <a:miter lim="800000"/>
+          </a:ln>
+          <a:effectLst>
+            <a:outerShdw blurRad="55000" dist="18000" dir="5400000" algn="tl" rotWithShape="0">
+              <a:srgbClr val="000000">
+                <a:alpha val="40000"/>
+              </a:srgbClr>
+            </a:outerShdw>
+          </a:effectLst>
+          <a:scene3d>
+            <a:camera prst="orthographicFront"/>
+            <a:lightRig rig="twoPt" dir="t">
+              <a:rot lat="0" lon="0" rev="7200000"/>
+            </a:lightRig>
+          </a:scene3d>
+          <a:sp3d>
+            <a:bevelT w="25400" h="19050"/>
+            <a:contourClr>
+              <a:srgbClr val="FFFFFF"/>
+            </a:contourClr>
+          </a:sp3d>
+        </p:spPr>
+      </p:pic>
+      <p:pic>
+        <p:nvPicPr>
+          <p:cNvPr id="9" name="Kép 8">
+            <a:extLst>
+              <a:ext uri="{FF2B5EF4-FFF2-40B4-BE49-F238E27FC236}">
+                <a16:creationId xmlns:a16="http://schemas.microsoft.com/office/drawing/2014/main" id="{6C18D86A-E8FB-B92B-6A04-B8329A397352}"/>
+              </a:ext>
+            </a:extLst>
+          </p:cNvPr>
+          <p:cNvPicPr>
+            <a:picLocks noChangeAspect="1"/>
+          </p:cNvPicPr>
+          <p:nvPr/>
+        </p:nvPicPr>
+        <p:blipFill>
+          <a:blip r:embed="rId5"/>
+          <a:stretch>
+            <a:fillRect/>
+          </a:stretch>
+        </p:blipFill>
+        <p:spPr>
+          <a:xfrm>
+            <a:off x="3028374" y="5454215"/>
+            <a:ext cx="5753903" cy="1047896"/>
+          </a:xfrm>
+          <a:prstGeom prst="rect">
+            <a:avLst/>
+          </a:prstGeom>
+          <a:solidFill>
+            <a:srgbClr val="FFFFFF">
+              <a:shade val="85000"/>
+            </a:srgbClr>
+          </a:solidFill>
+          <a:ln w="88900" cap="sq">
+            <a:solidFill>
+              <a:schemeClr val="tx1"/>
+            </a:solidFill>
+            <a:miter lim="800000"/>
+          </a:ln>
+          <a:effectLst>
+            <a:outerShdw blurRad="55000" dist="18000" dir="5400000" algn="tl" rotWithShape="0">
+              <a:srgbClr val="000000">
+                <a:alpha val="40000"/>
+              </a:srgbClr>
+            </a:outerShdw>
+          </a:effectLst>
+          <a:scene3d>
+            <a:camera prst="orthographicFront"/>
+            <a:lightRig rig="twoPt" dir="t">
+              <a:rot lat="0" lon="0" rev="7200000"/>
+            </a:lightRig>
+          </a:scene3d>
+          <a:sp3d>
+            <a:bevelT w="25400" h="19050"/>
+            <a:contourClr>
+              <a:srgbClr val="FFFFFF"/>
+            </a:contourClr>
+          </a:sp3d>
+        </p:spPr>
+      </p:pic>
+    </p:spTree>
+    <p:extLst>
+      <p:ext uri="{BB962C8B-B14F-4D97-AF65-F5344CB8AC3E}">
+        <p14:creationId xmlns:p14="http://schemas.microsoft.com/office/powerpoint/2010/main" val="3156071512"/>
+      </p:ext>
+    </p:extLst>
+  </p:cSld>
+  <p:clrMapOvr>
+    <a:masterClrMapping/>
+  </p:clrMapOvr>
+  <mc:AlternateContent xmlns:mc="http://schemas.openxmlformats.org/markup-compatibility/2006" xmlns:p14="http://schemas.microsoft.com/office/powerpoint/2010/main">
+    <mc:Choice Requires="p14">
+      <p:transition spd="slow" p14:dur="1500">
+        <p:split orient="vert"/>
+      </p:transition>
+    </mc:Choice>
+    <mc:Fallback xmlns="">
+      <p:transition spd="slow">
+        <p:split orient="vert"/>
+      </p:transition>
+    </mc:Fallback>
+  </mc:AlternateContent>
+  <p:timing>
+    <p:tnLst>
+      <p:par>
+        <p:cTn id="1" dur="indefinite" restart="never" nodeType="tmRoot">
+          <p:childTnLst>
+            <p:seq concurrent="1" nextAc="seek">
+              <p:cTn id="2" dur="indefinite" nodeType="mainSeq">
+                <p:childTnLst>
+                  <p:par>
+                    <p:cTn id="3" fill="hold">
+                      <p:stCondLst>
+                        <p:cond delay="indefinite"/>
+                      </p:stCondLst>
+                      <p:childTnLst>
+                        <p:par>
+                          <p:cTn id="4" fill="hold">
+                            <p:stCondLst>
+                              <p:cond delay="0"/>
+                            </p:stCondLst>
+                            <p:childTnLst>
+                              <p:par>
+                                <p:cTn id="5" presetID="63" presetClass="path" presetSubtype="0" accel="50000" decel="50000" fill="hold" nodeType="clickEffect">
+                                  <p:stCondLst>
+                                    <p:cond delay="0"/>
+                                  </p:stCondLst>
+                                  <p:childTnLst>
+                                    <p:animMotion origin="layout" path="M -1.25E-6 -4.07407E-6 L 0.80716 0.00162 " pathEditMode="relative" rAng="0" ptsTypes="AA">
+                                      <p:cBhvr>
+                                        <p:cTn id="6" dur="4500" fill="hold"/>
+                                        <p:tgtEl>
+                                          <p:spTgt spid="2"/>
+                                        </p:tgtEl>
+                                        <p:attrNameLst>
+                                          <p:attrName>ppt_x</p:attrName>
+                                          <p:attrName>ppt_y</p:attrName>
+                                        </p:attrNameLst>
+                                      </p:cBhvr>
+                                      <p:rCtr x="40352" y="69"/>
+                                    </p:animMotion>
+                                  </p:childTnLst>
+                                </p:cTn>
+                              </p:par>
+                            </p:childTnLst>
+                          </p:cTn>
+                        </p:par>
+                      </p:childTnLst>
+                    </p:cTn>
+                  </p:par>
+                  <p:par>
+                    <p:cTn id="7" fill="hold">
+                      <p:stCondLst>
+                        <p:cond delay="indefinite"/>
+                      </p:stCondLst>
+                      <p:childTnLst>
+                        <p:par>
+                          <p:cTn id="8" fill="hold">
+                            <p:stCondLst>
+                              <p:cond delay="0"/>
+                            </p:stCondLst>
+                            <p:childTnLst>
+                              <p:par>
+                                <p:cTn id="9" presetID="42" presetClass="entr" presetSubtype="0" fill="hold" nodeType="clickEffect">
+                                  <p:stCondLst>
+                                    <p:cond delay="0"/>
+                                  </p:stCondLst>
+                                  <p:childTnLst>
+                                    <p:set>
+                                      <p:cBhvr>
+                                        <p:cTn id="10" dur="1" fill="hold">
+                                          <p:stCondLst>
+                                            <p:cond delay="0"/>
+                                          </p:stCondLst>
+                                        </p:cTn>
+                                        <p:tgtEl>
+                                          <p:spTgt spid="7"/>
+                                        </p:tgtEl>
+                                        <p:attrNameLst>
+                                          <p:attrName>style.visibility</p:attrName>
+                                        </p:attrNameLst>
+                                      </p:cBhvr>
+                                      <p:to>
+                                        <p:strVal val="visible"/>
+                                      </p:to>
+                                    </p:set>
+                                    <p:animEffect transition="in" filter="fade">
+                                      <p:cBhvr>
+                                        <p:cTn id="11" dur="1000"/>
+                                        <p:tgtEl>
+                                          <p:spTgt spid="7"/>
+                                        </p:tgtEl>
+                                      </p:cBhvr>
+                                    </p:animEffect>
+                                    <p:anim calcmode="lin" valueType="num">
+                                      <p:cBhvr>
+                                        <p:cTn id="12" dur="1000" fill="hold"/>
+                                        <p:tgtEl>
+                                          <p:spTgt spid="7"/>
+                                        </p:tgtEl>
+                                        <p:attrNameLst>
+                                          <p:attrName>ppt_x</p:attrName>
+                                        </p:attrNameLst>
+                                      </p:cBhvr>
+                                      <p:tavLst>
+                                        <p:tav tm="0">
+                                          <p:val>
+                                            <p:strVal val="#ppt_x"/>
+                                          </p:val>
+                                        </p:tav>
+                                        <p:tav tm="100000">
+                                          <p:val>
+                                            <p:strVal val="#ppt_x"/>
+                                          </p:val>
+                                        </p:tav>
+                                      </p:tavLst>
+                                    </p:anim>
+                                    <p:anim calcmode="lin" valueType="num">
+                                      <p:cBhvr>
+                                        <p:cTn id="13" dur="1000" fill="hold"/>
+                                        <p:tgtEl>
+                                          <p:spTgt spid="7"/>
+                                        </p:tgtEl>
+                                        <p:attrNameLst>
+                                          <p:attrName>ppt_y</p:attrName>
+                                        </p:attrNameLst>
+                                      </p:cBhvr>
+                                      <p:tavLst>
+                                        <p:tav tm="0">
+                                          <p:val>
+                                            <p:strVal val="#ppt_y+.1"/>
+                                          </p:val>
+                                        </p:tav>
+                                        <p:tav tm="100000">
+                                          <p:val>
+                                            <p:strVal val="#ppt_y"/>
+                                          </p:val>
+                                        </p:tav>
+                                      </p:tavLst>
+                                    </p:anim>
+                                  </p:childTnLst>
+                                </p:cTn>
+                              </p:par>
+                            </p:childTnLst>
+                          </p:cTn>
+                        </p:par>
+                      </p:childTnLst>
+                    </p:cTn>
+                  </p:par>
+                  <p:par>
+                    <p:cTn id="14" fill="hold">
+                      <p:stCondLst>
+                        <p:cond delay="indefinite"/>
+                      </p:stCondLst>
+                      <p:childTnLst>
+                        <p:par>
+                          <p:cTn id="15" fill="hold">
+                            <p:stCondLst>
+                              <p:cond delay="0"/>
+                            </p:stCondLst>
+                            <p:childTnLst>
+                              <p:par>
+                                <p:cTn id="16" presetID="42" presetClass="entr" presetSubtype="0" fill="hold" nodeType="clickEffect">
+                                  <p:stCondLst>
+                                    <p:cond delay="0"/>
+                                  </p:stCondLst>
+                                  <p:childTnLst>
+                                    <p:set>
+                                      <p:cBhvr>
+                                        <p:cTn id="17" dur="1" fill="hold">
+                                          <p:stCondLst>
+                                            <p:cond delay="0"/>
+                                          </p:stCondLst>
+                                        </p:cTn>
+                                        <p:tgtEl>
+                                          <p:spTgt spid="9"/>
+                                        </p:tgtEl>
+                                        <p:attrNameLst>
+                                          <p:attrName>style.visibility</p:attrName>
+                                        </p:attrNameLst>
+                                      </p:cBhvr>
+                                      <p:to>
+                                        <p:strVal val="visible"/>
+                                      </p:to>
+                                    </p:set>
+                                    <p:animEffect transition="in" filter="fade">
+                                      <p:cBhvr>
+                                        <p:cTn id="18" dur="1000"/>
+                                        <p:tgtEl>
+                                          <p:spTgt spid="9"/>
+                                        </p:tgtEl>
+                                      </p:cBhvr>
+                                    </p:animEffect>
+                                    <p:anim calcmode="lin" valueType="num">
+                                      <p:cBhvr>
+                                        <p:cTn id="19" dur="1000" fill="hold"/>
+                                        <p:tgtEl>
+                                          <p:spTgt spid="9"/>
+                                        </p:tgtEl>
+                                        <p:attrNameLst>
+                                          <p:attrName>ppt_x</p:attrName>
+                                        </p:attrNameLst>
+                                      </p:cBhvr>
+                                      <p:tavLst>
+                                        <p:tav tm="0">
+                                          <p:val>
+                                            <p:strVal val="#ppt_x"/>
+                                          </p:val>
+                                        </p:tav>
+                                        <p:tav tm="100000">
+                                          <p:val>
+                                            <p:strVal val="#ppt_x"/>
+                                          </p:val>
+                                        </p:tav>
+                                      </p:tavLst>
+                                    </p:anim>
+                                    <p:anim calcmode="lin" valueType="num">
+                                      <p:cBhvr>
+                                        <p:cTn id="20" dur="1000" fill="hold"/>
+                                        <p:tgtEl>
+                                          <p:spTgt spid="9"/>
+                                        </p:tgtEl>
+                                        <p:attrNameLst>
+                                          <p:attrName>ppt_y</p:attrName>
+                                        </p:attrNameLst>
+                                      </p:cBhvr>
+                                      <p:tavLst>
+                                        <p:tav tm="0">
+                                          <p:val>
+                                            <p:strVal val="#ppt_y+.1"/>
+                                          </p:val>
+                                        </p:tav>
+                                        <p:tav tm="100000">
+                                          <p:val>
+                                            <p:strVal val="#ppt_y"/>
+                                          </p:val>
+                                        </p:tav>
+                                      </p:tavLst>
+                                    </p:anim>
+                                  </p:childTnLst>
+                                </p:cTn>
+                              </p:par>
+                            </p:childTnLst>
+                          </p:cTn>
+                        </p:par>
+                      </p:childTnLst>
+                    </p:cTn>
+                  </p:par>
+                </p:childTnLst>
+              </p:cTn>
+              <p:prevCondLst>
+                <p:cond evt="onPrev" delay="0">
+                  <p:tgtEl>
+                    <p:sldTgt/>
+                  </p:tgtEl>
+                </p:cond>
+              </p:prevCondLst>
+              <p:nextCondLst>
+                <p:cond evt="onNext" delay="0">
+                  <p:tgtEl>
+                    <p:sldTgt/>
+                  </p:tgtEl>
+                </p:cond>
+              </p:nextCondLst>
+            </p:seq>
+          </p:childTnLst>
+        </p:cTn>
+      </p:par>
+    </p:tnLst>
+  </p:timing>
+</p:sld>
+</file>
+
+<file path=ppt/slides/slide8.xml><?xml version="1.0" encoding="utf-8"?>
+<p:sld xmlns:a="http://schemas.openxmlformats.org/drawingml/2006/main" xmlns:r="http://schemas.openxmlformats.org/officeDocument/2006/relationships" xmlns:p="http://schemas.openxmlformats.org/presentationml/2006/main">
+  <p:cSld>
+    <p:spTree>
+      <p:nvGrpSpPr>
+        <p:cNvPr id="1" name=""/>
+        <p:cNvGrpSpPr/>
+        <p:nvPr/>
+      </p:nvGrpSpPr>
+      <p:grpSpPr>
+        <a:xfrm>
+          <a:off x="0" y="0"/>
+          <a:ext cx="0" cy="0"/>
+          <a:chOff x="0" y="0"/>
+          <a:chExt cx="0" cy="0"/>
+        </a:xfrm>
+      </p:grpSpPr>
+      <p:sp>
+        <p:nvSpPr>
+          <p:cNvPr id="2" name="Cím 1">
+            <a:extLst>
+              <a:ext uri="{FF2B5EF4-FFF2-40B4-BE49-F238E27FC236}">
+                <a16:creationId xmlns:a16="http://schemas.microsoft.com/office/drawing/2014/main" id="{D7AB1A94-2965-CB26-2579-F270A84D2F2A}"/>
+              </a:ext>
+            </a:extLst>
+          </p:cNvPr>
+          <p:cNvSpPr>
+            <a:spLocks noGrp="1"/>
+          </p:cNvSpPr>
+          <p:nvPr>
+            <p:ph type="title"/>
+          </p:nvPr>
+        </p:nvSpPr>
+        <p:spPr>
+          <a:xfrm>
+            <a:off x="498390" y="223022"/>
+            <a:ext cx="4104502" cy="1325563"/>
+          </a:xfrm>
+        </p:spPr>
+        <p:txBody>
+          <a:bodyPr vert="horz" lIns="91440" tIns="45720" rIns="91440" bIns="45720" rtlCol="0" anchor="ctr">
+            <a:normAutofit/>
+          </a:bodyPr>
+          <a:lstStyle/>
+          <a:p>
+            <a:r>
+              <a:rPr lang="hu-HU" b="1" dirty="0">
+                <a:solidFill>
+                  <a:schemeClr val="bg1"/>
+                </a:solidFill>
+                <a:latin typeface="Rockwell Extra Bold" panose="02060903040505020403" pitchFamily="18" charset="0"/>
+              </a:rPr>
+              <a:t>Lövedékek:</a:t>
+            </a:r>
+            <a:endParaRPr lang="en-GB" b="1" dirty="0">
+              <a:solidFill>
+                <a:schemeClr val="bg1"/>
+              </a:solidFill>
+              <a:latin typeface="Rockwell Extra Bold" panose="02060903040505020403" pitchFamily="18" charset="0"/>
+            </a:endParaRPr>
+          </a:p>
+        </p:txBody>
+      </p:sp>
+      <p:pic>
+        <p:nvPicPr>
+          <p:cNvPr id="5" name="Kép 4" descr="A képen Acélkék, kör, Majorelle kék látható&#10;&#10;Automatikusan generált leírás">
+            <a:extLst>
+              <a:ext uri="{FF2B5EF4-FFF2-40B4-BE49-F238E27FC236}">
+                <a16:creationId xmlns:a16="http://schemas.microsoft.com/office/drawing/2014/main" id="{4C4D8811-8134-C2D7-AC15-31AD9CC1FEE6}"/>
+              </a:ext>
+            </a:extLst>
+          </p:cNvPr>
+          <p:cNvPicPr>
+            <a:picLocks noChangeAspect="1"/>
+          </p:cNvPicPr>
+          <p:nvPr/>
+        </p:nvPicPr>
+        <p:blipFill>
+          <a:blip r:embed="rId2">
+            <a:extLst>
+              <a:ext uri="{28A0092B-C50C-407E-A947-70E740481C1C}">
+                <a14:useLocalDpi xmlns:a14="http://schemas.microsoft.com/office/drawing/2010/main" val="0"/>
+              </a:ext>
+            </a:extLst>
+          </a:blip>
+          <a:stretch>
+            <a:fillRect/>
+          </a:stretch>
+        </p:blipFill>
+        <p:spPr>
+          <a:xfrm>
+            <a:off x="4702519" y="647678"/>
+            <a:ext cx="476250" cy="476250"/>
+          </a:xfrm>
+          <a:prstGeom prst="rect">
+            <a:avLst/>
+          </a:prstGeom>
+        </p:spPr>
+      </p:pic>
+      <p:pic>
+        <p:nvPicPr>
+          <p:cNvPr id="7" name="Kép 6">
+            <a:extLst>
+              <a:ext uri="{FF2B5EF4-FFF2-40B4-BE49-F238E27FC236}">
+                <a16:creationId xmlns:a16="http://schemas.microsoft.com/office/drawing/2014/main" id="{3D7138C8-A7AF-2B8E-8CEC-1647A5C9248C}"/>
+              </a:ext>
+            </a:extLst>
+          </p:cNvPr>
+          <p:cNvPicPr>
+            <a:picLocks noChangeAspect="1"/>
+          </p:cNvPicPr>
+          <p:nvPr/>
+        </p:nvPicPr>
+        <p:blipFill>
+          <a:blip r:embed="rId3"/>
+          <a:stretch>
+            <a:fillRect/>
+          </a:stretch>
+        </p:blipFill>
+        <p:spPr>
+          <a:xfrm>
+            <a:off x="265282" y="2102947"/>
+            <a:ext cx="5643953" cy="3297729"/>
+          </a:xfrm>
+          <a:prstGeom prst="rect">
+            <a:avLst/>
+          </a:prstGeom>
+          <a:solidFill>
+            <a:srgbClr val="FFFFFF">
+              <a:shade val="85000"/>
+            </a:srgbClr>
+          </a:solidFill>
+          <a:ln w="88900" cap="sq">
+            <a:solidFill>
+              <a:schemeClr val="tx1"/>
+            </a:solidFill>
+            <a:miter lim="800000"/>
+          </a:ln>
+          <a:effectLst>
+            <a:outerShdw blurRad="55000" dist="18000" dir="5400000" algn="tl" rotWithShape="0">
+              <a:srgbClr val="000000">
+                <a:alpha val="40000"/>
+              </a:srgbClr>
+            </a:outerShdw>
+          </a:effectLst>
+          <a:scene3d>
+            <a:camera prst="orthographicFront"/>
+            <a:lightRig rig="twoPt" dir="t">
+              <a:rot lat="0" lon="0" rev="7200000"/>
+            </a:lightRig>
+          </a:scene3d>
+          <a:sp3d>
+            <a:bevelT w="25400" h="19050"/>
+            <a:contourClr>
+              <a:srgbClr val="FFFFFF"/>
+            </a:contourClr>
+          </a:sp3d>
+        </p:spPr>
+      </p:pic>
+      <p:pic>
+        <p:nvPicPr>
+          <p:cNvPr id="8" name="Kép 7">
+            <a:extLst>
+              <a:ext uri="{FF2B5EF4-FFF2-40B4-BE49-F238E27FC236}">
+                <a16:creationId xmlns:a16="http://schemas.microsoft.com/office/drawing/2014/main" id="{80160180-7D53-F434-E133-7DFC4176C293}"/>
+              </a:ext>
+            </a:extLst>
+          </p:cNvPr>
+          <p:cNvPicPr>
+            <a:picLocks noChangeAspect="1"/>
+          </p:cNvPicPr>
+          <p:nvPr/>
+        </p:nvPicPr>
+        <p:blipFill>
+          <a:blip r:embed="rId4"/>
+          <a:stretch>
+            <a:fillRect/>
+          </a:stretch>
+        </p:blipFill>
+        <p:spPr>
+          <a:xfrm>
+            <a:off x="6282766" y="2102947"/>
+            <a:ext cx="5446500" cy="3297729"/>
+          </a:xfrm>
+          <a:prstGeom prst="rect">
+            <a:avLst/>
+          </a:prstGeom>
+          <a:solidFill>
+            <a:srgbClr val="FFFFFF">
+              <a:shade val="85000"/>
+            </a:srgbClr>
+          </a:solidFill>
+          <a:ln w="88900" cap="sq">
+            <a:solidFill>
+              <a:schemeClr val="tx1"/>
+            </a:solidFill>
+            <a:miter lim="800000"/>
+          </a:ln>
+          <a:effectLst>
+            <a:outerShdw blurRad="55000" dist="18000" dir="5400000" algn="tl" rotWithShape="0">
+              <a:srgbClr val="000000">
+                <a:alpha val="40000"/>
+              </a:srgbClr>
+            </a:outerShdw>
+          </a:effectLst>
+          <a:scene3d>
+            <a:camera prst="orthographicFront"/>
+            <a:lightRig rig="twoPt" dir="t">
+              <a:rot lat="0" lon="0" rev="7200000"/>
+            </a:lightRig>
+          </a:scene3d>
+          <a:sp3d>
+            <a:bevelT w="25400" h="19050"/>
+            <a:contourClr>
+              <a:srgbClr val="FFFFFF"/>
+            </a:contourClr>
+          </a:sp3d>
+        </p:spPr>
+      </p:pic>
+    </p:spTree>
+    <p:extLst>
+      <p:ext uri="{BB962C8B-B14F-4D97-AF65-F5344CB8AC3E}">
+        <p14:creationId xmlns:p14="http://schemas.microsoft.com/office/powerpoint/2010/main" val="215653046"/>
+      </p:ext>
+    </p:extLst>
+  </p:cSld>
+  <p:clrMapOvr>
+    <a:masterClrMapping/>
+  </p:clrMapOvr>
+</p:sld>
+</file>
+
+<file path=ppt/slides/slide9.xml><?xml version="1.0" encoding="utf-8"?>
+<p:sld xmlns:a="http://schemas.openxmlformats.org/drawingml/2006/main" xmlns:r="http://schemas.openxmlformats.org/officeDocument/2006/relationships" xmlns:p="http://schemas.openxmlformats.org/presentationml/2006/main">
+  <p:cSld>
+    <p:spTree>
+      <p:nvGrpSpPr>
+        <p:cNvPr id="1" name=""/>
+        <p:cNvGrpSpPr/>
+        <p:nvPr/>
+      </p:nvGrpSpPr>
+      <p:grpSpPr>
+        <a:xfrm>
+          <a:off x="0" y="0"/>
+          <a:ext cx="0" cy="0"/>
+          <a:chOff x="0" y="0"/>
+          <a:chExt cx="0" cy="0"/>
+        </a:xfrm>
+      </p:grpSpPr>
+      <p:sp>
+        <p:nvSpPr>
+          <p:cNvPr id="4" name="Cím 3">
+            <a:extLst>
+              <a:ext uri="{FF2B5EF4-FFF2-40B4-BE49-F238E27FC236}">
+                <a16:creationId xmlns:a16="http://schemas.microsoft.com/office/drawing/2014/main" id="{453596F3-FBA1-41AF-9C15-80D5B1DE01AC}"/>
+              </a:ext>
+            </a:extLst>
+          </p:cNvPr>
+          <p:cNvSpPr>
+            <a:spLocks noGrp="1"/>
+          </p:cNvSpPr>
+          <p:nvPr>
+            <p:ph type="title"/>
+          </p:nvPr>
+        </p:nvSpPr>
+        <p:spPr>
+          <a:xfrm>
+            <a:off x="605777" y="266201"/>
+            <a:ext cx="8457904" cy="1325563"/>
+          </a:xfrm>
+        </p:spPr>
+        <p:txBody>
+          <a:bodyPr>
+            <a:normAutofit/>
+          </a:bodyPr>
+          <a:lstStyle/>
+          <a:p>
+            <a:r>
+              <a:rPr lang="hu-HU" b="1" dirty="0">
+                <a:solidFill>
+                  <a:schemeClr val="bg1"/>
+                </a:solidFill>
+                <a:latin typeface="Rockwell Extra Bold" panose="02060903040505020403" pitchFamily="18" charset="0"/>
+              </a:rPr>
+              <a:t>Aszteroida generálása:</a:t>
+            </a:r>
+          </a:p>
+        </p:txBody>
+      </p:sp>
+      <p:pic>
+        <p:nvPicPr>
+          <p:cNvPr id="8" name="Kép 7">
+            <a:extLst>
+              <a:ext uri="{FF2B5EF4-FFF2-40B4-BE49-F238E27FC236}">
+                <a16:creationId xmlns:a16="http://schemas.microsoft.com/office/drawing/2014/main" id="{FEF515E1-BC03-4429-F073-499C5C3BFFAB}"/>
+              </a:ext>
+            </a:extLst>
+          </p:cNvPr>
+          <p:cNvPicPr>
+            <a:picLocks noChangeAspect="1"/>
+          </p:cNvPicPr>
+          <p:nvPr/>
+        </p:nvPicPr>
+        <p:blipFill>
+          <a:blip r:embed="rId2"/>
+          <a:stretch>
+            <a:fillRect/>
+          </a:stretch>
+        </p:blipFill>
+        <p:spPr>
+          <a:xfrm>
+            <a:off x="503759" y="3429000"/>
+            <a:ext cx="7276624" cy="2753008"/>
+          </a:xfrm>
+          <a:prstGeom prst="rect">
+            <a:avLst/>
+          </a:prstGeom>
+          <a:solidFill>
+            <a:srgbClr val="FFFFFF">
+              <a:shade val="85000"/>
+            </a:srgbClr>
+          </a:solidFill>
+          <a:ln w="88900" cap="sq">
+            <a:solidFill>
+              <a:schemeClr val="tx1"/>
+            </a:solidFill>
+            <a:miter lim="800000"/>
+          </a:ln>
+          <a:effectLst>
+            <a:outerShdw blurRad="55000" dist="18000" dir="5400000" algn="tl" rotWithShape="0">
+              <a:srgbClr val="000000">
+                <a:alpha val="40000"/>
+              </a:srgbClr>
+            </a:outerShdw>
+          </a:effectLst>
+          <a:scene3d>
+            <a:camera prst="orthographicFront"/>
+            <a:lightRig rig="twoPt" dir="t">
+              <a:rot lat="0" lon="0" rev="7200000"/>
+            </a:lightRig>
+          </a:scene3d>
+          <a:sp3d>
+            <a:bevelT w="25400" h="19050"/>
+            <a:contourClr>
+              <a:srgbClr val="FFFFFF"/>
+            </a:contourClr>
+          </a:sp3d>
+        </p:spPr>
+      </p:pic>
+      <p:pic>
+        <p:nvPicPr>
+          <p:cNvPr id="11" name="Kép 10">
+            <a:extLst>
+              <a:ext uri="{FF2B5EF4-FFF2-40B4-BE49-F238E27FC236}">
+                <a16:creationId xmlns:a16="http://schemas.microsoft.com/office/drawing/2014/main" id="{67CB66B2-A7F4-98B2-A8E1-24D05EB3F0D1}"/>
+              </a:ext>
+            </a:extLst>
+          </p:cNvPr>
+          <p:cNvPicPr>
+            <a:picLocks noChangeAspect="1"/>
+          </p:cNvPicPr>
+          <p:nvPr/>
+        </p:nvPicPr>
+        <p:blipFill>
+          <a:blip r:embed="rId3"/>
+          <a:stretch>
+            <a:fillRect/>
+          </a:stretch>
+        </p:blipFill>
+        <p:spPr>
+          <a:xfrm>
+            <a:off x="832581" y="1480553"/>
+            <a:ext cx="6618980" cy="1134272"/>
+          </a:xfrm>
+          <a:prstGeom prst="rect">
+            <a:avLst/>
+          </a:prstGeom>
+          <a:solidFill>
+            <a:srgbClr val="FFFFFF">
+              <a:shade val="85000"/>
+            </a:srgbClr>
+          </a:solidFill>
+          <a:ln w="88900" cap="sq">
+            <a:solidFill>
+              <a:schemeClr val="tx1"/>
+            </a:solidFill>
+            <a:miter lim="800000"/>
+          </a:ln>
+          <a:effectLst>
+            <a:outerShdw blurRad="55000" dist="18000" dir="5400000" algn="tl" rotWithShape="0">
+              <a:srgbClr val="000000">
+                <a:alpha val="40000"/>
+              </a:srgbClr>
+            </a:outerShdw>
+          </a:effectLst>
+          <a:scene3d>
+            <a:camera prst="orthographicFront"/>
+            <a:lightRig rig="twoPt" dir="t">
+              <a:rot lat="0" lon="0" rev="7200000"/>
+            </a:lightRig>
+          </a:scene3d>
+          <a:sp3d>
+            <a:bevelT w="25400" h="19050"/>
+            <a:contourClr>
+              <a:srgbClr val="FFFFFF"/>
+            </a:contourClr>
+          </a:sp3d>
+        </p:spPr>
+      </p:pic>
+      <p:pic>
+        <p:nvPicPr>
+          <p:cNvPr id="15" name="Kép 14" descr="A képen fekete-fehér, természet, hold, művészet látható&#10;&#10;Automatikusan generált leírás közepes megbízhatósággal">
+            <a:extLst>
+              <a:ext uri="{FF2B5EF4-FFF2-40B4-BE49-F238E27FC236}">
+                <a16:creationId xmlns:a16="http://schemas.microsoft.com/office/drawing/2014/main" id="{40BE0419-68E3-A604-FADC-76645354A2DD}"/>
+              </a:ext>
+            </a:extLst>
+          </p:cNvPr>
+          <p:cNvPicPr>
+            <a:picLocks noChangeAspect="1"/>
+          </p:cNvPicPr>
+          <p:nvPr/>
+        </p:nvPicPr>
+        <p:blipFill>
+          <a:blip r:embed="rId4">
+            <a:extLst>
+              <a:ext uri="{28A0092B-C50C-407E-A947-70E740481C1C}">
+                <a14:useLocalDpi xmlns:a14="http://schemas.microsoft.com/office/drawing/2010/main" val="0"/>
+              </a:ext>
+            </a:extLst>
+          </a:blip>
+          <a:stretch>
+            <a:fillRect/>
+          </a:stretch>
+        </p:blipFill>
+        <p:spPr>
+          <a:xfrm>
+            <a:off x="7451561" y="568410"/>
+            <a:ext cx="5155343" cy="5155343"/>
+          </a:xfrm>
+          <a:prstGeom prst="rect">
+            <a:avLst/>
+          </a:prstGeom>
+        </p:spPr>
+      </p:pic>
+    </p:spTree>
+    <p:extLst>
+      <p:ext uri="{BB962C8B-B14F-4D97-AF65-F5344CB8AC3E}">
+        <p14:creationId xmlns:p14="http://schemas.microsoft.com/office/powerpoint/2010/main" val="501682490"/>
+      </p:ext>
+    </p:extLst>
+  </p:cSld>
+  <p:clrMapOvr>
+    <a:masterClrMapping/>
+  </p:clrMapOvr>
+  <mc:AlternateContent xmlns:mc="http://schemas.openxmlformats.org/markup-compatibility/2006" xmlns:p14="http://schemas.microsoft.com/office/powerpoint/2010/main">
+    <mc:Choice Requires="p14">
+      <p:transition spd="slow" p14:dur="4000">
+        <p14:vortex dir="r"/>
+      </p:transition>
+    </mc:Choice>
+    <mc:Fallback xmlns="">
+      <p:transition spd="slow">
+        <p:fade/>
       </p:transition>
     </mc:Fallback>
   </mc:AlternateContent>

--- a/PPT/Space Hunter.pptx
+++ b/PPT/Space Hunter.pptx
@@ -16,7 +16,8 @@
     <p:sldId id="259" r:id="rId10"/>
     <p:sldId id="264" r:id="rId11"/>
     <p:sldId id="266" r:id="rId12"/>
-    <p:sldId id="262" r:id="rId13"/>
+    <p:sldId id="272" r:id="rId13"/>
+    <p:sldId id="262" r:id="rId14"/>
   </p:sldIdLst>
   <p:sldSz cx="12192000" cy="6858000"/>
   <p:notesSz cx="6858000" cy="9144000"/>
@@ -270,7 +271,7 @@
           <a:p>
             <a:fld id="{DA484DFB-0D73-4626-BA94-E457E798A3D2}" type="datetimeFigureOut">
               <a:rPr lang="hu-HU" smtClean="0"/>
-              <a:t>2024. 04. 09.</a:t>
+              <a:t>2024. 04. 10.</a:t>
             </a:fld>
             <a:endParaRPr lang="hu-HU"/>
           </a:p>
@@ -468,7 +469,7 @@
           <a:p>
             <a:fld id="{DA484DFB-0D73-4626-BA94-E457E798A3D2}" type="datetimeFigureOut">
               <a:rPr lang="hu-HU" smtClean="0"/>
-              <a:t>2024. 04. 09.</a:t>
+              <a:t>2024. 04. 10.</a:t>
             </a:fld>
             <a:endParaRPr lang="hu-HU"/>
           </a:p>
@@ -676,7 +677,7 @@
           <a:p>
             <a:fld id="{DA484DFB-0D73-4626-BA94-E457E798A3D2}" type="datetimeFigureOut">
               <a:rPr lang="hu-HU" smtClean="0"/>
-              <a:t>2024. 04. 09.</a:t>
+              <a:t>2024. 04. 10.</a:t>
             </a:fld>
             <a:endParaRPr lang="hu-HU"/>
           </a:p>
@@ -874,7 +875,7 @@
           <a:p>
             <a:fld id="{DA484DFB-0D73-4626-BA94-E457E798A3D2}" type="datetimeFigureOut">
               <a:rPr lang="hu-HU" smtClean="0"/>
-              <a:t>2024. 04. 09.</a:t>
+              <a:t>2024. 04. 10.</a:t>
             </a:fld>
             <a:endParaRPr lang="hu-HU"/>
           </a:p>
@@ -1149,7 +1150,7 @@
           <a:p>
             <a:fld id="{DA484DFB-0D73-4626-BA94-E457E798A3D2}" type="datetimeFigureOut">
               <a:rPr lang="hu-HU" smtClean="0"/>
-              <a:t>2024. 04. 09.</a:t>
+              <a:t>2024. 04. 10.</a:t>
             </a:fld>
             <a:endParaRPr lang="hu-HU"/>
           </a:p>
@@ -1414,7 +1415,7 @@
           <a:p>
             <a:fld id="{DA484DFB-0D73-4626-BA94-E457E798A3D2}" type="datetimeFigureOut">
               <a:rPr lang="hu-HU" smtClean="0"/>
-              <a:t>2024. 04. 09.</a:t>
+              <a:t>2024. 04. 10.</a:t>
             </a:fld>
             <a:endParaRPr lang="hu-HU"/>
           </a:p>
@@ -1826,7 +1827,7 @@
           <a:p>
             <a:fld id="{DA484DFB-0D73-4626-BA94-E457E798A3D2}" type="datetimeFigureOut">
               <a:rPr lang="hu-HU" smtClean="0"/>
-              <a:t>2024. 04. 09.</a:t>
+              <a:t>2024. 04. 10.</a:t>
             </a:fld>
             <a:endParaRPr lang="hu-HU"/>
           </a:p>
@@ -1967,7 +1968,7 @@
           <a:p>
             <a:fld id="{DA484DFB-0D73-4626-BA94-E457E798A3D2}" type="datetimeFigureOut">
               <a:rPr lang="hu-HU" smtClean="0"/>
-              <a:t>2024. 04. 09.</a:t>
+              <a:t>2024. 04. 10.</a:t>
             </a:fld>
             <a:endParaRPr lang="hu-HU"/>
           </a:p>
@@ -2080,7 +2081,7 @@
           <a:p>
             <a:fld id="{DA484DFB-0D73-4626-BA94-E457E798A3D2}" type="datetimeFigureOut">
               <a:rPr lang="hu-HU" smtClean="0"/>
-              <a:t>2024. 04. 09.</a:t>
+              <a:t>2024. 04. 10.</a:t>
             </a:fld>
             <a:endParaRPr lang="hu-HU"/>
           </a:p>
@@ -2391,7 +2392,7 @@
           <a:p>
             <a:fld id="{DA484DFB-0D73-4626-BA94-E457E798A3D2}" type="datetimeFigureOut">
               <a:rPr lang="hu-HU" smtClean="0"/>
-              <a:t>2024. 04. 09.</a:t>
+              <a:t>2024. 04. 10.</a:t>
             </a:fld>
             <a:endParaRPr lang="hu-HU"/>
           </a:p>
@@ -2679,7 +2680,7 @@
           <a:p>
             <a:fld id="{DA484DFB-0D73-4626-BA94-E457E798A3D2}" type="datetimeFigureOut">
               <a:rPr lang="hu-HU" smtClean="0"/>
-              <a:t>2024. 04. 09.</a:t>
+              <a:t>2024. 04. 10.</a:t>
             </a:fld>
             <a:endParaRPr lang="hu-HU"/>
           </a:p>
@@ -2929,7 +2930,7 @@
           <a:p>
             <a:fld id="{DA484DFB-0D73-4626-BA94-E457E798A3D2}" type="datetimeFigureOut">
               <a:rPr lang="hu-HU" smtClean="0"/>
-              <a:t>2024. 04. 09.</a:t>
+              <a:t>2024. 04. 10.</a:t>
             </a:fld>
             <a:endParaRPr lang="hu-HU"/>
           </a:p>
@@ -3822,18 +3823,9 @@
   <p:clrMapOvr>
     <a:masterClrMapping/>
   </p:clrMapOvr>
-  <mc:AlternateContent xmlns:mc="http://schemas.openxmlformats.org/markup-compatibility/2006" xmlns:p14="http://schemas.microsoft.com/office/powerpoint/2010/main">
-    <mc:Choice Requires="p14">
-      <p:transition spd="slow" p14:dur="4400">
-        <p14:honeycomb/>
-      </p:transition>
-    </mc:Choice>
-    <mc:Fallback xmlns="">
-      <p:transition spd="slow">
-        <p:fade/>
-      </p:transition>
-    </mc:Fallback>
-  </mc:AlternateContent>
+  <p:transition spd="slow">
+    <p:wipe/>
+  </p:transition>
 </p:sld>
 </file>
 
@@ -4542,22 +4534,103 @@
   <p:clrMapOvr>
     <a:masterClrMapping/>
   </p:clrMapOvr>
-  <mc:AlternateContent xmlns:mc="http://schemas.openxmlformats.org/markup-compatibility/2006" xmlns:p15="http://schemas.microsoft.com/office/powerpoint/2012/main">
-    <mc:Choice Requires="p15">
-      <p:transition xmlns:p14="http://schemas.microsoft.com/office/powerpoint/2010/main" spd="slow" p14:dur="2000">
-        <p15:prstTrans prst="wind"/>
-      </p:transition>
-    </mc:Choice>
-    <mc:Fallback xmlns="">
-      <p:transition spd="slow">
-        <p:fade/>
-      </p:transition>
-    </mc:Fallback>
-  </mc:AlternateContent>
+  <p:transition spd="slow">
+    <p:push dir="u"/>
+  </p:transition>
 </p:sld>
 </file>
 
 <file path=ppt/slides/slide12.xml><?xml version="1.0" encoding="utf-8"?>
+<p:sld xmlns:a="http://schemas.openxmlformats.org/drawingml/2006/main" xmlns:r="http://schemas.openxmlformats.org/officeDocument/2006/relationships" xmlns:p="http://schemas.openxmlformats.org/presentationml/2006/main">
+  <p:cSld>
+    <p:spTree>
+      <p:nvGrpSpPr>
+        <p:cNvPr id="1" name=""/>
+        <p:cNvGrpSpPr/>
+        <p:nvPr/>
+      </p:nvGrpSpPr>
+      <p:grpSpPr>
+        <a:xfrm>
+          <a:off x="0" y="0"/>
+          <a:ext cx="0" cy="0"/>
+          <a:chOff x="0" y="0"/>
+          <a:chExt cx="0" cy="0"/>
+        </a:xfrm>
+      </p:grpSpPr>
+      <p:pic>
+        <p:nvPicPr>
+          <p:cNvPr id="5" name="Kép 4">
+            <a:extLst>
+              <a:ext uri="{FF2B5EF4-FFF2-40B4-BE49-F238E27FC236}">
+                <a16:creationId xmlns:a16="http://schemas.microsoft.com/office/drawing/2014/main" id="{15B6AE5B-CFD8-33ED-B481-98C0842FD038}"/>
+              </a:ext>
+            </a:extLst>
+          </p:cNvPr>
+          <p:cNvPicPr>
+            <a:picLocks noChangeAspect="1"/>
+          </p:cNvPicPr>
+          <p:nvPr/>
+        </p:nvPicPr>
+        <p:blipFill>
+          <a:blip r:embed="rId2"/>
+          <a:stretch>
+            <a:fillRect/>
+          </a:stretch>
+        </p:blipFill>
+        <p:spPr>
+          <a:xfrm>
+            <a:off x="1280483" y="166816"/>
+            <a:ext cx="9631033" cy="6524368"/>
+          </a:xfrm>
+          <a:prstGeom prst="rect">
+            <a:avLst/>
+          </a:prstGeom>
+          <a:solidFill>
+            <a:srgbClr val="FFFFFF">
+              <a:shade val="85000"/>
+            </a:srgbClr>
+          </a:solidFill>
+          <a:ln w="88900" cap="sq">
+            <a:solidFill>
+              <a:schemeClr val="tx1"/>
+            </a:solidFill>
+            <a:miter lim="800000"/>
+          </a:ln>
+          <a:effectLst>
+            <a:outerShdw blurRad="55000" dist="18000" dir="5400000" algn="tl" rotWithShape="0">
+              <a:srgbClr val="000000">
+                <a:alpha val="40000"/>
+              </a:srgbClr>
+            </a:outerShdw>
+          </a:effectLst>
+          <a:scene3d>
+            <a:camera prst="orthographicFront"/>
+            <a:lightRig rig="twoPt" dir="t">
+              <a:rot lat="0" lon="0" rev="7200000"/>
+            </a:lightRig>
+          </a:scene3d>
+          <a:sp3d>
+            <a:bevelT w="25400" h="19050"/>
+            <a:contourClr>
+              <a:srgbClr val="FFFFFF"/>
+            </a:contourClr>
+          </a:sp3d>
+        </p:spPr>
+      </p:pic>
+    </p:spTree>
+    <p:extLst>
+      <p:ext uri="{BB962C8B-B14F-4D97-AF65-F5344CB8AC3E}">
+        <p14:creationId xmlns:p14="http://schemas.microsoft.com/office/powerpoint/2010/main" val="3326589392"/>
+      </p:ext>
+    </p:extLst>
+  </p:cSld>
+  <p:clrMapOvr>
+    <a:masterClrMapping/>
+  </p:clrMapOvr>
+</p:sld>
+</file>
+
+<file path=ppt/slides/slide13.xml><?xml version="1.0" encoding="utf-8"?>
 <p:sld xmlns:a="http://schemas.openxmlformats.org/drawingml/2006/main" xmlns:r="http://schemas.openxmlformats.org/officeDocument/2006/relationships" xmlns:p="http://schemas.openxmlformats.org/presentationml/2006/main">
   <p:cSld>
     <p:spTree>
@@ -6193,10 +6266,10 @@
       </p:pic>
       <p:pic>
         <p:nvPicPr>
-          <p:cNvPr id="9" name="Kép 8">
-            <a:extLst>
-              <a:ext uri="{FF2B5EF4-FFF2-40B4-BE49-F238E27FC236}">
-                <a16:creationId xmlns:a16="http://schemas.microsoft.com/office/drawing/2014/main" id="{CDBC3147-67A0-A548-5080-D091E0B04C9A}"/>
+          <p:cNvPr id="7" name="Kép 6">
+            <a:extLst>
+              <a:ext uri="{FF2B5EF4-FFF2-40B4-BE49-F238E27FC236}">
+                <a16:creationId xmlns:a16="http://schemas.microsoft.com/office/drawing/2014/main" id="{195F8A0F-353B-5EFF-90BA-B9E802BE6F59}"/>
               </a:ext>
             </a:extLst>
           </p:cNvPr>
@@ -6213,8 +6286,8 @@
         </p:blipFill>
         <p:spPr>
           <a:xfrm>
-            <a:off x="2594919" y="375303"/>
-            <a:ext cx="7133966" cy="5829346"/>
+            <a:off x="2047310" y="618733"/>
+            <a:ext cx="8097380" cy="5620534"/>
           </a:xfrm>
           <a:prstGeom prst="rect">
             <a:avLst/>
@@ -6261,13 +6334,13 @@
   <p:clrMapOvr>
     <a:masterClrMapping/>
   </p:clrMapOvr>
-  <mc:AlternateContent xmlns:mc="http://schemas.openxmlformats.org/markup-compatibility/2006">
-    <mc:Choice xmlns:p159="http://schemas.microsoft.com/office/powerpoint/2015/09/main" Requires="p159">
+  <mc:AlternateContent xmlns:mc="http://schemas.openxmlformats.org/markup-compatibility/2006" xmlns:p159="http://schemas.microsoft.com/office/powerpoint/2015/09/main">
+    <mc:Choice Requires="p159">
       <p:transition xmlns:p14="http://schemas.microsoft.com/office/powerpoint/2010/main" spd="slow" p14:dur="2000">
         <p159:morph option="byObject"/>
       </p:transition>
     </mc:Choice>
-    <mc:Fallback>
+    <mc:Fallback xmlns="">
       <p:transition spd="slow">
         <p:fade/>
       </p:transition>
@@ -6294,7 +6367,7 @@
                             </p:stCondLst>
                             <p:childTnLst>
                               <p:par>
-                                <p:cTn id="5" presetID="22" presetClass="entr" presetSubtype="4" fill="hold" nodeType="clickEffect">
+                                <p:cTn id="5" presetID="2" presetClass="entr" presetSubtype="4" fill="hold" nodeType="clickEffect">
                                   <p:stCondLst>
                                     <p:cond delay="0"/>
                                   </p:stCondLst>
@@ -6307,7 +6380,7 @@
                                           </p:stCondLst>
                                         </p:cTn>
                                         <p:tgtEl>
-                                          <p:spTgt spid="9"/>
+                                          <p:spTgt spid="7"/>
                                         </p:tgtEl>
                                         <p:attrNameLst>
                                           <p:attrName>style.visibility</p:attrName>
@@ -6317,14 +6390,52 @@
                                         <p:strVal val="visible"/>
                                       </p:to>
                                     </p:set>
-                                    <p:animEffect transition="in" filter="wipe(down)">
-                                      <p:cBhvr>
-                                        <p:cTn id="7" dur="500"/>
+                                    <p:anim calcmode="lin" valueType="num">
+                                      <p:cBhvr additive="base">
+                                        <p:cTn id="7" dur="500" fill="hold"/>
                                         <p:tgtEl>
-                                          <p:spTgt spid="9"/>
+                                          <p:spTgt spid="7"/>
                                         </p:tgtEl>
+                                        <p:attrNameLst>
+                                          <p:attrName>ppt_x</p:attrName>
+                                        </p:attrNameLst>
                                       </p:cBhvr>
-                                    </p:animEffect>
+                                      <p:tavLst>
+                                        <p:tav tm="0">
+                                          <p:val>
+                                            <p:strVal val="#ppt_x"/>
+                                          </p:val>
+                                        </p:tav>
+                                        <p:tav tm="100000">
+                                          <p:val>
+                                            <p:strVal val="#ppt_x"/>
+                                          </p:val>
+                                        </p:tav>
+                                      </p:tavLst>
+                                    </p:anim>
+                                    <p:anim calcmode="lin" valueType="num">
+                                      <p:cBhvr additive="base">
+                                        <p:cTn id="8" dur="500" fill="hold"/>
+                                        <p:tgtEl>
+                                          <p:spTgt spid="7"/>
+                                        </p:tgtEl>
+                                        <p:attrNameLst>
+                                          <p:attrName>ppt_y</p:attrName>
+                                        </p:attrNameLst>
+                                      </p:cBhvr>
+                                      <p:tavLst>
+                                        <p:tav tm="0">
+                                          <p:val>
+                                            <p:strVal val="1+#ppt_h/2"/>
+                                          </p:val>
+                                        </p:tav>
+                                        <p:tav tm="100000">
+                                          <p:val>
+                                            <p:strVal val="#ppt_y"/>
+                                          </p:val>
+                                        </p:tav>
+                                      </p:tavLst>
+                                    </p:anim>
                                   </p:childTnLst>
                                 </p:cTn>
                               </p:par>
@@ -6676,18 +6787,9 @@
   <p:clrMapOvr>
     <a:masterClrMapping/>
   </p:clrMapOvr>
-  <mc:AlternateContent xmlns:mc="http://schemas.openxmlformats.org/markup-compatibility/2006" xmlns:p14="http://schemas.microsoft.com/office/powerpoint/2010/main">
-    <mc:Choice Requires="p14">
-      <p:transition spd="slow" p14:dur="1500">
-        <p:split orient="vert"/>
-      </p:transition>
-    </mc:Choice>
-    <mc:Fallback xmlns="">
-      <p:transition spd="slow">
-        <p:split orient="vert"/>
-      </p:transition>
-    </mc:Fallback>
-  </mc:AlternateContent>
+  <p:transition spd="slow">
+    <p:wipe/>
+  </p:transition>
   <p:timing>
     <p:tnLst>
       <p:par>
@@ -7188,6 +7290,9 @@
   <p:clrMapOvr>
     <a:masterClrMapping/>
   </p:clrMapOvr>
+  <p:transition spd="slow">
+    <p:wipe/>
+  </p:transition>
 </p:sld>
 </file>
 
@@ -7414,18 +7519,9 @@
   <p:clrMapOvr>
     <a:masterClrMapping/>
   </p:clrMapOvr>
-  <mc:AlternateContent xmlns:mc="http://schemas.openxmlformats.org/markup-compatibility/2006" xmlns:p14="http://schemas.microsoft.com/office/powerpoint/2010/main">
-    <mc:Choice Requires="p14">
-      <p:transition spd="slow" p14:dur="4000">
-        <p14:vortex dir="r"/>
-      </p:transition>
-    </mc:Choice>
-    <mc:Fallback xmlns="">
-      <p:transition spd="slow">
-        <p:fade/>
-      </p:transition>
-    </mc:Fallback>
-  </mc:AlternateContent>
+  <p:transition spd="slow">
+    <p:wipe/>
+  </p:transition>
 </p:sld>
 </file>
 

--- a/PPT/Space Hunter.pptx
+++ b/PPT/Space Hunter.pptx
@@ -271,7 +271,7 @@
           <a:p>
             <a:fld id="{DA484DFB-0D73-4626-BA94-E457E798A3D2}" type="datetimeFigureOut">
               <a:rPr lang="hu-HU" smtClean="0"/>
-              <a:t>2024. 04. 10.</a:t>
+              <a:t>2024.04.17</a:t>
             </a:fld>
             <a:endParaRPr lang="hu-HU"/>
           </a:p>
@@ -469,7 +469,7 @@
           <a:p>
             <a:fld id="{DA484DFB-0D73-4626-BA94-E457E798A3D2}" type="datetimeFigureOut">
               <a:rPr lang="hu-HU" smtClean="0"/>
-              <a:t>2024. 04. 10.</a:t>
+              <a:t>2024.04.17</a:t>
             </a:fld>
             <a:endParaRPr lang="hu-HU"/>
           </a:p>
@@ -677,7 +677,7 @@
           <a:p>
             <a:fld id="{DA484DFB-0D73-4626-BA94-E457E798A3D2}" type="datetimeFigureOut">
               <a:rPr lang="hu-HU" smtClean="0"/>
-              <a:t>2024. 04. 10.</a:t>
+              <a:t>2024.04.17</a:t>
             </a:fld>
             <a:endParaRPr lang="hu-HU"/>
           </a:p>
@@ -875,7 +875,7 @@
           <a:p>
             <a:fld id="{DA484DFB-0D73-4626-BA94-E457E798A3D2}" type="datetimeFigureOut">
               <a:rPr lang="hu-HU" smtClean="0"/>
-              <a:t>2024. 04. 10.</a:t>
+              <a:t>2024.04.17</a:t>
             </a:fld>
             <a:endParaRPr lang="hu-HU"/>
           </a:p>
@@ -1150,7 +1150,7 @@
           <a:p>
             <a:fld id="{DA484DFB-0D73-4626-BA94-E457E798A3D2}" type="datetimeFigureOut">
               <a:rPr lang="hu-HU" smtClean="0"/>
-              <a:t>2024. 04. 10.</a:t>
+              <a:t>2024.04.17</a:t>
             </a:fld>
             <a:endParaRPr lang="hu-HU"/>
           </a:p>
@@ -1415,7 +1415,7 @@
           <a:p>
             <a:fld id="{DA484DFB-0D73-4626-BA94-E457E798A3D2}" type="datetimeFigureOut">
               <a:rPr lang="hu-HU" smtClean="0"/>
-              <a:t>2024. 04. 10.</a:t>
+              <a:t>2024.04.17</a:t>
             </a:fld>
             <a:endParaRPr lang="hu-HU"/>
           </a:p>
@@ -1827,7 +1827,7 @@
           <a:p>
             <a:fld id="{DA484DFB-0D73-4626-BA94-E457E798A3D2}" type="datetimeFigureOut">
               <a:rPr lang="hu-HU" smtClean="0"/>
-              <a:t>2024. 04. 10.</a:t>
+              <a:t>2024.04.17</a:t>
             </a:fld>
             <a:endParaRPr lang="hu-HU"/>
           </a:p>
@@ -1968,7 +1968,7 @@
           <a:p>
             <a:fld id="{DA484DFB-0D73-4626-BA94-E457E798A3D2}" type="datetimeFigureOut">
               <a:rPr lang="hu-HU" smtClean="0"/>
-              <a:t>2024. 04. 10.</a:t>
+              <a:t>2024.04.17</a:t>
             </a:fld>
             <a:endParaRPr lang="hu-HU"/>
           </a:p>
@@ -2081,7 +2081,7 @@
           <a:p>
             <a:fld id="{DA484DFB-0D73-4626-BA94-E457E798A3D2}" type="datetimeFigureOut">
               <a:rPr lang="hu-HU" smtClean="0"/>
-              <a:t>2024. 04. 10.</a:t>
+              <a:t>2024.04.17</a:t>
             </a:fld>
             <a:endParaRPr lang="hu-HU"/>
           </a:p>
@@ -2392,7 +2392,7 @@
           <a:p>
             <a:fld id="{DA484DFB-0D73-4626-BA94-E457E798A3D2}" type="datetimeFigureOut">
               <a:rPr lang="hu-HU" smtClean="0"/>
-              <a:t>2024. 04. 10.</a:t>
+              <a:t>2024.04.17</a:t>
             </a:fld>
             <a:endParaRPr lang="hu-HU"/>
           </a:p>
@@ -2680,7 +2680,7 @@
           <a:p>
             <a:fld id="{DA484DFB-0D73-4626-BA94-E457E798A3D2}" type="datetimeFigureOut">
               <a:rPr lang="hu-HU" smtClean="0"/>
-              <a:t>2024. 04. 10.</a:t>
+              <a:t>2024.04.17</a:t>
             </a:fld>
             <a:endParaRPr lang="hu-HU"/>
           </a:p>
@@ -2930,7 +2930,7 @@
           <a:p>
             <a:fld id="{DA484DFB-0D73-4626-BA94-E457E798A3D2}" type="datetimeFigureOut">
               <a:rPr lang="hu-HU" smtClean="0"/>
-              <a:t>2024. 04. 10.</a:t>
+              <a:t>2024.04.17</a:t>
             </a:fld>
             <a:endParaRPr lang="hu-HU"/>
           </a:p>
@@ -5268,13 +5268,13 @@
   <p:clrMapOvr>
     <a:masterClrMapping/>
   </p:clrMapOvr>
-  <mc:AlternateContent xmlns:mc="http://schemas.openxmlformats.org/markup-compatibility/2006">
-    <mc:Choice xmlns:p159="http://schemas.microsoft.com/office/powerpoint/2015/09/main" Requires="p159">
+  <mc:AlternateContent xmlns:mc="http://schemas.openxmlformats.org/markup-compatibility/2006" xmlns:p159="http://schemas.microsoft.com/office/powerpoint/2015/09/main">
+    <mc:Choice Requires="p159">
       <p:transition xmlns:p14="http://schemas.microsoft.com/office/powerpoint/2010/main" spd="slow" p14:dur="2000">
         <p159:morph option="byObject"/>
       </p:transition>
     </mc:Choice>
-    <mc:Fallback>
+    <mc:Fallback xmlns="">
       <p:transition spd="slow">
         <p:fade/>
       </p:transition>
@@ -7355,10 +7355,10 @@
       </p:sp>
       <p:pic>
         <p:nvPicPr>
-          <p:cNvPr id="8" name="Kép 7">
-            <a:extLst>
-              <a:ext uri="{FF2B5EF4-FFF2-40B4-BE49-F238E27FC236}">
-                <a16:creationId xmlns:a16="http://schemas.microsoft.com/office/drawing/2014/main" id="{FEF515E1-BC03-4429-F073-499C5C3BFFAB}"/>
+          <p:cNvPr id="11" name="Kép 10">
+            <a:extLst>
+              <a:ext uri="{FF2B5EF4-FFF2-40B4-BE49-F238E27FC236}">
+                <a16:creationId xmlns:a16="http://schemas.microsoft.com/office/drawing/2014/main" id="{67CB66B2-A7F4-98B2-A8E1-24D05EB3F0D1}"/>
               </a:ext>
             </a:extLst>
           </p:cNvPr>
@@ -7369,66 +7369,6 @@
         </p:nvPicPr>
         <p:blipFill>
           <a:blip r:embed="rId2"/>
-          <a:stretch>
-            <a:fillRect/>
-          </a:stretch>
-        </p:blipFill>
-        <p:spPr>
-          <a:xfrm>
-            <a:off x="503759" y="3429000"/>
-            <a:ext cx="7276624" cy="2753008"/>
-          </a:xfrm>
-          <a:prstGeom prst="rect">
-            <a:avLst/>
-          </a:prstGeom>
-          <a:solidFill>
-            <a:srgbClr val="FFFFFF">
-              <a:shade val="85000"/>
-            </a:srgbClr>
-          </a:solidFill>
-          <a:ln w="88900" cap="sq">
-            <a:solidFill>
-              <a:schemeClr val="tx1"/>
-            </a:solidFill>
-            <a:miter lim="800000"/>
-          </a:ln>
-          <a:effectLst>
-            <a:outerShdw blurRad="55000" dist="18000" dir="5400000" algn="tl" rotWithShape="0">
-              <a:srgbClr val="000000">
-                <a:alpha val="40000"/>
-              </a:srgbClr>
-            </a:outerShdw>
-          </a:effectLst>
-          <a:scene3d>
-            <a:camera prst="orthographicFront"/>
-            <a:lightRig rig="twoPt" dir="t">
-              <a:rot lat="0" lon="0" rev="7200000"/>
-            </a:lightRig>
-          </a:scene3d>
-          <a:sp3d>
-            <a:bevelT w="25400" h="19050"/>
-            <a:contourClr>
-              <a:srgbClr val="FFFFFF"/>
-            </a:contourClr>
-          </a:sp3d>
-        </p:spPr>
-      </p:pic>
-      <p:pic>
-        <p:nvPicPr>
-          <p:cNvPr id="11" name="Kép 10">
-            <a:extLst>
-              <a:ext uri="{FF2B5EF4-FFF2-40B4-BE49-F238E27FC236}">
-                <a16:creationId xmlns:a16="http://schemas.microsoft.com/office/drawing/2014/main" id="{67CB66B2-A7F4-98B2-A8E1-24D05EB3F0D1}"/>
-              </a:ext>
-            </a:extLst>
-          </p:cNvPr>
-          <p:cNvPicPr>
-            <a:picLocks noChangeAspect="1"/>
-          </p:cNvPicPr>
-          <p:nvPr/>
-        </p:nvPicPr>
-        <p:blipFill>
-          <a:blip r:embed="rId3"/>
           <a:stretch>
             <a:fillRect/>
           </a:stretch>
@@ -7488,7 +7428,7 @@
           <p:nvPr/>
         </p:nvPicPr>
         <p:blipFill>
-          <a:blip r:embed="rId4">
+          <a:blip r:embed="rId3">
             <a:extLst>
               <a:ext uri="{28A0092B-C50C-407E-A947-70E740481C1C}">
                 <a14:useLocalDpi xmlns:a14="http://schemas.microsoft.com/office/drawing/2010/main" val="0"/>
@@ -7507,6 +7447,66 @@
           <a:prstGeom prst="rect">
             <a:avLst/>
           </a:prstGeom>
+        </p:spPr>
+      </p:pic>
+      <p:pic>
+        <p:nvPicPr>
+          <p:cNvPr id="2" name="Kép 1">
+            <a:extLst>
+              <a:ext uri="{FF2B5EF4-FFF2-40B4-BE49-F238E27FC236}">
+                <a16:creationId xmlns:a16="http://schemas.microsoft.com/office/drawing/2014/main" id="{A242A2D8-72D9-4525-9596-380B6927D8D5}"/>
+              </a:ext>
+            </a:extLst>
+          </p:cNvPr>
+          <p:cNvPicPr>
+            <a:picLocks noChangeAspect="1"/>
+          </p:cNvPicPr>
+          <p:nvPr/>
+        </p:nvPicPr>
+        <p:blipFill>
+          <a:blip r:embed="rId4"/>
+          <a:stretch>
+            <a:fillRect/>
+          </a:stretch>
+        </p:blipFill>
+        <p:spPr>
+          <a:xfrm>
+            <a:off x="372753" y="3526968"/>
+            <a:ext cx="7475848" cy="2652712"/>
+          </a:xfrm>
+          <a:prstGeom prst="rect">
+            <a:avLst/>
+          </a:prstGeom>
+          <a:solidFill>
+            <a:srgbClr val="FFFFFF">
+              <a:shade val="85000"/>
+            </a:srgbClr>
+          </a:solidFill>
+          <a:ln w="88900" cap="sq">
+            <a:solidFill>
+              <a:schemeClr val="tx1"/>
+            </a:solidFill>
+            <a:miter lim="800000"/>
+          </a:ln>
+          <a:effectLst>
+            <a:outerShdw blurRad="55000" dist="18000" dir="5400000" algn="tl" rotWithShape="0">
+              <a:srgbClr val="000000">
+                <a:alpha val="40000"/>
+              </a:srgbClr>
+            </a:outerShdw>
+          </a:effectLst>
+          <a:scene3d>
+            <a:camera prst="orthographicFront"/>
+            <a:lightRig rig="twoPt" dir="t">
+              <a:rot lat="0" lon="0" rev="7200000"/>
+            </a:lightRig>
+          </a:scene3d>
+          <a:sp3d>
+            <a:bevelT w="25400" h="19050"/>
+            <a:contourClr>
+              <a:srgbClr val="FFFFFF"/>
+            </a:contourClr>
+          </a:sp3d>
         </p:spPr>
       </p:pic>
     </p:spTree>
